--- a/slides.pptx
+++ b/slides.pptx
@@ -5,7 +5,7 @@
     <p:sldMasterId id="2147483648" r:id="rId1"/>
   </p:sldMasterIdLst>
   <p:notesMasterIdLst>
-    <p:notesMasterId r:id="rId31"/>
+    <p:notesMasterId r:id="rId32"/>
   </p:notesMasterIdLst>
   <p:sldIdLst>
     <p:sldId id="256" r:id="rId2"/>
@@ -31,12 +31,13 @@
     <p:sldId id="297" r:id="rId22"/>
     <p:sldId id="300" r:id="rId23"/>
     <p:sldId id="303" r:id="rId24"/>
-    <p:sldId id="304" r:id="rId25"/>
-    <p:sldId id="305" r:id="rId26"/>
-    <p:sldId id="308" r:id="rId27"/>
-    <p:sldId id="309" r:id="rId28"/>
-    <p:sldId id="311" r:id="rId29"/>
-    <p:sldId id="298" r:id="rId30"/>
+    <p:sldId id="313" r:id="rId25"/>
+    <p:sldId id="304" r:id="rId26"/>
+    <p:sldId id="305" r:id="rId27"/>
+    <p:sldId id="308" r:id="rId28"/>
+    <p:sldId id="309" r:id="rId29"/>
+    <p:sldId id="311" r:id="rId30"/>
+    <p:sldId id="298" r:id="rId31"/>
   </p:sldIdLst>
   <p:sldSz cx="12192000" cy="6858000"/>
   <p:notesSz cx="6858000" cy="9144000"/>
@@ -135,6 +136,11 @@
       </a:defRPr>
     </a:lvl9pPr>
   </p:defaultTextStyle>
+  <p:extLst>
+    <p:ext uri="{EFAFB233-063F-42B5-8137-9DF3F51BA10A}">
+      <p15:sldGuideLst xmlns:p15="http://schemas.microsoft.com/office/powerpoint/2012/main"/>
+    </p:ext>
+  </p:extLst>
 </p:presentation>
 </file>
 
@@ -220,7 +226,7 @@
           <a:p>
             <a:fld id="{E245C6CD-5F06-0246-BE5E-2C304CA8388D}" type="datetimeFigureOut">
               <a:rPr lang="en-CH" smtClean="0"/>
-              <a:t>04.11.2024</a:t>
+              <a:t>10.11.2024</a:t>
             </a:fld>
             <a:endParaRPr lang="en-CH"/>
           </a:p>
@@ -1837,7 +1843,13 @@
   <p:cSld>
     <p:spTree>
       <p:nvGrpSpPr>
-        <p:cNvPr id="1" name=""/>
+        <p:cNvPr id="1" name="">
+          <a:extLst>
+            <a:ext uri="{FF2B5EF4-FFF2-40B4-BE49-F238E27FC236}">
+              <a16:creationId xmlns:a16="http://schemas.microsoft.com/office/drawing/2014/main" id="{ADF66A70-9619-08F7-E19F-EB6AD8152B7C}"/>
+            </a:ext>
+          </a:extLst>
+        </p:cNvPr>
         <p:cNvGrpSpPr/>
         <p:nvPr/>
       </p:nvGrpSpPr>
@@ -1851,7 +1863,13 @@
       </p:grpSpPr>
       <p:sp>
         <p:nvSpPr>
-          <p:cNvPr id="2" name="Slide Image Placeholder 1"/>
+          <p:cNvPr id="2" name="Slide Image Placeholder 1">
+            <a:extLst>
+              <a:ext uri="{FF2B5EF4-FFF2-40B4-BE49-F238E27FC236}">
+                <a16:creationId xmlns:a16="http://schemas.microsoft.com/office/drawing/2014/main" id="{82481C89-2624-5E13-EDBA-04AD9E91346C}"/>
+              </a:ext>
+            </a:extLst>
+          </p:cNvPr>
           <p:cNvSpPr>
             <a:spLocks noGrp="1" noRot="1" noChangeAspect="1"/>
           </p:cNvSpPr>
@@ -1863,7 +1881,13 @@
       </p:sp>
       <p:sp>
         <p:nvSpPr>
-          <p:cNvPr id="3" name="Notes Placeholder 2"/>
+          <p:cNvPr id="3" name="Notes Placeholder 2">
+            <a:extLst>
+              <a:ext uri="{FF2B5EF4-FFF2-40B4-BE49-F238E27FC236}">
+                <a16:creationId xmlns:a16="http://schemas.microsoft.com/office/drawing/2014/main" id="{9F9A37C2-85A6-8206-79F4-FD8683EBFC0A}"/>
+              </a:ext>
+            </a:extLst>
+          </p:cNvPr>
           <p:cNvSpPr>
             <a:spLocks noGrp="1"/>
           </p:cNvSpPr>
@@ -1882,7 +1906,13 @@
       </p:sp>
       <p:sp>
         <p:nvSpPr>
-          <p:cNvPr id="4" name="Slide Number Placeholder 3"/>
+          <p:cNvPr id="4" name="Slide Number Placeholder 3">
+            <a:extLst>
+              <a:ext uri="{FF2B5EF4-FFF2-40B4-BE49-F238E27FC236}">
+                <a16:creationId xmlns:a16="http://schemas.microsoft.com/office/drawing/2014/main" id="{714F6F24-2F12-991B-0167-EC50782356FA}"/>
+              </a:ext>
+            </a:extLst>
+          </p:cNvPr>
           <p:cNvSpPr>
             <a:spLocks noGrp="1"/>
           </p:cNvSpPr>
@@ -1906,7 +1936,7 @@
     </p:spTree>
     <p:extLst>
       <p:ext uri="{BB962C8B-B14F-4D97-AF65-F5344CB8AC3E}">
-        <p14:creationId xmlns:p14="http://schemas.microsoft.com/office/powerpoint/2010/main" val="2486554002"/>
+        <p14:creationId xmlns:p14="http://schemas.microsoft.com/office/powerpoint/2010/main" val="4272048120"/>
       </p:ext>
     </p:extLst>
   </p:cSld>
@@ -1990,7 +2020,7 @@
     </p:spTree>
     <p:extLst>
       <p:ext uri="{BB962C8B-B14F-4D97-AF65-F5344CB8AC3E}">
-        <p14:creationId xmlns:p14="http://schemas.microsoft.com/office/powerpoint/2010/main" val="1625076994"/>
+        <p14:creationId xmlns:p14="http://schemas.microsoft.com/office/powerpoint/2010/main" val="2486554002"/>
       </p:ext>
     </p:extLst>
   </p:cSld>
@@ -2044,7 +2074,7 @@
           <a:bodyPr/>
           <a:lstStyle/>
           <a:p>
-            <a:endParaRPr lang="en-CH" dirty="0"/>
+            <a:endParaRPr lang="en-CH"/>
           </a:p>
         </p:txBody>
       </p:sp>
@@ -2074,7 +2104,7 @@
     </p:spTree>
     <p:extLst>
       <p:ext uri="{BB962C8B-B14F-4D97-AF65-F5344CB8AC3E}">
-        <p14:creationId xmlns:p14="http://schemas.microsoft.com/office/powerpoint/2010/main" val="205788620"/>
+        <p14:creationId xmlns:p14="http://schemas.microsoft.com/office/powerpoint/2010/main" val="1625076994"/>
       </p:ext>
     </p:extLst>
   </p:cSld>
@@ -2128,7 +2158,7 @@
           <a:bodyPr/>
           <a:lstStyle/>
           <a:p>
-            <a:endParaRPr lang="en-CH"/>
+            <a:endParaRPr lang="en-CH" dirty="0"/>
           </a:p>
         </p:txBody>
       </p:sp>
@@ -2158,7 +2188,7 @@
     </p:spTree>
     <p:extLst>
       <p:ext uri="{BB962C8B-B14F-4D97-AF65-F5344CB8AC3E}">
-        <p14:creationId xmlns:p14="http://schemas.microsoft.com/office/powerpoint/2010/main" val="2554892822"/>
+        <p14:creationId xmlns:p14="http://schemas.microsoft.com/office/powerpoint/2010/main" val="205788620"/>
       </p:ext>
     </p:extLst>
   </p:cSld>
@@ -2242,7 +2272,7 @@
     </p:spTree>
     <p:extLst>
       <p:ext uri="{BB962C8B-B14F-4D97-AF65-F5344CB8AC3E}">
-        <p14:creationId xmlns:p14="http://schemas.microsoft.com/office/powerpoint/2010/main" val="2387962783"/>
+        <p14:creationId xmlns:p14="http://schemas.microsoft.com/office/powerpoint/2010/main" val="2554892822"/>
       </p:ext>
     </p:extLst>
   </p:cSld>
@@ -2326,7 +2356,7 @@
     </p:spTree>
     <p:extLst>
       <p:ext uri="{BB962C8B-B14F-4D97-AF65-F5344CB8AC3E}">
-        <p14:creationId xmlns:p14="http://schemas.microsoft.com/office/powerpoint/2010/main" val="810112010"/>
+        <p14:creationId xmlns:p14="http://schemas.microsoft.com/office/powerpoint/2010/main" val="2387962783"/>
       </p:ext>
     </p:extLst>
   </p:cSld>
@@ -2411,6 +2441,90 @@
     <p:extLst>
       <p:ext uri="{BB962C8B-B14F-4D97-AF65-F5344CB8AC3E}">
         <p14:creationId xmlns:p14="http://schemas.microsoft.com/office/powerpoint/2010/main" val="2034991781"/>
+      </p:ext>
+    </p:extLst>
+  </p:cSld>
+  <p:clrMapOvr>
+    <a:masterClrMapping/>
+  </p:clrMapOvr>
+</p:notes>
+</file>
+
+<file path=ppt/notesSlides/notesSlide30.xml><?xml version="1.0" encoding="utf-8"?>
+<p:notes xmlns:a="http://schemas.openxmlformats.org/drawingml/2006/main" xmlns:r="http://schemas.openxmlformats.org/officeDocument/2006/relationships" xmlns:p="http://schemas.openxmlformats.org/presentationml/2006/main">
+  <p:cSld>
+    <p:spTree>
+      <p:nvGrpSpPr>
+        <p:cNvPr id="1" name=""/>
+        <p:cNvGrpSpPr/>
+        <p:nvPr/>
+      </p:nvGrpSpPr>
+      <p:grpSpPr>
+        <a:xfrm>
+          <a:off x="0" y="0"/>
+          <a:ext cx="0" cy="0"/>
+          <a:chOff x="0" y="0"/>
+          <a:chExt cx="0" cy="0"/>
+        </a:xfrm>
+      </p:grpSpPr>
+      <p:sp>
+        <p:nvSpPr>
+          <p:cNvPr id="2" name="Slide Image Placeholder 1"/>
+          <p:cNvSpPr>
+            <a:spLocks noGrp="1" noRot="1" noChangeAspect="1"/>
+          </p:cNvSpPr>
+          <p:nvPr>
+            <p:ph type="sldImg"/>
+          </p:nvPr>
+        </p:nvSpPr>
+        <p:spPr/>
+      </p:sp>
+      <p:sp>
+        <p:nvSpPr>
+          <p:cNvPr id="3" name="Notes Placeholder 2"/>
+          <p:cNvSpPr>
+            <a:spLocks noGrp="1"/>
+          </p:cNvSpPr>
+          <p:nvPr>
+            <p:ph type="body" idx="1"/>
+          </p:nvPr>
+        </p:nvSpPr>
+        <p:spPr/>
+        <p:txBody>
+          <a:bodyPr/>
+          <a:lstStyle/>
+          <a:p>
+            <a:endParaRPr lang="en-CH"/>
+          </a:p>
+        </p:txBody>
+      </p:sp>
+      <p:sp>
+        <p:nvSpPr>
+          <p:cNvPr id="4" name="Slide Number Placeholder 3"/>
+          <p:cNvSpPr>
+            <a:spLocks noGrp="1"/>
+          </p:cNvSpPr>
+          <p:nvPr>
+            <p:ph type="sldNum" sz="quarter" idx="5"/>
+          </p:nvPr>
+        </p:nvSpPr>
+        <p:spPr/>
+        <p:txBody>
+          <a:bodyPr/>
+          <a:lstStyle/>
+          <a:p>
+            <a:fld id="{6B8C4FD6-C914-D34A-993A-21413EA429ED}" type="slidenum">
+              <a:rPr lang="en-CH" smtClean="0"/>
+              <a:t>30</a:t>
+            </a:fld>
+            <a:endParaRPr lang="en-CH"/>
+          </a:p>
+        </p:txBody>
+      </p:sp>
+    </p:spTree>
+    <p:extLst>
+      <p:ext uri="{BB962C8B-B14F-4D97-AF65-F5344CB8AC3E}">
+        <p14:creationId xmlns:p14="http://schemas.microsoft.com/office/powerpoint/2010/main" val="810112010"/>
       </p:ext>
     </p:extLst>
   </p:cSld>
@@ -3073,7 +3187,7 @@
           <a:p>
             <a:fld id="{0AEC86C6-164F-B14A-83ED-F3C15812FCD0}" type="datetimeFigureOut">
               <a:rPr lang="en-CH" smtClean="0"/>
-              <a:t>04.11.2024</a:t>
+              <a:t>10.11.2024</a:t>
             </a:fld>
             <a:endParaRPr lang="en-CH"/>
           </a:p>
@@ -3273,7 +3387,7 @@
           <a:p>
             <a:fld id="{0AEC86C6-164F-B14A-83ED-F3C15812FCD0}" type="datetimeFigureOut">
               <a:rPr lang="en-CH" smtClean="0"/>
-              <a:t>04.11.2024</a:t>
+              <a:t>10.11.2024</a:t>
             </a:fld>
             <a:endParaRPr lang="en-CH"/>
           </a:p>
@@ -3483,7 +3597,7 @@
           <a:p>
             <a:fld id="{0AEC86C6-164F-B14A-83ED-F3C15812FCD0}" type="datetimeFigureOut">
               <a:rPr lang="en-CH" smtClean="0"/>
-              <a:t>04.11.2024</a:t>
+              <a:t>10.11.2024</a:t>
             </a:fld>
             <a:endParaRPr lang="en-CH"/>
           </a:p>
@@ -3683,7 +3797,7 @@
           <a:p>
             <a:fld id="{0AEC86C6-164F-B14A-83ED-F3C15812FCD0}" type="datetimeFigureOut">
               <a:rPr lang="en-CH" smtClean="0"/>
-              <a:t>04.11.2024</a:t>
+              <a:t>10.11.2024</a:t>
             </a:fld>
             <a:endParaRPr lang="en-CH"/>
           </a:p>
@@ -3959,7 +4073,7 @@
           <a:p>
             <a:fld id="{0AEC86C6-164F-B14A-83ED-F3C15812FCD0}" type="datetimeFigureOut">
               <a:rPr lang="en-CH" smtClean="0"/>
-              <a:t>04.11.2024</a:t>
+              <a:t>10.11.2024</a:t>
             </a:fld>
             <a:endParaRPr lang="en-CH"/>
           </a:p>
@@ -4227,7 +4341,7 @@
           <a:p>
             <a:fld id="{0AEC86C6-164F-B14A-83ED-F3C15812FCD0}" type="datetimeFigureOut">
               <a:rPr lang="en-CH" smtClean="0"/>
-              <a:t>04.11.2024</a:t>
+              <a:t>10.11.2024</a:t>
             </a:fld>
             <a:endParaRPr lang="en-CH"/>
           </a:p>
@@ -4642,7 +4756,7 @@
           <a:p>
             <a:fld id="{0AEC86C6-164F-B14A-83ED-F3C15812FCD0}" type="datetimeFigureOut">
               <a:rPr lang="en-CH" smtClean="0"/>
-              <a:t>04.11.2024</a:t>
+              <a:t>10.11.2024</a:t>
             </a:fld>
             <a:endParaRPr lang="en-CH"/>
           </a:p>
@@ -4784,7 +4898,7 @@
           <a:p>
             <a:fld id="{0AEC86C6-164F-B14A-83ED-F3C15812FCD0}" type="datetimeFigureOut">
               <a:rPr lang="en-CH" smtClean="0"/>
-              <a:t>04.11.2024</a:t>
+              <a:t>10.11.2024</a:t>
             </a:fld>
             <a:endParaRPr lang="en-CH"/>
           </a:p>
@@ -4897,7 +5011,7 @@
           <a:p>
             <a:fld id="{0AEC86C6-164F-B14A-83ED-F3C15812FCD0}" type="datetimeFigureOut">
               <a:rPr lang="en-CH" smtClean="0"/>
-              <a:t>04.11.2024</a:t>
+              <a:t>10.11.2024</a:t>
             </a:fld>
             <a:endParaRPr lang="en-CH"/>
           </a:p>
@@ -5210,7 +5324,7 @@
           <a:p>
             <a:fld id="{0AEC86C6-164F-B14A-83ED-F3C15812FCD0}" type="datetimeFigureOut">
               <a:rPr lang="en-CH" smtClean="0"/>
-              <a:t>04.11.2024</a:t>
+              <a:t>10.11.2024</a:t>
             </a:fld>
             <a:endParaRPr lang="en-CH"/>
           </a:p>
@@ -5499,7 +5613,7 @@
           <a:p>
             <a:fld id="{0AEC86C6-164F-B14A-83ED-F3C15812FCD0}" type="datetimeFigureOut">
               <a:rPr lang="en-CH" smtClean="0"/>
-              <a:t>04.11.2024</a:t>
+              <a:t>10.11.2024</a:t>
             </a:fld>
             <a:endParaRPr lang="en-CH"/>
           </a:p>
@@ -5742,7 +5856,7 @@
           <a:p>
             <a:fld id="{0AEC86C6-164F-B14A-83ED-F3C15812FCD0}" type="datetimeFigureOut">
               <a:rPr lang="en-CH" smtClean="0"/>
-              <a:t>04.11.2024</a:t>
+              <a:t>10.11.2024</a:t>
             </a:fld>
             <a:endParaRPr lang="en-CH"/>
           </a:p>
@@ -27427,7 +27541,7 @@
           <a:p>
             <a:r>
               <a:rPr lang="en-CH" dirty="0"/>
-              <a:t>EIP-6466: SSZ Receipts</a:t>
+              <a:t>EIP-6466: SSZ receipts</a:t>
             </a:r>
           </a:p>
         </p:txBody>
@@ -33596,6 +33710,4687 @@
         <p:cNvPr id="1" name="">
           <a:extLst>
             <a:ext uri="{FF2B5EF4-FFF2-40B4-BE49-F238E27FC236}">
+              <a16:creationId xmlns:a16="http://schemas.microsoft.com/office/drawing/2014/main" id="{7BED317C-1CC8-D229-F2C6-C8BC5208511E}"/>
+            </a:ext>
+          </a:extLst>
+        </p:cNvPr>
+        <p:cNvGrpSpPr/>
+        <p:nvPr/>
+      </p:nvGrpSpPr>
+      <p:grpSpPr>
+        <a:xfrm>
+          <a:off x="0" y="0"/>
+          <a:ext cx="0" cy="0"/>
+          <a:chOff x="0" y="0"/>
+          <a:chExt cx="0" cy="0"/>
+        </a:xfrm>
+      </p:grpSpPr>
+      <p:sp>
+        <p:nvSpPr>
+          <p:cNvPr id="2" name="Title 1">
+            <a:extLst>
+              <a:ext uri="{FF2B5EF4-FFF2-40B4-BE49-F238E27FC236}">
+                <a16:creationId xmlns:a16="http://schemas.microsoft.com/office/drawing/2014/main" id="{6F4C63ED-7FFB-5A04-3855-ECD1B8BF6B6F}"/>
+              </a:ext>
+            </a:extLst>
+          </p:cNvPr>
+          <p:cNvSpPr>
+            <a:spLocks noGrp="1"/>
+          </p:cNvSpPr>
+          <p:nvPr>
+            <p:ph type="title"/>
+          </p:nvPr>
+        </p:nvSpPr>
+        <p:spPr>
+          <a:xfrm>
+            <a:off x="838200" y="365125"/>
+            <a:ext cx="10515600" cy="1325563"/>
+          </a:xfrm>
+        </p:spPr>
+        <p:txBody>
+          <a:bodyPr/>
+          <a:lstStyle/>
+          <a:p>
+            <a:r>
+              <a:rPr lang="en-CH" dirty="0"/>
+              <a:t>EIP-6404: SSZ transactions</a:t>
+            </a:r>
+          </a:p>
+        </p:txBody>
+      </p:sp>
+      <p:sp>
+        <p:nvSpPr>
+          <p:cNvPr id="31" name="Rectangle 30">
+            <a:extLst>
+              <a:ext uri="{FF2B5EF4-FFF2-40B4-BE49-F238E27FC236}">
+                <a16:creationId xmlns:a16="http://schemas.microsoft.com/office/drawing/2014/main" id="{E09F6C40-EEAE-5F80-DD92-B6BAB17DAFF4}"/>
+              </a:ext>
+            </a:extLst>
+          </p:cNvPr>
+          <p:cNvSpPr/>
+          <p:nvPr/>
+        </p:nvSpPr>
+        <p:spPr>
+          <a:xfrm>
+            <a:off x="838200" y="4100052"/>
+            <a:ext cx="9746226" cy="2020529"/>
+          </a:xfrm>
+          <a:prstGeom prst="rect">
+            <a:avLst/>
+          </a:prstGeom>
+          <a:gradFill flip="none" rotWithShape="1">
+            <a:gsLst>
+              <a:gs pos="20000">
+                <a:schemeClr val="accent5">
+                  <a:alpha val="50000"/>
+                </a:schemeClr>
+              </a:gs>
+              <a:gs pos="32000">
+                <a:schemeClr val="bg1"/>
+              </a:gs>
+            </a:gsLst>
+            <a:lin ang="0" scaled="1"/>
+            <a:tileRect/>
+          </a:gradFill>
+          <a:ln>
+            <a:noFill/>
+          </a:ln>
+        </p:spPr>
+        <p:style>
+          <a:lnRef idx="2">
+            <a:schemeClr val="accent1">
+              <a:shade val="15000"/>
+            </a:schemeClr>
+          </a:lnRef>
+          <a:fillRef idx="1">
+            <a:schemeClr val="accent1"/>
+          </a:fillRef>
+          <a:effectRef idx="0">
+            <a:schemeClr val="accent1"/>
+          </a:effectRef>
+          <a:fontRef idx="minor">
+            <a:schemeClr val="lt1"/>
+          </a:fontRef>
+        </p:style>
+        <p:txBody>
+          <a:bodyPr rtlCol="0" anchor="ctr"/>
+          <a:lstStyle/>
+          <a:p>
+            <a:pPr algn="ctr"/>
+            <a:endParaRPr lang="en-CH"/>
+          </a:p>
+        </p:txBody>
+      </p:sp>
+      <p:sp>
+        <p:nvSpPr>
+          <p:cNvPr id="5" name="Rectangle 4">
+            <a:extLst>
+              <a:ext uri="{FF2B5EF4-FFF2-40B4-BE49-F238E27FC236}">
+                <a16:creationId xmlns:a16="http://schemas.microsoft.com/office/drawing/2014/main" id="{8A94A5C4-267F-CD47-B53F-6C01FC4A13E0}"/>
+              </a:ext>
+            </a:extLst>
+          </p:cNvPr>
+          <p:cNvSpPr/>
+          <p:nvPr/>
+        </p:nvSpPr>
+        <p:spPr>
+          <a:xfrm>
+            <a:off x="955254" y="1985547"/>
+            <a:ext cx="2106592" cy="555585"/>
+          </a:xfrm>
+          <a:prstGeom prst="rect">
+            <a:avLst/>
+          </a:prstGeom>
+          <a:noFill/>
+        </p:spPr>
+        <p:style>
+          <a:lnRef idx="2">
+            <a:schemeClr val="accent1"/>
+          </a:lnRef>
+          <a:fillRef idx="1">
+            <a:schemeClr val="lt1"/>
+          </a:fillRef>
+          <a:effectRef idx="0">
+            <a:schemeClr val="accent1"/>
+          </a:effectRef>
+          <a:fontRef idx="minor">
+            <a:schemeClr val="dk1"/>
+          </a:fontRef>
+        </p:style>
+        <p:txBody>
+          <a:bodyPr rtlCol="0" anchor="ctr"/>
+          <a:lstStyle/>
+          <a:p>
+            <a:pPr algn="ctr"/>
+            <a:r>
+              <a:rPr lang="en-CH" b="1" dirty="0"/>
+              <a:t>4.75 ETH</a:t>
+            </a:r>
+          </a:p>
+        </p:txBody>
+      </p:sp>
+      <p:sp>
+        <p:nvSpPr>
+          <p:cNvPr id="6" name="Rectangle 5">
+            <a:extLst>
+              <a:ext uri="{FF2B5EF4-FFF2-40B4-BE49-F238E27FC236}">
+                <a16:creationId xmlns:a16="http://schemas.microsoft.com/office/drawing/2014/main" id="{D73B9AAD-B75F-C1CF-B73E-8EED3A05B16A}"/>
+              </a:ext>
+            </a:extLst>
+          </p:cNvPr>
+          <p:cNvSpPr/>
+          <p:nvPr/>
+        </p:nvSpPr>
+        <p:spPr>
+          <a:xfrm>
+            <a:off x="955254" y="2782708"/>
+            <a:ext cx="1018572" cy="555585"/>
+          </a:xfrm>
+          <a:prstGeom prst="rect">
+            <a:avLst/>
+          </a:prstGeom>
+          <a:noFill/>
+        </p:spPr>
+        <p:style>
+          <a:lnRef idx="2">
+            <a:schemeClr val="accent1"/>
+          </a:lnRef>
+          <a:fillRef idx="1">
+            <a:schemeClr val="lt1"/>
+          </a:fillRef>
+          <a:effectRef idx="0">
+            <a:schemeClr val="accent1"/>
+          </a:effectRef>
+          <a:fontRef idx="minor">
+            <a:schemeClr val="dk1"/>
+          </a:fontRef>
+        </p:style>
+        <p:txBody>
+          <a:bodyPr rtlCol="0" anchor="ctr"/>
+          <a:lstStyle/>
+          <a:p>
+            <a:pPr algn="ctr"/>
+            <a:r>
+              <a:rPr lang="en-CH" sz="1400" b="1" dirty="0"/>
+              <a:t>0.1</a:t>
+            </a:r>
+            <a:br>
+              <a:rPr lang="en-CH" sz="1400" b="1" dirty="0"/>
+            </a:br>
+            <a:r>
+              <a:rPr lang="en-CH" sz="1400" b="1" dirty="0"/>
+              <a:t>BTC</a:t>
+            </a:r>
+          </a:p>
+        </p:txBody>
+      </p:sp>
+      <p:sp>
+        <p:nvSpPr>
+          <p:cNvPr id="7" name="Rectangle 6">
+            <a:extLst>
+              <a:ext uri="{FF2B5EF4-FFF2-40B4-BE49-F238E27FC236}">
+                <a16:creationId xmlns:a16="http://schemas.microsoft.com/office/drawing/2014/main" id="{56955405-F72E-FD47-C284-645152CF3D53}"/>
+              </a:ext>
+            </a:extLst>
+          </p:cNvPr>
+          <p:cNvSpPr/>
+          <p:nvPr/>
+        </p:nvSpPr>
+        <p:spPr>
+          <a:xfrm>
+            <a:off x="955254" y="3417661"/>
+            <a:ext cx="1018572" cy="555585"/>
+          </a:xfrm>
+          <a:prstGeom prst="rect">
+            <a:avLst/>
+          </a:prstGeom>
+          <a:noFill/>
+        </p:spPr>
+        <p:style>
+          <a:lnRef idx="2">
+            <a:schemeClr val="accent1"/>
+          </a:lnRef>
+          <a:fillRef idx="1">
+            <a:schemeClr val="lt1"/>
+          </a:fillRef>
+          <a:effectRef idx="0">
+            <a:schemeClr val="accent1"/>
+          </a:effectRef>
+          <a:fontRef idx="minor">
+            <a:schemeClr val="dk1"/>
+          </a:fontRef>
+        </p:style>
+        <p:txBody>
+          <a:bodyPr rtlCol="0" anchor="ctr"/>
+          <a:lstStyle/>
+          <a:p>
+            <a:pPr algn="ctr"/>
+            <a:r>
+              <a:rPr lang="en-CH" sz="1400" b="1" dirty="0"/>
+              <a:t>500</a:t>
+            </a:r>
+            <a:br>
+              <a:rPr lang="en-CH" sz="1400" b="1" dirty="0"/>
+            </a:br>
+            <a:r>
+              <a:rPr lang="en-CH" sz="1400" b="1" dirty="0"/>
+              <a:t>USDC</a:t>
+            </a:r>
+          </a:p>
+        </p:txBody>
+      </p:sp>
+      <p:pic>
+        <p:nvPicPr>
+          <p:cNvPr id="10" name="Content Placeholder 9">
+            <a:extLst>
+              <a:ext uri="{FF2B5EF4-FFF2-40B4-BE49-F238E27FC236}">
+                <a16:creationId xmlns:a16="http://schemas.microsoft.com/office/drawing/2014/main" id="{ED948950-964A-7EA2-4531-B9AF3A23B83B}"/>
+              </a:ext>
+            </a:extLst>
+          </p:cNvPr>
+          <p:cNvPicPr>
+            <a:picLocks noGrp="1" noChangeAspect="1"/>
+          </p:cNvPicPr>
+          <p:nvPr>
+            <p:ph idx="1"/>
+          </p:nvPr>
+        </p:nvPicPr>
+        <p:blipFill rotWithShape="1">
+          <a:blip r:embed="rId3" cstate="hqprint">
+            <a:alphaModFix/>
+            <a:extLst>
+              <a:ext uri="{BEBA8EAE-BF5A-486C-A8C5-ECC9F3942E4B}">
+                <a14:imgProps xmlns:a14="http://schemas.microsoft.com/office/drawing/2010/main">
+                  <a14:imgLayer r:embed="rId4">
+                    <a14:imgEffect>
+                      <a14:saturation sat="0"/>
+                    </a14:imgEffect>
+                  </a14:imgLayer>
+                </a14:imgProps>
+              </a:ext>
+              <a:ext uri="{28A0092B-C50C-407E-A947-70E740481C1C}">
+                <a14:useLocalDpi xmlns:a14="http://schemas.microsoft.com/office/drawing/2010/main"/>
+              </a:ext>
+            </a:extLst>
+          </a:blip>
+          <a:srcRect/>
+          <a:stretch/>
+        </p:blipFill>
+        <p:spPr>
+          <a:xfrm rot="5400000">
+            <a:off x="1959284" y="2870686"/>
+            <a:ext cx="1186552" cy="1018571"/>
+          </a:xfrm>
+          <a:ln w="19050">
+            <a:solidFill>
+              <a:schemeClr val="accent1"/>
+            </a:solidFill>
+          </a:ln>
+        </p:spPr>
+      </p:pic>
+      <p:sp>
+        <p:nvSpPr>
+          <p:cNvPr id="15" name="Rectangle 14">
+            <a:extLst>
+              <a:ext uri="{FF2B5EF4-FFF2-40B4-BE49-F238E27FC236}">
+                <a16:creationId xmlns:a16="http://schemas.microsoft.com/office/drawing/2014/main" id="{03486D3E-DF60-7F9B-76B0-C36918DC79C4}"/>
+              </a:ext>
+            </a:extLst>
+          </p:cNvPr>
+          <p:cNvSpPr/>
+          <p:nvPr/>
+        </p:nvSpPr>
+        <p:spPr>
+          <a:xfrm>
+            <a:off x="955254" y="4214823"/>
+            <a:ext cx="2106592" cy="545690"/>
+          </a:xfrm>
+          <a:prstGeom prst="rect">
+            <a:avLst/>
+          </a:prstGeom>
+        </p:spPr>
+        <p:style>
+          <a:lnRef idx="2">
+            <a:schemeClr val="accent1"/>
+          </a:lnRef>
+          <a:fillRef idx="1">
+            <a:schemeClr val="lt1"/>
+          </a:fillRef>
+          <a:effectRef idx="0">
+            <a:schemeClr val="accent1"/>
+          </a:effectRef>
+          <a:fontRef idx="minor">
+            <a:schemeClr val="dk1"/>
+          </a:fontRef>
+        </p:style>
+        <p:txBody>
+          <a:bodyPr rtlCol="0" anchor="ctr"/>
+          <a:lstStyle/>
+          <a:p>
+            <a:pPr algn="ctr"/>
+            <a:r>
+              <a:rPr lang="en-CH" sz="1400" dirty="0">
+                <a:sym typeface="Wingdings" pitchFamily="2" charset="2"/>
+              </a:rPr>
+              <a:t> theprotocolguild.eth 2024-11-12       –50 USDC</a:t>
+            </a:r>
+            <a:endParaRPr lang="en-CH" sz="1400" dirty="0"/>
+          </a:p>
+        </p:txBody>
+      </p:sp>
+      <p:sp>
+        <p:nvSpPr>
+          <p:cNvPr id="16" name="Rectangle 15">
+            <a:extLst>
+              <a:ext uri="{FF2B5EF4-FFF2-40B4-BE49-F238E27FC236}">
+                <a16:creationId xmlns:a16="http://schemas.microsoft.com/office/drawing/2014/main" id="{8D348606-F831-A77C-55FB-298A51B515FC}"/>
+              </a:ext>
+            </a:extLst>
+          </p:cNvPr>
+          <p:cNvSpPr/>
+          <p:nvPr/>
+        </p:nvSpPr>
+        <p:spPr>
+          <a:xfrm>
+            <a:off x="955254" y="4832215"/>
+            <a:ext cx="2106592" cy="545690"/>
+          </a:xfrm>
+          <a:prstGeom prst="rect">
+            <a:avLst/>
+          </a:prstGeom>
+        </p:spPr>
+        <p:style>
+          <a:lnRef idx="2">
+            <a:schemeClr val="accent1"/>
+          </a:lnRef>
+          <a:fillRef idx="1">
+            <a:schemeClr val="lt1"/>
+          </a:fillRef>
+          <a:effectRef idx="0">
+            <a:schemeClr val="accent1"/>
+          </a:effectRef>
+          <a:fontRef idx="minor">
+            <a:schemeClr val="dk1"/>
+          </a:fontRef>
+        </p:style>
+        <p:txBody>
+          <a:bodyPr rtlCol="0" anchor="ctr"/>
+          <a:lstStyle/>
+          <a:p>
+            <a:pPr algn="ctr"/>
+            <a:r>
+              <a:rPr lang="en-CH" sz="1400" dirty="0">
+                <a:sym typeface="Wingdings" pitchFamily="2" charset="2"/>
+              </a:rPr>
+              <a:t> vitalik.eth</a:t>
+            </a:r>
+            <a:br>
+              <a:rPr lang="en-CH" sz="1400" dirty="0">
+                <a:sym typeface="Wingdings" pitchFamily="2" charset="2"/>
+              </a:rPr>
+            </a:br>
+            <a:r>
+              <a:rPr lang="en-CH" sz="1400" dirty="0">
+                <a:sym typeface="Wingdings" pitchFamily="2" charset="2"/>
+              </a:rPr>
+              <a:t>2024-11-11                1 ETH</a:t>
+            </a:r>
+            <a:endParaRPr lang="en-CH" sz="1400" dirty="0"/>
+          </a:p>
+        </p:txBody>
+      </p:sp>
+      <p:sp>
+        <p:nvSpPr>
+          <p:cNvPr id="17" name="Rectangle 16">
+            <a:extLst>
+              <a:ext uri="{FF2B5EF4-FFF2-40B4-BE49-F238E27FC236}">
+                <a16:creationId xmlns:a16="http://schemas.microsoft.com/office/drawing/2014/main" id="{6ACF9B19-1029-30CB-04D9-78EAC20DA168}"/>
+              </a:ext>
+            </a:extLst>
+          </p:cNvPr>
+          <p:cNvSpPr/>
+          <p:nvPr/>
+        </p:nvSpPr>
+        <p:spPr>
+          <a:xfrm>
+            <a:off x="955254" y="5452604"/>
+            <a:ext cx="2106592" cy="545690"/>
+          </a:xfrm>
+          <a:prstGeom prst="rect">
+            <a:avLst/>
+          </a:prstGeom>
+        </p:spPr>
+        <p:style>
+          <a:lnRef idx="2">
+            <a:schemeClr val="accent1"/>
+          </a:lnRef>
+          <a:fillRef idx="1">
+            <a:schemeClr val="lt1"/>
+          </a:fillRef>
+          <a:effectRef idx="0">
+            <a:schemeClr val="accent1"/>
+          </a:effectRef>
+          <a:fontRef idx="minor">
+            <a:schemeClr val="dk1"/>
+          </a:fontRef>
+        </p:style>
+        <p:txBody>
+          <a:bodyPr rtlCol="0" anchor="ctr"/>
+          <a:lstStyle/>
+          <a:p>
+            <a:pPr algn="ctr"/>
+            <a:r>
+              <a:rPr lang="en-CH" sz="1400" dirty="0">
+                <a:sym typeface="Wingdings" pitchFamily="2" charset="2"/>
+              </a:rPr>
+              <a:t>🎉 Block #123 produced</a:t>
+            </a:r>
+            <a:br>
+              <a:rPr lang="en-CH" sz="1400" dirty="0">
+                <a:sym typeface="Wingdings" pitchFamily="2" charset="2"/>
+              </a:rPr>
+            </a:br>
+            <a:r>
+              <a:rPr lang="en-CH" sz="1400" dirty="0">
+                <a:sym typeface="Wingdings" pitchFamily="2" charset="2"/>
+              </a:rPr>
+              <a:t>2024-11-09         0.08 ETH</a:t>
+            </a:r>
+            <a:endParaRPr lang="en-CH" sz="1400" dirty="0"/>
+          </a:p>
+        </p:txBody>
+      </p:sp>
+      <p:sp>
+        <p:nvSpPr>
+          <p:cNvPr id="13" name="Rectangle 12">
+            <a:extLst>
+              <a:ext uri="{FF2B5EF4-FFF2-40B4-BE49-F238E27FC236}">
+                <a16:creationId xmlns:a16="http://schemas.microsoft.com/office/drawing/2014/main" id="{7255FB89-5DC2-6C38-4DF0-750DBA0E7D67}"/>
+              </a:ext>
+            </a:extLst>
+          </p:cNvPr>
+          <p:cNvSpPr/>
+          <p:nvPr/>
+        </p:nvSpPr>
+        <p:spPr>
+          <a:xfrm>
+            <a:off x="3185652" y="1883415"/>
+            <a:ext cx="8686800" cy="4237166"/>
+          </a:xfrm>
+          <a:prstGeom prst="rect">
+            <a:avLst/>
+          </a:prstGeom>
+          <a:solidFill>
+            <a:schemeClr val="bg1"/>
+          </a:solidFill>
+          <a:ln>
+            <a:noFill/>
+          </a:ln>
+        </p:spPr>
+        <p:style>
+          <a:lnRef idx="2">
+            <a:schemeClr val="accent1">
+              <a:shade val="15000"/>
+            </a:schemeClr>
+          </a:lnRef>
+          <a:fillRef idx="1">
+            <a:schemeClr val="accent1"/>
+          </a:fillRef>
+          <a:effectRef idx="0">
+            <a:schemeClr val="accent1"/>
+          </a:effectRef>
+          <a:fontRef idx="minor">
+            <a:schemeClr val="lt1"/>
+          </a:fontRef>
+        </p:style>
+        <p:txBody>
+          <a:bodyPr rtlCol="0" anchor="ctr"/>
+          <a:lstStyle/>
+          <a:p>
+            <a:pPr algn="ctr"/>
+            <a:endParaRPr lang="en-CH" dirty="0"/>
+          </a:p>
+        </p:txBody>
+      </p:sp>
+      <p:sp>
+        <p:nvSpPr>
+          <p:cNvPr id="3" name="Rectangle 2">
+            <a:extLst>
+              <a:ext uri="{FF2B5EF4-FFF2-40B4-BE49-F238E27FC236}">
+                <a16:creationId xmlns:a16="http://schemas.microsoft.com/office/drawing/2014/main" id="{0F5A47D2-C5FB-71F2-BA9D-568A0720B94F}"/>
+              </a:ext>
+            </a:extLst>
+          </p:cNvPr>
+          <p:cNvSpPr/>
+          <p:nvPr/>
+        </p:nvSpPr>
+        <p:spPr>
+          <a:xfrm>
+            <a:off x="838200" y="1883415"/>
+            <a:ext cx="2347452" cy="4237166"/>
+          </a:xfrm>
+          <a:prstGeom prst="rect">
+            <a:avLst/>
+          </a:prstGeom>
+          <a:noFill/>
+          <a:ln w="38100">
+            <a:solidFill>
+              <a:schemeClr val="accent1"/>
+            </a:solidFill>
+          </a:ln>
+        </p:spPr>
+        <p:style>
+          <a:lnRef idx="2">
+            <a:schemeClr val="accent1">
+              <a:shade val="15000"/>
+            </a:schemeClr>
+          </a:lnRef>
+          <a:fillRef idx="1">
+            <a:schemeClr val="accent1"/>
+          </a:fillRef>
+          <a:effectRef idx="0">
+            <a:schemeClr val="accent1"/>
+          </a:effectRef>
+          <a:fontRef idx="minor">
+            <a:schemeClr val="lt1"/>
+          </a:fontRef>
+        </p:style>
+        <p:txBody>
+          <a:bodyPr rtlCol="0" anchor="ctr"/>
+          <a:lstStyle/>
+          <a:p>
+            <a:pPr algn="ctr"/>
+            <a:endParaRPr lang="en-CH"/>
+          </a:p>
+        </p:txBody>
+      </p:sp>
+      <p:grpSp>
+        <p:nvGrpSpPr>
+          <p:cNvPr id="118" name="Group 117">
+            <a:extLst>
+              <a:ext uri="{FF2B5EF4-FFF2-40B4-BE49-F238E27FC236}">
+                <a16:creationId xmlns:a16="http://schemas.microsoft.com/office/drawing/2014/main" id="{69CB1EA2-6C6B-B6CD-27D6-EC20DEF892D9}"/>
+              </a:ext>
+            </a:extLst>
+          </p:cNvPr>
+          <p:cNvGrpSpPr/>
+          <p:nvPr/>
+        </p:nvGrpSpPr>
+        <p:grpSpPr>
+          <a:xfrm>
+            <a:off x="3816431" y="5544415"/>
+            <a:ext cx="8056021" cy="454320"/>
+            <a:chOff x="3816431" y="6220323"/>
+            <a:chExt cx="8056021" cy="454320"/>
+          </a:xfrm>
+        </p:grpSpPr>
+        <p:sp>
+          <p:nvSpPr>
+            <p:cNvPr id="8" name="Rectangle 7">
+              <a:extLst>
+                <a:ext uri="{FF2B5EF4-FFF2-40B4-BE49-F238E27FC236}">
+                  <a16:creationId xmlns:a16="http://schemas.microsoft.com/office/drawing/2014/main" id="{7486C51F-05AA-26FB-8705-86547EF8372D}"/>
+                </a:ext>
+              </a:extLst>
+            </p:cNvPr>
+            <p:cNvSpPr/>
+            <p:nvPr/>
+          </p:nvSpPr>
+          <p:spPr>
+            <a:xfrm>
+              <a:off x="5038125" y="6220325"/>
+              <a:ext cx="706074" cy="454317"/>
+            </a:xfrm>
+            <a:prstGeom prst="rect">
+              <a:avLst/>
+            </a:prstGeom>
+            <a:solidFill>
+              <a:schemeClr val="tx2">
+                <a:lumMod val="25000"/>
+                <a:lumOff val="75000"/>
+              </a:schemeClr>
+            </a:solidFill>
+          </p:spPr>
+          <p:style>
+            <a:lnRef idx="2">
+              <a:schemeClr val="accent1"/>
+            </a:lnRef>
+            <a:fillRef idx="1">
+              <a:schemeClr val="lt1"/>
+            </a:fillRef>
+            <a:effectRef idx="0">
+              <a:schemeClr val="accent1"/>
+            </a:effectRef>
+            <a:fontRef idx="minor">
+              <a:schemeClr val="dk1"/>
+            </a:fontRef>
+          </p:style>
+          <p:txBody>
+            <a:bodyPr lIns="0" rIns="0" rtlCol="0" anchor="ctr"/>
+            <a:lstStyle/>
+            <a:p>
+              <a:pPr algn="ctr"/>
+              <a:r>
+                <a:rPr lang="en-CH" sz="1400" dirty="0"/>
+                <a:t>Nonce</a:t>
+              </a:r>
+            </a:p>
+          </p:txBody>
+        </p:sp>
+        <p:sp>
+          <p:nvSpPr>
+            <p:cNvPr id="11" name="Rectangle 10">
+              <a:extLst>
+                <a:ext uri="{FF2B5EF4-FFF2-40B4-BE49-F238E27FC236}">
+                  <a16:creationId xmlns:a16="http://schemas.microsoft.com/office/drawing/2014/main" id="{9022B78F-6ABD-D8B4-4872-07AD46BCCC77}"/>
+                </a:ext>
+              </a:extLst>
+            </p:cNvPr>
+            <p:cNvSpPr/>
+            <p:nvPr/>
+          </p:nvSpPr>
+          <p:spPr>
+            <a:xfrm>
+              <a:off x="5744199" y="6220325"/>
+              <a:ext cx="542254" cy="454317"/>
+            </a:xfrm>
+            <a:prstGeom prst="rect">
+              <a:avLst/>
+            </a:prstGeom>
+            <a:solidFill>
+              <a:schemeClr val="tx2">
+                <a:lumMod val="25000"/>
+                <a:lumOff val="75000"/>
+              </a:schemeClr>
+            </a:solidFill>
+          </p:spPr>
+          <p:style>
+            <a:lnRef idx="2">
+              <a:schemeClr val="accent1"/>
+            </a:lnRef>
+            <a:fillRef idx="1">
+              <a:schemeClr val="lt1"/>
+            </a:fillRef>
+            <a:effectRef idx="0">
+              <a:schemeClr val="accent1"/>
+            </a:effectRef>
+            <a:fontRef idx="minor">
+              <a:schemeClr val="dk1"/>
+            </a:fontRef>
+          </p:style>
+          <p:txBody>
+            <a:bodyPr lIns="0" rIns="0" rtlCol="0" anchor="ctr"/>
+            <a:lstStyle/>
+            <a:p>
+              <a:pPr algn="ctr"/>
+              <a:r>
+                <a:rPr lang="en-CH" sz="1400" dirty="0"/>
+                <a:t>Gas limit</a:t>
+              </a:r>
+            </a:p>
+          </p:txBody>
+        </p:sp>
+        <p:sp>
+          <p:nvSpPr>
+            <p:cNvPr id="12" name="Rectangle 11">
+              <a:extLst>
+                <a:ext uri="{FF2B5EF4-FFF2-40B4-BE49-F238E27FC236}">
+                  <a16:creationId xmlns:a16="http://schemas.microsoft.com/office/drawing/2014/main" id="{4EAEF40F-8EA2-4B83-2F92-AC89BB76A936}"/>
+                </a:ext>
+              </a:extLst>
+            </p:cNvPr>
+            <p:cNvSpPr/>
+            <p:nvPr/>
+          </p:nvSpPr>
+          <p:spPr>
+            <a:xfrm>
+              <a:off x="6286453" y="6220325"/>
+              <a:ext cx="360112" cy="454317"/>
+            </a:xfrm>
+            <a:prstGeom prst="rect">
+              <a:avLst/>
+            </a:prstGeom>
+            <a:solidFill>
+              <a:schemeClr val="tx2">
+                <a:lumMod val="25000"/>
+                <a:lumOff val="75000"/>
+              </a:schemeClr>
+            </a:solidFill>
+          </p:spPr>
+          <p:style>
+            <a:lnRef idx="2">
+              <a:schemeClr val="accent1"/>
+            </a:lnRef>
+            <a:fillRef idx="1">
+              <a:schemeClr val="lt1"/>
+            </a:fillRef>
+            <a:effectRef idx="0">
+              <a:schemeClr val="accent1"/>
+            </a:effectRef>
+            <a:fontRef idx="minor">
+              <a:schemeClr val="dk1"/>
+            </a:fontRef>
+          </p:style>
+          <p:txBody>
+            <a:bodyPr lIns="0" rIns="0" rtlCol="0" anchor="ctr"/>
+            <a:lstStyle/>
+            <a:p>
+              <a:pPr algn="ctr"/>
+              <a:r>
+                <a:rPr lang="en-CH" sz="1400" dirty="0"/>
+                <a:t>To</a:t>
+              </a:r>
+            </a:p>
+          </p:txBody>
+        </p:sp>
+        <p:sp>
+          <p:nvSpPr>
+            <p:cNvPr id="14" name="Rectangle 13">
+              <a:extLst>
+                <a:ext uri="{FF2B5EF4-FFF2-40B4-BE49-F238E27FC236}">
+                  <a16:creationId xmlns:a16="http://schemas.microsoft.com/office/drawing/2014/main" id="{80FDCAB5-CB8A-8D94-D65B-08C16111EF7A}"/>
+                </a:ext>
+              </a:extLst>
+            </p:cNvPr>
+            <p:cNvSpPr/>
+            <p:nvPr/>
+          </p:nvSpPr>
+          <p:spPr>
+            <a:xfrm>
+              <a:off x="6646566" y="6220325"/>
+              <a:ext cx="649630" cy="454317"/>
+            </a:xfrm>
+            <a:prstGeom prst="rect">
+              <a:avLst/>
+            </a:prstGeom>
+            <a:solidFill>
+              <a:schemeClr val="tx2">
+                <a:lumMod val="25000"/>
+                <a:lumOff val="75000"/>
+              </a:schemeClr>
+            </a:solidFill>
+          </p:spPr>
+          <p:style>
+            <a:lnRef idx="2">
+              <a:schemeClr val="accent1"/>
+            </a:lnRef>
+            <a:fillRef idx="1">
+              <a:schemeClr val="lt1"/>
+            </a:fillRef>
+            <a:effectRef idx="0">
+              <a:schemeClr val="accent1"/>
+            </a:effectRef>
+            <a:fontRef idx="minor">
+              <a:schemeClr val="dk1"/>
+            </a:fontRef>
+          </p:style>
+          <p:txBody>
+            <a:bodyPr lIns="0" rIns="0" rtlCol="0" anchor="ctr"/>
+            <a:lstStyle/>
+            <a:p>
+              <a:pPr algn="ctr"/>
+              <a:r>
+                <a:rPr lang="en-CH" sz="1400" dirty="0"/>
+                <a:t>Value</a:t>
+              </a:r>
+            </a:p>
+          </p:txBody>
+        </p:sp>
+        <p:sp>
+          <p:nvSpPr>
+            <p:cNvPr id="18" name="Rectangle 17">
+              <a:extLst>
+                <a:ext uri="{FF2B5EF4-FFF2-40B4-BE49-F238E27FC236}">
+                  <a16:creationId xmlns:a16="http://schemas.microsoft.com/office/drawing/2014/main" id="{9B862F2D-F874-D8D5-98C6-68B71AD714D7}"/>
+                </a:ext>
+              </a:extLst>
+            </p:cNvPr>
+            <p:cNvSpPr/>
+            <p:nvPr/>
+          </p:nvSpPr>
+          <p:spPr>
+            <a:xfrm>
+              <a:off x="7296196" y="6220325"/>
+              <a:ext cx="649630" cy="454317"/>
+            </a:xfrm>
+            <a:prstGeom prst="rect">
+              <a:avLst/>
+            </a:prstGeom>
+            <a:solidFill>
+              <a:schemeClr val="tx2">
+                <a:lumMod val="25000"/>
+                <a:lumOff val="75000"/>
+              </a:schemeClr>
+            </a:solidFill>
+          </p:spPr>
+          <p:style>
+            <a:lnRef idx="2">
+              <a:schemeClr val="accent1"/>
+            </a:lnRef>
+            <a:fillRef idx="1">
+              <a:schemeClr val="lt1"/>
+            </a:fillRef>
+            <a:effectRef idx="0">
+              <a:schemeClr val="accent1"/>
+            </a:effectRef>
+            <a:fontRef idx="minor">
+              <a:schemeClr val="dk1"/>
+            </a:fontRef>
+          </p:style>
+          <p:txBody>
+            <a:bodyPr lIns="0" rIns="0" rtlCol="0" anchor="ctr"/>
+            <a:lstStyle/>
+            <a:p>
+              <a:pPr algn="ctr"/>
+              <a:r>
+                <a:rPr lang="en-CH" sz="1400" dirty="0"/>
+                <a:t>Input</a:t>
+              </a:r>
+            </a:p>
+          </p:txBody>
+        </p:sp>
+        <p:sp>
+          <p:nvSpPr>
+            <p:cNvPr id="19" name="Rectangle 18">
+              <a:extLst>
+                <a:ext uri="{FF2B5EF4-FFF2-40B4-BE49-F238E27FC236}">
+                  <a16:creationId xmlns:a16="http://schemas.microsoft.com/office/drawing/2014/main" id="{852FCE33-0602-7E11-A3B3-9C0C78B19841}"/>
+                </a:ext>
+              </a:extLst>
+            </p:cNvPr>
+            <p:cNvSpPr/>
+            <p:nvPr/>
+          </p:nvSpPr>
+          <p:spPr>
+            <a:xfrm>
+              <a:off x="3816431" y="6220325"/>
+              <a:ext cx="574334" cy="454317"/>
+            </a:xfrm>
+            <a:prstGeom prst="rect">
+              <a:avLst/>
+            </a:prstGeom>
+            <a:solidFill>
+              <a:schemeClr val="accent6">
+                <a:lumMod val="40000"/>
+                <a:lumOff val="60000"/>
+              </a:schemeClr>
+            </a:solidFill>
+          </p:spPr>
+          <p:style>
+            <a:lnRef idx="2">
+              <a:schemeClr val="accent1"/>
+            </a:lnRef>
+            <a:fillRef idx="1">
+              <a:schemeClr val="lt1"/>
+            </a:fillRef>
+            <a:effectRef idx="0">
+              <a:schemeClr val="accent1"/>
+            </a:effectRef>
+            <a:fontRef idx="minor">
+              <a:schemeClr val="dk1"/>
+            </a:fontRef>
+          </p:style>
+          <p:txBody>
+            <a:bodyPr lIns="0" rIns="0" rtlCol="0" anchor="ctr"/>
+            <a:lstStyle/>
+            <a:p>
+              <a:pPr algn="ctr"/>
+              <a:r>
+                <a:rPr lang="en-CH" sz="1400" dirty="0"/>
+                <a:t>0x1f</a:t>
+              </a:r>
+            </a:p>
+          </p:txBody>
+        </p:sp>
+        <p:sp>
+          <p:nvSpPr>
+            <p:cNvPr id="20" name="Rectangle 19">
+              <a:extLst>
+                <a:ext uri="{FF2B5EF4-FFF2-40B4-BE49-F238E27FC236}">
+                  <a16:creationId xmlns:a16="http://schemas.microsoft.com/office/drawing/2014/main" id="{39DA3A8F-5AEE-8AD7-0BEA-ED3F93056561}"/>
+                </a:ext>
+              </a:extLst>
+            </p:cNvPr>
+            <p:cNvSpPr/>
+            <p:nvPr/>
+          </p:nvSpPr>
+          <p:spPr>
+            <a:xfrm>
+              <a:off x="4385942" y="6220325"/>
+              <a:ext cx="652183" cy="454317"/>
+            </a:xfrm>
+            <a:prstGeom prst="rect">
+              <a:avLst/>
+            </a:prstGeom>
+            <a:solidFill>
+              <a:schemeClr val="accent6">
+                <a:lumMod val="40000"/>
+                <a:lumOff val="60000"/>
+              </a:schemeClr>
+            </a:solidFill>
+          </p:spPr>
+          <p:style>
+            <a:lnRef idx="2">
+              <a:schemeClr val="accent1"/>
+            </a:lnRef>
+            <a:fillRef idx="1">
+              <a:schemeClr val="lt1"/>
+            </a:fillRef>
+            <a:effectRef idx="0">
+              <a:schemeClr val="accent1"/>
+            </a:effectRef>
+            <a:fontRef idx="minor">
+              <a:schemeClr val="dk1"/>
+            </a:fontRef>
+          </p:style>
+          <p:txBody>
+            <a:bodyPr lIns="0" rIns="0" rtlCol="0" anchor="ctr"/>
+            <a:lstStyle/>
+            <a:p>
+              <a:pPr algn="ctr"/>
+              <a:r>
+                <a:rPr lang="en-CH" sz="1400" dirty="0"/>
+                <a:t>Chain ID</a:t>
+              </a:r>
+            </a:p>
+          </p:txBody>
+        </p:sp>
+        <p:sp>
+          <p:nvSpPr>
+            <p:cNvPr id="35" name="Rectangle 34">
+              <a:extLst>
+                <a:ext uri="{FF2B5EF4-FFF2-40B4-BE49-F238E27FC236}">
+                  <a16:creationId xmlns:a16="http://schemas.microsoft.com/office/drawing/2014/main" id="{CF584E5B-3925-81B6-5244-CBFAB8D09CA5}"/>
+                </a:ext>
+              </a:extLst>
+            </p:cNvPr>
+            <p:cNvSpPr/>
+            <p:nvPr/>
+          </p:nvSpPr>
+          <p:spPr>
+            <a:xfrm>
+              <a:off x="7945826" y="6220325"/>
+              <a:ext cx="748529" cy="454317"/>
+            </a:xfrm>
+            <a:prstGeom prst="rect">
+              <a:avLst/>
+            </a:prstGeom>
+            <a:solidFill>
+              <a:schemeClr val="accent1">
+                <a:lumMod val="40000"/>
+                <a:lumOff val="60000"/>
+              </a:schemeClr>
+            </a:solidFill>
+          </p:spPr>
+          <p:style>
+            <a:lnRef idx="2">
+              <a:schemeClr val="accent1"/>
+            </a:lnRef>
+            <a:fillRef idx="1">
+              <a:schemeClr val="lt1"/>
+            </a:fillRef>
+            <a:effectRef idx="0">
+              <a:schemeClr val="accent1"/>
+            </a:effectRef>
+            <a:fontRef idx="minor">
+              <a:schemeClr val="dk1"/>
+            </a:fontRef>
+          </p:style>
+          <p:txBody>
+            <a:bodyPr lIns="0" rIns="0" rtlCol="0" anchor="ctr"/>
+            <a:lstStyle/>
+            <a:p>
+              <a:pPr algn="ctr"/>
+              <a:r>
+                <a:rPr lang="en-CH" sz="1400" dirty="0"/>
+                <a:t>Access list</a:t>
+              </a:r>
+            </a:p>
+          </p:txBody>
+        </p:sp>
+        <p:sp>
+          <p:nvSpPr>
+            <p:cNvPr id="81" name="Rectangle 80">
+              <a:extLst>
+                <a:ext uri="{FF2B5EF4-FFF2-40B4-BE49-F238E27FC236}">
+                  <a16:creationId xmlns:a16="http://schemas.microsoft.com/office/drawing/2014/main" id="{A0BC2D40-2358-535E-D1AE-3C8A6933307C}"/>
+                </a:ext>
+              </a:extLst>
+            </p:cNvPr>
+            <p:cNvSpPr/>
+            <p:nvPr/>
+          </p:nvSpPr>
+          <p:spPr>
+            <a:xfrm>
+              <a:off x="8694355" y="6220324"/>
+              <a:ext cx="679082" cy="454319"/>
+            </a:xfrm>
+            <a:prstGeom prst="rect">
+              <a:avLst/>
+            </a:prstGeom>
+            <a:solidFill>
+              <a:schemeClr val="accent5">
+                <a:lumMod val="40000"/>
+                <a:lumOff val="60000"/>
+              </a:schemeClr>
+            </a:solidFill>
+          </p:spPr>
+          <p:style>
+            <a:lnRef idx="2">
+              <a:schemeClr val="accent1"/>
+            </a:lnRef>
+            <a:fillRef idx="1">
+              <a:schemeClr val="lt1"/>
+            </a:fillRef>
+            <a:effectRef idx="0">
+              <a:schemeClr val="accent1"/>
+            </a:effectRef>
+            <a:fontRef idx="minor">
+              <a:schemeClr val="dk1"/>
+            </a:fontRef>
+          </p:style>
+          <p:txBody>
+            <a:bodyPr lIns="0" rIns="0" rtlCol="0" anchor="ctr"/>
+            <a:lstStyle/>
+            <a:p>
+              <a:pPr algn="ctr"/>
+              <a:r>
+                <a:rPr lang="en-CH" sz="1400" dirty="0"/>
+                <a:t>Blob hashes</a:t>
+              </a:r>
+            </a:p>
+          </p:txBody>
+        </p:sp>
+        <p:sp>
+          <p:nvSpPr>
+            <p:cNvPr id="82" name="Rectangle 81">
+              <a:extLst>
+                <a:ext uri="{FF2B5EF4-FFF2-40B4-BE49-F238E27FC236}">
+                  <a16:creationId xmlns:a16="http://schemas.microsoft.com/office/drawing/2014/main" id="{BE017029-D296-4E07-1B73-24FC443542BA}"/>
+                </a:ext>
+              </a:extLst>
+            </p:cNvPr>
+            <p:cNvSpPr/>
+            <p:nvPr/>
+          </p:nvSpPr>
+          <p:spPr>
+            <a:xfrm>
+              <a:off x="9366633" y="6220325"/>
+              <a:ext cx="468181" cy="454317"/>
+            </a:xfrm>
+            <a:prstGeom prst="rect">
+              <a:avLst/>
+            </a:prstGeom>
+            <a:solidFill>
+              <a:schemeClr val="accent2">
+                <a:lumMod val="40000"/>
+                <a:lumOff val="60000"/>
+              </a:schemeClr>
+            </a:solidFill>
+          </p:spPr>
+          <p:style>
+            <a:lnRef idx="2">
+              <a:schemeClr val="accent1"/>
+            </a:lnRef>
+            <a:fillRef idx="1">
+              <a:schemeClr val="lt1"/>
+            </a:fillRef>
+            <a:effectRef idx="0">
+              <a:schemeClr val="accent1"/>
+            </a:effectRef>
+            <a:fontRef idx="minor">
+              <a:schemeClr val="dk1"/>
+            </a:fontRef>
+          </p:style>
+          <p:txBody>
+            <a:bodyPr lIns="0" rIns="0" rtlCol="0" anchor="ctr"/>
+            <a:lstStyle/>
+            <a:p>
+              <a:pPr algn="ctr"/>
+              <a:r>
+                <a:rPr lang="en-CH" sz="1400" dirty="0"/>
+                <a:t>Auth list</a:t>
+              </a:r>
+            </a:p>
+          </p:txBody>
+        </p:sp>
+        <p:sp>
+          <p:nvSpPr>
+            <p:cNvPr id="83" name="Rectangle 82">
+              <a:extLst>
+                <a:ext uri="{FF2B5EF4-FFF2-40B4-BE49-F238E27FC236}">
+                  <a16:creationId xmlns:a16="http://schemas.microsoft.com/office/drawing/2014/main" id="{559AD252-2371-C273-DFCF-0B1492EA7FAD}"/>
+                </a:ext>
+              </a:extLst>
+            </p:cNvPr>
+            <p:cNvSpPr/>
+            <p:nvPr/>
+          </p:nvSpPr>
+          <p:spPr>
+            <a:xfrm>
+              <a:off x="9831158" y="6220325"/>
+              <a:ext cx="795454" cy="454317"/>
+            </a:xfrm>
+            <a:prstGeom prst="rect">
+              <a:avLst/>
+            </a:prstGeom>
+            <a:solidFill>
+              <a:schemeClr val="tx2">
+                <a:lumMod val="10000"/>
+                <a:lumOff val="90000"/>
+              </a:schemeClr>
+            </a:solidFill>
+          </p:spPr>
+          <p:style>
+            <a:lnRef idx="2">
+              <a:schemeClr val="accent1"/>
+            </a:lnRef>
+            <a:fillRef idx="1">
+              <a:schemeClr val="lt1"/>
+            </a:fillRef>
+            <a:effectRef idx="0">
+              <a:schemeClr val="accent1"/>
+            </a:effectRef>
+            <a:fontRef idx="minor">
+              <a:schemeClr val="dk1"/>
+            </a:fontRef>
+          </p:style>
+          <p:txBody>
+            <a:bodyPr lIns="0" rIns="0" rtlCol="0" anchor="ctr"/>
+            <a:lstStyle/>
+            <a:p>
+              <a:pPr algn="ctr"/>
+              <a:r>
+                <a:rPr lang="en-CH" sz="1400" dirty="0"/>
+                <a:t>Max fees per gas</a:t>
+              </a:r>
+            </a:p>
+          </p:txBody>
+        </p:sp>
+        <p:sp>
+          <p:nvSpPr>
+            <p:cNvPr id="95" name="Rectangle 94">
+              <a:extLst>
+                <a:ext uri="{FF2B5EF4-FFF2-40B4-BE49-F238E27FC236}">
+                  <a16:creationId xmlns:a16="http://schemas.microsoft.com/office/drawing/2014/main" id="{0DA95AD7-EA2D-C4F5-1C18-8B045FE461B1}"/>
+                </a:ext>
+              </a:extLst>
+            </p:cNvPr>
+            <p:cNvSpPr/>
+            <p:nvPr/>
+          </p:nvSpPr>
+          <p:spPr>
+            <a:xfrm>
+              <a:off x="10619149" y="6220325"/>
+              <a:ext cx="795454" cy="454317"/>
+            </a:xfrm>
+            <a:prstGeom prst="rect">
+              <a:avLst/>
+            </a:prstGeom>
+            <a:solidFill>
+              <a:schemeClr val="tx2">
+                <a:lumMod val="10000"/>
+                <a:lumOff val="90000"/>
+              </a:schemeClr>
+            </a:solidFill>
+          </p:spPr>
+          <p:style>
+            <a:lnRef idx="2">
+              <a:schemeClr val="accent1"/>
+            </a:lnRef>
+            <a:fillRef idx="1">
+              <a:schemeClr val="lt1"/>
+            </a:fillRef>
+            <a:effectRef idx="0">
+              <a:schemeClr val="accent1"/>
+            </a:effectRef>
+            <a:fontRef idx="minor">
+              <a:schemeClr val="dk1"/>
+            </a:fontRef>
+          </p:style>
+          <p:txBody>
+            <a:bodyPr lIns="0" rIns="0" rtlCol="0" anchor="ctr"/>
+            <a:lstStyle/>
+            <a:p>
+              <a:pPr algn="ctr"/>
+              <a:r>
+                <a:rPr lang="en-CH" sz="1400" dirty="0"/>
+                <a:t>Prio fees per gas</a:t>
+              </a:r>
+            </a:p>
+          </p:txBody>
+        </p:sp>
+        <p:sp>
+          <p:nvSpPr>
+            <p:cNvPr id="117" name="Rectangle 116">
+              <a:extLst>
+                <a:ext uri="{FF2B5EF4-FFF2-40B4-BE49-F238E27FC236}">
+                  <a16:creationId xmlns:a16="http://schemas.microsoft.com/office/drawing/2014/main" id="{420D200D-FC10-B2B8-68C2-9975E585F475}"/>
+                </a:ext>
+              </a:extLst>
+            </p:cNvPr>
+            <p:cNvSpPr/>
+            <p:nvPr/>
+          </p:nvSpPr>
+          <p:spPr>
+            <a:xfrm>
+              <a:off x="11407263" y="6220323"/>
+              <a:ext cx="465189" cy="454320"/>
+            </a:xfrm>
+            <a:prstGeom prst="rect">
+              <a:avLst/>
+            </a:prstGeom>
+            <a:solidFill>
+              <a:schemeClr val="accent6">
+                <a:lumMod val="40000"/>
+                <a:lumOff val="60000"/>
+              </a:schemeClr>
+            </a:solidFill>
+          </p:spPr>
+          <p:style>
+            <a:lnRef idx="2">
+              <a:schemeClr val="accent1"/>
+            </a:lnRef>
+            <a:fillRef idx="1">
+              <a:schemeClr val="lt1"/>
+            </a:fillRef>
+            <a:effectRef idx="0">
+              <a:schemeClr val="accent1"/>
+            </a:effectRef>
+            <a:fontRef idx="minor">
+              <a:schemeClr val="dk1"/>
+            </a:fontRef>
+          </p:style>
+          <p:txBody>
+            <a:bodyPr lIns="0" rIns="0" rtlCol="0" anchor="ctr"/>
+            <a:lstStyle/>
+            <a:p>
+              <a:pPr algn="ctr"/>
+              <a:r>
+                <a:rPr lang="en-CH" sz="1400" dirty="0"/>
+                <a:t>Sig</a:t>
+              </a:r>
+            </a:p>
+          </p:txBody>
+        </p:sp>
+      </p:grpSp>
+      <p:sp>
+        <p:nvSpPr>
+          <p:cNvPr id="125" name="TextBox 124">
+            <a:extLst>
+              <a:ext uri="{FF2B5EF4-FFF2-40B4-BE49-F238E27FC236}">
+                <a16:creationId xmlns:a16="http://schemas.microsoft.com/office/drawing/2014/main" id="{BF011C3F-471E-CADA-E553-FB3CD4D494BC}"/>
+              </a:ext>
+            </a:extLst>
+          </p:cNvPr>
+          <p:cNvSpPr txBox="1"/>
+          <p:nvPr/>
+        </p:nvSpPr>
+        <p:spPr>
+          <a:xfrm>
+            <a:off x="3727937" y="6268065"/>
+            <a:ext cx="5719258" cy="369332"/>
+          </a:xfrm>
+          <a:prstGeom prst="rect">
+            <a:avLst/>
+          </a:prstGeom>
+          <a:noFill/>
+        </p:spPr>
+        <p:txBody>
+          <a:bodyPr wrap="none" rtlCol="0">
+            <a:spAutoFit/>
+          </a:bodyPr>
+          <a:lstStyle/>
+          <a:p>
+            <a:r>
+              <a:rPr lang="en-CH" b="1" dirty="0"/>
+              <a:t>Restored type safety for different transaction profiles</a:t>
+            </a:r>
+          </a:p>
+        </p:txBody>
+      </p:sp>
+      <p:sp>
+        <p:nvSpPr>
+          <p:cNvPr id="126" name="TextBox 125">
+            <a:extLst>
+              <a:ext uri="{FF2B5EF4-FFF2-40B4-BE49-F238E27FC236}">
+                <a16:creationId xmlns:a16="http://schemas.microsoft.com/office/drawing/2014/main" id="{B30648ED-D57A-8236-DCDC-CDE1E9F680BD}"/>
+              </a:ext>
+            </a:extLst>
+          </p:cNvPr>
+          <p:cNvSpPr txBox="1"/>
+          <p:nvPr/>
+        </p:nvSpPr>
+        <p:spPr>
+          <a:xfrm>
+            <a:off x="3251030" y="6274638"/>
+            <a:ext cx="412955" cy="523220"/>
+          </a:xfrm>
+          <a:prstGeom prst="rect">
+            <a:avLst/>
+          </a:prstGeom>
+          <a:noFill/>
+        </p:spPr>
+        <p:txBody>
+          <a:bodyPr wrap="square" rtlCol="0">
+            <a:spAutoFit/>
+          </a:bodyPr>
+          <a:lstStyle/>
+          <a:p>
+            <a:r>
+              <a:rPr lang="en-CH" sz="2800" dirty="0"/>
+              <a:t>✅</a:t>
+            </a:r>
+          </a:p>
+        </p:txBody>
+      </p:sp>
+      <p:sp>
+        <p:nvSpPr>
+          <p:cNvPr id="210" name="Rectangle 209">
+            <a:extLst>
+              <a:ext uri="{FF2B5EF4-FFF2-40B4-BE49-F238E27FC236}">
+                <a16:creationId xmlns:a16="http://schemas.microsoft.com/office/drawing/2014/main" id="{FE3AC9AD-D1FB-E862-2905-745379CDE7C2}"/>
+              </a:ext>
+            </a:extLst>
+          </p:cNvPr>
+          <p:cNvSpPr/>
+          <p:nvPr/>
+        </p:nvSpPr>
+        <p:spPr>
+          <a:xfrm>
+            <a:off x="5038125" y="4475528"/>
+            <a:ext cx="706074" cy="454317"/>
+          </a:xfrm>
+          <a:prstGeom prst="rect">
+            <a:avLst/>
+          </a:prstGeom>
+          <a:solidFill>
+            <a:schemeClr val="tx2">
+              <a:lumMod val="25000"/>
+              <a:lumOff val="75000"/>
+            </a:schemeClr>
+          </a:solidFill>
+        </p:spPr>
+        <p:style>
+          <a:lnRef idx="2">
+            <a:schemeClr val="accent1"/>
+          </a:lnRef>
+          <a:fillRef idx="1">
+            <a:schemeClr val="lt1"/>
+          </a:fillRef>
+          <a:effectRef idx="0">
+            <a:schemeClr val="accent1"/>
+          </a:effectRef>
+          <a:fontRef idx="minor">
+            <a:schemeClr val="dk1"/>
+          </a:fontRef>
+        </p:style>
+        <p:txBody>
+          <a:bodyPr lIns="0" rIns="0" rtlCol="0" anchor="ctr"/>
+          <a:lstStyle/>
+          <a:p>
+            <a:pPr algn="ctr"/>
+            <a:r>
+              <a:rPr lang="en-CH" sz="1400" dirty="0"/>
+              <a:t>Nonce</a:t>
+            </a:r>
+          </a:p>
+        </p:txBody>
+      </p:sp>
+      <p:sp>
+        <p:nvSpPr>
+          <p:cNvPr id="211" name="Rectangle 210">
+            <a:extLst>
+              <a:ext uri="{FF2B5EF4-FFF2-40B4-BE49-F238E27FC236}">
+                <a16:creationId xmlns:a16="http://schemas.microsoft.com/office/drawing/2014/main" id="{45E2EF19-FD4C-2F54-9C20-8375D3EA8723}"/>
+              </a:ext>
+            </a:extLst>
+          </p:cNvPr>
+          <p:cNvSpPr/>
+          <p:nvPr/>
+        </p:nvSpPr>
+        <p:spPr>
+          <a:xfrm>
+            <a:off x="5744199" y="4475528"/>
+            <a:ext cx="542254" cy="454317"/>
+          </a:xfrm>
+          <a:prstGeom prst="rect">
+            <a:avLst/>
+          </a:prstGeom>
+          <a:solidFill>
+            <a:schemeClr val="tx2">
+              <a:lumMod val="25000"/>
+              <a:lumOff val="75000"/>
+            </a:schemeClr>
+          </a:solidFill>
+        </p:spPr>
+        <p:style>
+          <a:lnRef idx="2">
+            <a:schemeClr val="accent1"/>
+          </a:lnRef>
+          <a:fillRef idx="1">
+            <a:schemeClr val="lt1"/>
+          </a:fillRef>
+          <a:effectRef idx="0">
+            <a:schemeClr val="accent1"/>
+          </a:effectRef>
+          <a:fontRef idx="minor">
+            <a:schemeClr val="dk1"/>
+          </a:fontRef>
+        </p:style>
+        <p:txBody>
+          <a:bodyPr lIns="0" rIns="0" rtlCol="0" anchor="ctr"/>
+          <a:lstStyle/>
+          <a:p>
+            <a:pPr algn="ctr"/>
+            <a:r>
+              <a:rPr lang="en-CH" sz="1400" dirty="0"/>
+              <a:t>Gas limit</a:t>
+            </a:r>
+          </a:p>
+        </p:txBody>
+      </p:sp>
+      <p:sp>
+        <p:nvSpPr>
+          <p:cNvPr id="212" name="Rectangle 211">
+            <a:extLst>
+              <a:ext uri="{FF2B5EF4-FFF2-40B4-BE49-F238E27FC236}">
+                <a16:creationId xmlns:a16="http://schemas.microsoft.com/office/drawing/2014/main" id="{8C4BC900-EDB3-CD43-9674-63F59C09BF9B}"/>
+              </a:ext>
+            </a:extLst>
+          </p:cNvPr>
+          <p:cNvSpPr/>
+          <p:nvPr/>
+        </p:nvSpPr>
+        <p:spPr>
+          <a:xfrm>
+            <a:off x="6286453" y="4475528"/>
+            <a:ext cx="360112" cy="454317"/>
+          </a:xfrm>
+          <a:prstGeom prst="rect">
+            <a:avLst/>
+          </a:prstGeom>
+          <a:solidFill>
+            <a:schemeClr val="tx2">
+              <a:lumMod val="25000"/>
+              <a:lumOff val="75000"/>
+            </a:schemeClr>
+          </a:solidFill>
+        </p:spPr>
+        <p:style>
+          <a:lnRef idx="2">
+            <a:schemeClr val="accent1"/>
+          </a:lnRef>
+          <a:fillRef idx="1">
+            <a:schemeClr val="lt1"/>
+          </a:fillRef>
+          <a:effectRef idx="0">
+            <a:schemeClr val="accent1"/>
+          </a:effectRef>
+          <a:fontRef idx="minor">
+            <a:schemeClr val="dk1"/>
+          </a:fontRef>
+        </p:style>
+        <p:txBody>
+          <a:bodyPr lIns="0" rIns="0" rtlCol="0" anchor="ctr"/>
+          <a:lstStyle/>
+          <a:p>
+            <a:pPr algn="ctr"/>
+            <a:r>
+              <a:rPr lang="en-CH" sz="1400" dirty="0"/>
+              <a:t>To</a:t>
+            </a:r>
+          </a:p>
+        </p:txBody>
+      </p:sp>
+      <p:sp>
+        <p:nvSpPr>
+          <p:cNvPr id="213" name="Rectangle 212">
+            <a:extLst>
+              <a:ext uri="{FF2B5EF4-FFF2-40B4-BE49-F238E27FC236}">
+                <a16:creationId xmlns:a16="http://schemas.microsoft.com/office/drawing/2014/main" id="{327DBE57-60D5-732E-9C6B-7AD4E9B5B75D}"/>
+              </a:ext>
+            </a:extLst>
+          </p:cNvPr>
+          <p:cNvSpPr/>
+          <p:nvPr/>
+        </p:nvSpPr>
+        <p:spPr>
+          <a:xfrm>
+            <a:off x="6646566" y="4475528"/>
+            <a:ext cx="649630" cy="454317"/>
+          </a:xfrm>
+          <a:prstGeom prst="rect">
+            <a:avLst/>
+          </a:prstGeom>
+          <a:solidFill>
+            <a:schemeClr val="tx2">
+              <a:lumMod val="25000"/>
+              <a:lumOff val="75000"/>
+            </a:schemeClr>
+          </a:solidFill>
+        </p:spPr>
+        <p:style>
+          <a:lnRef idx="2">
+            <a:schemeClr val="accent1"/>
+          </a:lnRef>
+          <a:fillRef idx="1">
+            <a:schemeClr val="lt1"/>
+          </a:fillRef>
+          <a:effectRef idx="0">
+            <a:schemeClr val="accent1"/>
+          </a:effectRef>
+          <a:fontRef idx="minor">
+            <a:schemeClr val="dk1"/>
+          </a:fontRef>
+        </p:style>
+        <p:txBody>
+          <a:bodyPr lIns="0" rIns="0" rtlCol="0" anchor="ctr"/>
+          <a:lstStyle/>
+          <a:p>
+            <a:pPr algn="ctr"/>
+            <a:r>
+              <a:rPr lang="en-CH" sz="1400" dirty="0"/>
+              <a:t>Value</a:t>
+            </a:r>
+          </a:p>
+        </p:txBody>
+      </p:sp>
+      <p:sp>
+        <p:nvSpPr>
+          <p:cNvPr id="214" name="Rectangle 213">
+            <a:extLst>
+              <a:ext uri="{FF2B5EF4-FFF2-40B4-BE49-F238E27FC236}">
+                <a16:creationId xmlns:a16="http://schemas.microsoft.com/office/drawing/2014/main" id="{AAB51C91-0AEA-B3D3-398E-617368B9556C}"/>
+              </a:ext>
+            </a:extLst>
+          </p:cNvPr>
+          <p:cNvSpPr/>
+          <p:nvPr/>
+        </p:nvSpPr>
+        <p:spPr>
+          <a:xfrm>
+            <a:off x="7296196" y="4475528"/>
+            <a:ext cx="649630" cy="454317"/>
+          </a:xfrm>
+          <a:prstGeom prst="rect">
+            <a:avLst/>
+          </a:prstGeom>
+          <a:solidFill>
+            <a:schemeClr val="tx2">
+              <a:lumMod val="25000"/>
+              <a:lumOff val="75000"/>
+            </a:schemeClr>
+          </a:solidFill>
+        </p:spPr>
+        <p:style>
+          <a:lnRef idx="2">
+            <a:schemeClr val="accent1"/>
+          </a:lnRef>
+          <a:fillRef idx="1">
+            <a:schemeClr val="lt1"/>
+          </a:fillRef>
+          <a:effectRef idx="0">
+            <a:schemeClr val="accent1"/>
+          </a:effectRef>
+          <a:fontRef idx="minor">
+            <a:schemeClr val="dk1"/>
+          </a:fontRef>
+        </p:style>
+        <p:txBody>
+          <a:bodyPr lIns="0" rIns="0" rtlCol="0" anchor="ctr"/>
+          <a:lstStyle/>
+          <a:p>
+            <a:pPr algn="ctr"/>
+            <a:r>
+              <a:rPr lang="en-CH" sz="1400" dirty="0"/>
+              <a:t>Input</a:t>
+            </a:r>
+          </a:p>
+        </p:txBody>
+      </p:sp>
+      <p:sp>
+        <p:nvSpPr>
+          <p:cNvPr id="215" name="Rectangle 214">
+            <a:extLst>
+              <a:ext uri="{FF2B5EF4-FFF2-40B4-BE49-F238E27FC236}">
+                <a16:creationId xmlns:a16="http://schemas.microsoft.com/office/drawing/2014/main" id="{DE802861-94A0-5579-21E4-74629A3AD3CC}"/>
+              </a:ext>
+            </a:extLst>
+          </p:cNvPr>
+          <p:cNvSpPr/>
+          <p:nvPr/>
+        </p:nvSpPr>
+        <p:spPr>
+          <a:xfrm>
+            <a:off x="3816431" y="4475528"/>
+            <a:ext cx="574334" cy="454317"/>
+          </a:xfrm>
+          <a:prstGeom prst="rect">
+            <a:avLst/>
+          </a:prstGeom>
+          <a:solidFill>
+            <a:schemeClr val="accent6">
+              <a:lumMod val="40000"/>
+              <a:lumOff val="60000"/>
+            </a:schemeClr>
+          </a:solidFill>
+        </p:spPr>
+        <p:style>
+          <a:lnRef idx="2">
+            <a:schemeClr val="accent1"/>
+          </a:lnRef>
+          <a:fillRef idx="1">
+            <a:schemeClr val="lt1"/>
+          </a:fillRef>
+          <a:effectRef idx="0">
+            <a:schemeClr val="accent1"/>
+          </a:effectRef>
+          <a:fontRef idx="minor">
+            <a:schemeClr val="dk1"/>
+          </a:fontRef>
+        </p:style>
+        <p:txBody>
+          <a:bodyPr lIns="0" rIns="0" rtlCol="0" anchor="ctr"/>
+          <a:lstStyle/>
+          <a:p>
+            <a:pPr algn="ctr"/>
+            <a:r>
+              <a:rPr lang="en-CH" sz="1400" dirty="0"/>
+              <a:t>0x1f</a:t>
+            </a:r>
+          </a:p>
+        </p:txBody>
+      </p:sp>
+      <p:sp>
+        <p:nvSpPr>
+          <p:cNvPr id="216" name="Rectangle 215">
+            <a:extLst>
+              <a:ext uri="{FF2B5EF4-FFF2-40B4-BE49-F238E27FC236}">
+                <a16:creationId xmlns:a16="http://schemas.microsoft.com/office/drawing/2014/main" id="{5416DE8B-21C7-F6CA-4F62-F5BE5C5A12AD}"/>
+              </a:ext>
+            </a:extLst>
+          </p:cNvPr>
+          <p:cNvSpPr/>
+          <p:nvPr/>
+        </p:nvSpPr>
+        <p:spPr>
+          <a:xfrm>
+            <a:off x="4385942" y="4475528"/>
+            <a:ext cx="652183" cy="454317"/>
+          </a:xfrm>
+          <a:prstGeom prst="rect">
+            <a:avLst/>
+          </a:prstGeom>
+          <a:solidFill>
+            <a:schemeClr val="accent6">
+              <a:lumMod val="40000"/>
+              <a:lumOff val="60000"/>
+            </a:schemeClr>
+          </a:solidFill>
+        </p:spPr>
+        <p:style>
+          <a:lnRef idx="2">
+            <a:schemeClr val="accent1"/>
+          </a:lnRef>
+          <a:fillRef idx="1">
+            <a:schemeClr val="lt1"/>
+          </a:fillRef>
+          <a:effectRef idx="0">
+            <a:schemeClr val="accent1"/>
+          </a:effectRef>
+          <a:fontRef idx="minor">
+            <a:schemeClr val="dk1"/>
+          </a:fontRef>
+        </p:style>
+        <p:txBody>
+          <a:bodyPr lIns="0" rIns="0" rtlCol="0" anchor="ctr"/>
+          <a:lstStyle/>
+          <a:p>
+            <a:pPr algn="ctr"/>
+            <a:r>
+              <a:rPr lang="en-CH" sz="1400" dirty="0"/>
+              <a:t>Chain ID</a:t>
+            </a:r>
+          </a:p>
+        </p:txBody>
+      </p:sp>
+      <p:sp>
+        <p:nvSpPr>
+          <p:cNvPr id="217" name="Rectangle 216">
+            <a:extLst>
+              <a:ext uri="{FF2B5EF4-FFF2-40B4-BE49-F238E27FC236}">
+                <a16:creationId xmlns:a16="http://schemas.microsoft.com/office/drawing/2014/main" id="{BC70EBE9-13D1-C7DC-F511-E3EE27CA46E2}"/>
+              </a:ext>
+            </a:extLst>
+          </p:cNvPr>
+          <p:cNvSpPr/>
+          <p:nvPr/>
+        </p:nvSpPr>
+        <p:spPr>
+          <a:xfrm>
+            <a:off x="7945826" y="4475528"/>
+            <a:ext cx="748529" cy="454317"/>
+          </a:xfrm>
+          <a:prstGeom prst="rect">
+            <a:avLst/>
+          </a:prstGeom>
+          <a:solidFill>
+            <a:schemeClr val="accent1">
+              <a:lumMod val="40000"/>
+              <a:lumOff val="60000"/>
+            </a:schemeClr>
+          </a:solidFill>
+        </p:spPr>
+        <p:style>
+          <a:lnRef idx="2">
+            <a:schemeClr val="accent1"/>
+          </a:lnRef>
+          <a:fillRef idx="1">
+            <a:schemeClr val="lt1"/>
+          </a:fillRef>
+          <a:effectRef idx="0">
+            <a:schemeClr val="accent1"/>
+          </a:effectRef>
+          <a:fontRef idx="minor">
+            <a:schemeClr val="dk1"/>
+          </a:fontRef>
+        </p:style>
+        <p:txBody>
+          <a:bodyPr lIns="0" rIns="0" rtlCol="0" anchor="ctr"/>
+          <a:lstStyle/>
+          <a:p>
+            <a:pPr algn="ctr"/>
+            <a:r>
+              <a:rPr lang="en-CH" sz="1400" dirty="0"/>
+              <a:t>Access list</a:t>
+            </a:r>
+          </a:p>
+        </p:txBody>
+      </p:sp>
+      <p:sp>
+        <p:nvSpPr>
+          <p:cNvPr id="219" name="Rectangle 218">
+            <a:extLst>
+              <a:ext uri="{FF2B5EF4-FFF2-40B4-BE49-F238E27FC236}">
+                <a16:creationId xmlns:a16="http://schemas.microsoft.com/office/drawing/2014/main" id="{DA6A407F-A02C-F06D-1AD2-0E94B691066F}"/>
+              </a:ext>
+            </a:extLst>
+          </p:cNvPr>
+          <p:cNvSpPr/>
+          <p:nvPr/>
+        </p:nvSpPr>
+        <p:spPr>
+          <a:xfrm>
+            <a:off x="8694355" y="4475528"/>
+            <a:ext cx="468181" cy="454317"/>
+          </a:xfrm>
+          <a:prstGeom prst="rect">
+            <a:avLst/>
+          </a:prstGeom>
+          <a:solidFill>
+            <a:schemeClr val="accent2">
+              <a:lumMod val="40000"/>
+              <a:lumOff val="60000"/>
+            </a:schemeClr>
+          </a:solidFill>
+        </p:spPr>
+        <p:style>
+          <a:lnRef idx="2">
+            <a:schemeClr val="accent1"/>
+          </a:lnRef>
+          <a:fillRef idx="1">
+            <a:schemeClr val="lt1"/>
+          </a:fillRef>
+          <a:effectRef idx="0">
+            <a:schemeClr val="accent1"/>
+          </a:effectRef>
+          <a:fontRef idx="minor">
+            <a:schemeClr val="dk1"/>
+          </a:fontRef>
+        </p:style>
+        <p:txBody>
+          <a:bodyPr lIns="0" rIns="0" rtlCol="0" anchor="ctr"/>
+          <a:lstStyle/>
+          <a:p>
+            <a:pPr algn="ctr"/>
+            <a:r>
+              <a:rPr lang="en-CH" sz="1400" dirty="0"/>
+              <a:t>Auth list</a:t>
+            </a:r>
+          </a:p>
+        </p:txBody>
+      </p:sp>
+      <p:sp>
+        <p:nvSpPr>
+          <p:cNvPr id="220" name="Rectangle 219">
+            <a:extLst>
+              <a:ext uri="{FF2B5EF4-FFF2-40B4-BE49-F238E27FC236}">
+                <a16:creationId xmlns:a16="http://schemas.microsoft.com/office/drawing/2014/main" id="{9F03DEC3-2BBA-C7DC-AE06-DF09ABEF3529}"/>
+              </a:ext>
+            </a:extLst>
+          </p:cNvPr>
+          <p:cNvSpPr/>
+          <p:nvPr/>
+        </p:nvSpPr>
+        <p:spPr>
+          <a:xfrm>
+            <a:off x="9158880" y="4475528"/>
+            <a:ext cx="795454" cy="454317"/>
+          </a:xfrm>
+          <a:prstGeom prst="rect">
+            <a:avLst/>
+          </a:prstGeom>
+          <a:solidFill>
+            <a:schemeClr val="tx2">
+              <a:lumMod val="10000"/>
+              <a:lumOff val="90000"/>
+            </a:schemeClr>
+          </a:solidFill>
+        </p:spPr>
+        <p:style>
+          <a:lnRef idx="2">
+            <a:schemeClr val="accent1"/>
+          </a:lnRef>
+          <a:fillRef idx="1">
+            <a:schemeClr val="lt1"/>
+          </a:fillRef>
+          <a:effectRef idx="0">
+            <a:schemeClr val="accent1"/>
+          </a:effectRef>
+          <a:fontRef idx="minor">
+            <a:schemeClr val="dk1"/>
+          </a:fontRef>
+        </p:style>
+        <p:txBody>
+          <a:bodyPr lIns="0" rIns="0" rtlCol="0" anchor="ctr"/>
+          <a:lstStyle/>
+          <a:p>
+            <a:pPr algn="ctr"/>
+            <a:r>
+              <a:rPr lang="en-CH" sz="1400" dirty="0"/>
+              <a:t>Max fees per gas</a:t>
+            </a:r>
+          </a:p>
+        </p:txBody>
+      </p:sp>
+      <p:sp>
+        <p:nvSpPr>
+          <p:cNvPr id="221" name="Rectangle 220">
+            <a:extLst>
+              <a:ext uri="{FF2B5EF4-FFF2-40B4-BE49-F238E27FC236}">
+                <a16:creationId xmlns:a16="http://schemas.microsoft.com/office/drawing/2014/main" id="{58283E83-F3E1-9B05-C010-705E3318EB4E}"/>
+              </a:ext>
+            </a:extLst>
+          </p:cNvPr>
+          <p:cNvSpPr/>
+          <p:nvPr/>
+        </p:nvSpPr>
+        <p:spPr>
+          <a:xfrm>
+            <a:off x="9946871" y="4475528"/>
+            <a:ext cx="795454" cy="454317"/>
+          </a:xfrm>
+          <a:prstGeom prst="rect">
+            <a:avLst/>
+          </a:prstGeom>
+          <a:solidFill>
+            <a:schemeClr val="tx2">
+              <a:lumMod val="10000"/>
+              <a:lumOff val="90000"/>
+            </a:schemeClr>
+          </a:solidFill>
+        </p:spPr>
+        <p:style>
+          <a:lnRef idx="2">
+            <a:schemeClr val="accent1"/>
+          </a:lnRef>
+          <a:fillRef idx="1">
+            <a:schemeClr val="lt1"/>
+          </a:fillRef>
+          <a:effectRef idx="0">
+            <a:schemeClr val="accent1"/>
+          </a:effectRef>
+          <a:fontRef idx="minor">
+            <a:schemeClr val="dk1"/>
+          </a:fontRef>
+        </p:style>
+        <p:txBody>
+          <a:bodyPr lIns="0" rIns="0" rtlCol="0" anchor="ctr"/>
+          <a:lstStyle/>
+          <a:p>
+            <a:pPr algn="ctr"/>
+            <a:r>
+              <a:rPr lang="en-CH" sz="1400" dirty="0"/>
+              <a:t>Prio fees per gas</a:t>
+            </a:r>
+          </a:p>
+        </p:txBody>
+      </p:sp>
+      <p:sp>
+        <p:nvSpPr>
+          <p:cNvPr id="222" name="Rectangle 221">
+            <a:extLst>
+              <a:ext uri="{FF2B5EF4-FFF2-40B4-BE49-F238E27FC236}">
+                <a16:creationId xmlns:a16="http://schemas.microsoft.com/office/drawing/2014/main" id="{646BD89C-EE05-36C4-9877-8A39789522CB}"/>
+              </a:ext>
+            </a:extLst>
+          </p:cNvPr>
+          <p:cNvSpPr/>
+          <p:nvPr/>
+        </p:nvSpPr>
+        <p:spPr>
+          <a:xfrm>
+            <a:off x="10734985" y="4475526"/>
+            <a:ext cx="465189" cy="454320"/>
+          </a:xfrm>
+          <a:prstGeom prst="rect">
+            <a:avLst/>
+          </a:prstGeom>
+          <a:solidFill>
+            <a:schemeClr val="accent6">
+              <a:lumMod val="40000"/>
+              <a:lumOff val="60000"/>
+            </a:schemeClr>
+          </a:solidFill>
+        </p:spPr>
+        <p:style>
+          <a:lnRef idx="2">
+            <a:schemeClr val="accent1"/>
+          </a:lnRef>
+          <a:fillRef idx="1">
+            <a:schemeClr val="lt1"/>
+          </a:fillRef>
+          <a:effectRef idx="0">
+            <a:schemeClr val="accent1"/>
+          </a:effectRef>
+          <a:fontRef idx="minor">
+            <a:schemeClr val="dk1"/>
+          </a:fontRef>
+        </p:style>
+        <p:txBody>
+          <a:bodyPr lIns="0" rIns="0" rtlCol="0" anchor="ctr"/>
+          <a:lstStyle/>
+          <a:p>
+            <a:pPr algn="ctr"/>
+            <a:r>
+              <a:rPr lang="en-CH" sz="1400" dirty="0"/>
+              <a:t>Sig</a:t>
+            </a:r>
+          </a:p>
+        </p:txBody>
+      </p:sp>
+      <p:sp>
+        <p:nvSpPr>
+          <p:cNvPr id="224" name="Rectangle 223">
+            <a:extLst>
+              <a:ext uri="{FF2B5EF4-FFF2-40B4-BE49-F238E27FC236}">
+                <a16:creationId xmlns:a16="http://schemas.microsoft.com/office/drawing/2014/main" id="{219EF437-BB7C-B3BE-552F-AA551E343CC4}"/>
+              </a:ext>
+            </a:extLst>
+          </p:cNvPr>
+          <p:cNvSpPr/>
+          <p:nvPr/>
+        </p:nvSpPr>
+        <p:spPr>
+          <a:xfrm>
+            <a:off x="5038125" y="3977533"/>
+            <a:ext cx="706074" cy="454317"/>
+          </a:xfrm>
+          <a:prstGeom prst="rect">
+            <a:avLst/>
+          </a:prstGeom>
+          <a:solidFill>
+            <a:schemeClr val="tx2">
+              <a:lumMod val="25000"/>
+              <a:lumOff val="75000"/>
+            </a:schemeClr>
+          </a:solidFill>
+        </p:spPr>
+        <p:style>
+          <a:lnRef idx="2">
+            <a:schemeClr val="accent1"/>
+          </a:lnRef>
+          <a:fillRef idx="1">
+            <a:schemeClr val="lt1"/>
+          </a:fillRef>
+          <a:effectRef idx="0">
+            <a:schemeClr val="accent1"/>
+          </a:effectRef>
+          <a:fontRef idx="minor">
+            <a:schemeClr val="dk1"/>
+          </a:fontRef>
+        </p:style>
+        <p:txBody>
+          <a:bodyPr lIns="0" rIns="0" rtlCol="0" anchor="ctr"/>
+          <a:lstStyle/>
+          <a:p>
+            <a:pPr algn="ctr"/>
+            <a:r>
+              <a:rPr lang="en-CH" sz="1400" dirty="0"/>
+              <a:t>Nonce</a:t>
+            </a:r>
+          </a:p>
+        </p:txBody>
+      </p:sp>
+      <p:sp>
+        <p:nvSpPr>
+          <p:cNvPr id="225" name="Rectangle 224">
+            <a:extLst>
+              <a:ext uri="{FF2B5EF4-FFF2-40B4-BE49-F238E27FC236}">
+                <a16:creationId xmlns:a16="http://schemas.microsoft.com/office/drawing/2014/main" id="{B66F5B2C-56B6-F9A7-4CEB-C2AF8009F6FB}"/>
+              </a:ext>
+            </a:extLst>
+          </p:cNvPr>
+          <p:cNvSpPr/>
+          <p:nvPr/>
+        </p:nvSpPr>
+        <p:spPr>
+          <a:xfrm>
+            <a:off x="5744199" y="3977533"/>
+            <a:ext cx="542254" cy="454317"/>
+          </a:xfrm>
+          <a:prstGeom prst="rect">
+            <a:avLst/>
+          </a:prstGeom>
+          <a:solidFill>
+            <a:schemeClr val="tx2">
+              <a:lumMod val="25000"/>
+              <a:lumOff val="75000"/>
+            </a:schemeClr>
+          </a:solidFill>
+        </p:spPr>
+        <p:style>
+          <a:lnRef idx="2">
+            <a:schemeClr val="accent1"/>
+          </a:lnRef>
+          <a:fillRef idx="1">
+            <a:schemeClr val="lt1"/>
+          </a:fillRef>
+          <a:effectRef idx="0">
+            <a:schemeClr val="accent1"/>
+          </a:effectRef>
+          <a:fontRef idx="minor">
+            <a:schemeClr val="dk1"/>
+          </a:fontRef>
+        </p:style>
+        <p:txBody>
+          <a:bodyPr lIns="0" rIns="0" rtlCol="0" anchor="ctr"/>
+          <a:lstStyle/>
+          <a:p>
+            <a:pPr algn="ctr"/>
+            <a:r>
+              <a:rPr lang="en-CH" sz="1400" dirty="0"/>
+              <a:t>Gas limit</a:t>
+            </a:r>
+          </a:p>
+        </p:txBody>
+      </p:sp>
+      <p:sp>
+        <p:nvSpPr>
+          <p:cNvPr id="226" name="Rectangle 225">
+            <a:extLst>
+              <a:ext uri="{FF2B5EF4-FFF2-40B4-BE49-F238E27FC236}">
+                <a16:creationId xmlns:a16="http://schemas.microsoft.com/office/drawing/2014/main" id="{13B64D52-ADCE-39CC-8798-172205251587}"/>
+              </a:ext>
+            </a:extLst>
+          </p:cNvPr>
+          <p:cNvSpPr/>
+          <p:nvPr/>
+        </p:nvSpPr>
+        <p:spPr>
+          <a:xfrm>
+            <a:off x="6286453" y="3977533"/>
+            <a:ext cx="360112" cy="454317"/>
+          </a:xfrm>
+          <a:prstGeom prst="rect">
+            <a:avLst/>
+          </a:prstGeom>
+          <a:solidFill>
+            <a:schemeClr val="tx2">
+              <a:lumMod val="25000"/>
+              <a:lumOff val="75000"/>
+            </a:schemeClr>
+          </a:solidFill>
+        </p:spPr>
+        <p:style>
+          <a:lnRef idx="2">
+            <a:schemeClr val="accent1"/>
+          </a:lnRef>
+          <a:fillRef idx="1">
+            <a:schemeClr val="lt1"/>
+          </a:fillRef>
+          <a:effectRef idx="0">
+            <a:schemeClr val="accent1"/>
+          </a:effectRef>
+          <a:fontRef idx="minor">
+            <a:schemeClr val="dk1"/>
+          </a:fontRef>
+        </p:style>
+        <p:txBody>
+          <a:bodyPr lIns="0" rIns="0" rtlCol="0" anchor="ctr"/>
+          <a:lstStyle/>
+          <a:p>
+            <a:pPr algn="ctr"/>
+            <a:r>
+              <a:rPr lang="en-CH" sz="1400" dirty="0"/>
+              <a:t>To</a:t>
+            </a:r>
+          </a:p>
+        </p:txBody>
+      </p:sp>
+      <p:sp>
+        <p:nvSpPr>
+          <p:cNvPr id="227" name="Rectangle 226">
+            <a:extLst>
+              <a:ext uri="{FF2B5EF4-FFF2-40B4-BE49-F238E27FC236}">
+                <a16:creationId xmlns:a16="http://schemas.microsoft.com/office/drawing/2014/main" id="{E63EA881-80A7-338E-E575-5793BD9C97DB}"/>
+              </a:ext>
+            </a:extLst>
+          </p:cNvPr>
+          <p:cNvSpPr/>
+          <p:nvPr/>
+        </p:nvSpPr>
+        <p:spPr>
+          <a:xfrm>
+            <a:off x="6646566" y="3977533"/>
+            <a:ext cx="649630" cy="454317"/>
+          </a:xfrm>
+          <a:prstGeom prst="rect">
+            <a:avLst/>
+          </a:prstGeom>
+          <a:solidFill>
+            <a:schemeClr val="tx2">
+              <a:lumMod val="25000"/>
+              <a:lumOff val="75000"/>
+            </a:schemeClr>
+          </a:solidFill>
+        </p:spPr>
+        <p:style>
+          <a:lnRef idx="2">
+            <a:schemeClr val="accent1"/>
+          </a:lnRef>
+          <a:fillRef idx="1">
+            <a:schemeClr val="lt1"/>
+          </a:fillRef>
+          <a:effectRef idx="0">
+            <a:schemeClr val="accent1"/>
+          </a:effectRef>
+          <a:fontRef idx="minor">
+            <a:schemeClr val="dk1"/>
+          </a:fontRef>
+        </p:style>
+        <p:txBody>
+          <a:bodyPr lIns="0" rIns="0" rtlCol="0" anchor="ctr"/>
+          <a:lstStyle/>
+          <a:p>
+            <a:pPr algn="ctr"/>
+            <a:r>
+              <a:rPr lang="en-CH" sz="1400" dirty="0"/>
+              <a:t>Value</a:t>
+            </a:r>
+          </a:p>
+        </p:txBody>
+      </p:sp>
+      <p:sp>
+        <p:nvSpPr>
+          <p:cNvPr id="228" name="Rectangle 227">
+            <a:extLst>
+              <a:ext uri="{FF2B5EF4-FFF2-40B4-BE49-F238E27FC236}">
+                <a16:creationId xmlns:a16="http://schemas.microsoft.com/office/drawing/2014/main" id="{3342694A-CB4C-DBD8-3DB3-1E7CA8095615}"/>
+              </a:ext>
+            </a:extLst>
+          </p:cNvPr>
+          <p:cNvSpPr/>
+          <p:nvPr/>
+        </p:nvSpPr>
+        <p:spPr>
+          <a:xfrm>
+            <a:off x="7296196" y="3977533"/>
+            <a:ext cx="649630" cy="454317"/>
+          </a:xfrm>
+          <a:prstGeom prst="rect">
+            <a:avLst/>
+          </a:prstGeom>
+          <a:solidFill>
+            <a:schemeClr val="tx2">
+              <a:lumMod val="25000"/>
+              <a:lumOff val="75000"/>
+            </a:schemeClr>
+          </a:solidFill>
+        </p:spPr>
+        <p:style>
+          <a:lnRef idx="2">
+            <a:schemeClr val="accent1"/>
+          </a:lnRef>
+          <a:fillRef idx="1">
+            <a:schemeClr val="lt1"/>
+          </a:fillRef>
+          <a:effectRef idx="0">
+            <a:schemeClr val="accent1"/>
+          </a:effectRef>
+          <a:fontRef idx="minor">
+            <a:schemeClr val="dk1"/>
+          </a:fontRef>
+        </p:style>
+        <p:txBody>
+          <a:bodyPr lIns="0" rIns="0" rtlCol="0" anchor="ctr"/>
+          <a:lstStyle/>
+          <a:p>
+            <a:pPr algn="ctr"/>
+            <a:r>
+              <a:rPr lang="en-CH" sz="1400" dirty="0"/>
+              <a:t>Input</a:t>
+            </a:r>
+          </a:p>
+        </p:txBody>
+      </p:sp>
+      <p:sp>
+        <p:nvSpPr>
+          <p:cNvPr id="229" name="Rectangle 228">
+            <a:extLst>
+              <a:ext uri="{FF2B5EF4-FFF2-40B4-BE49-F238E27FC236}">
+                <a16:creationId xmlns:a16="http://schemas.microsoft.com/office/drawing/2014/main" id="{17DA0AB4-EDFA-FE85-1157-1BB1C57B47B4}"/>
+              </a:ext>
+            </a:extLst>
+          </p:cNvPr>
+          <p:cNvSpPr/>
+          <p:nvPr/>
+        </p:nvSpPr>
+        <p:spPr>
+          <a:xfrm>
+            <a:off x="3816431" y="3977533"/>
+            <a:ext cx="574334" cy="454317"/>
+          </a:xfrm>
+          <a:prstGeom prst="rect">
+            <a:avLst/>
+          </a:prstGeom>
+          <a:solidFill>
+            <a:schemeClr val="accent6">
+              <a:lumMod val="40000"/>
+              <a:lumOff val="60000"/>
+            </a:schemeClr>
+          </a:solidFill>
+        </p:spPr>
+        <p:style>
+          <a:lnRef idx="2">
+            <a:schemeClr val="accent1"/>
+          </a:lnRef>
+          <a:fillRef idx="1">
+            <a:schemeClr val="lt1"/>
+          </a:fillRef>
+          <a:effectRef idx="0">
+            <a:schemeClr val="accent1"/>
+          </a:effectRef>
+          <a:fontRef idx="minor">
+            <a:schemeClr val="dk1"/>
+          </a:fontRef>
+        </p:style>
+        <p:txBody>
+          <a:bodyPr lIns="0" rIns="0" rtlCol="0" anchor="ctr"/>
+          <a:lstStyle/>
+          <a:p>
+            <a:pPr algn="ctr"/>
+            <a:r>
+              <a:rPr lang="en-CH" sz="1400" dirty="0"/>
+              <a:t>0x1f</a:t>
+            </a:r>
+          </a:p>
+        </p:txBody>
+      </p:sp>
+      <p:sp>
+        <p:nvSpPr>
+          <p:cNvPr id="230" name="Rectangle 229">
+            <a:extLst>
+              <a:ext uri="{FF2B5EF4-FFF2-40B4-BE49-F238E27FC236}">
+                <a16:creationId xmlns:a16="http://schemas.microsoft.com/office/drawing/2014/main" id="{0A577F6B-AA1A-BB7E-226A-4C630D8A7056}"/>
+              </a:ext>
+            </a:extLst>
+          </p:cNvPr>
+          <p:cNvSpPr/>
+          <p:nvPr/>
+        </p:nvSpPr>
+        <p:spPr>
+          <a:xfrm>
+            <a:off x="4385942" y="3977533"/>
+            <a:ext cx="652183" cy="454317"/>
+          </a:xfrm>
+          <a:prstGeom prst="rect">
+            <a:avLst/>
+          </a:prstGeom>
+          <a:solidFill>
+            <a:schemeClr val="accent6">
+              <a:lumMod val="40000"/>
+              <a:lumOff val="60000"/>
+            </a:schemeClr>
+          </a:solidFill>
+        </p:spPr>
+        <p:style>
+          <a:lnRef idx="2">
+            <a:schemeClr val="accent1"/>
+          </a:lnRef>
+          <a:fillRef idx="1">
+            <a:schemeClr val="lt1"/>
+          </a:fillRef>
+          <a:effectRef idx="0">
+            <a:schemeClr val="accent1"/>
+          </a:effectRef>
+          <a:fontRef idx="minor">
+            <a:schemeClr val="dk1"/>
+          </a:fontRef>
+        </p:style>
+        <p:txBody>
+          <a:bodyPr lIns="0" rIns="0" rtlCol="0" anchor="ctr"/>
+          <a:lstStyle/>
+          <a:p>
+            <a:pPr algn="ctr"/>
+            <a:r>
+              <a:rPr lang="en-CH" sz="1400" dirty="0"/>
+              <a:t>Chain ID</a:t>
+            </a:r>
+          </a:p>
+        </p:txBody>
+      </p:sp>
+      <p:sp>
+        <p:nvSpPr>
+          <p:cNvPr id="231" name="Rectangle 230">
+            <a:extLst>
+              <a:ext uri="{FF2B5EF4-FFF2-40B4-BE49-F238E27FC236}">
+                <a16:creationId xmlns:a16="http://schemas.microsoft.com/office/drawing/2014/main" id="{7D2724DB-2285-8F22-80B4-D48B29578BD4}"/>
+              </a:ext>
+            </a:extLst>
+          </p:cNvPr>
+          <p:cNvSpPr/>
+          <p:nvPr/>
+        </p:nvSpPr>
+        <p:spPr>
+          <a:xfrm>
+            <a:off x="7945826" y="3977533"/>
+            <a:ext cx="748529" cy="454317"/>
+          </a:xfrm>
+          <a:prstGeom prst="rect">
+            <a:avLst/>
+          </a:prstGeom>
+          <a:solidFill>
+            <a:schemeClr val="accent1">
+              <a:lumMod val="40000"/>
+              <a:lumOff val="60000"/>
+            </a:schemeClr>
+          </a:solidFill>
+        </p:spPr>
+        <p:style>
+          <a:lnRef idx="2">
+            <a:schemeClr val="accent1"/>
+          </a:lnRef>
+          <a:fillRef idx="1">
+            <a:schemeClr val="lt1"/>
+          </a:fillRef>
+          <a:effectRef idx="0">
+            <a:schemeClr val="accent1"/>
+          </a:effectRef>
+          <a:fontRef idx="minor">
+            <a:schemeClr val="dk1"/>
+          </a:fontRef>
+        </p:style>
+        <p:txBody>
+          <a:bodyPr lIns="0" rIns="0" rtlCol="0" anchor="ctr"/>
+          <a:lstStyle/>
+          <a:p>
+            <a:pPr algn="ctr"/>
+            <a:r>
+              <a:rPr lang="en-CH" sz="1400" dirty="0"/>
+              <a:t>Access list</a:t>
+            </a:r>
+          </a:p>
+        </p:txBody>
+      </p:sp>
+      <p:sp>
+        <p:nvSpPr>
+          <p:cNvPr id="232" name="Rectangle 231">
+            <a:extLst>
+              <a:ext uri="{FF2B5EF4-FFF2-40B4-BE49-F238E27FC236}">
+                <a16:creationId xmlns:a16="http://schemas.microsoft.com/office/drawing/2014/main" id="{AE79B31F-210C-3241-3603-A43A1352474B}"/>
+              </a:ext>
+            </a:extLst>
+          </p:cNvPr>
+          <p:cNvSpPr/>
+          <p:nvPr/>
+        </p:nvSpPr>
+        <p:spPr>
+          <a:xfrm>
+            <a:off x="8694355" y="3977532"/>
+            <a:ext cx="679082" cy="454319"/>
+          </a:xfrm>
+          <a:prstGeom prst="rect">
+            <a:avLst/>
+          </a:prstGeom>
+          <a:solidFill>
+            <a:schemeClr val="accent5">
+              <a:lumMod val="40000"/>
+              <a:lumOff val="60000"/>
+            </a:schemeClr>
+          </a:solidFill>
+        </p:spPr>
+        <p:style>
+          <a:lnRef idx="2">
+            <a:schemeClr val="accent1"/>
+          </a:lnRef>
+          <a:fillRef idx="1">
+            <a:schemeClr val="lt1"/>
+          </a:fillRef>
+          <a:effectRef idx="0">
+            <a:schemeClr val="accent1"/>
+          </a:effectRef>
+          <a:fontRef idx="minor">
+            <a:schemeClr val="dk1"/>
+          </a:fontRef>
+        </p:style>
+        <p:txBody>
+          <a:bodyPr lIns="0" rIns="0" rtlCol="0" anchor="ctr"/>
+          <a:lstStyle/>
+          <a:p>
+            <a:pPr algn="ctr"/>
+            <a:r>
+              <a:rPr lang="en-CH" sz="1400" dirty="0"/>
+              <a:t>Blob hashes</a:t>
+            </a:r>
+          </a:p>
+        </p:txBody>
+      </p:sp>
+      <p:sp>
+        <p:nvSpPr>
+          <p:cNvPr id="234" name="Rectangle 233">
+            <a:extLst>
+              <a:ext uri="{FF2B5EF4-FFF2-40B4-BE49-F238E27FC236}">
+                <a16:creationId xmlns:a16="http://schemas.microsoft.com/office/drawing/2014/main" id="{276BC730-2003-55CC-9A03-FAA1C54CCABE}"/>
+              </a:ext>
+            </a:extLst>
+          </p:cNvPr>
+          <p:cNvSpPr/>
+          <p:nvPr/>
+        </p:nvSpPr>
+        <p:spPr>
+          <a:xfrm>
+            <a:off x="9366785" y="3977533"/>
+            <a:ext cx="795454" cy="454317"/>
+          </a:xfrm>
+          <a:prstGeom prst="rect">
+            <a:avLst/>
+          </a:prstGeom>
+          <a:solidFill>
+            <a:schemeClr val="tx2">
+              <a:lumMod val="10000"/>
+              <a:lumOff val="90000"/>
+            </a:schemeClr>
+          </a:solidFill>
+        </p:spPr>
+        <p:style>
+          <a:lnRef idx="2">
+            <a:schemeClr val="accent1"/>
+          </a:lnRef>
+          <a:fillRef idx="1">
+            <a:schemeClr val="lt1"/>
+          </a:fillRef>
+          <a:effectRef idx="0">
+            <a:schemeClr val="accent1"/>
+          </a:effectRef>
+          <a:fontRef idx="minor">
+            <a:schemeClr val="dk1"/>
+          </a:fontRef>
+        </p:style>
+        <p:txBody>
+          <a:bodyPr lIns="0" rIns="0" rtlCol="0" anchor="ctr"/>
+          <a:lstStyle/>
+          <a:p>
+            <a:pPr algn="ctr"/>
+            <a:r>
+              <a:rPr lang="en-CH" sz="1400" dirty="0"/>
+              <a:t>Max fees per gas</a:t>
+            </a:r>
+          </a:p>
+        </p:txBody>
+      </p:sp>
+      <p:sp>
+        <p:nvSpPr>
+          <p:cNvPr id="235" name="Rectangle 234">
+            <a:extLst>
+              <a:ext uri="{FF2B5EF4-FFF2-40B4-BE49-F238E27FC236}">
+                <a16:creationId xmlns:a16="http://schemas.microsoft.com/office/drawing/2014/main" id="{D2671D8A-1620-7568-24B1-57788FB8B625}"/>
+              </a:ext>
+            </a:extLst>
+          </p:cNvPr>
+          <p:cNvSpPr/>
+          <p:nvPr/>
+        </p:nvSpPr>
+        <p:spPr>
+          <a:xfrm>
+            <a:off x="10154776" y="3977533"/>
+            <a:ext cx="795454" cy="454317"/>
+          </a:xfrm>
+          <a:prstGeom prst="rect">
+            <a:avLst/>
+          </a:prstGeom>
+          <a:solidFill>
+            <a:schemeClr val="tx2">
+              <a:lumMod val="10000"/>
+              <a:lumOff val="90000"/>
+            </a:schemeClr>
+          </a:solidFill>
+        </p:spPr>
+        <p:style>
+          <a:lnRef idx="2">
+            <a:schemeClr val="accent1"/>
+          </a:lnRef>
+          <a:fillRef idx="1">
+            <a:schemeClr val="lt1"/>
+          </a:fillRef>
+          <a:effectRef idx="0">
+            <a:schemeClr val="accent1"/>
+          </a:effectRef>
+          <a:fontRef idx="minor">
+            <a:schemeClr val="dk1"/>
+          </a:fontRef>
+        </p:style>
+        <p:txBody>
+          <a:bodyPr lIns="0" rIns="0" rtlCol="0" anchor="ctr"/>
+          <a:lstStyle/>
+          <a:p>
+            <a:pPr algn="ctr"/>
+            <a:r>
+              <a:rPr lang="en-CH" sz="1400" dirty="0"/>
+              <a:t>Prio fees per gas</a:t>
+            </a:r>
+          </a:p>
+        </p:txBody>
+      </p:sp>
+      <p:sp>
+        <p:nvSpPr>
+          <p:cNvPr id="236" name="Rectangle 235">
+            <a:extLst>
+              <a:ext uri="{FF2B5EF4-FFF2-40B4-BE49-F238E27FC236}">
+                <a16:creationId xmlns:a16="http://schemas.microsoft.com/office/drawing/2014/main" id="{4A3CE2D7-175E-A9E2-96CA-ACA453C168A4}"/>
+              </a:ext>
+            </a:extLst>
+          </p:cNvPr>
+          <p:cNvSpPr/>
+          <p:nvPr/>
+        </p:nvSpPr>
+        <p:spPr>
+          <a:xfrm>
+            <a:off x="10942890" y="3977531"/>
+            <a:ext cx="465189" cy="454320"/>
+          </a:xfrm>
+          <a:prstGeom prst="rect">
+            <a:avLst/>
+          </a:prstGeom>
+          <a:solidFill>
+            <a:schemeClr val="accent6">
+              <a:lumMod val="40000"/>
+              <a:lumOff val="60000"/>
+            </a:schemeClr>
+          </a:solidFill>
+        </p:spPr>
+        <p:style>
+          <a:lnRef idx="2">
+            <a:schemeClr val="accent1"/>
+          </a:lnRef>
+          <a:fillRef idx="1">
+            <a:schemeClr val="lt1"/>
+          </a:fillRef>
+          <a:effectRef idx="0">
+            <a:schemeClr val="accent1"/>
+          </a:effectRef>
+          <a:fontRef idx="minor">
+            <a:schemeClr val="dk1"/>
+          </a:fontRef>
+        </p:style>
+        <p:txBody>
+          <a:bodyPr lIns="0" rIns="0" rtlCol="0" anchor="ctr"/>
+          <a:lstStyle/>
+          <a:p>
+            <a:pPr algn="ctr"/>
+            <a:r>
+              <a:rPr lang="en-CH" sz="1400" dirty="0"/>
+              <a:t>Sig</a:t>
+            </a:r>
+          </a:p>
+        </p:txBody>
+      </p:sp>
+      <p:sp>
+        <p:nvSpPr>
+          <p:cNvPr id="238" name="Rectangle 237">
+            <a:extLst>
+              <a:ext uri="{FF2B5EF4-FFF2-40B4-BE49-F238E27FC236}">
+                <a16:creationId xmlns:a16="http://schemas.microsoft.com/office/drawing/2014/main" id="{ED8B9377-2D21-D942-2306-E21EACD814B7}"/>
+              </a:ext>
+            </a:extLst>
+          </p:cNvPr>
+          <p:cNvSpPr/>
+          <p:nvPr/>
+        </p:nvSpPr>
+        <p:spPr>
+          <a:xfrm>
+            <a:off x="5038125" y="3479537"/>
+            <a:ext cx="706074" cy="454317"/>
+          </a:xfrm>
+          <a:prstGeom prst="rect">
+            <a:avLst/>
+          </a:prstGeom>
+          <a:solidFill>
+            <a:schemeClr val="tx2">
+              <a:lumMod val="25000"/>
+              <a:lumOff val="75000"/>
+            </a:schemeClr>
+          </a:solidFill>
+        </p:spPr>
+        <p:style>
+          <a:lnRef idx="2">
+            <a:schemeClr val="accent1"/>
+          </a:lnRef>
+          <a:fillRef idx="1">
+            <a:schemeClr val="lt1"/>
+          </a:fillRef>
+          <a:effectRef idx="0">
+            <a:schemeClr val="accent1"/>
+          </a:effectRef>
+          <a:fontRef idx="minor">
+            <a:schemeClr val="dk1"/>
+          </a:fontRef>
+        </p:style>
+        <p:txBody>
+          <a:bodyPr lIns="0" rIns="0" rtlCol="0" anchor="ctr"/>
+          <a:lstStyle/>
+          <a:p>
+            <a:pPr algn="ctr"/>
+            <a:r>
+              <a:rPr lang="en-CH" sz="1400" dirty="0"/>
+              <a:t>Nonce</a:t>
+            </a:r>
+          </a:p>
+        </p:txBody>
+      </p:sp>
+      <p:sp>
+        <p:nvSpPr>
+          <p:cNvPr id="239" name="Rectangle 238">
+            <a:extLst>
+              <a:ext uri="{FF2B5EF4-FFF2-40B4-BE49-F238E27FC236}">
+                <a16:creationId xmlns:a16="http://schemas.microsoft.com/office/drawing/2014/main" id="{844E49B9-F385-08B3-DDA5-521DE6EEEA46}"/>
+              </a:ext>
+            </a:extLst>
+          </p:cNvPr>
+          <p:cNvSpPr/>
+          <p:nvPr/>
+        </p:nvSpPr>
+        <p:spPr>
+          <a:xfrm>
+            <a:off x="5744199" y="3479537"/>
+            <a:ext cx="542254" cy="454317"/>
+          </a:xfrm>
+          <a:prstGeom prst="rect">
+            <a:avLst/>
+          </a:prstGeom>
+          <a:solidFill>
+            <a:schemeClr val="tx2">
+              <a:lumMod val="25000"/>
+              <a:lumOff val="75000"/>
+            </a:schemeClr>
+          </a:solidFill>
+        </p:spPr>
+        <p:style>
+          <a:lnRef idx="2">
+            <a:schemeClr val="accent1"/>
+          </a:lnRef>
+          <a:fillRef idx="1">
+            <a:schemeClr val="lt1"/>
+          </a:fillRef>
+          <a:effectRef idx="0">
+            <a:schemeClr val="accent1"/>
+          </a:effectRef>
+          <a:fontRef idx="minor">
+            <a:schemeClr val="dk1"/>
+          </a:fontRef>
+        </p:style>
+        <p:txBody>
+          <a:bodyPr lIns="0" rIns="0" rtlCol="0" anchor="ctr"/>
+          <a:lstStyle/>
+          <a:p>
+            <a:pPr algn="ctr"/>
+            <a:r>
+              <a:rPr lang="en-CH" sz="1400" dirty="0"/>
+              <a:t>Gas limit</a:t>
+            </a:r>
+          </a:p>
+        </p:txBody>
+      </p:sp>
+      <p:sp>
+        <p:nvSpPr>
+          <p:cNvPr id="240" name="Rectangle 239">
+            <a:extLst>
+              <a:ext uri="{FF2B5EF4-FFF2-40B4-BE49-F238E27FC236}">
+                <a16:creationId xmlns:a16="http://schemas.microsoft.com/office/drawing/2014/main" id="{C0C813EF-16F5-E7DA-286A-F5CE4BA68B66}"/>
+              </a:ext>
+            </a:extLst>
+          </p:cNvPr>
+          <p:cNvSpPr/>
+          <p:nvPr/>
+        </p:nvSpPr>
+        <p:spPr>
+          <a:xfrm>
+            <a:off x="6286453" y="3479537"/>
+            <a:ext cx="360112" cy="454317"/>
+          </a:xfrm>
+          <a:prstGeom prst="rect">
+            <a:avLst/>
+          </a:prstGeom>
+          <a:solidFill>
+            <a:schemeClr val="tx2">
+              <a:lumMod val="25000"/>
+              <a:lumOff val="75000"/>
+            </a:schemeClr>
+          </a:solidFill>
+        </p:spPr>
+        <p:style>
+          <a:lnRef idx="2">
+            <a:schemeClr val="accent1"/>
+          </a:lnRef>
+          <a:fillRef idx="1">
+            <a:schemeClr val="lt1"/>
+          </a:fillRef>
+          <a:effectRef idx="0">
+            <a:schemeClr val="accent1"/>
+          </a:effectRef>
+          <a:fontRef idx="minor">
+            <a:schemeClr val="dk1"/>
+          </a:fontRef>
+        </p:style>
+        <p:txBody>
+          <a:bodyPr lIns="0" rIns="0" rtlCol="0" anchor="ctr"/>
+          <a:lstStyle/>
+          <a:p>
+            <a:pPr algn="ctr"/>
+            <a:r>
+              <a:rPr lang="en-CH" sz="1400" dirty="0"/>
+              <a:t>To</a:t>
+            </a:r>
+          </a:p>
+        </p:txBody>
+      </p:sp>
+      <p:sp>
+        <p:nvSpPr>
+          <p:cNvPr id="241" name="Rectangle 240">
+            <a:extLst>
+              <a:ext uri="{FF2B5EF4-FFF2-40B4-BE49-F238E27FC236}">
+                <a16:creationId xmlns:a16="http://schemas.microsoft.com/office/drawing/2014/main" id="{D205C8D1-87A2-33F3-DFD4-95937FD73D4E}"/>
+              </a:ext>
+            </a:extLst>
+          </p:cNvPr>
+          <p:cNvSpPr/>
+          <p:nvPr/>
+        </p:nvSpPr>
+        <p:spPr>
+          <a:xfrm>
+            <a:off x="6646566" y="3479537"/>
+            <a:ext cx="649630" cy="454317"/>
+          </a:xfrm>
+          <a:prstGeom prst="rect">
+            <a:avLst/>
+          </a:prstGeom>
+          <a:solidFill>
+            <a:schemeClr val="tx2">
+              <a:lumMod val="25000"/>
+              <a:lumOff val="75000"/>
+            </a:schemeClr>
+          </a:solidFill>
+        </p:spPr>
+        <p:style>
+          <a:lnRef idx="2">
+            <a:schemeClr val="accent1"/>
+          </a:lnRef>
+          <a:fillRef idx="1">
+            <a:schemeClr val="lt1"/>
+          </a:fillRef>
+          <a:effectRef idx="0">
+            <a:schemeClr val="accent1"/>
+          </a:effectRef>
+          <a:fontRef idx="minor">
+            <a:schemeClr val="dk1"/>
+          </a:fontRef>
+        </p:style>
+        <p:txBody>
+          <a:bodyPr lIns="0" rIns="0" rtlCol="0" anchor="ctr"/>
+          <a:lstStyle/>
+          <a:p>
+            <a:pPr algn="ctr"/>
+            <a:r>
+              <a:rPr lang="en-CH" sz="1400" dirty="0"/>
+              <a:t>Value</a:t>
+            </a:r>
+          </a:p>
+        </p:txBody>
+      </p:sp>
+      <p:sp>
+        <p:nvSpPr>
+          <p:cNvPr id="242" name="Rectangle 241">
+            <a:extLst>
+              <a:ext uri="{FF2B5EF4-FFF2-40B4-BE49-F238E27FC236}">
+                <a16:creationId xmlns:a16="http://schemas.microsoft.com/office/drawing/2014/main" id="{DF50ED7D-D4D1-AA8B-356D-28FDBDD102E5}"/>
+              </a:ext>
+            </a:extLst>
+          </p:cNvPr>
+          <p:cNvSpPr/>
+          <p:nvPr/>
+        </p:nvSpPr>
+        <p:spPr>
+          <a:xfrm>
+            <a:off x="7296196" y="3479537"/>
+            <a:ext cx="649630" cy="454317"/>
+          </a:xfrm>
+          <a:prstGeom prst="rect">
+            <a:avLst/>
+          </a:prstGeom>
+          <a:solidFill>
+            <a:schemeClr val="tx2">
+              <a:lumMod val="25000"/>
+              <a:lumOff val="75000"/>
+            </a:schemeClr>
+          </a:solidFill>
+        </p:spPr>
+        <p:style>
+          <a:lnRef idx="2">
+            <a:schemeClr val="accent1"/>
+          </a:lnRef>
+          <a:fillRef idx="1">
+            <a:schemeClr val="lt1"/>
+          </a:fillRef>
+          <a:effectRef idx="0">
+            <a:schemeClr val="accent1"/>
+          </a:effectRef>
+          <a:fontRef idx="minor">
+            <a:schemeClr val="dk1"/>
+          </a:fontRef>
+        </p:style>
+        <p:txBody>
+          <a:bodyPr lIns="0" rIns="0" rtlCol="0" anchor="ctr"/>
+          <a:lstStyle/>
+          <a:p>
+            <a:pPr algn="ctr"/>
+            <a:r>
+              <a:rPr lang="en-CH" sz="1400" dirty="0"/>
+              <a:t>Input</a:t>
+            </a:r>
+          </a:p>
+        </p:txBody>
+      </p:sp>
+      <p:sp>
+        <p:nvSpPr>
+          <p:cNvPr id="243" name="Rectangle 242">
+            <a:extLst>
+              <a:ext uri="{FF2B5EF4-FFF2-40B4-BE49-F238E27FC236}">
+                <a16:creationId xmlns:a16="http://schemas.microsoft.com/office/drawing/2014/main" id="{3239EA8B-50FA-1DD8-D44C-5220A15E8C7B}"/>
+              </a:ext>
+            </a:extLst>
+          </p:cNvPr>
+          <p:cNvSpPr/>
+          <p:nvPr/>
+        </p:nvSpPr>
+        <p:spPr>
+          <a:xfrm>
+            <a:off x="3816431" y="3479537"/>
+            <a:ext cx="574334" cy="454317"/>
+          </a:xfrm>
+          <a:prstGeom prst="rect">
+            <a:avLst/>
+          </a:prstGeom>
+          <a:solidFill>
+            <a:schemeClr val="accent6">
+              <a:lumMod val="40000"/>
+              <a:lumOff val="60000"/>
+            </a:schemeClr>
+          </a:solidFill>
+        </p:spPr>
+        <p:style>
+          <a:lnRef idx="2">
+            <a:schemeClr val="accent1"/>
+          </a:lnRef>
+          <a:fillRef idx="1">
+            <a:schemeClr val="lt1"/>
+          </a:fillRef>
+          <a:effectRef idx="0">
+            <a:schemeClr val="accent1"/>
+          </a:effectRef>
+          <a:fontRef idx="minor">
+            <a:schemeClr val="dk1"/>
+          </a:fontRef>
+        </p:style>
+        <p:txBody>
+          <a:bodyPr lIns="0" rIns="0" rtlCol="0" anchor="ctr"/>
+          <a:lstStyle/>
+          <a:p>
+            <a:pPr algn="ctr"/>
+            <a:r>
+              <a:rPr lang="en-CH" sz="1400" dirty="0"/>
+              <a:t>0x1f</a:t>
+            </a:r>
+          </a:p>
+        </p:txBody>
+      </p:sp>
+      <p:sp>
+        <p:nvSpPr>
+          <p:cNvPr id="244" name="Rectangle 243">
+            <a:extLst>
+              <a:ext uri="{FF2B5EF4-FFF2-40B4-BE49-F238E27FC236}">
+                <a16:creationId xmlns:a16="http://schemas.microsoft.com/office/drawing/2014/main" id="{473ED648-3AD7-9CD5-0640-1F8771564ADF}"/>
+              </a:ext>
+            </a:extLst>
+          </p:cNvPr>
+          <p:cNvSpPr/>
+          <p:nvPr/>
+        </p:nvSpPr>
+        <p:spPr>
+          <a:xfrm>
+            <a:off x="4385942" y="3479537"/>
+            <a:ext cx="652183" cy="454317"/>
+          </a:xfrm>
+          <a:prstGeom prst="rect">
+            <a:avLst/>
+          </a:prstGeom>
+          <a:solidFill>
+            <a:schemeClr val="accent6">
+              <a:lumMod val="40000"/>
+              <a:lumOff val="60000"/>
+            </a:schemeClr>
+          </a:solidFill>
+        </p:spPr>
+        <p:style>
+          <a:lnRef idx="2">
+            <a:schemeClr val="accent1"/>
+          </a:lnRef>
+          <a:fillRef idx="1">
+            <a:schemeClr val="lt1"/>
+          </a:fillRef>
+          <a:effectRef idx="0">
+            <a:schemeClr val="accent1"/>
+          </a:effectRef>
+          <a:fontRef idx="minor">
+            <a:schemeClr val="dk1"/>
+          </a:fontRef>
+        </p:style>
+        <p:txBody>
+          <a:bodyPr lIns="0" rIns="0" rtlCol="0" anchor="ctr"/>
+          <a:lstStyle/>
+          <a:p>
+            <a:pPr algn="ctr"/>
+            <a:r>
+              <a:rPr lang="en-CH" sz="1400" dirty="0"/>
+              <a:t>Chain ID</a:t>
+            </a:r>
+          </a:p>
+        </p:txBody>
+      </p:sp>
+      <p:sp>
+        <p:nvSpPr>
+          <p:cNvPr id="245" name="Rectangle 244">
+            <a:extLst>
+              <a:ext uri="{FF2B5EF4-FFF2-40B4-BE49-F238E27FC236}">
+                <a16:creationId xmlns:a16="http://schemas.microsoft.com/office/drawing/2014/main" id="{61FFB28A-BDE8-239F-F02C-F1929AC405E2}"/>
+              </a:ext>
+            </a:extLst>
+          </p:cNvPr>
+          <p:cNvSpPr/>
+          <p:nvPr/>
+        </p:nvSpPr>
+        <p:spPr>
+          <a:xfrm>
+            <a:off x="7945826" y="3479537"/>
+            <a:ext cx="748529" cy="454317"/>
+          </a:xfrm>
+          <a:prstGeom prst="rect">
+            <a:avLst/>
+          </a:prstGeom>
+          <a:solidFill>
+            <a:schemeClr val="accent1">
+              <a:lumMod val="40000"/>
+              <a:lumOff val="60000"/>
+            </a:schemeClr>
+          </a:solidFill>
+        </p:spPr>
+        <p:style>
+          <a:lnRef idx="2">
+            <a:schemeClr val="accent1"/>
+          </a:lnRef>
+          <a:fillRef idx="1">
+            <a:schemeClr val="lt1"/>
+          </a:fillRef>
+          <a:effectRef idx="0">
+            <a:schemeClr val="accent1"/>
+          </a:effectRef>
+          <a:fontRef idx="minor">
+            <a:schemeClr val="dk1"/>
+          </a:fontRef>
+        </p:style>
+        <p:txBody>
+          <a:bodyPr lIns="0" rIns="0" rtlCol="0" anchor="ctr"/>
+          <a:lstStyle/>
+          <a:p>
+            <a:pPr algn="ctr"/>
+            <a:r>
+              <a:rPr lang="en-CH" sz="1400" dirty="0"/>
+              <a:t>Access list</a:t>
+            </a:r>
+          </a:p>
+        </p:txBody>
+      </p:sp>
+      <p:sp>
+        <p:nvSpPr>
+          <p:cNvPr id="248" name="Rectangle 247">
+            <a:extLst>
+              <a:ext uri="{FF2B5EF4-FFF2-40B4-BE49-F238E27FC236}">
+                <a16:creationId xmlns:a16="http://schemas.microsoft.com/office/drawing/2014/main" id="{D86765DA-B1EE-88CB-DAB0-949E9E2BBD32}"/>
+              </a:ext>
+            </a:extLst>
+          </p:cNvPr>
+          <p:cNvSpPr/>
+          <p:nvPr/>
+        </p:nvSpPr>
+        <p:spPr>
+          <a:xfrm>
+            <a:off x="8694355" y="3479537"/>
+            <a:ext cx="795454" cy="454317"/>
+          </a:xfrm>
+          <a:prstGeom prst="rect">
+            <a:avLst/>
+          </a:prstGeom>
+          <a:solidFill>
+            <a:schemeClr val="tx2">
+              <a:lumMod val="10000"/>
+              <a:lumOff val="90000"/>
+            </a:schemeClr>
+          </a:solidFill>
+        </p:spPr>
+        <p:style>
+          <a:lnRef idx="2">
+            <a:schemeClr val="accent1"/>
+          </a:lnRef>
+          <a:fillRef idx="1">
+            <a:schemeClr val="lt1"/>
+          </a:fillRef>
+          <a:effectRef idx="0">
+            <a:schemeClr val="accent1"/>
+          </a:effectRef>
+          <a:fontRef idx="minor">
+            <a:schemeClr val="dk1"/>
+          </a:fontRef>
+        </p:style>
+        <p:txBody>
+          <a:bodyPr lIns="0" rIns="0" rtlCol="0" anchor="ctr"/>
+          <a:lstStyle/>
+          <a:p>
+            <a:pPr algn="ctr"/>
+            <a:r>
+              <a:rPr lang="en-CH" sz="1400" dirty="0"/>
+              <a:t>Max fees per gas</a:t>
+            </a:r>
+          </a:p>
+        </p:txBody>
+      </p:sp>
+      <p:sp>
+        <p:nvSpPr>
+          <p:cNvPr id="249" name="Rectangle 248">
+            <a:extLst>
+              <a:ext uri="{FF2B5EF4-FFF2-40B4-BE49-F238E27FC236}">
+                <a16:creationId xmlns:a16="http://schemas.microsoft.com/office/drawing/2014/main" id="{0D240438-0BFE-057D-307E-5A79A9A06D61}"/>
+              </a:ext>
+            </a:extLst>
+          </p:cNvPr>
+          <p:cNvSpPr/>
+          <p:nvPr/>
+        </p:nvSpPr>
+        <p:spPr>
+          <a:xfrm>
+            <a:off x="9482346" y="3479537"/>
+            <a:ext cx="795454" cy="454317"/>
+          </a:xfrm>
+          <a:prstGeom prst="rect">
+            <a:avLst/>
+          </a:prstGeom>
+          <a:solidFill>
+            <a:schemeClr val="tx2">
+              <a:lumMod val="10000"/>
+              <a:lumOff val="90000"/>
+            </a:schemeClr>
+          </a:solidFill>
+        </p:spPr>
+        <p:style>
+          <a:lnRef idx="2">
+            <a:schemeClr val="accent1"/>
+          </a:lnRef>
+          <a:fillRef idx="1">
+            <a:schemeClr val="lt1"/>
+          </a:fillRef>
+          <a:effectRef idx="0">
+            <a:schemeClr val="accent1"/>
+          </a:effectRef>
+          <a:fontRef idx="minor">
+            <a:schemeClr val="dk1"/>
+          </a:fontRef>
+        </p:style>
+        <p:txBody>
+          <a:bodyPr lIns="0" rIns="0" rtlCol="0" anchor="ctr"/>
+          <a:lstStyle/>
+          <a:p>
+            <a:pPr algn="ctr"/>
+            <a:r>
+              <a:rPr lang="en-CH" sz="1400" dirty="0"/>
+              <a:t>Prio fees per gas</a:t>
+            </a:r>
+          </a:p>
+        </p:txBody>
+      </p:sp>
+      <p:sp>
+        <p:nvSpPr>
+          <p:cNvPr id="250" name="Rectangle 249">
+            <a:extLst>
+              <a:ext uri="{FF2B5EF4-FFF2-40B4-BE49-F238E27FC236}">
+                <a16:creationId xmlns:a16="http://schemas.microsoft.com/office/drawing/2014/main" id="{CAF3E8AC-573C-6925-35FC-4214C28D304D}"/>
+              </a:ext>
+            </a:extLst>
+          </p:cNvPr>
+          <p:cNvSpPr/>
+          <p:nvPr/>
+        </p:nvSpPr>
+        <p:spPr>
+          <a:xfrm>
+            <a:off x="10270460" y="3479535"/>
+            <a:ext cx="465189" cy="454320"/>
+          </a:xfrm>
+          <a:prstGeom prst="rect">
+            <a:avLst/>
+          </a:prstGeom>
+          <a:solidFill>
+            <a:schemeClr val="accent6">
+              <a:lumMod val="40000"/>
+              <a:lumOff val="60000"/>
+            </a:schemeClr>
+          </a:solidFill>
+        </p:spPr>
+        <p:style>
+          <a:lnRef idx="2">
+            <a:schemeClr val="accent1"/>
+          </a:lnRef>
+          <a:fillRef idx="1">
+            <a:schemeClr val="lt1"/>
+          </a:fillRef>
+          <a:effectRef idx="0">
+            <a:schemeClr val="accent1"/>
+          </a:effectRef>
+          <a:fontRef idx="minor">
+            <a:schemeClr val="dk1"/>
+          </a:fontRef>
+        </p:style>
+        <p:txBody>
+          <a:bodyPr lIns="0" rIns="0" rtlCol="0" anchor="ctr"/>
+          <a:lstStyle/>
+          <a:p>
+            <a:pPr algn="ctr"/>
+            <a:r>
+              <a:rPr lang="en-CH" sz="1400" dirty="0"/>
+              <a:t>Sig</a:t>
+            </a:r>
+          </a:p>
+        </p:txBody>
+      </p:sp>
+      <p:sp>
+        <p:nvSpPr>
+          <p:cNvPr id="252" name="Rectangle 251">
+            <a:extLst>
+              <a:ext uri="{FF2B5EF4-FFF2-40B4-BE49-F238E27FC236}">
+                <a16:creationId xmlns:a16="http://schemas.microsoft.com/office/drawing/2014/main" id="{F34E5B8F-A83B-293B-5D1A-FCD56F331B76}"/>
+              </a:ext>
+            </a:extLst>
+          </p:cNvPr>
+          <p:cNvSpPr/>
+          <p:nvPr/>
+        </p:nvSpPr>
+        <p:spPr>
+          <a:xfrm>
+            <a:off x="5038125" y="2981541"/>
+            <a:ext cx="706074" cy="454317"/>
+          </a:xfrm>
+          <a:prstGeom prst="rect">
+            <a:avLst/>
+          </a:prstGeom>
+          <a:solidFill>
+            <a:schemeClr val="tx2">
+              <a:lumMod val="25000"/>
+              <a:lumOff val="75000"/>
+            </a:schemeClr>
+          </a:solidFill>
+        </p:spPr>
+        <p:style>
+          <a:lnRef idx="2">
+            <a:schemeClr val="accent1"/>
+          </a:lnRef>
+          <a:fillRef idx="1">
+            <a:schemeClr val="lt1"/>
+          </a:fillRef>
+          <a:effectRef idx="0">
+            <a:schemeClr val="accent1"/>
+          </a:effectRef>
+          <a:fontRef idx="minor">
+            <a:schemeClr val="dk1"/>
+          </a:fontRef>
+        </p:style>
+        <p:txBody>
+          <a:bodyPr lIns="0" rIns="0" rtlCol="0" anchor="ctr"/>
+          <a:lstStyle/>
+          <a:p>
+            <a:pPr algn="ctr"/>
+            <a:r>
+              <a:rPr lang="en-CH" sz="1400" dirty="0"/>
+              <a:t>Nonce</a:t>
+            </a:r>
+          </a:p>
+        </p:txBody>
+      </p:sp>
+      <p:sp>
+        <p:nvSpPr>
+          <p:cNvPr id="253" name="Rectangle 252">
+            <a:extLst>
+              <a:ext uri="{FF2B5EF4-FFF2-40B4-BE49-F238E27FC236}">
+                <a16:creationId xmlns:a16="http://schemas.microsoft.com/office/drawing/2014/main" id="{37E233FE-501B-8037-9D98-47EE46D1E385}"/>
+              </a:ext>
+            </a:extLst>
+          </p:cNvPr>
+          <p:cNvSpPr/>
+          <p:nvPr/>
+        </p:nvSpPr>
+        <p:spPr>
+          <a:xfrm>
+            <a:off x="5744199" y="2981541"/>
+            <a:ext cx="542254" cy="454317"/>
+          </a:xfrm>
+          <a:prstGeom prst="rect">
+            <a:avLst/>
+          </a:prstGeom>
+          <a:solidFill>
+            <a:schemeClr val="tx2">
+              <a:lumMod val="25000"/>
+              <a:lumOff val="75000"/>
+            </a:schemeClr>
+          </a:solidFill>
+        </p:spPr>
+        <p:style>
+          <a:lnRef idx="2">
+            <a:schemeClr val="accent1"/>
+          </a:lnRef>
+          <a:fillRef idx="1">
+            <a:schemeClr val="lt1"/>
+          </a:fillRef>
+          <a:effectRef idx="0">
+            <a:schemeClr val="accent1"/>
+          </a:effectRef>
+          <a:fontRef idx="minor">
+            <a:schemeClr val="dk1"/>
+          </a:fontRef>
+        </p:style>
+        <p:txBody>
+          <a:bodyPr lIns="0" rIns="0" rtlCol="0" anchor="ctr"/>
+          <a:lstStyle/>
+          <a:p>
+            <a:pPr algn="ctr"/>
+            <a:r>
+              <a:rPr lang="en-CH" sz="1400" dirty="0"/>
+              <a:t>Gas limit</a:t>
+            </a:r>
+          </a:p>
+        </p:txBody>
+      </p:sp>
+      <p:sp>
+        <p:nvSpPr>
+          <p:cNvPr id="254" name="Rectangle 253">
+            <a:extLst>
+              <a:ext uri="{FF2B5EF4-FFF2-40B4-BE49-F238E27FC236}">
+                <a16:creationId xmlns:a16="http://schemas.microsoft.com/office/drawing/2014/main" id="{FEDD20B6-FF5C-3044-2B18-D6E4B098F291}"/>
+              </a:ext>
+            </a:extLst>
+          </p:cNvPr>
+          <p:cNvSpPr/>
+          <p:nvPr/>
+        </p:nvSpPr>
+        <p:spPr>
+          <a:xfrm>
+            <a:off x="6286453" y="2981541"/>
+            <a:ext cx="360112" cy="454317"/>
+          </a:xfrm>
+          <a:prstGeom prst="rect">
+            <a:avLst/>
+          </a:prstGeom>
+          <a:solidFill>
+            <a:schemeClr val="tx2">
+              <a:lumMod val="25000"/>
+              <a:lumOff val="75000"/>
+            </a:schemeClr>
+          </a:solidFill>
+        </p:spPr>
+        <p:style>
+          <a:lnRef idx="2">
+            <a:schemeClr val="accent1"/>
+          </a:lnRef>
+          <a:fillRef idx="1">
+            <a:schemeClr val="lt1"/>
+          </a:fillRef>
+          <a:effectRef idx="0">
+            <a:schemeClr val="accent1"/>
+          </a:effectRef>
+          <a:fontRef idx="minor">
+            <a:schemeClr val="dk1"/>
+          </a:fontRef>
+        </p:style>
+        <p:txBody>
+          <a:bodyPr lIns="0" rIns="0" rtlCol="0" anchor="ctr"/>
+          <a:lstStyle/>
+          <a:p>
+            <a:pPr algn="ctr"/>
+            <a:r>
+              <a:rPr lang="en-CH" sz="1400" dirty="0"/>
+              <a:t>To</a:t>
+            </a:r>
+          </a:p>
+        </p:txBody>
+      </p:sp>
+      <p:sp>
+        <p:nvSpPr>
+          <p:cNvPr id="255" name="Rectangle 254">
+            <a:extLst>
+              <a:ext uri="{FF2B5EF4-FFF2-40B4-BE49-F238E27FC236}">
+                <a16:creationId xmlns:a16="http://schemas.microsoft.com/office/drawing/2014/main" id="{021F0343-C2D6-7760-3B16-5E6EE8E1296D}"/>
+              </a:ext>
+            </a:extLst>
+          </p:cNvPr>
+          <p:cNvSpPr/>
+          <p:nvPr/>
+        </p:nvSpPr>
+        <p:spPr>
+          <a:xfrm>
+            <a:off x="6646566" y="2981541"/>
+            <a:ext cx="649630" cy="454317"/>
+          </a:xfrm>
+          <a:prstGeom prst="rect">
+            <a:avLst/>
+          </a:prstGeom>
+          <a:solidFill>
+            <a:schemeClr val="tx2">
+              <a:lumMod val="25000"/>
+              <a:lumOff val="75000"/>
+            </a:schemeClr>
+          </a:solidFill>
+        </p:spPr>
+        <p:style>
+          <a:lnRef idx="2">
+            <a:schemeClr val="accent1"/>
+          </a:lnRef>
+          <a:fillRef idx="1">
+            <a:schemeClr val="lt1"/>
+          </a:fillRef>
+          <a:effectRef idx="0">
+            <a:schemeClr val="accent1"/>
+          </a:effectRef>
+          <a:fontRef idx="minor">
+            <a:schemeClr val="dk1"/>
+          </a:fontRef>
+        </p:style>
+        <p:txBody>
+          <a:bodyPr lIns="0" rIns="0" rtlCol="0" anchor="ctr"/>
+          <a:lstStyle/>
+          <a:p>
+            <a:pPr algn="ctr"/>
+            <a:r>
+              <a:rPr lang="en-CH" sz="1400" dirty="0"/>
+              <a:t>Value</a:t>
+            </a:r>
+          </a:p>
+        </p:txBody>
+      </p:sp>
+      <p:sp>
+        <p:nvSpPr>
+          <p:cNvPr id="256" name="Rectangle 255">
+            <a:extLst>
+              <a:ext uri="{FF2B5EF4-FFF2-40B4-BE49-F238E27FC236}">
+                <a16:creationId xmlns:a16="http://schemas.microsoft.com/office/drawing/2014/main" id="{4EE206F4-A39E-57E7-AA54-F745E2D1F765}"/>
+              </a:ext>
+            </a:extLst>
+          </p:cNvPr>
+          <p:cNvSpPr/>
+          <p:nvPr/>
+        </p:nvSpPr>
+        <p:spPr>
+          <a:xfrm>
+            <a:off x="7296196" y="2981541"/>
+            <a:ext cx="649630" cy="454317"/>
+          </a:xfrm>
+          <a:prstGeom prst="rect">
+            <a:avLst/>
+          </a:prstGeom>
+          <a:solidFill>
+            <a:schemeClr val="tx2">
+              <a:lumMod val="25000"/>
+              <a:lumOff val="75000"/>
+            </a:schemeClr>
+          </a:solidFill>
+        </p:spPr>
+        <p:style>
+          <a:lnRef idx="2">
+            <a:schemeClr val="accent1"/>
+          </a:lnRef>
+          <a:fillRef idx="1">
+            <a:schemeClr val="lt1"/>
+          </a:fillRef>
+          <a:effectRef idx="0">
+            <a:schemeClr val="accent1"/>
+          </a:effectRef>
+          <a:fontRef idx="minor">
+            <a:schemeClr val="dk1"/>
+          </a:fontRef>
+        </p:style>
+        <p:txBody>
+          <a:bodyPr lIns="0" rIns="0" rtlCol="0" anchor="ctr"/>
+          <a:lstStyle/>
+          <a:p>
+            <a:pPr algn="ctr"/>
+            <a:r>
+              <a:rPr lang="en-CH" sz="1400" dirty="0"/>
+              <a:t>Input</a:t>
+            </a:r>
+          </a:p>
+        </p:txBody>
+      </p:sp>
+      <p:sp>
+        <p:nvSpPr>
+          <p:cNvPr id="257" name="Rectangle 256">
+            <a:extLst>
+              <a:ext uri="{FF2B5EF4-FFF2-40B4-BE49-F238E27FC236}">
+                <a16:creationId xmlns:a16="http://schemas.microsoft.com/office/drawing/2014/main" id="{2C07F3C2-E7B1-EA50-00BF-E46A976705D6}"/>
+              </a:ext>
+            </a:extLst>
+          </p:cNvPr>
+          <p:cNvSpPr/>
+          <p:nvPr/>
+        </p:nvSpPr>
+        <p:spPr>
+          <a:xfrm>
+            <a:off x="3816431" y="2981541"/>
+            <a:ext cx="574334" cy="454317"/>
+          </a:xfrm>
+          <a:prstGeom prst="rect">
+            <a:avLst/>
+          </a:prstGeom>
+          <a:solidFill>
+            <a:schemeClr val="accent6">
+              <a:lumMod val="40000"/>
+              <a:lumOff val="60000"/>
+            </a:schemeClr>
+          </a:solidFill>
+        </p:spPr>
+        <p:style>
+          <a:lnRef idx="2">
+            <a:schemeClr val="accent1"/>
+          </a:lnRef>
+          <a:fillRef idx="1">
+            <a:schemeClr val="lt1"/>
+          </a:fillRef>
+          <a:effectRef idx="0">
+            <a:schemeClr val="accent1"/>
+          </a:effectRef>
+          <a:fontRef idx="minor">
+            <a:schemeClr val="dk1"/>
+          </a:fontRef>
+        </p:style>
+        <p:txBody>
+          <a:bodyPr lIns="0" rIns="0" rtlCol="0" anchor="ctr"/>
+          <a:lstStyle/>
+          <a:p>
+            <a:pPr algn="ctr"/>
+            <a:r>
+              <a:rPr lang="en-CH" sz="1400" dirty="0"/>
+              <a:t>0x1f</a:t>
+            </a:r>
+          </a:p>
+        </p:txBody>
+      </p:sp>
+      <p:sp>
+        <p:nvSpPr>
+          <p:cNvPr id="258" name="Rectangle 257">
+            <a:extLst>
+              <a:ext uri="{FF2B5EF4-FFF2-40B4-BE49-F238E27FC236}">
+                <a16:creationId xmlns:a16="http://schemas.microsoft.com/office/drawing/2014/main" id="{202ED795-76B4-121B-ACBD-0C388BFE8655}"/>
+              </a:ext>
+            </a:extLst>
+          </p:cNvPr>
+          <p:cNvSpPr/>
+          <p:nvPr/>
+        </p:nvSpPr>
+        <p:spPr>
+          <a:xfrm>
+            <a:off x="4385942" y="2981541"/>
+            <a:ext cx="652183" cy="454317"/>
+          </a:xfrm>
+          <a:prstGeom prst="rect">
+            <a:avLst/>
+          </a:prstGeom>
+          <a:solidFill>
+            <a:schemeClr val="accent6">
+              <a:lumMod val="40000"/>
+              <a:lumOff val="60000"/>
+            </a:schemeClr>
+          </a:solidFill>
+        </p:spPr>
+        <p:style>
+          <a:lnRef idx="2">
+            <a:schemeClr val="accent1"/>
+          </a:lnRef>
+          <a:fillRef idx="1">
+            <a:schemeClr val="lt1"/>
+          </a:fillRef>
+          <a:effectRef idx="0">
+            <a:schemeClr val="accent1"/>
+          </a:effectRef>
+          <a:fontRef idx="minor">
+            <a:schemeClr val="dk1"/>
+          </a:fontRef>
+        </p:style>
+        <p:txBody>
+          <a:bodyPr lIns="0" rIns="0" rtlCol="0" anchor="ctr"/>
+          <a:lstStyle/>
+          <a:p>
+            <a:pPr algn="ctr"/>
+            <a:r>
+              <a:rPr lang="en-CH" sz="1400" dirty="0"/>
+              <a:t>Chain ID</a:t>
+            </a:r>
+          </a:p>
+        </p:txBody>
+      </p:sp>
+      <p:sp>
+        <p:nvSpPr>
+          <p:cNvPr id="259" name="Rectangle 258">
+            <a:extLst>
+              <a:ext uri="{FF2B5EF4-FFF2-40B4-BE49-F238E27FC236}">
+                <a16:creationId xmlns:a16="http://schemas.microsoft.com/office/drawing/2014/main" id="{DB921F3B-753D-D96D-A546-80D02FC42C3E}"/>
+              </a:ext>
+            </a:extLst>
+          </p:cNvPr>
+          <p:cNvSpPr/>
+          <p:nvPr/>
+        </p:nvSpPr>
+        <p:spPr>
+          <a:xfrm>
+            <a:off x="7945826" y="2981541"/>
+            <a:ext cx="748529" cy="454317"/>
+          </a:xfrm>
+          <a:prstGeom prst="rect">
+            <a:avLst/>
+          </a:prstGeom>
+          <a:solidFill>
+            <a:schemeClr val="accent1">
+              <a:lumMod val="40000"/>
+              <a:lumOff val="60000"/>
+            </a:schemeClr>
+          </a:solidFill>
+        </p:spPr>
+        <p:style>
+          <a:lnRef idx="2">
+            <a:schemeClr val="accent1"/>
+          </a:lnRef>
+          <a:fillRef idx="1">
+            <a:schemeClr val="lt1"/>
+          </a:fillRef>
+          <a:effectRef idx="0">
+            <a:schemeClr val="accent1"/>
+          </a:effectRef>
+          <a:fontRef idx="minor">
+            <a:schemeClr val="dk1"/>
+          </a:fontRef>
+        </p:style>
+        <p:txBody>
+          <a:bodyPr lIns="0" rIns="0" rtlCol="0" anchor="ctr"/>
+          <a:lstStyle/>
+          <a:p>
+            <a:pPr algn="ctr"/>
+            <a:r>
+              <a:rPr lang="en-CH" sz="1400" dirty="0"/>
+              <a:t>Access list</a:t>
+            </a:r>
+          </a:p>
+        </p:txBody>
+      </p:sp>
+      <p:sp>
+        <p:nvSpPr>
+          <p:cNvPr id="262" name="Rectangle 261">
+            <a:extLst>
+              <a:ext uri="{FF2B5EF4-FFF2-40B4-BE49-F238E27FC236}">
+                <a16:creationId xmlns:a16="http://schemas.microsoft.com/office/drawing/2014/main" id="{2EDA31CF-6106-574F-6943-AEAAAE2CCF5B}"/>
+              </a:ext>
+            </a:extLst>
+          </p:cNvPr>
+          <p:cNvSpPr/>
+          <p:nvPr/>
+        </p:nvSpPr>
+        <p:spPr>
+          <a:xfrm>
+            <a:off x="8694355" y="2981541"/>
+            <a:ext cx="795454" cy="454317"/>
+          </a:xfrm>
+          <a:prstGeom prst="rect">
+            <a:avLst/>
+          </a:prstGeom>
+          <a:solidFill>
+            <a:schemeClr val="tx2">
+              <a:lumMod val="10000"/>
+              <a:lumOff val="90000"/>
+            </a:schemeClr>
+          </a:solidFill>
+        </p:spPr>
+        <p:style>
+          <a:lnRef idx="2">
+            <a:schemeClr val="accent1"/>
+          </a:lnRef>
+          <a:fillRef idx="1">
+            <a:schemeClr val="lt1"/>
+          </a:fillRef>
+          <a:effectRef idx="0">
+            <a:schemeClr val="accent1"/>
+          </a:effectRef>
+          <a:fontRef idx="minor">
+            <a:schemeClr val="dk1"/>
+          </a:fontRef>
+        </p:style>
+        <p:txBody>
+          <a:bodyPr lIns="0" rIns="0" rtlCol="0" anchor="ctr"/>
+          <a:lstStyle/>
+          <a:p>
+            <a:pPr algn="ctr"/>
+            <a:r>
+              <a:rPr lang="en-CH" sz="1400" dirty="0"/>
+              <a:t>Max fees per gas</a:t>
+            </a:r>
+          </a:p>
+        </p:txBody>
+      </p:sp>
+      <p:sp>
+        <p:nvSpPr>
+          <p:cNvPr id="264" name="Rectangle 263">
+            <a:extLst>
+              <a:ext uri="{FF2B5EF4-FFF2-40B4-BE49-F238E27FC236}">
+                <a16:creationId xmlns:a16="http://schemas.microsoft.com/office/drawing/2014/main" id="{7E0E53D3-CB2F-2F25-9A60-5733FDE74399}"/>
+              </a:ext>
+            </a:extLst>
+          </p:cNvPr>
+          <p:cNvSpPr/>
+          <p:nvPr/>
+        </p:nvSpPr>
+        <p:spPr>
+          <a:xfrm>
+            <a:off x="9489809" y="2981539"/>
+            <a:ext cx="465189" cy="454320"/>
+          </a:xfrm>
+          <a:prstGeom prst="rect">
+            <a:avLst/>
+          </a:prstGeom>
+          <a:solidFill>
+            <a:schemeClr val="accent6">
+              <a:lumMod val="40000"/>
+              <a:lumOff val="60000"/>
+            </a:schemeClr>
+          </a:solidFill>
+        </p:spPr>
+        <p:style>
+          <a:lnRef idx="2">
+            <a:schemeClr val="accent1"/>
+          </a:lnRef>
+          <a:fillRef idx="1">
+            <a:schemeClr val="lt1"/>
+          </a:fillRef>
+          <a:effectRef idx="0">
+            <a:schemeClr val="accent1"/>
+          </a:effectRef>
+          <a:fontRef idx="minor">
+            <a:schemeClr val="dk1"/>
+          </a:fontRef>
+        </p:style>
+        <p:txBody>
+          <a:bodyPr lIns="0" rIns="0" rtlCol="0" anchor="ctr"/>
+          <a:lstStyle/>
+          <a:p>
+            <a:pPr algn="ctr"/>
+            <a:r>
+              <a:rPr lang="en-CH" sz="1400" dirty="0"/>
+              <a:t>Sig</a:t>
+            </a:r>
+          </a:p>
+        </p:txBody>
+      </p:sp>
+      <p:sp>
+        <p:nvSpPr>
+          <p:cNvPr id="266" name="Rectangle 265">
+            <a:extLst>
+              <a:ext uri="{FF2B5EF4-FFF2-40B4-BE49-F238E27FC236}">
+                <a16:creationId xmlns:a16="http://schemas.microsoft.com/office/drawing/2014/main" id="{782636D6-ECD1-9033-6000-8EDD3572D4E4}"/>
+              </a:ext>
+            </a:extLst>
+          </p:cNvPr>
+          <p:cNvSpPr/>
+          <p:nvPr/>
+        </p:nvSpPr>
+        <p:spPr>
+          <a:xfrm>
+            <a:off x="5038125" y="2483545"/>
+            <a:ext cx="706074" cy="454317"/>
+          </a:xfrm>
+          <a:prstGeom prst="rect">
+            <a:avLst/>
+          </a:prstGeom>
+          <a:solidFill>
+            <a:schemeClr val="tx2">
+              <a:lumMod val="25000"/>
+              <a:lumOff val="75000"/>
+            </a:schemeClr>
+          </a:solidFill>
+        </p:spPr>
+        <p:style>
+          <a:lnRef idx="2">
+            <a:schemeClr val="accent1"/>
+          </a:lnRef>
+          <a:fillRef idx="1">
+            <a:schemeClr val="lt1"/>
+          </a:fillRef>
+          <a:effectRef idx="0">
+            <a:schemeClr val="accent1"/>
+          </a:effectRef>
+          <a:fontRef idx="minor">
+            <a:schemeClr val="dk1"/>
+          </a:fontRef>
+        </p:style>
+        <p:txBody>
+          <a:bodyPr lIns="0" rIns="0" rtlCol="0" anchor="ctr"/>
+          <a:lstStyle/>
+          <a:p>
+            <a:pPr algn="ctr"/>
+            <a:r>
+              <a:rPr lang="en-CH" sz="1400" dirty="0"/>
+              <a:t>Nonce</a:t>
+            </a:r>
+          </a:p>
+        </p:txBody>
+      </p:sp>
+      <p:sp>
+        <p:nvSpPr>
+          <p:cNvPr id="267" name="Rectangle 266">
+            <a:extLst>
+              <a:ext uri="{FF2B5EF4-FFF2-40B4-BE49-F238E27FC236}">
+                <a16:creationId xmlns:a16="http://schemas.microsoft.com/office/drawing/2014/main" id="{8A8DB2EB-FCDA-35D2-4A37-1D2DFDE16BB8}"/>
+              </a:ext>
+            </a:extLst>
+          </p:cNvPr>
+          <p:cNvSpPr/>
+          <p:nvPr/>
+        </p:nvSpPr>
+        <p:spPr>
+          <a:xfrm>
+            <a:off x="5744199" y="2483545"/>
+            <a:ext cx="542254" cy="454317"/>
+          </a:xfrm>
+          <a:prstGeom prst="rect">
+            <a:avLst/>
+          </a:prstGeom>
+          <a:solidFill>
+            <a:schemeClr val="tx2">
+              <a:lumMod val="25000"/>
+              <a:lumOff val="75000"/>
+            </a:schemeClr>
+          </a:solidFill>
+        </p:spPr>
+        <p:style>
+          <a:lnRef idx="2">
+            <a:schemeClr val="accent1"/>
+          </a:lnRef>
+          <a:fillRef idx="1">
+            <a:schemeClr val="lt1"/>
+          </a:fillRef>
+          <a:effectRef idx="0">
+            <a:schemeClr val="accent1"/>
+          </a:effectRef>
+          <a:fontRef idx="minor">
+            <a:schemeClr val="dk1"/>
+          </a:fontRef>
+        </p:style>
+        <p:txBody>
+          <a:bodyPr lIns="0" rIns="0" rtlCol="0" anchor="ctr"/>
+          <a:lstStyle/>
+          <a:p>
+            <a:pPr algn="ctr"/>
+            <a:r>
+              <a:rPr lang="en-CH" sz="1400" dirty="0"/>
+              <a:t>Gas limit</a:t>
+            </a:r>
+          </a:p>
+        </p:txBody>
+      </p:sp>
+      <p:sp>
+        <p:nvSpPr>
+          <p:cNvPr id="268" name="Rectangle 267">
+            <a:extLst>
+              <a:ext uri="{FF2B5EF4-FFF2-40B4-BE49-F238E27FC236}">
+                <a16:creationId xmlns:a16="http://schemas.microsoft.com/office/drawing/2014/main" id="{B5E772CA-5DF5-A25F-1833-6A9471742259}"/>
+              </a:ext>
+            </a:extLst>
+          </p:cNvPr>
+          <p:cNvSpPr/>
+          <p:nvPr/>
+        </p:nvSpPr>
+        <p:spPr>
+          <a:xfrm>
+            <a:off x="6286453" y="2483545"/>
+            <a:ext cx="360112" cy="454317"/>
+          </a:xfrm>
+          <a:prstGeom prst="rect">
+            <a:avLst/>
+          </a:prstGeom>
+          <a:solidFill>
+            <a:schemeClr val="tx2">
+              <a:lumMod val="25000"/>
+              <a:lumOff val="75000"/>
+            </a:schemeClr>
+          </a:solidFill>
+        </p:spPr>
+        <p:style>
+          <a:lnRef idx="2">
+            <a:schemeClr val="accent1"/>
+          </a:lnRef>
+          <a:fillRef idx="1">
+            <a:schemeClr val="lt1"/>
+          </a:fillRef>
+          <a:effectRef idx="0">
+            <a:schemeClr val="accent1"/>
+          </a:effectRef>
+          <a:fontRef idx="minor">
+            <a:schemeClr val="dk1"/>
+          </a:fontRef>
+        </p:style>
+        <p:txBody>
+          <a:bodyPr lIns="0" rIns="0" rtlCol="0" anchor="ctr"/>
+          <a:lstStyle/>
+          <a:p>
+            <a:pPr algn="ctr"/>
+            <a:r>
+              <a:rPr lang="en-CH" sz="1400" dirty="0"/>
+              <a:t>To</a:t>
+            </a:r>
+          </a:p>
+        </p:txBody>
+      </p:sp>
+      <p:sp>
+        <p:nvSpPr>
+          <p:cNvPr id="269" name="Rectangle 268">
+            <a:extLst>
+              <a:ext uri="{FF2B5EF4-FFF2-40B4-BE49-F238E27FC236}">
+                <a16:creationId xmlns:a16="http://schemas.microsoft.com/office/drawing/2014/main" id="{2E996799-82ED-C588-17B6-607AEE2CC0D3}"/>
+              </a:ext>
+            </a:extLst>
+          </p:cNvPr>
+          <p:cNvSpPr/>
+          <p:nvPr/>
+        </p:nvSpPr>
+        <p:spPr>
+          <a:xfrm>
+            <a:off x="6646566" y="2483545"/>
+            <a:ext cx="649630" cy="454317"/>
+          </a:xfrm>
+          <a:prstGeom prst="rect">
+            <a:avLst/>
+          </a:prstGeom>
+          <a:solidFill>
+            <a:schemeClr val="tx2">
+              <a:lumMod val="25000"/>
+              <a:lumOff val="75000"/>
+            </a:schemeClr>
+          </a:solidFill>
+        </p:spPr>
+        <p:style>
+          <a:lnRef idx="2">
+            <a:schemeClr val="accent1"/>
+          </a:lnRef>
+          <a:fillRef idx="1">
+            <a:schemeClr val="lt1"/>
+          </a:fillRef>
+          <a:effectRef idx="0">
+            <a:schemeClr val="accent1"/>
+          </a:effectRef>
+          <a:fontRef idx="minor">
+            <a:schemeClr val="dk1"/>
+          </a:fontRef>
+        </p:style>
+        <p:txBody>
+          <a:bodyPr lIns="0" rIns="0" rtlCol="0" anchor="ctr"/>
+          <a:lstStyle/>
+          <a:p>
+            <a:pPr algn="ctr"/>
+            <a:r>
+              <a:rPr lang="en-CH" sz="1400" dirty="0"/>
+              <a:t>Value</a:t>
+            </a:r>
+          </a:p>
+        </p:txBody>
+      </p:sp>
+      <p:sp>
+        <p:nvSpPr>
+          <p:cNvPr id="270" name="Rectangle 269">
+            <a:extLst>
+              <a:ext uri="{FF2B5EF4-FFF2-40B4-BE49-F238E27FC236}">
+                <a16:creationId xmlns:a16="http://schemas.microsoft.com/office/drawing/2014/main" id="{491B6A00-3788-3621-EE96-353105754C47}"/>
+              </a:ext>
+            </a:extLst>
+          </p:cNvPr>
+          <p:cNvSpPr/>
+          <p:nvPr/>
+        </p:nvSpPr>
+        <p:spPr>
+          <a:xfrm>
+            <a:off x="7296196" y="2483545"/>
+            <a:ext cx="649630" cy="454317"/>
+          </a:xfrm>
+          <a:prstGeom prst="rect">
+            <a:avLst/>
+          </a:prstGeom>
+          <a:solidFill>
+            <a:schemeClr val="tx2">
+              <a:lumMod val="25000"/>
+              <a:lumOff val="75000"/>
+            </a:schemeClr>
+          </a:solidFill>
+        </p:spPr>
+        <p:style>
+          <a:lnRef idx="2">
+            <a:schemeClr val="accent1"/>
+          </a:lnRef>
+          <a:fillRef idx="1">
+            <a:schemeClr val="lt1"/>
+          </a:fillRef>
+          <a:effectRef idx="0">
+            <a:schemeClr val="accent1"/>
+          </a:effectRef>
+          <a:fontRef idx="minor">
+            <a:schemeClr val="dk1"/>
+          </a:fontRef>
+        </p:style>
+        <p:txBody>
+          <a:bodyPr lIns="0" rIns="0" rtlCol="0" anchor="ctr"/>
+          <a:lstStyle/>
+          <a:p>
+            <a:pPr algn="ctr"/>
+            <a:r>
+              <a:rPr lang="en-CH" sz="1400" dirty="0"/>
+              <a:t>Input</a:t>
+            </a:r>
+          </a:p>
+        </p:txBody>
+      </p:sp>
+      <p:sp>
+        <p:nvSpPr>
+          <p:cNvPr id="271" name="Rectangle 270">
+            <a:extLst>
+              <a:ext uri="{FF2B5EF4-FFF2-40B4-BE49-F238E27FC236}">
+                <a16:creationId xmlns:a16="http://schemas.microsoft.com/office/drawing/2014/main" id="{B3C52880-8D78-C857-81DE-BAC8E8AA6750}"/>
+              </a:ext>
+            </a:extLst>
+          </p:cNvPr>
+          <p:cNvSpPr/>
+          <p:nvPr/>
+        </p:nvSpPr>
+        <p:spPr>
+          <a:xfrm>
+            <a:off x="3816431" y="2483545"/>
+            <a:ext cx="574334" cy="454317"/>
+          </a:xfrm>
+          <a:prstGeom prst="rect">
+            <a:avLst/>
+          </a:prstGeom>
+          <a:solidFill>
+            <a:schemeClr val="accent6">
+              <a:lumMod val="40000"/>
+              <a:lumOff val="60000"/>
+            </a:schemeClr>
+          </a:solidFill>
+        </p:spPr>
+        <p:style>
+          <a:lnRef idx="2">
+            <a:schemeClr val="accent1"/>
+          </a:lnRef>
+          <a:fillRef idx="1">
+            <a:schemeClr val="lt1"/>
+          </a:fillRef>
+          <a:effectRef idx="0">
+            <a:schemeClr val="accent1"/>
+          </a:effectRef>
+          <a:fontRef idx="minor">
+            <a:schemeClr val="dk1"/>
+          </a:fontRef>
+        </p:style>
+        <p:txBody>
+          <a:bodyPr lIns="0" rIns="0" rtlCol="0" anchor="ctr"/>
+          <a:lstStyle/>
+          <a:p>
+            <a:pPr algn="ctr"/>
+            <a:r>
+              <a:rPr lang="en-CH" sz="1400" dirty="0"/>
+              <a:t>0x1f</a:t>
+            </a:r>
+          </a:p>
+        </p:txBody>
+      </p:sp>
+      <p:sp>
+        <p:nvSpPr>
+          <p:cNvPr id="272" name="Rectangle 271">
+            <a:extLst>
+              <a:ext uri="{FF2B5EF4-FFF2-40B4-BE49-F238E27FC236}">
+                <a16:creationId xmlns:a16="http://schemas.microsoft.com/office/drawing/2014/main" id="{8FD4C9D3-2C53-3446-748E-D17541BEB35C}"/>
+              </a:ext>
+            </a:extLst>
+          </p:cNvPr>
+          <p:cNvSpPr/>
+          <p:nvPr/>
+        </p:nvSpPr>
+        <p:spPr>
+          <a:xfrm>
+            <a:off x="4385942" y="2483545"/>
+            <a:ext cx="652183" cy="454317"/>
+          </a:xfrm>
+          <a:prstGeom prst="rect">
+            <a:avLst/>
+          </a:prstGeom>
+          <a:solidFill>
+            <a:schemeClr val="accent6">
+              <a:lumMod val="40000"/>
+              <a:lumOff val="60000"/>
+            </a:schemeClr>
+          </a:solidFill>
+        </p:spPr>
+        <p:style>
+          <a:lnRef idx="2">
+            <a:schemeClr val="accent1"/>
+          </a:lnRef>
+          <a:fillRef idx="1">
+            <a:schemeClr val="lt1"/>
+          </a:fillRef>
+          <a:effectRef idx="0">
+            <a:schemeClr val="accent1"/>
+          </a:effectRef>
+          <a:fontRef idx="minor">
+            <a:schemeClr val="dk1"/>
+          </a:fontRef>
+        </p:style>
+        <p:txBody>
+          <a:bodyPr lIns="0" rIns="0" rtlCol="0" anchor="ctr"/>
+          <a:lstStyle/>
+          <a:p>
+            <a:pPr algn="ctr"/>
+            <a:r>
+              <a:rPr lang="en-CH" sz="1400" dirty="0"/>
+              <a:t>Chain ID</a:t>
+            </a:r>
+          </a:p>
+        </p:txBody>
+      </p:sp>
+      <p:sp>
+        <p:nvSpPr>
+          <p:cNvPr id="276" name="Rectangle 275">
+            <a:extLst>
+              <a:ext uri="{FF2B5EF4-FFF2-40B4-BE49-F238E27FC236}">
+                <a16:creationId xmlns:a16="http://schemas.microsoft.com/office/drawing/2014/main" id="{46690F17-FBFC-E880-B69F-F94CCD027751}"/>
+              </a:ext>
+            </a:extLst>
+          </p:cNvPr>
+          <p:cNvSpPr/>
+          <p:nvPr/>
+        </p:nvSpPr>
+        <p:spPr>
+          <a:xfrm>
+            <a:off x="7945826" y="2483545"/>
+            <a:ext cx="795454" cy="454317"/>
+          </a:xfrm>
+          <a:prstGeom prst="rect">
+            <a:avLst/>
+          </a:prstGeom>
+          <a:solidFill>
+            <a:schemeClr val="tx2">
+              <a:lumMod val="10000"/>
+              <a:lumOff val="90000"/>
+            </a:schemeClr>
+          </a:solidFill>
+        </p:spPr>
+        <p:style>
+          <a:lnRef idx="2">
+            <a:schemeClr val="accent1"/>
+          </a:lnRef>
+          <a:fillRef idx="1">
+            <a:schemeClr val="lt1"/>
+          </a:fillRef>
+          <a:effectRef idx="0">
+            <a:schemeClr val="accent1"/>
+          </a:effectRef>
+          <a:fontRef idx="minor">
+            <a:schemeClr val="dk1"/>
+          </a:fontRef>
+        </p:style>
+        <p:txBody>
+          <a:bodyPr lIns="0" rIns="0" rtlCol="0" anchor="ctr"/>
+          <a:lstStyle/>
+          <a:p>
+            <a:pPr algn="ctr"/>
+            <a:r>
+              <a:rPr lang="en-CH" sz="1400" dirty="0"/>
+              <a:t>Max fees per gas</a:t>
+            </a:r>
+          </a:p>
+        </p:txBody>
+      </p:sp>
+      <p:sp>
+        <p:nvSpPr>
+          <p:cNvPr id="278" name="Rectangle 277">
+            <a:extLst>
+              <a:ext uri="{FF2B5EF4-FFF2-40B4-BE49-F238E27FC236}">
+                <a16:creationId xmlns:a16="http://schemas.microsoft.com/office/drawing/2014/main" id="{5C5AC031-D198-0134-8259-AF320A7EE9FA}"/>
+              </a:ext>
+            </a:extLst>
+          </p:cNvPr>
+          <p:cNvSpPr/>
+          <p:nvPr/>
+        </p:nvSpPr>
+        <p:spPr>
+          <a:xfrm>
+            <a:off x="8741280" y="2483543"/>
+            <a:ext cx="465189" cy="454320"/>
+          </a:xfrm>
+          <a:prstGeom prst="rect">
+            <a:avLst/>
+          </a:prstGeom>
+          <a:solidFill>
+            <a:schemeClr val="accent6">
+              <a:lumMod val="40000"/>
+              <a:lumOff val="60000"/>
+            </a:schemeClr>
+          </a:solidFill>
+        </p:spPr>
+        <p:style>
+          <a:lnRef idx="2">
+            <a:schemeClr val="accent1"/>
+          </a:lnRef>
+          <a:fillRef idx="1">
+            <a:schemeClr val="lt1"/>
+          </a:fillRef>
+          <a:effectRef idx="0">
+            <a:schemeClr val="accent1"/>
+          </a:effectRef>
+          <a:fontRef idx="minor">
+            <a:schemeClr val="dk1"/>
+          </a:fontRef>
+        </p:style>
+        <p:txBody>
+          <a:bodyPr lIns="0" rIns="0" rtlCol="0" anchor="ctr"/>
+          <a:lstStyle/>
+          <a:p>
+            <a:pPr algn="ctr"/>
+            <a:r>
+              <a:rPr lang="en-CH" sz="1400" dirty="0"/>
+              <a:t>Sig</a:t>
+            </a:r>
+          </a:p>
+        </p:txBody>
+      </p:sp>
+      <p:sp>
+        <p:nvSpPr>
+          <p:cNvPr id="280" name="Rectangle 279">
+            <a:extLst>
+              <a:ext uri="{FF2B5EF4-FFF2-40B4-BE49-F238E27FC236}">
+                <a16:creationId xmlns:a16="http://schemas.microsoft.com/office/drawing/2014/main" id="{38599827-7EDA-95C6-C4DC-821C049731FB}"/>
+              </a:ext>
+            </a:extLst>
+          </p:cNvPr>
+          <p:cNvSpPr/>
+          <p:nvPr/>
+        </p:nvSpPr>
+        <p:spPr>
+          <a:xfrm>
+            <a:off x="4376521" y="1985549"/>
+            <a:ext cx="706074" cy="454317"/>
+          </a:xfrm>
+          <a:prstGeom prst="rect">
+            <a:avLst/>
+          </a:prstGeom>
+          <a:solidFill>
+            <a:schemeClr val="tx2">
+              <a:lumMod val="25000"/>
+              <a:lumOff val="75000"/>
+            </a:schemeClr>
+          </a:solidFill>
+        </p:spPr>
+        <p:style>
+          <a:lnRef idx="2">
+            <a:schemeClr val="accent1"/>
+          </a:lnRef>
+          <a:fillRef idx="1">
+            <a:schemeClr val="lt1"/>
+          </a:fillRef>
+          <a:effectRef idx="0">
+            <a:schemeClr val="accent1"/>
+          </a:effectRef>
+          <a:fontRef idx="minor">
+            <a:schemeClr val="dk1"/>
+          </a:fontRef>
+        </p:style>
+        <p:txBody>
+          <a:bodyPr lIns="0" rIns="0" rtlCol="0" anchor="ctr"/>
+          <a:lstStyle/>
+          <a:p>
+            <a:pPr algn="ctr"/>
+            <a:r>
+              <a:rPr lang="en-CH" sz="1400" dirty="0"/>
+              <a:t>Nonce</a:t>
+            </a:r>
+          </a:p>
+        </p:txBody>
+      </p:sp>
+      <p:sp>
+        <p:nvSpPr>
+          <p:cNvPr id="281" name="Rectangle 280">
+            <a:extLst>
+              <a:ext uri="{FF2B5EF4-FFF2-40B4-BE49-F238E27FC236}">
+                <a16:creationId xmlns:a16="http://schemas.microsoft.com/office/drawing/2014/main" id="{88C71CE0-026E-86E0-CEA7-AE3483438DDD}"/>
+              </a:ext>
+            </a:extLst>
+          </p:cNvPr>
+          <p:cNvSpPr/>
+          <p:nvPr/>
+        </p:nvSpPr>
+        <p:spPr>
+          <a:xfrm>
+            <a:off x="5082595" y="1985549"/>
+            <a:ext cx="542254" cy="454317"/>
+          </a:xfrm>
+          <a:prstGeom prst="rect">
+            <a:avLst/>
+          </a:prstGeom>
+          <a:solidFill>
+            <a:schemeClr val="tx2">
+              <a:lumMod val="25000"/>
+              <a:lumOff val="75000"/>
+            </a:schemeClr>
+          </a:solidFill>
+        </p:spPr>
+        <p:style>
+          <a:lnRef idx="2">
+            <a:schemeClr val="accent1"/>
+          </a:lnRef>
+          <a:fillRef idx="1">
+            <a:schemeClr val="lt1"/>
+          </a:fillRef>
+          <a:effectRef idx="0">
+            <a:schemeClr val="accent1"/>
+          </a:effectRef>
+          <a:fontRef idx="minor">
+            <a:schemeClr val="dk1"/>
+          </a:fontRef>
+        </p:style>
+        <p:txBody>
+          <a:bodyPr lIns="0" rIns="0" rtlCol="0" anchor="ctr"/>
+          <a:lstStyle/>
+          <a:p>
+            <a:pPr algn="ctr"/>
+            <a:r>
+              <a:rPr lang="en-CH" sz="1400" dirty="0"/>
+              <a:t>Gas limit</a:t>
+            </a:r>
+          </a:p>
+        </p:txBody>
+      </p:sp>
+      <p:sp>
+        <p:nvSpPr>
+          <p:cNvPr id="282" name="Rectangle 281">
+            <a:extLst>
+              <a:ext uri="{FF2B5EF4-FFF2-40B4-BE49-F238E27FC236}">
+                <a16:creationId xmlns:a16="http://schemas.microsoft.com/office/drawing/2014/main" id="{0B8213D0-C4EE-B9E0-0E94-8547DFF5F7A6}"/>
+              </a:ext>
+            </a:extLst>
+          </p:cNvPr>
+          <p:cNvSpPr/>
+          <p:nvPr/>
+        </p:nvSpPr>
+        <p:spPr>
+          <a:xfrm>
+            <a:off x="5624849" y="1985549"/>
+            <a:ext cx="360112" cy="454317"/>
+          </a:xfrm>
+          <a:prstGeom prst="rect">
+            <a:avLst/>
+          </a:prstGeom>
+          <a:solidFill>
+            <a:schemeClr val="tx2">
+              <a:lumMod val="25000"/>
+              <a:lumOff val="75000"/>
+            </a:schemeClr>
+          </a:solidFill>
+        </p:spPr>
+        <p:style>
+          <a:lnRef idx="2">
+            <a:schemeClr val="accent1"/>
+          </a:lnRef>
+          <a:fillRef idx="1">
+            <a:schemeClr val="lt1"/>
+          </a:fillRef>
+          <a:effectRef idx="0">
+            <a:schemeClr val="accent1"/>
+          </a:effectRef>
+          <a:fontRef idx="minor">
+            <a:schemeClr val="dk1"/>
+          </a:fontRef>
+        </p:style>
+        <p:txBody>
+          <a:bodyPr lIns="0" rIns="0" rtlCol="0" anchor="ctr"/>
+          <a:lstStyle/>
+          <a:p>
+            <a:pPr algn="ctr"/>
+            <a:r>
+              <a:rPr lang="en-CH" sz="1400" dirty="0"/>
+              <a:t>To</a:t>
+            </a:r>
+          </a:p>
+        </p:txBody>
+      </p:sp>
+      <p:sp>
+        <p:nvSpPr>
+          <p:cNvPr id="283" name="Rectangle 282">
+            <a:extLst>
+              <a:ext uri="{FF2B5EF4-FFF2-40B4-BE49-F238E27FC236}">
+                <a16:creationId xmlns:a16="http://schemas.microsoft.com/office/drawing/2014/main" id="{074CE5CF-3388-21BC-6CBE-5E301E62B565}"/>
+              </a:ext>
+            </a:extLst>
+          </p:cNvPr>
+          <p:cNvSpPr/>
+          <p:nvPr/>
+        </p:nvSpPr>
+        <p:spPr>
+          <a:xfrm>
+            <a:off x="5984962" y="1985549"/>
+            <a:ext cx="649630" cy="454317"/>
+          </a:xfrm>
+          <a:prstGeom prst="rect">
+            <a:avLst/>
+          </a:prstGeom>
+          <a:solidFill>
+            <a:schemeClr val="tx2">
+              <a:lumMod val="25000"/>
+              <a:lumOff val="75000"/>
+            </a:schemeClr>
+          </a:solidFill>
+        </p:spPr>
+        <p:style>
+          <a:lnRef idx="2">
+            <a:schemeClr val="accent1"/>
+          </a:lnRef>
+          <a:fillRef idx="1">
+            <a:schemeClr val="lt1"/>
+          </a:fillRef>
+          <a:effectRef idx="0">
+            <a:schemeClr val="accent1"/>
+          </a:effectRef>
+          <a:fontRef idx="minor">
+            <a:schemeClr val="dk1"/>
+          </a:fontRef>
+        </p:style>
+        <p:txBody>
+          <a:bodyPr lIns="0" rIns="0" rtlCol="0" anchor="ctr"/>
+          <a:lstStyle/>
+          <a:p>
+            <a:pPr algn="ctr"/>
+            <a:r>
+              <a:rPr lang="en-CH" sz="1400" dirty="0"/>
+              <a:t>Value</a:t>
+            </a:r>
+          </a:p>
+        </p:txBody>
+      </p:sp>
+      <p:sp>
+        <p:nvSpPr>
+          <p:cNvPr id="284" name="Rectangle 283">
+            <a:extLst>
+              <a:ext uri="{FF2B5EF4-FFF2-40B4-BE49-F238E27FC236}">
+                <a16:creationId xmlns:a16="http://schemas.microsoft.com/office/drawing/2014/main" id="{6E38AE77-9C3E-DDBD-9EF3-067476CE647B}"/>
+              </a:ext>
+            </a:extLst>
+          </p:cNvPr>
+          <p:cNvSpPr/>
+          <p:nvPr/>
+        </p:nvSpPr>
+        <p:spPr>
+          <a:xfrm>
+            <a:off x="6634592" y="1985549"/>
+            <a:ext cx="649630" cy="454317"/>
+          </a:xfrm>
+          <a:prstGeom prst="rect">
+            <a:avLst/>
+          </a:prstGeom>
+          <a:solidFill>
+            <a:schemeClr val="tx2">
+              <a:lumMod val="25000"/>
+              <a:lumOff val="75000"/>
+            </a:schemeClr>
+          </a:solidFill>
+        </p:spPr>
+        <p:style>
+          <a:lnRef idx="2">
+            <a:schemeClr val="accent1"/>
+          </a:lnRef>
+          <a:fillRef idx="1">
+            <a:schemeClr val="lt1"/>
+          </a:fillRef>
+          <a:effectRef idx="0">
+            <a:schemeClr val="accent1"/>
+          </a:effectRef>
+          <a:fontRef idx="minor">
+            <a:schemeClr val="dk1"/>
+          </a:fontRef>
+        </p:style>
+        <p:txBody>
+          <a:bodyPr lIns="0" rIns="0" rtlCol="0" anchor="ctr"/>
+          <a:lstStyle/>
+          <a:p>
+            <a:pPr algn="ctr"/>
+            <a:r>
+              <a:rPr lang="en-CH" sz="1400" dirty="0"/>
+              <a:t>Input</a:t>
+            </a:r>
+          </a:p>
+        </p:txBody>
+      </p:sp>
+      <p:sp>
+        <p:nvSpPr>
+          <p:cNvPr id="285" name="Rectangle 284">
+            <a:extLst>
+              <a:ext uri="{FF2B5EF4-FFF2-40B4-BE49-F238E27FC236}">
+                <a16:creationId xmlns:a16="http://schemas.microsoft.com/office/drawing/2014/main" id="{321462CA-D32D-6106-51B9-2DC2CD4A95FA}"/>
+              </a:ext>
+            </a:extLst>
+          </p:cNvPr>
+          <p:cNvSpPr/>
+          <p:nvPr/>
+        </p:nvSpPr>
+        <p:spPr>
+          <a:xfrm>
+            <a:off x="3816431" y="1985549"/>
+            <a:ext cx="574334" cy="454317"/>
+          </a:xfrm>
+          <a:prstGeom prst="rect">
+            <a:avLst/>
+          </a:prstGeom>
+          <a:solidFill>
+            <a:schemeClr val="accent6">
+              <a:lumMod val="40000"/>
+              <a:lumOff val="60000"/>
+            </a:schemeClr>
+          </a:solidFill>
+        </p:spPr>
+        <p:style>
+          <a:lnRef idx="2">
+            <a:schemeClr val="accent1"/>
+          </a:lnRef>
+          <a:fillRef idx="1">
+            <a:schemeClr val="lt1"/>
+          </a:fillRef>
+          <a:effectRef idx="0">
+            <a:schemeClr val="accent1"/>
+          </a:effectRef>
+          <a:fontRef idx="minor">
+            <a:schemeClr val="dk1"/>
+          </a:fontRef>
+        </p:style>
+        <p:txBody>
+          <a:bodyPr lIns="0" rIns="0" rtlCol="0" anchor="ctr"/>
+          <a:lstStyle/>
+          <a:p>
+            <a:pPr algn="ctr"/>
+            <a:r>
+              <a:rPr lang="en-CH" sz="1400" dirty="0"/>
+              <a:t>0x1f</a:t>
+            </a:r>
+          </a:p>
+        </p:txBody>
+      </p:sp>
+      <p:sp>
+        <p:nvSpPr>
+          <p:cNvPr id="290" name="Rectangle 289">
+            <a:extLst>
+              <a:ext uri="{FF2B5EF4-FFF2-40B4-BE49-F238E27FC236}">
+                <a16:creationId xmlns:a16="http://schemas.microsoft.com/office/drawing/2014/main" id="{E37B3D4C-B5D1-5DFD-0FF1-D87EDACE2C9D}"/>
+              </a:ext>
+            </a:extLst>
+          </p:cNvPr>
+          <p:cNvSpPr/>
+          <p:nvPr/>
+        </p:nvSpPr>
+        <p:spPr>
+          <a:xfrm>
+            <a:off x="7284222" y="1985549"/>
+            <a:ext cx="795454" cy="454317"/>
+          </a:xfrm>
+          <a:prstGeom prst="rect">
+            <a:avLst/>
+          </a:prstGeom>
+          <a:solidFill>
+            <a:schemeClr val="tx2">
+              <a:lumMod val="10000"/>
+              <a:lumOff val="90000"/>
+            </a:schemeClr>
+          </a:solidFill>
+        </p:spPr>
+        <p:style>
+          <a:lnRef idx="2">
+            <a:schemeClr val="accent1"/>
+          </a:lnRef>
+          <a:fillRef idx="1">
+            <a:schemeClr val="lt1"/>
+          </a:fillRef>
+          <a:effectRef idx="0">
+            <a:schemeClr val="accent1"/>
+          </a:effectRef>
+          <a:fontRef idx="minor">
+            <a:schemeClr val="dk1"/>
+          </a:fontRef>
+        </p:style>
+        <p:txBody>
+          <a:bodyPr lIns="0" rIns="0" rtlCol="0" anchor="ctr"/>
+          <a:lstStyle/>
+          <a:p>
+            <a:pPr algn="ctr"/>
+            <a:r>
+              <a:rPr lang="en-CH" sz="1400" dirty="0"/>
+              <a:t>Max fees per gas</a:t>
+            </a:r>
+          </a:p>
+        </p:txBody>
+      </p:sp>
+      <p:sp>
+        <p:nvSpPr>
+          <p:cNvPr id="292" name="Rectangle 291">
+            <a:extLst>
+              <a:ext uri="{FF2B5EF4-FFF2-40B4-BE49-F238E27FC236}">
+                <a16:creationId xmlns:a16="http://schemas.microsoft.com/office/drawing/2014/main" id="{B952EE23-0AE4-026C-77E8-6104FAA59B4B}"/>
+              </a:ext>
+            </a:extLst>
+          </p:cNvPr>
+          <p:cNvSpPr/>
+          <p:nvPr/>
+        </p:nvSpPr>
+        <p:spPr>
+          <a:xfrm>
+            <a:off x="8079676" y="1985547"/>
+            <a:ext cx="465189" cy="454320"/>
+          </a:xfrm>
+          <a:prstGeom prst="rect">
+            <a:avLst/>
+          </a:prstGeom>
+          <a:solidFill>
+            <a:schemeClr val="accent6">
+              <a:lumMod val="40000"/>
+              <a:lumOff val="60000"/>
+            </a:schemeClr>
+          </a:solidFill>
+        </p:spPr>
+        <p:style>
+          <a:lnRef idx="2">
+            <a:schemeClr val="accent1"/>
+          </a:lnRef>
+          <a:fillRef idx="1">
+            <a:schemeClr val="lt1"/>
+          </a:fillRef>
+          <a:effectRef idx="0">
+            <a:schemeClr val="accent1"/>
+          </a:effectRef>
+          <a:fontRef idx="minor">
+            <a:schemeClr val="dk1"/>
+          </a:fontRef>
+        </p:style>
+        <p:txBody>
+          <a:bodyPr lIns="0" rIns="0" rtlCol="0" anchor="ctr"/>
+          <a:lstStyle/>
+          <a:p>
+            <a:pPr algn="ctr"/>
+            <a:r>
+              <a:rPr lang="en-CH" sz="1400" dirty="0"/>
+              <a:t>Sig</a:t>
+            </a:r>
+          </a:p>
+        </p:txBody>
+      </p:sp>
+    </p:spTree>
+    <p:extLst>
+      <p:ext uri="{BB962C8B-B14F-4D97-AF65-F5344CB8AC3E}">
+        <p14:creationId xmlns:p14="http://schemas.microsoft.com/office/powerpoint/2010/main" val="2097575127"/>
+      </p:ext>
+    </p:extLst>
+  </p:cSld>
+  <p:clrMapOvr>
+    <a:masterClrMapping/>
+  </p:clrMapOvr>
+</p:sld>
+</file>
+
+<file path=ppt/slides/slide25.xml><?xml version="1.0" encoding="utf-8"?>
+<p:sld xmlns:a="http://schemas.openxmlformats.org/drawingml/2006/main" xmlns:r="http://schemas.openxmlformats.org/officeDocument/2006/relationships" xmlns:p="http://schemas.openxmlformats.org/presentationml/2006/main">
+  <p:cSld>
+    <p:spTree>
+      <p:nvGrpSpPr>
+        <p:cNvPr id="1" name="">
+          <a:extLst>
+            <a:ext uri="{FF2B5EF4-FFF2-40B4-BE49-F238E27FC236}">
               <a16:creationId xmlns:a16="http://schemas.microsoft.com/office/drawing/2014/main" id="{E81E1214-370E-74F3-367F-9305E22C50A5}"/>
             </a:ext>
           </a:extLst>
@@ -33639,7 +38434,7 @@
           <a:p>
             <a:r>
               <a:rPr lang="en-CH" dirty="0"/>
-              <a:t>EIP-6404: SSZ Transactions</a:t>
+              <a:t>EIP-7495: SSZ StableContainer</a:t>
             </a:r>
           </a:p>
         </p:txBody>
@@ -34915,7 +39710,7 @@
         <p:spPr>
           <a:xfrm>
             <a:off x="3727937" y="6268065"/>
-            <a:ext cx="7762831" cy="369332"/>
+            <a:ext cx="6592446" cy="369332"/>
           </a:xfrm>
           <a:prstGeom prst="rect">
             <a:avLst/>
@@ -34930,7 +39725,7 @@
           <a:p>
             <a:r>
               <a:rPr lang="en-CH" b="1" dirty="0"/>
-              <a:t>Re-usable verifier (all transaction profiles share same SSZ Merkleization)</a:t>
+              <a:t>Re-usable verifier (all profiles share stable SSZ merkleization)</a:t>
             </a:r>
           </a:p>
         </p:txBody>
@@ -39227,7 +44022,7 @@
 </p:sld>
 </file>
 
-<file path=ppt/slides/slide25.xml><?xml version="1.0" encoding="utf-8"?>
+<file path=ppt/slides/slide26.xml><?xml version="1.0" encoding="utf-8"?>
 <p:sld xmlns:a="http://schemas.openxmlformats.org/drawingml/2006/main" xmlns:r="http://schemas.openxmlformats.org/officeDocument/2006/relationships" xmlns:p="http://schemas.openxmlformats.org/presentationml/2006/main">
   <p:cSld>
     <p:spTree>
@@ -41224,7 +46019,7 @@
 </p:sld>
 </file>
 
-<file path=ppt/slides/slide26.xml><?xml version="1.0" encoding="utf-8"?>
+<file path=ppt/slides/slide27.xml><?xml version="1.0" encoding="utf-8"?>
 <p:sld xmlns:a="http://schemas.openxmlformats.org/drawingml/2006/main" xmlns:r="http://schemas.openxmlformats.org/officeDocument/2006/relationships" xmlns:p="http://schemas.openxmlformats.org/presentationml/2006/main">
   <p:cSld>
     <p:spTree>
@@ -41952,7 +46747,7 @@
 </p:sld>
 </file>
 
-<file path=ppt/slides/slide27.xml><?xml version="1.0" encoding="utf-8"?>
+<file path=ppt/slides/slide28.xml><?xml version="1.0" encoding="utf-8"?>
 <p:sld xmlns:a="http://schemas.openxmlformats.org/drawingml/2006/main" xmlns:r="http://schemas.openxmlformats.org/officeDocument/2006/relationships" xmlns:p="http://schemas.openxmlformats.org/presentationml/2006/main">
   <p:cSld>
     <p:spTree>
@@ -43286,7 +48081,7 @@
 </p:sld>
 </file>
 
-<file path=ppt/slides/slide28.xml><?xml version="1.0" encoding="utf-8"?>
+<file path=ppt/slides/slide29.xml><?xml version="1.0" encoding="utf-8"?>
 <p:sld xmlns:a="http://schemas.openxmlformats.org/drawingml/2006/main" xmlns:r="http://schemas.openxmlformats.org/officeDocument/2006/relationships" xmlns:p="http://schemas.openxmlformats.org/presentationml/2006/main">
   <p:cSld>
     <p:spTree>
@@ -43962,7 +48757,7 @@
           <a:p>
             <a:r>
               <a:rPr lang="en-CH" sz="2000" dirty="0"/>
-              <a:t>Verifying proxies</a:t>
+              <a:t>Web3 purifiers</a:t>
             </a:r>
           </a:p>
           <a:p>
@@ -44144,397 +48939,6 @@
     <p:extLst>
       <p:ext uri="{BB962C8B-B14F-4D97-AF65-F5344CB8AC3E}">
         <p14:creationId xmlns:p14="http://schemas.microsoft.com/office/powerpoint/2010/main" val="745918056"/>
-      </p:ext>
-    </p:extLst>
-  </p:cSld>
-  <p:clrMapOvr>
-    <a:masterClrMapping/>
-  </p:clrMapOvr>
-</p:sld>
-</file>
-
-<file path=ppt/slides/slide29.xml><?xml version="1.0" encoding="utf-8"?>
-<p:sld xmlns:a="http://schemas.openxmlformats.org/drawingml/2006/main" xmlns:r="http://schemas.openxmlformats.org/officeDocument/2006/relationships" xmlns:p="http://schemas.openxmlformats.org/presentationml/2006/main">
-  <p:cSld>
-    <p:spTree>
-      <p:nvGrpSpPr>
-        <p:cNvPr id="1" name=""/>
-        <p:cNvGrpSpPr/>
-        <p:nvPr/>
-      </p:nvGrpSpPr>
-      <p:grpSpPr>
-        <a:xfrm>
-          <a:off x="0" y="0"/>
-          <a:ext cx="0" cy="0"/>
-          <a:chOff x="0" y="0"/>
-          <a:chExt cx="0" cy="0"/>
-        </a:xfrm>
-      </p:grpSpPr>
-      <p:sp>
-        <p:nvSpPr>
-          <p:cNvPr id="2" name="Title 1">
-            <a:extLst>
-              <a:ext uri="{FF2B5EF4-FFF2-40B4-BE49-F238E27FC236}">
-                <a16:creationId xmlns:a16="http://schemas.microsoft.com/office/drawing/2014/main" id="{4D3F3016-C7BA-C116-BC7E-99905F27C422}"/>
-              </a:ext>
-            </a:extLst>
-          </p:cNvPr>
-          <p:cNvSpPr>
-            <a:spLocks noGrp="1"/>
-          </p:cNvSpPr>
-          <p:nvPr>
-            <p:ph type="title"/>
-          </p:nvPr>
-        </p:nvSpPr>
-        <p:spPr/>
-        <p:txBody>
-          <a:bodyPr/>
-          <a:lstStyle/>
-          <a:p>
-            <a:r>
-              <a:rPr lang="en-CH" dirty="0"/>
-              <a:t>Related sessions</a:t>
-            </a:r>
-          </a:p>
-        </p:txBody>
-      </p:sp>
-      <p:pic>
-        <p:nvPicPr>
-          <p:cNvPr id="1026" name="Picture 2">
-            <a:extLst>
-              <a:ext uri="{FF2B5EF4-FFF2-40B4-BE49-F238E27FC236}">
-                <a16:creationId xmlns:a16="http://schemas.microsoft.com/office/drawing/2014/main" id="{8746B892-A097-A5FA-0DA6-B8EE1A22A293}"/>
-              </a:ext>
-            </a:extLst>
-          </p:cNvPr>
-          <p:cNvPicPr>
-            <a:picLocks noChangeAspect="1" noChangeArrowheads="1"/>
-          </p:cNvPicPr>
-          <p:nvPr/>
-        </p:nvPicPr>
-        <p:blipFill>
-          <a:blip r:embed="rId3">
-            <a:extLst>
-              <a:ext uri="{28A0092B-C50C-407E-A947-70E740481C1C}">
-                <a14:useLocalDpi xmlns:a14="http://schemas.microsoft.com/office/drawing/2010/main" val="0"/>
-              </a:ext>
-            </a:extLst>
-          </a:blip>
-          <a:srcRect/>
-          <a:stretch>
-            <a:fillRect/>
-          </a:stretch>
-        </p:blipFill>
-        <p:spPr bwMode="auto">
-          <a:xfrm>
-            <a:off x="2086142" y="2187365"/>
-            <a:ext cx="957847" cy="1087605"/>
-          </a:xfrm>
-          <a:prstGeom prst="rect">
-            <a:avLst/>
-          </a:prstGeom>
-          <a:noFill/>
-          <a:extLst>
-            <a:ext uri="{909E8E84-426E-40DD-AFC4-6F175D3DCCD1}">
-              <a14:hiddenFill xmlns:a14="http://schemas.microsoft.com/office/drawing/2010/main">
-                <a:solidFill>
-                  <a:srgbClr val="FFFFFF"/>
-                </a:solidFill>
-              </a14:hiddenFill>
-            </a:ext>
-          </a:extLst>
-        </p:spPr>
-      </p:pic>
-      <p:sp>
-        <p:nvSpPr>
-          <p:cNvPr id="4" name="TextBox 3">
-            <a:extLst>
-              <a:ext uri="{FF2B5EF4-FFF2-40B4-BE49-F238E27FC236}">
-                <a16:creationId xmlns:a16="http://schemas.microsoft.com/office/drawing/2014/main" id="{2A88BEE1-1968-5BB3-A355-596704953918}"/>
-              </a:ext>
-            </a:extLst>
-          </p:cNvPr>
-          <p:cNvSpPr txBox="1"/>
-          <p:nvPr/>
-        </p:nvSpPr>
-        <p:spPr>
-          <a:xfrm>
-            <a:off x="3284621" y="2443973"/>
-            <a:ext cx="7170821" cy="830997"/>
-          </a:xfrm>
-          <a:prstGeom prst="rect">
-            <a:avLst/>
-          </a:prstGeom>
-          <a:noFill/>
-        </p:spPr>
-        <p:txBody>
-          <a:bodyPr wrap="square" rtlCol="0">
-            <a:spAutoFit/>
-          </a:bodyPr>
-          <a:lstStyle/>
-          <a:p>
-            <a:r>
-              <a:rPr lang="en-GB" sz="2400" b="1" dirty="0"/>
-              <a:t>Today </a:t>
-            </a:r>
-            <a:r>
-              <a:rPr lang="en-GB" sz="2400" b="1" dirty="0" err="1"/>
-              <a:t>Verkle</a:t>
-            </a:r>
-            <a:r>
-              <a:rPr lang="en-GB" sz="2400" b="1" dirty="0"/>
-              <a:t> + Tomorrow ZK = </a:t>
-            </a:r>
-          </a:p>
-          <a:p>
-            <a:r>
-              <a:rPr lang="en-GB" sz="2400" b="1" dirty="0"/>
-              <a:t>Everything Stateless, Everything </a:t>
-            </a:r>
-            <a:r>
-              <a:rPr lang="en-GB" sz="2400" b="1" dirty="0" err="1"/>
-              <a:t>Lightclient</a:t>
-            </a:r>
-            <a:endParaRPr lang="en-CH" sz="2400" b="1" dirty="0"/>
-          </a:p>
-        </p:txBody>
-      </p:sp>
-      <p:sp>
-        <p:nvSpPr>
-          <p:cNvPr id="5" name="TextBox 4">
-            <a:extLst>
-              <a:ext uri="{FF2B5EF4-FFF2-40B4-BE49-F238E27FC236}">
-                <a16:creationId xmlns:a16="http://schemas.microsoft.com/office/drawing/2014/main" id="{2C370BD4-5F90-991A-68BA-3212B247C341}"/>
-              </a:ext>
-            </a:extLst>
-          </p:cNvPr>
-          <p:cNvSpPr txBox="1"/>
-          <p:nvPr/>
-        </p:nvSpPr>
-        <p:spPr>
-          <a:xfrm>
-            <a:off x="3284621" y="3264502"/>
-            <a:ext cx="6677526" cy="369332"/>
-          </a:xfrm>
-          <a:prstGeom prst="rect">
-            <a:avLst/>
-          </a:prstGeom>
-          <a:noFill/>
-        </p:spPr>
-        <p:txBody>
-          <a:bodyPr wrap="square" rtlCol="0">
-            <a:spAutoFit/>
-          </a:bodyPr>
-          <a:lstStyle/>
-          <a:p>
-            <a:r>
-              <a:rPr lang="en-GB" dirty="0"/>
-              <a:t>Nov 13th — 4:30 PM - 5:00 PM                               Talk - Stage 2</a:t>
-            </a:r>
-          </a:p>
-        </p:txBody>
-      </p:sp>
-      <p:sp>
-        <p:nvSpPr>
-          <p:cNvPr id="6" name="TextBox 5">
-            <a:extLst>
-              <a:ext uri="{FF2B5EF4-FFF2-40B4-BE49-F238E27FC236}">
-                <a16:creationId xmlns:a16="http://schemas.microsoft.com/office/drawing/2014/main" id="{F19EE206-7D18-B4EF-D6AF-483E8A568ACE}"/>
-              </a:ext>
-            </a:extLst>
-          </p:cNvPr>
-          <p:cNvSpPr txBox="1"/>
-          <p:nvPr/>
-        </p:nvSpPr>
-        <p:spPr>
-          <a:xfrm>
-            <a:off x="3284621" y="2074641"/>
-            <a:ext cx="6677526" cy="369332"/>
-          </a:xfrm>
-          <a:prstGeom prst="rect">
-            <a:avLst/>
-          </a:prstGeom>
-          <a:noFill/>
-        </p:spPr>
-        <p:txBody>
-          <a:bodyPr wrap="square" rtlCol="0">
-            <a:spAutoFit/>
-          </a:bodyPr>
-          <a:lstStyle/>
-          <a:p>
-            <a:r>
-              <a:rPr lang="en-GB" dirty="0" err="1"/>
-              <a:t>Gajinder</a:t>
-            </a:r>
-            <a:r>
-              <a:rPr lang="en-GB" dirty="0"/>
-              <a:t> Singh, Jason </a:t>
-            </a:r>
-            <a:r>
-              <a:rPr lang="en-GB" dirty="0" err="1"/>
-              <a:t>Chaskin</a:t>
-            </a:r>
-            <a:endParaRPr lang="en-GB" dirty="0"/>
-          </a:p>
-        </p:txBody>
-      </p:sp>
-      <p:sp>
-        <p:nvSpPr>
-          <p:cNvPr id="8" name="TextBox 7">
-            <a:extLst>
-              <a:ext uri="{FF2B5EF4-FFF2-40B4-BE49-F238E27FC236}">
-                <a16:creationId xmlns:a16="http://schemas.microsoft.com/office/drawing/2014/main" id="{FD2630E8-7699-1A2C-108D-56DD720BFC2B}"/>
-              </a:ext>
-            </a:extLst>
-          </p:cNvPr>
-          <p:cNvSpPr txBox="1"/>
-          <p:nvPr/>
-        </p:nvSpPr>
-        <p:spPr>
-          <a:xfrm>
-            <a:off x="3284621" y="4585594"/>
-            <a:ext cx="7170821" cy="461665"/>
-          </a:xfrm>
-          <a:prstGeom prst="rect">
-            <a:avLst/>
-          </a:prstGeom>
-          <a:noFill/>
-        </p:spPr>
-        <p:txBody>
-          <a:bodyPr wrap="square" rtlCol="0">
-            <a:spAutoFit/>
-          </a:bodyPr>
-          <a:lstStyle/>
-          <a:p>
-            <a:r>
-              <a:rPr lang="en-GB" sz="2400" b="1" dirty="0"/>
-              <a:t>The Future of Light Clients</a:t>
-            </a:r>
-            <a:endParaRPr lang="en-CH" sz="2400" b="1" dirty="0"/>
-          </a:p>
-        </p:txBody>
-      </p:sp>
-      <p:sp>
-        <p:nvSpPr>
-          <p:cNvPr id="9" name="TextBox 8">
-            <a:extLst>
-              <a:ext uri="{FF2B5EF4-FFF2-40B4-BE49-F238E27FC236}">
-                <a16:creationId xmlns:a16="http://schemas.microsoft.com/office/drawing/2014/main" id="{1684FA05-5440-1EFA-7E11-D6B7F6755022}"/>
-              </a:ext>
-            </a:extLst>
-          </p:cNvPr>
-          <p:cNvSpPr txBox="1"/>
-          <p:nvPr/>
-        </p:nvSpPr>
-        <p:spPr>
-          <a:xfrm>
-            <a:off x="3284621" y="5047259"/>
-            <a:ext cx="6677526" cy="369332"/>
-          </a:xfrm>
-          <a:prstGeom prst="rect">
-            <a:avLst/>
-          </a:prstGeom>
-          <a:noFill/>
-        </p:spPr>
-        <p:txBody>
-          <a:bodyPr wrap="square" rtlCol="0">
-            <a:spAutoFit/>
-          </a:bodyPr>
-          <a:lstStyle/>
-          <a:p>
-            <a:r>
-              <a:rPr lang="en-GB" dirty="0"/>
-              <a:t>Nov 13th — 5:30 PM - 6:00 PM                               Talk - Stage 5</a:t>
-            </a:r>
-          </a:p>
-        </p:txBody>
-      </p:sp>
-      <p:sp>
-        <p:nvSpPr>
-          <p:cNvPr id="10" name="TextBox 9">
-            <a:extLst>
-              <a:ext uri="{FF2B5EF4-FFF2-40B4-BE49-F238E27FC236}">
-                <a16:creationId xmlns:a16="http://schemas.microsoft.com/office/drawing/2014/main" id="{B3E3FD35-B318-921F-47BB-1AD06959B47B}"/>
-              </a:ext>
-            </a:extLst>
-          </p:cNvPr>
-          <p:cNvSpPr txBox="1"/>
-          <p:nvPr/>
-        </p:nvSpPr>
-        <p:spPr>
-          <a:xfrm>
-            <a:off x="3284621" y="4216262"/>
-            <a:ext cx="6677526" cy="369332"/>
-          </a:xfrm>
-          <a:prstGeom prst="rect">
-            <a:avLst/>
-          </a:prstGeom>
-          <a:noFill/>
-        </p:spPr>
-        <p:txBody>
-          <a:bodyPr wrap="square" rtlCol="0">
-            <a:spAutoFit/>
-          </a:bodyPr>
-          <a:lstStyle/>
-          <a:p>
-            <a:r>
-              <a:rPr lang="en-GB" dirty="0"/>
-              <a:t>Noah Citron</a:t>
-            </a:r>
-          </a:p>
-        </p:txBody>
-      </p:sp>
-      <p:pic>
-        <p:nvPicPr>
-          <p:cNvPr id="11" name="Picture 4">
-            <a:extLst>
-              <a:ext uri="{FF2B5EF4-FFF2-40B4-BE49-F238E27FC236}">
-                <a16:creationId xmlns:a16="http://schemas.microsoft.com/office/drawing/2014/main" id="{164F9939-D740-3722-D1DD-096001A2AC3F}"/>
-              </a:ext>
-            </a:extLst>
-          </p:cNvPr>
-          <p:cNvPicPr>
-            <a:picLocks noChangeAspect="1" noChangeArrowheads="1"/>
-          </p:cNvPicPr>
-          <p:nvPr/>
-        </p:nvPicPr>
-        <p:blipFill>
-          <a:blip r:embed="rId4">
-            <a:extLst>
-              <a:ext uri="{28A0092B-C50C-407E-A947-70E740481C1C}">
-                <a14:useLocalDpi xmlns:a14="http://schemas.microsoft.com/office/drawing/2010/main" val="0"/>
-              </a:ext>
-            </a:extLst>
-          </a:blip>
-          <a:srcRect/>
-          <a:stretch>
-            <a:fillRect/>
-          </a:stretch>
-        </p:blipFill>
-        <p:spPr bwMode="auto">
-          <a:xfrm>
-            <a:off x="2007434" y="4329283"/>
-            <a:ext cx="1115261" cy="1191005"/>
-          </a:xfrm>
-          <a:prstGeom prst="rect">
-            <a:avLst/>
-          </a:prstGeom>
-          <a:noFill/>
-          <a:extLst>
-            <a:ext uri="{909E8E84-426E-40DD-AFC4-6F175D3DCCD1}">
-              <a14:hiddenFill xmlns:a14="http://schemas.microsoft.com/office/drawing/2010/main">
-                <a:solidFill>
-                  <a:srgbClr val="FFFFFF"/>
-                </a:solidFill>
-              </a14:hiddenFill>
-            </a:ext>
-          </a:extLst>
-        </p:spPr>
-      </p:pic>
-    </p:spTree>
-    <p:extLst>
-      <p:ext uri="{BB962C8B-B14F-4D97-AF65-F5344CB8AC3E}">
-        <p14:creationId xmlns:p14="http://schemas.microsoft.com/office/powerpoint/2010/main" val="1524023554"/>
       </p:ext>
     </p:extLst>
   </p:cSld>
@@ -45749,6 +50153,397 @@
 </p:sld>
 </file>
 
+<file path=ppt/slides/slide30.xml><?xml version="1.0" encoding="utf-8"?>
+<p:sld xmlns:a="http://schemas.openxmlformats.org/drawingml/2006/main" xmlns:r="http://schemas.openxmlformats.org/officeDocument/2006/relationships" xmlns:p="http://schemas.openxmlformats.org/presentationml/2006/main">
+  <p:cSld>
+    <p:spTree>
+      <p:nvGrpSpPr>
+        <p:cNvPr id="1" name=""/>
+        <p:cNvGrpSpPr/>
+        <p:nvPr/>
+      </p:nvGrpSpPr>
+      <p:grpSpPr>
+        <a:xfrm>
+          <a:off x="0" y="0"/>
+          <a:ext cx="0" cy="0"/>
+          <a:chOff x="0" y="0"/>
+          <a:chExt cx="0" cy="0"/>
+        </a:xfrm>
+      </p:grpSpPr>
+      <p:sp>
+        <p:nvSpPr>
+          <p:cNvPr id="2" name="Title 1">
+            <a:extLst>
+              <a:ext uri="{FF2B5EF4-FFF2-40B4-BE49-F238E27FC236}">
+                <a16:creationId xmlns:a16="http://schemas.microsoft.com/office/drawing/2014/main" id="{4D3F3016-C7BA-C116-BC7E-99905F27C422}"/>
+              </a:ext>
+            </a:extLst>
+          </p:cNvPr>
+          <p:cNvSpPr>
+            <a:spLocks noGrp="1"/>
+          </p:cNvSpPr>
+          <p:nvPr>
+            <p:ph type="title"/>
+          </p:nvPr>
+        </p:nvSpPr>
+        <p:spPr/>
+        <p:txBody>
+          <a:bodyPr/>
+          <a:lstStyle/>
+          <a:p>
+            <a:r>
+              <a:rPr lang="en-CH" dirty="0"/>
+              <a:t>Related sessions</a:t>
+            </a:r>
+          </a:p>
+        </p:txBody>
+      </p:sp>
+      <p:pic>
+        <p:nvPicPr>
+          <p:cNvPr id="1026" name="Picture 2">
+            <a:extLst>
+              <a:ext uri="{FF2B5EF4-FFF2-40B4-BE49-F238E27FC236}">
+                <a16:creationId xmlns:a16="http://schemas.microsoft.com/office/drawing/2014/main" id="{8746B892-A097-A5FA-0DA6-B8EE1A22A293}"/>
+              </a:ext>
+            </a:extLst>
+          </p:cNvPr>
+          <p:cNvPicPr>
+            <a:picLocks noChangeAspect="1" noChangeArrowheads="1"/>
+          </p:cNvPicPr>
+          <p:nvPr/>
+        </p:nvPicPr>
+        <p:blipFill>
+          <a:blip r:embed="rId3">
+            <a:extLst>
+              <a:ext uri="{28A0092B-C50C-407E-A947-70E740481C1C}">
+                <a14:useLocalDpi xmlns:a14="http://schemas.microsoft.com/office/drawing/2010/main" val="0"/>
+              </a:ext>
+            </a:extLst>
+          </a:blip>
+          <a:srcRect/>
+          <a:stretch>
+            <a:fillRect/>
+          </a:stretch>
+        </p:blipFill>
+        <p:spPr bwMode="auto">
+          <a:xfrm>
+            <a:off x="2086142" y="2187365"/>
+            <a:ext cx="957847" cy="1087605"/>
+          </a:xfrm>
+          <a:prstGeom prst="rect">
+            <a:avLst/>
+          </a:prstGeom>
+          <a:noFill/>
+          <a:extLst>
+            <a:ext uri="{909E8E84-426E-40DD-AFC4-6F175D3DCCD1}">
+              <a14:hiddenFill xmlns:a14="http://schemas.microsoft.com/office/drawing/2010/main">
+                <a:solidFill>
+                  <a:srgbClr val="FFFFFF"/>
+                </a:solidFill>
+              </a14:hiddenFill>
+            </a:ext>
+          </a:extLst>
+        </p:spPr>
+      </p:pic>
+      <p:sp>
+        <p:nvSpPr>
+          <p:cNvPr id="4" name="TextBox 3">
+            <a:extLst>
+              <a:ext uri="{FF2B5EF4-FFF2-40B4-BE49-F238E27FC236}">
+                <a16:creationId xmlns:a16="http://schemas.microsoft.com/office/drawing/2014/main" id="{2A88BEE1-1968-5BB3-A355-596704953918}"/>
+              </a:ext>
+            </a:extLst>
+          </p:cNvPr>
+          <p:cNvSpPr txBox="1"/>
+          <p:nvPr/>
+        </p:nvSpPr>
+        <p:spPr>
+          <a:xfrm>
+            <a:off x="3284621" y="2443973"/>
+            <a:ext cx="7170821" cy="830997"/>
+          </a:xfrm>
+          <a:prstGeom prst="rect">
+            <a:avLst/>
+          </a:prstGeom>
+          <a:noFill/>
+        </p:spPr>
+        <p:txBody>
+          <a:bodyPr wrap="square" rtlCol="0">
+            <a:spAutoFit/>
+          </a:bodyPr>
+          <a:lstStyle/>
+          <a:p>
+            <a:r>
+              <a:rPr lang="en-GB" sz="2400" b="1" dirty="0"/>
+              <a:t>Today </a:t>
+            </a:r>
+            <a:r>
+              <a:rPr lang="en-GB" sz="2400" b="1" dirty="0" err="1"/>
+              <a:t>Verkle</a:t>
+            </a:r>
+            <a:r>
+              <a:rPr lang="en-GB" sz="2400" b="1" dirty="0"/>
+              <a:t> + Tomorrow ZK = </a:t>
+            </a:r>
+          </a:p>
+          <a:p>
+            <a:r>
+              <a:rPr lang="en-GB" sz="2400" b="1" dirty="0"/>
+              <a:t>Everything Stateless, Everything </a:t>
+            </a:r>
+            <a:r>
+              <a:rPr lang="en-GB" sz="2400" b="1" dirty="0" err="1"/>
+              <a:t>Lightclient</a:t>
+            </a:r>
+            <a:endParaRPr lang="en-CH" sz="2400" b="1" dirty="0"/>
+          </a:p>
+        </p:txBody>
+      </p:sp>
+      <p:sp>
+        <p:nvSpPr>
+          <p:cNvPr id="5" name="TextBox 4">
+            <a:extLst>
+              <a:ext uri="{FF2B5EF4-FFF2-40B4-BE49-F238E27FC236}">
+                <a16:creationId xmlns:a16="http://schemas.microsoft.com/office/drawing/2014/main" id="{2C370BD4-5F90-991A-68BA-3212B247C341}"/>
+              </a:ext>
+            </a:extLst>
+          </p:cNvPr>
+          <p:cNvSpPr txBox="1"/>
+          <p:nvPr/>
+        </p:nvSpPr>
+        <p:spPr>
+          <a:xfrm>
+            <a:off x="3284621" y="3264502"/>
+            <a:ext cx="6677526" cy="369332"/>
+          </a:xfrm>
+          <a:prstGeom prst="rect">
+            <a:avLst/>
+          </a:prstGeom>
+          <a:noFill/>
+        </p:spPr>
+        <p:txBody>
+          <a:bodyPr wrap="square" rtlCol="0">
+            <a:spAutoFit/>
+          </a:bodyPr>
+          <a:lstStyle/>
+          <a:p>
+            <a:r>
+              <a:rPr lang="en-GB" dirty="0"/>
+              <a:t>Nov 13th — 4:30 PM - 5:00 PM                               Talk - Stage 2</a:t>
+            </a:r>
+          </a:p>
+        </p:txBody>
+      </p:sp>
+      <p:sp>
+        <p:nvSpPr>
+          <p:cNvPr id="6" name="TextBox 5">
+            <a:extLst>
+              <a:ext uri="{FF2B5EF4-FFF2-40B4-BE49-F238E27FC236}">
+                <a16:creationId xmlns:a16="http://schemas.microsoft.com/office/drawing/2014/main" id="{F19EE206-7D18-B4EF-D6AF-483E8A568ACE}"/>
+              </a:ext>
+            </a:extLst>
+          </p:cNvPr>
+          <p:cNvSpPr txBox="1"/>
+          <p:nvPr/>
+        </p:nvSpPr>
+        <p:spPr>
+          <a:xfrm>
+            <a:off x="3284621" y="2074641"/>
+            <a:ext cx="6677526" cy="369332"/>
+          </a:xfrm>
+          <a:prstGeom prst="rect">
+            <a:avLst/>
+          </a:prstGeom>
+          <a:noFill/>
+        </p:spPr>
+        <p:txBody>
+          <a:bodyPr wrap="square" rtlCol="0">
+            <a:spAutoFit/>
+          </a:bodyPr>
+          <a:lstStyle/>
+          <a:p>
+            <a:r>
+              <a:rPr lang="en-GB" dirty="0" err="1"/>
+              <a:t>Gajinder</a:t>
+            </a:r>
+            <a:r>
+              <a:rPr lang="en-GB" dirty="0"/>
+              <a:t> Singh, Jason </a:t>
+            </a:r>
+            <a:r>
+              <a:rPr lang="en-GB" dirty="0" err="1"/>
+              <a:t>Chaskin</a:t>
+            </a:r>
+            <a:endParaRPr lang="en-GB" dirty="0"/>
+          </a:p>
+        </p:txBody>
+      </p:sp>
+      <p:sp>
+        <p:nvSpPr>
+          <p:cNvPr id="8" name="TextBox 7">
+            <a:extLst>
+              <a:ext uri="{FF2B5EF4-FFF2-40B4-BE49-F238E27FC236}">
+                <a16:creationId xmlns:a16="http://schemas.microsoft.com/office/drawing/2014/main" id="{FD2630E8-7699-1A2C-108D-56DD720BFC2B}"/>
+              </a:ext>
+            </a:extLst>
+          </p:cNvPr>
+          <p:cNvSpPr txBox="1"/>
+          <p:nvPr/>
+        </p:nvSpPr>
+        <p:spPr>
+          <a:xfrm>
+            <a:off x="3284621" y="4585594"/>
+            <a:ext cx="7170821" cy="461665"/>
+          </a:xfrm>
+          <a:prstGeom prst="rect">
+            <a:avLst/>
+          </a:prstGeom>
+          <a:noFill/>
+        </p:spPr>
+        <p:txBody>
+          <a:bodyPr wrap="square" rtlCol="0">
+            <a:spAutoFit/>
+          </a:bodyPr>
+          <a:lstStyle/>
+          <a:p>
+            <a:r>
+              <a:rPr lang="en-GB" sz="2400" b="1" dirty="0"/>
+              <a:t>The Future of Light Clients</a:t>
+            </a:r>
+            <a:endParaRPr lang="en-CH" sz="2400" b="1" dirty="0"/>
+          </a:p>
+        </p:txBody>
+      </p:sp>
+      <p:sp>
+        <p:nvSpPr>
+          <p:cNvPr id="9" name="TextBox 8">
+            <a:extLst>
+              <a:ext uri="{FF2B5EF4-FFF2-40B4-BE49-F238E27FC236}">
+                <a16:creationId xmlns:a16="http://schemas.microsoft.com/office/drawing/2014/main" id="{1684FA05-5440-1EFA-7E11-D6B7F6755022}"/>
+              </a:ext>
+            </a:extLst>
+          </p:cNvPr>
+          <p:cNvSpPr txBox="1"/>
+          <p:nvPr/>
+        </p:nvSpPr>
+        <p:spPr>
+          <a:xfrm>
+            <a:off x="3284621" y="5047259"/>
+            <a:ext cx="6677526" cy="369332"/>
+          </a:xfrm>
+          <a:prstGeom prst="rect">
+            <a:avLst/>
+          </a:prstGeom>
+          <a:noFill/>
+        </p:spPr>
+        <p:txBody>
+          <a:bodyPr wrap="square" rtlCol="0">
+            <a:spAutoFit/>
+          </a:bodyPr>
+          <a:lstStyle/>
+          <a:p>
+            <a:r>
+              <a:rPr lang="en-GB" dirty="0"/>
+              <a:t>Nov 13th — 5:30 PM - 6:00 PM                               Talk - Stage 5</a:t>
+            </a:r>
+          </a:p>
+        </p:txBody>
+      </p:sp>
+      <p:sp>
+        <p:nvSpPr>
+          <p:cNvPr id="10" name="TextBox 9">
+            <a:extLst>
+              <a:ext uri="{FF2B5EF4-FFF2-40B4-BE49-F238E27FC236}">
+                <a16:creationId xmlns:a16="http://schemas.microsoft.com/office/drawing/2014/main" id="{B3E3FD35-B318-921F-47BB-1AD06959B47B}"/>
+              </a:ext>
+            </a:extLst>
+          </p:cNvPr>
+          <p:cNvSpPr txBox="1"/>
+          <p:nvPr/>
+        </p:nvSpPr>
+        <p:spPr>
+          <a:xfrm>
+            <a:off x="3284621" y="4216262"/>
+            <a:ext cx="6677526" cy="369332"/>
+          </a:xfrm>
+          <a:prstGeom prst="rect">
+            <a:avLst/>
+          </a:prstGeom>
+          <a:noFill/>
+        </p:spPr>
+        <p:txBody>
+          <a:bodyPr wrap="square" rtlCol="0">
+            <a:spAutoFit/>
+          </a:bodyPr>
+          <a:lstStyle/>
+          <a:p>
+            <a:r>
+              <a:rPr lang="en-GB" dirty="0"/>
+              <a:t>Noah Citron</a:t>
+            </a:r>
+          </a:p>
+        </p:txBody>
+      </p:sp>
+      <p:pic>
+        <p:nvPicPr>
+          <p:cNvPr id="11" name="Picture 4">
+            <a:extLst>
+              <a:ext uri="{FF2B5EF4-FFF2-40B4-BE49-F238E27FC236}">
+                <a16:creationId xmlns:a16="http://schemas.microsoft.com/office/drawing/2014/main" id="{164F9939-D740-3722-D1DD-096001A2AC3F}"/>
+              </a:ext>
+            </a:extLst>
+          </p:cNvPr>
+          <p:cNvPicPr>
+            <a:picLocks noChangeAspect="1" noChangeArrowheads="1"/>
+          </p:cNvPicPr>
+          <p:nvPr/>
+        </p:nvPicPr>
+        <p:blipFill>
+          <a:blip r:embed="rId4">
+            <a:extLst>
+              <a:ext uri="{28A0092B-C50C-407E-A947-70E740481C1C}">
+                <a14:useLocalDpi xmlns:a14="http://schemas.microsoft.com/office/drawing/2010/main" val="0"/>
+              </a:ext>
+            </a:extLst>
+          </a:blip>
+          <a:srcRect/>
+          <a:stretch>
+            <a:fillRect/>
+          </a:stretch>
+        </p:blipFill>
+        <p:spPr bwMode="auto">
+          <a:xfrm>
+            <a:off x="2007434" y="4329283"/>
+            <a:ext cx="1115261" cy="1191005"/>
+          </a:xfrm>
+          <a:prstGeom prst="rect">
+            <a:avLst/>
+          </a:prstGeom>
+          <a:noFill/>
+          <a:extLst>
+            <a:ext uri="{909E8E84-426E-40DD-AFC4-6F175D3DCCD1}">
+              <a14:hiddenFill xmlns:a14="http://schemas.microsoft.com/office/drawing/2010/main">
+                <a:solidFill>
+                  <a:srgbClr val="FFFFFF"/>
+                </a:solidFill>
+              </a14:hiddenFill>
+            </a:ext>
+          </a:extLst>
+        </p:spPr>
+      </p:pic>
+    </p:spTree>
+    <p:extLst>
+      <p:ext uri="{BB962C8B-B14F-4D97-AF65-F5344CB8AC3E}">
+        <p14:creationId xmlns:p14="http://schemas.microsoft.com/office/powerpoint/2010/main" val="1524023554"/>
+      </p:ext>
+    </p:extLst>
+  </p:cSld>
+  <p:clrMapOvr>
+    <a:masterClrMapping/>
+  </p:clrMapOvr>
+</p:sld>
+</file>
+
 <file path=ppt/slides/slide4.xml><?xml version="1.0" encoding="utf-8"?>
 <p:sld xmlns:a="http://schemas.openxmlformats.org/drawingml/2006/main" xmlns:r="http://schemas.openxmlformats.org/officeDocument/2006/relationships" xmlns:p="http://schemas.openxmlformats.org/presentationml/2006/main">
   <p:cSld>
@@ -47140,7 +51935,7 @@
           <a:p>
             <a:r>
               <a:rPr lang="en-CH" dirty="0"/>
-              <a:t>ETH balance (verifying proxy)</a:t>
+              <a:t>ETH balance (with purifier)</a:t>
             </a:r>
           </a:p>
         </p:txBody>
@@ -47912,7 +52707,7 @@
             <a:pPr algn="ctr"/>
             <a:r>
               <a:rPr lang="en-CH" b="1" dirty="0"/>
-              <a:t>Verifying proxy</a:t>
+              <a:t>Web3 purifier</a:t>
             </a:r>
           </a:p>
         </p:txBody>
@@ -50289,7 +55084,7 @@
             <a:pPr algn="ctr"/>
             <a:r>
               <a:rPr lang="en-CH" b="1" dirty="0"/>
-              <a:t>Verifying proxy</a:t>
+              <a:t>Web3 purifier</a:t>
             </a:r>
           </a:p>
         </p:txBody>

--- a/slides.pptx
+++ b/slides.pptx
@@ -5,7 +5,7 @@
     <p:sldMasterId id="2147483648" r:id="rId1"/>
   </p:sldMasterIdLst>
   <p:notesMasterIdLst>
-    <p:notesMasterId r:id="rId32"/>
+    <p:notesMasterId r:id="rId33"/>
   </p:notesMasterIdLst>
   <p:sldIdLst>
     <p:sldId id="256" r:id="rId2"/>
@@ -33,11 +33,12 @@
     <p:sldId id="303" r:id="rId24"/>
     <p:sldId id="313" r:id="rId25"/>
     <p:sldId id="304" r:id="rId26"/>
-    <p:sldId id="305" r:id="rId27"/>
-    <p:sldId id="308" r:id="rId28"/>
-    <p:sldId id="309" r:id="rId29"/>
-    <p:sldId id="311" r:id="rId30"/>
-    <p:sldId id="298" r:id="rId31"/>
+    <p:sldId id="314" r:id="rId27"/>
+    <p:sldId id="305" r:id="rId28"/>
+    <p:sldId id="308" r:id="rId29"/>
+    <p:sldId id="309" r:id="rId30"/>
+    <p:sldId id="311" r:id="rId31"/>
+    <p:sldId id="298" r:id="rId32"/>
   </p:sldIdLst>
   <p:sldSz cx="12192000" cy="6858000"/>
   <p:notesSz cx="6858000" cy="9144000"/>
@@ -226,7 +227,7 @@
           <a:p>
             <a:fld id="{E245C6CD-5F06-0246-BE5E-2C304CA8388D}" type="datetimeFigureOut">
               <a:rPr lang="en-CH" smtClean="0"/>
-              <a:t>10.11.2024</a:t>
+              <a:t>11.11.2024</a:t>
             </a:fld>
             <a:endParaRPr lang="en-CH"/>
           </a:p>
@@ -2035,7 +2036,13 @@
   <p:cSld>
     <p:spTree>
       <p:nvGrpSpPr>
-        <p:cNvPr id="1" name=""/>
+        <p:cNvPr id="1" name="">
+          <a:extLst>
+            <a:ext uri="{FF2B5EF4-FFF2-40B4-BE49-F238E27FC236}">
+              <a16:creationId xmlns:a16="http://schemas.microsoft.com/office/drawing/2014/main" id="{9ACC43D1-4023-07D1-0010-B5F57C99FFD8}"/>
+            </a:ext>
+          </a:extLst>
+        </p:cNvPr>
         <p:cNvGrpSpPr/>
         <p:nvPr/>
       </p:nvGrpSpPr>
@@ -2049,7 +2056,13 @@
       </p:grpSpPr>
       <p:sp>
         <p:nvSpPr>
-          <p:cNvPr id="2" name="Slide Image Placeholder 1"/>
+          <p:cNvPr id="2" name="Slide Image Placeholder 1">
+            <a:extLst>
+              <a:ext uri="{FF2B5EF4-FFF2-40B4-BE49-F238E27FC236}">
+                <a16:creationId xmlns:a16="http://schemas.microsoft.com/office/drawing/2014/main" id="{4E1F02BC-BAAD-6587-76A1-18EE8CD9A4CC}"/>
+              </a:ext>
+            </a:extLst>
+          </p:cNvPr>
           <p:cNvSpPr>
             <a:spLocks noGrp="1" noRot="1" noChangeAspect="1"/>
           </p:cNvSpPr>
@@ -2061,7 +2074,13 @@
       </p:sp>
       <p:sp>
         <p:nvSpPr>
-          <p:cNvPr id="3" name="Notes Placeholder 2"/>
+          <p:cNvPr id="3" name="Notes Placeholder 2">
+            <a:extLst>
+              <a:ext uri="{FF2B5EF4-FFF2-40B4-BE49-F238E27FC236}">
+                <a16:creationId xmlns:a16="http://schemas.microsoft.com/office/drawing/2014/main" id="{065EF57B-37B8-4196-3C7F-5A2E163CCA45}"/>
+              </a:ext>
+            </a:extLst>
+          </p:cNvPr>
           <p:cNvSpPr>
             <a:spLocks noGrp="1"/>
           </p:cNvSpPr>
@@ -2080,7 +2099,13 @@
       </p:sp>
       <p:sp>
         <p:nvSpPr>
-          <p:cNvPr id="4" name="Slide Number Placeholder 3"/>
+          <p:cNvPr id="4" name="Slide Number Placeholder 3">
+            <a:extLst>
+              <a:ext uri="{FF2B5EF4-FFF2-40B4-BE49-F238E27FC236}">
+                <a16:creationId xmlns:a16="http://schemas.microsoft.com/office/drawing/2014/main" id="{B5986A96-15F9-01D1-B0C9-8608A77D2A69}"/>
+              </a:ext>
+            </a:extLst>
+          </p:cNvPr>
           <p:cNvSpPr>
             <a:spLocks noGrp="1"/>
           </p:cNvSpPr>
@@ -2104,7 +2129,7 @@
     </p:spTree>
     <p:extLst>
       <p:ext uri="{BB962C8B-B14F-4D97-AF65-F5344CB8AC3E}">
-        <p14:creationId xmlns:p14="http://schemas.microsoft.com/office/powerpoint/2010/main" val="1625076994"/>
+        <p14:creationId xmlns:p14="http://schemas.microsoft.com/office/powerpoint/2010/main" val="2352399011"/>
       </p:ext>
     </p:extLst>
   </p:cSld>
@@ -2158,7 +2183,7 @@
           <a:bodyPr/>
           <a:lstStyle/>
           <a:p>
-            <a:endParaRPr lang="en-CH" dirty="0"/>
+            <a:endParaRPr lang="en-CH"/>
           </a:p>
         </p:txBody>
       </p:sp>
@@ -2188,7 +2213,7 @@
     </p:spTree>
     <p:extLst>
       <p:ext uri="{BB962C8B-B14F-4D97-AF65-F5344CB8AC3E}">
-        <p14:creationId xmlns:p14="http://schemas.microsoft.com/office/powerpoint/2010/main" val="205788620"/>
+        <p14:creationId xmlns:p14="http://schemas.microsoft.com/office/powerpoint/2010/main" val="1625076994"/>
       </p:ext>
     </p:extLst>
   </p:cSld>
@@ -2242,7 +2267,7 @@
           <a:bodyPr/>
           <a:lstStyle/>
           <a:p>
-            <a:endParaRPr lang="en-CH"/>
+            <a:endParaRPr lang="en-CH" dirty="0"/>
           </a:p>
         </p:txBody>
       </p:sp>
@@ -2272,7 +2297,7 @@
     </p:spTree>
     <p:extLst>
       <p:ext uri="{BB962C8B-B14F-4D97-AF65-F5344CB8AC3E}">
-        <p14:creationId xmlns:p14="http://schemas.microsoft.com/office/powerpoint/2010/main" val="2554892822"/>
+        <p14:creationId xmlns:p14="http://schemas.microsoft.com/office/powerpoint/2010/main" val="205788620"/>
       </p:ext>
     </p:extLst>
   </p:cSld>
@@ -2356,7 +2381,7 @@
     </p:spTree>
     <p:extLst>
       <p:ext uri="{BB962C8B-B14F-4D97-AF65-F5344CB8AC3E}">
-        <p14:creationId xmlns:p14="http://schemas.microsoft.com/office/powerpoint/2010/main" val="2387962783"/>
+        <p14:creationId xmlns:p14="http://schemas.microsoft.com/office/powerpoint/2010/main" val="2554892822"/>
       </p:ext>
     </p:extLst>
   </p:cSld>
@@ -2516,6 +2541,90 @@
             <a:fld id="{6B8C4FD6-C914-D34A-993A-21413EA429ED}" type="slidenum">
               <a:rPr lang="en-CH" smtClean="0"/>
               <a:t>30</a:t>
+            </a:fld>
+            <a:endParaRPr lang="en-CH"/>
+          </a:p>
+        </p:txBody>
+      </p:sp>
+    </p:spTree>
+    <p:extLst>
+      <p:ext uri="{BB962C8B-B14F-4D97-AF65-F5344CB8AC3E}">
+        <p14:creationId xmlns:p14="http://schemas.microsoft.com/office/powerpoint/2010/main" val="2387962783"/>
+      </p:ext>
+    </p:extLst>
+  </p:cSld>
+  <p:clrMapOvr>
+    <a:masterClrMapping/>
+  </p:clrMapOvr>
+</p:notes>
+</file>
+
+<file path=ppt/notesSlides/notesSlide31.xml><?xml version="1.0" encoding="utf-8"?>
+<p:notes xmlns:a="http://schemas.openxmlformats.org/drawingml/2006/main" xmlns:r="http://schemas.openxmlformats.org/officeDocument/2006/relationships" xmlns:p="http://schemas.openxmlformats.org/presentationml/2006/main">
+  <p:cSld>
+    <p:spTree>
+      <p:nvGrpSpPr>
+        <p:cNvPr id="1" name=""/>
+        <p:cNvGrpSpPr/>
+        <p:nvPr/>
+      </p:nvGrpSpPr>
+      <p:grpSpPr>
+        <a:xfrm>
+          <a:off x="0" y="0"/>
+          <a:ext cx="0" cy="0"/>
+          <a:chOff x="0" y="0"/>
+          <a:chExt cx="0" cy="0"/>
+        </a:xfrm>
+      </p:grpSpPr>
+      <p:sp>
+        <p:nvSpPr>
+          <p:cNvPr id="2" name="Slide Image Placeholder 1"/>
+          <p:cNvSpPr>
+            <a:spLocks noGrp="1" noRot="1" noChangeAspect="1"/>
+          </p:cNvSpPr>
+          <p:nvPr>
+            <p:ph type="sldImg"/>
+          </p:nvPr>
+        </p:nvSpPr>
+        <p:spPr/>
+      </p:sp>
+      <p:sp>
+        <p:nvSpPr>
+          <p:cNvPr id="3" name="Notes Placeholder 2"/>
+          <p:cNvSpPr>
+            <a:spLocks noGrp="1"/>
+          </p:cNvSpPr>
+          <p:nvPr>
+            <p:ph type="body" idx="1"/>
+          </p:nvPr>
+        </p:nvSpPr>
+        <p:spPr/>
+        <p:txBody>
+          <a:bodyPr/>
+          <a:lstStyle/>
+          <a:p>
+            <a:endParaRPr lang="en-CH"/>
+          </a:p>
+        </p:txBody>
+      </p:sp>
+      <p:sp>
+        <p:nvSpPr>
+          <p:cNvPr id="4" name="Slide Number Placeholder 3"/>
+          <p:cNvSpPr>
+            <a:spLocks noGrp="1"/>
+          </p:cNvSpPr>
+          <p:nvPr>
+            <p:ph type="sldNum" sz="quarter" idx="5"/>
+          </p:nvPr>
+        </p:nvSpPr>
+        <p:spPr/>
+        <p:txBody>
+          <a:bodyPr/>
+          <a:lstStyle/>
+          <a:p>
+            <a:fld id="{6B8C4FD6-C914-D34A-993A-21413EA429ED}" type="slidenum">
+              <a:rPr lang="en-CH" smtClean="0"/>
+              <a:t>31</a:t>
             </a:fld>
             <a:endParaRPr lang="en-CH"/>
           </a:p>
@@ -3187,7 +3296,7 @@
           <a:p>
             <a:fld id="{0AEC86C6-164F-B14A-83ED-F3C15812FCD0}" type="datetimeFigureOut">
               <a:rPr lang="en-CH" smtClean="0"/>
-              <a:t>10.11.2024</a:t>
+              <a:t>11.11.2024</a:t>
             </a:fld>
             <a:endParaRPr lang="en-CH"/>
           </a:p>
@@ -3387,7 +3496,7 @@
           <a:p>
             <a:fld id="{0AEC86C6-164F-B14A-83ED-F3C15812FCD0}" type="datetimeFigureOut">
               <a:rPr lang="en-CH" smtClean="0"/>
-              <a:t>10.11.2024</a:t>
+              <a:t>11.11.2024</a:t>
             </a:fld>
             <a:endParaRPr lang="en-CH"/>
           </a:p>
@@ -3597,7 +3706,7 @@
           <a:p>
             <a:fld id="{0AEC86C6-164F-B14A-83ED-F3C15812FCD0}" type="datetimeFigureOut">
               <a:rPr lang="en-CH" smtClean="0"/>
-              <a:t>10.11.2024</a:t>
+              <a:t>11.11.2024</a:t>
             </a:fld>
             <a:endParaRPr lang="en-CH"/>
           </a:p>
@@ -3797,7 +3906,7 @@
           <a:p>
             <a:fld id="{0AEC86C6-164F-B14A-83ED-F3C15812FCD0}" type="datetimeFigureOut">
               <a:rPr lang="en-CH" smtClean="0"/>
-              <a:t>10.11.2024</a:t>
+              <a:t>11.11.2024</a:t>
             </a:fld>
             <a:endParaRPr lang="en-CH"/>
           </a:p>
@@ -4073,7 +4182,7 @@
           <a:p>
             <a:fld id="{0AEC86C6-164F-B14A-83ED-F3C15812FCD0}" type="datetimeFigureOut">
               <a:rPr lang="en-CH" smtClean="0"/>
-              <a:t>10.11.2024</a:t>
+              <a:t>11.11.2024</a:t>
             </a:fld>
             <a:endParaRPr lang="en-CH"/>
           </a:p>
@@ -4341,7 +4450,7 @@
           <a:p>
             <a:fld id="{0AEC86C6-164F-B14A-83ED-F3C15812FCD0}" type="datetimeFigureOut">
               <a:rPr lang="en-CH" smtClean="0"/>
-              <a:t>10.11.2024</a:t>
+              <a:t>11.11.2024</a:t>
             </a:fld>
             <a:endParaRPr lang="en-CH"/>
           </a:p>
@@ -4756,7 +4865,7 @@
           <a:p>
             <a:fld id="{0AEC86C6-164F-B14A-83ED-F3C15812FCD0}" type="datetimeFigureOut">
               <a:rPr lang="en-CH" smtClean="0"/>
-              <a:t>10.11.2024</a:t>
+              <a:t>11.11.2024</a:t>
             </a:fld>
             <a:endParaRPr lang="en-CH"/>
           </a:p>
@@ -4898,7 +5007,7 @@
           <a:p>
             <a:fld id="{0AEC86C6-164F-B14A-83ED-F3C15812FCD0}" type="datetimeFigureOut">
               <a:rPr lang="en-CH" smtClean="0"/>
-              <a:t>10.11.2024</a:t>
+              <a:t>11.11.2024</a:t>
             </a:fld>
             <a:endParaRPr lang="en-CH"/>
           </a:p>
@@ -5011,7 +5120,7 @@
           <a:p>
             <a:fld id="{0AEC86C6-164F-B14A-83ED-F3C15812FCD0}" type="datetimeFigureOut">
               <a:rPr lang="en-CH" smtClean="0"/>
-              <a:t>10.11.2024</a:t>
+              <a:t>11.11.2024</a:t>
             </a:fld>
             <a:endParaRPr lang="en-CH"/>
           </a:p>
@@ -5324,7 +5433,7 @@
           <a:p>
             <a:fld id="{0AEC86C6-164F-B14A-83ED-F3C15812FCD0}" type="datetimeFigureOut">
               <a:rPr lang="en-CH" smtClean="0"/>
-              <a:t>10.11.2024</a:t>
+              <a:t>11.11.2024</a:t>
             </a:fld>
             <a:endParaRPr lang="en-CH"/>
           </a:p>
@@ -5613,7 +5722,7 @@
           <a:p>
             <a:fld id="{0AEC86C6-164F-B14A-83ED-F3C15812FCD0}" type="datetimeFigureOut">
               <a:rPr lang="en-CH" smtClean="0"/>
-              <a:t>10.11.2024</a:t>
+              <a:t>11.11.2024</a:t>
             </a:fld>
             <a:endParaRPr lang="en-CH"/>
           </a:p>
@@ -5856,7 +5965,7 @@
           <a:p>
             <a:fld id="{0AEC86C6-164F-B14A-83ED-F3C15812FCD0}" type="datetimeFigureOut">
               <a:rPr lang="en-CH" smtClean="0"/>
-              <a:t>10.11.2024</a:t>
+              <a:t>11.11.2024</a:t>
             </a:fld>
             <a:endParaRPr lang="en-CH"/>
           </a:p>
@@ -34637,7 +34746,7 @@
               <a:pPr algn="ctr"/>
               <a:r>
                 <a:rPr lang="en-CH" sz="1400" dirty="0"/>
-                <a:t>0x1f</a:t>
+                <a:t>RLP type</a:t>
               </a:r>
             </a:p>
           </p:txBody>
@@ -35029,7 +35138,7 @@
         <p:spPr>
           <a:xfrm>
             <a:off x="3727937" y="6268065"/>
-            <a:ext cx="5719258" cy="369332"/>
+            <a:ext cx="4750147" cy="369332"/>
           </a:xfrm>
           <a:prstGeom prst="rect">
             <a:avLst/>
@@ -35044,7 +35153,7 @@
           <a:p>
             <a:r>
               <a:rPr lang="en-CH" b="1" dirty="0"/>
-              <a:t>Restored type safety for different transaction profiles</a:t>
+              <a:t>Type safety for different transaction profiles</a:t>
             </a:r>
           </a:p>
         </p:txBody>
@@ -35397,7 +35506,7 @@
             <a:pPr algn="ctr"/>
             <a:r>
               <a:rPr lang="en-CH" sz="1400" dirty="0"/>
-              <a:t>0x1f</a:t>
+              <a:t>RLP type</a:t>
             </a:r>
           </a:p>
         </p:txBody>
@@ -36033,7 +36142,7 @@
             <a:pPr algn="ctr"/>
             <a:r>
               <a:rPr lang="en-CH" sz="1400" dirty="0"/>
-              <a:t>0x1f</a:t>
+              <a:t>RLP type</a:t>
             </a:r>
           </a:p>
         </p:txBody>
@@ -36669,7 +36778,7 @@
             <a:pPr algn="ctr"/>
             <a:r>
               <a:rPr lang="en-CH" sz="1400" dirty="0"/>
-              <a:t>0x1f</a:t>
+              <a:t>RLP type</a:t>
             </a:r>
           </a:p>
         </p:txBody>
@@ -37252,7 +37361,7 @@
             <a:pPr algn="ctr"/>
             <a:r>
               <a:rPr lang="en-CH" sz="1400" dirty="0"/>
-              <a:t>0x1f</a:t>
+              <a:t>RLP type</a:t>
             </a:r>
           </a:p>
         </p:txBody>
@@ -37782,7 +37891,7 @@
             <a:pPr algn="ctr"/>
             <a:r>
               <a:rPr lang="en-CH" sz="1400" dirty="0"/>
-              <a:t>0x1f</a:t>
+              <a:t>RLP type</a:t>
             </a:r>
           </a:p>
         </p:txBody>
@@ -38259,7 +38368,7 @@
             <a:pPr algn="ctr"/>
             <a:r>
               <a:rPr lang="en-CH" sz="1400" dirty="0"/>
-              <a:t>0x1f</a:t>
+              <a:t>RLP type</a:t>
             </a:r>
           </a:p>
         </p:txBody>
@@ -39318,7 +39427,7 @@
               <a:pPr algn="ctr"/>
               <a:r>
                 <a:rPr lang="en-CH" sz="1400" dirty="0"/>
-                <a:t>0x1f</a:t>
+                <a:t>RLP type</a:t>
               </a:r>
             </a:p>
           </p:txBody>
@@ -40098,7 +40207,7 @@
               <a:pPr algn="ctr"/>
               <a:r>
                 <a:rPr lang="en-CH" sz="1400" dirty="0"/>
-                <a:t>0x1f</a:t>
+                <a:t>RLP type</a:t>
               </a:r>
             </a:p>
           </p:txBody>
@@ -40807,7 +40916,7 @@
               <a:pPr algn="ctr"/>
               <a:r>
                 <a:rPr lang="en-CH" sz="1400" dirty="0"/>
-                <a:t>0x1f</a:t>
+                <a:t>RLP type</a:t>
               </a:r>
             </a:p>
           </p:txBody>
@@ -41516,7 +41625,7 @@
               <a:pPr algn="ctr"/>
               <a:r>
                 <a:rPr lang="en-CH" sz="1400" dirty="0"/>
-                <a:t>0x1f</a:t>
+                <a:t>RLP type</a:t>
               </a:r>
             </a:p>
           </p:txBody>
@@ -42224,7 +42333,7 @@
               <a:pPr algn="ctr"/>
               <a:r>
                 <a:rPr lang="en-CH" sz="1400" dirty="0"/>
-                <a:t>0x1f</a:t>
+                <a:t>RLP type</a:t>
               </a:r>
             </a:p>
           </p:txBody>
@@ -42931,7 +43040,7 @@
               <a:pPr algn="ctr"/>
               <a:r>
                 <a:rPr lang="en-CH" sz="1400" dirty="0"/>
-                <a:t>0x1f</a:t>
+                <a:t>RLP type</a:t>
               </a:r>
             </a:p>
           </p:txBody>
@@ -43637,7 +43746,7 @@
               <a:pPr algn="ctr"/>
               <a:r>
                 <a:rPr lang="en-CH" sz="1400" dirty="0"/>
-                <a:t>0x1f</a:t>
+                <a:t>RLP type</a:t>
               </a:r>
             </a:p>
           </p:txBody>
@@ -44030,7 +44139,7 @@
         <p:cNvPr id="1" name="">
           <a:extLst>
             <a:ext uri="{FF2B5EF4-FFF2-40B4-BE49-F238E27FC236}">
-              <a16:creationId xmlns:a16="http://schemas.microsoft.com/office/drawing/2014/main" id="{03680285-56D3-1835-DFFC-AB31F638EFEB}"/>
+              <a16:creationId xmlns:a16="http://schemas.microsoft.com/office/drawing/2014/main" id="{64A3ECAF-E9B7-9F4C-F864-C8969744FEB4}"/>
             </a:ext>
           </a:extLst>
         </p:cNvPr>
@@ -44050,7 +44159,7 @@
           <p:cNvPr id="2" name="Title 1">
             <a:extLst>
               <a:ext uri="{FF2B5EF4-FFF2-40B4-BE49-F238E27FC236}">
-                <a16:creationId xmlns:a16="http://schemas.microsoft.com/office/drawing/2014/main" id="{43CFCB46-5A5D-AF6A-0988-D4174D6AC37A}"/>
+                <a16:creationId xmlns:a16="http://schemas.microsoft.com/office/drawing/2014/main" id="{F2719FE4-370B-089F-2DFE-39D4C88A1F9F}"/>
               </a:ext>
             </a:extLst>
           </p:cNvPr>
@@ -44073,8 +44182,13 @@
           <a:p>
             <a:r>
               <a:rPr lang="en-CH" dirty="0"/>
-              <a:t>EIP-7807: SSZ execution blocks</a:t>
-            </a:r>
+              <a:t>EIP-6493: </a:t>
+            </a:r>
+            <a:r>
+              <a:rPr lang="en-GB" dirty="0"/>
+              <a:t>SSZ transaction signature scheme</a:t>
+            </a:r>
+            <a:endParaRPr lang="en-CH" dirty="0"/>
           </a:p>
         </p:txBody>
       </p:sp>
@@ -44083,7 +44197,7 @@
           <p:cNvPr id="31" name="Rectangle 30">
             <a:extLst>
               <a:ext uri="{FF2B5EF4-FFF2-40B4-BE49-F238E27FC236}">
-                <a16:creationId xmlns:a16="http://schemas.microsoft.com/office/drawing/2014/main" id="{18F63E88-70E8-F07F-28A8-77AFDEF48DF1}"/>
+                <a16:creationId xmlns:a16="http://schemas.microsoft.com/office/drawing/2014/main" id="{021F6861-FEBC-893F-ABA5-EE50BF13E349}"/>
               </a:ext>
             </a:extLst>
           </p:cNvPr>
@@ -44146,6 +44260,3647 @@
           <p:cNvPr id="5" name="Rectangle 4">
             <a:extLst>
               <a:ext uri="{FF2B5EF4-FFF2-40B4-BE49-F238E27FC236}">
+                <a16:creationId xmlns:a16="http://schemas.microsoft.com/office/drawing/2014/main" id="{B2577A14-B903-0504-731E-C307810ED26F}"/>
+              </a:ext>
+            </a:extLst>
+          </p:cNvPr>
+          <p:cNvSpPr/>
+          <p:nvPr/>
+        </p:nvSpPr>
+        <p:spPr>
+          <a:xfrm>
+            <a:off x="955254" y="1985547"/>
+            <a:ext cx="2106592" cy="555585"/>
+          </a:xfrm>
+          <a:prstGeom prst="rect">
+            <a:avLst/>
+          </a:prstGeom>
+          <a:noFill/>
+        </p:spPr>
+        <p:style>
+          <a:lnRef idx="2">
+            <a:schemeClr val="accent1"/>
+          </a:lnRef>
+          <a:fillRef idx="1">
+            <a:schemeClr val="lt1"/>
+          </a:fillRef>
+          <a:effectRef idx="0">
+            <a:schemeClr val="accent1"/>
+          </a:effectRef>
+          <a:fontRef idx="minor">
+            <a:schemeClr val="dk1"/>
+          </a:fontRef>
+        </p:style>
+        <p:txBody>
+          <a:bodyPr rtlCol="0" anchor="ctr"/>
+          <a:lstStyle/>
+          <a:p>
+            <a:pPr algn="ctr"/>
+            <a:r>
+              <a:rPr lang="en-CH" b="1" dirty="0"/>
+              <a:t>4.75 ETH</a:t>
+            </a:r>
+          </a:p>
+        </p:txBody>
+      </p:sp>
+      <p:sp>
+        <p:nvSpPr>
+          <p:cNvPr id="6" name="Rectangle 5">
+            <a:extLst>
+              <a:ext uri="{FF2B5EF4-FFF2-40B4-BE49-F238E27FC236}">
+                <a16:creationId xmlns:a16="http://schemas.microsoft.com/office/drawing/2014/main" id="{D1864ABF-DCC0-6D68-82CC-A73892F3ECCE}"/>
+              </a:ext>
+            </a:extLst>
+          </p:cNvPr>
+          <p:cNvSpPr/>
+          <p:nvPr/>
+        </p:nvSpPr>
+        <p:spPr>
+          <a:xfrm>
+            <a:off x="955254" y="2782708"/>
+            <a:ext cx="1018572" cy="555585"/>
+          </a:xfrm>
+          <a:prstGeom prst="rect">
+            <a:avLst/>
+          </a:prstGeom>
+          <a:noFill/>
+        </p:spPr>
+        <p:style>
+          <a:lnRef idx="2">
+            <a:schemeClr val="accent1"/>
+          </a:lnRef>
+          <a:fillRef idx="1">
+            <a:schemeClr val="lt1"/>
+          </a:fillRef>
+          <a:effectRef idx="0">
+            <a:schemeClr val="accent1"/>
+          </a:effectRef>
+          <a:fontRef idx="minor">
+            <a:schemeClr val="dk1"/>
+          </a:fontRef>
+        </p:style>
+        <p:txBody>
+          <a:bodyPr rtlCol="0" anchor="ctr"/>
+          <a:lstStyle/>
+          <a:p>
+            <a:pPr algn="ctr"/>
+            <a:r>
+              <a:rPr lang="en-CH" sz="1400" b="1" dirty="0"/>
+              <a:t>0.1</a:t>
+            </a:r>
+            <a:br>
+              <a:rPr lang="en-CH" sz="1400" b="1" dirty="0"/>
+            </a:br>
+            <a:r>
+              <a:rPr lang="en-CH" sz="1400" b="1" dirty="0"/>
+              <a:t>BTC</a:t>
+            </a:r>
+          </a:p>
+        </p:txBody>
+      </p:sp>
+      <p:sp>
+        <p:nvSpPr>
+          <p:cNvPr id="7" name="Rectangle 6">
+            <a:extLst>
+              <a:ext uri="{FF2B5EF4-FFF2-40B4-BE49-F238E27FC236}">
+                <a16:creationId xmlns:a16="http://schemas.microsoft.com/office/drawing/2014/main" id="{7FD65F7C-32AD-33CC-D66F-CC02C945C1DF}"/>
+              </a:ext>
+            </a:extLst>
+          </p:cNvPr>
+          <p:cNvSpPr/>
+          <p:nvPr/>
+        </p:nvSpPr>
+        <p:spPr>
+          <a:xfrm>
+            <a:off x="955254" y="3417661"/>
+            <a:ext cx="1018572" cy="555585"/>
+          </a:xfrm>
+          <a:prstGeom prst="rect">
+            <a:avLst/>
+          </a:prstGeom>
+          <a:noFill/>
+        </p:spPr>
+        <p:style>
+          <a:lnRef idx="2">
+            <a:schemeClr val="accent1"/>
+          </a:lnRef>
+          <a:fillRef idx="1">
+            <a:schemeClr val="lt1"/>
+          </a:fillRef>
+          <a:effectRef idx="0">
+            <a:schemeClr val="accent1"/>
+          </a:effectRef>
+          <a:fontRef idx="minor">
+            <a:schemeClr val="dk1"/>
+          </a:fontRef>
+        </p:style>
+        <p:txBody>
+          <a:bodyPr rtlCol="0" anchor="ctr"/>
+          <a:lstStyle/>
+          <a:p>
+            <a:pPr algn="ctr"/>
+            <a:r>
+              <a:rPr lang="en-CH" sz="1400" b="1" dirty="0"/>
+              <a:t>500</a:t>
+            </a:r>
+            <a:br>
+              <a:rPr lang="en-CH" sz="1400" b="1" dirty="0"/>
+            </a:br>
+            <a:r>
+              <a:rPr lang="en-CH" sz="1400" b="1" dirty="0"/>
+              <a:t>USDC</a:t>
+            </a:r>
+          </a:p>
+        </p:txBody>
+      </p:sp>
+      <p:pic>
+        <p:nvPicPr>
+          <p:cNvPr id="10" name="Content Placeholder 9">
+            <a:extLst>
+              <a:ext uri="{FF2B5EF4-FFF2-40B4-BE49-F238E27FC236}">
+                <a16:creationId xmlns:a16="http://schemas.microsoft.com/office/drawing/2014/main" id="{C302811E-7F6F-ED35-813B-CA9A9E116373}"/>
+              </a:ext>
+            </a:extLst>
+          </p:cNvPr>
+          <p:cNvPicPr>
+            <a:picLocks noGrp="1" noChangeAspect="1"/>
+          </p:cNvPicPr>
+          <p:nvPr>
+            <p:ph idx="1"/>
+          </p:nvPr>
+        </p:nvPicPr>
+        <p:blipFill rotWithShape="1">
+          <a:blip r:embed="rId3" cstate="hqprint">
+            <a:alphaModFix/>
+            <a:extLst>
+              <a:ext uri="{BEBA8EAE-BF5A-486C-A8C5-ECC9F3942E4B}">
+                <a14:imgProps xmlns:a14="http://schemas.microsoft.com/office/drawing/2010/main">
+                  <a14:imgLayer r:embed="rId4">
+                    <a14:imgEffect>
+                      <a14:saturation sat="0"/>
+                    </a14:imgEffect>
+                  </a14:imgLayer>
+                </a14:imgProps>
+              </a:ext>
+              <a:ext uri="{28A0092B-C50C-407E-A947-70E740481C1C}">
+                <a14:useLocalDpi xmlns:a14="http://schemas.microsoft.com/office/drawing/2010/main"/>
+              </a:ext>
+            </a:extLst>
+          </a:blip>
+          <a:srcRect/>
+          <a:stretch/>
+        </p:blipFill>
+        <p:spPr>
+          <a:xfrm rot="5400000">
+            <a:off x="1959284" y="2870686"/>
+            <a:ext cx="1186552" cy="1018571"/>
+          </a:xfrm>
+          <a:ln w="19050">
+            <a:solidFill>
+              <a:schemeClr val="accent1"/>
+            </a:solidFill>
+          </a:ln>
+        </p:spPr>
+      </p:pic>
+      <p:sp>
+        <p:nvSpPr>
+          <p:cNvPr id="15" name="Rectangle 14">
+            <a:extLst>
+              <a:ext uri="{FF2B5EF4-FFF2-40B4-BE49-F238E27FC236}">
+                <a16:creationId xmlns:a16="http://schemas.microsoft.com/office/drawing/2014/main" id="{A478C2AF-B8F2-5FFF-81DE-53943585498B}"/>
+              </a:ext>
+            </a:extLst>
+          </p:cNvPr>
+          <p:cNvSpPr/>
+          <p:nvPr/>
+        </p:nvSpPr>
+        <p:spPr>
+          <a:xfrm>
+            <a:off x="955254" y="4214823"/>
+            <a:ext cx="2106592" cy="545690"/>
+          </a:xfrm>
+          <a:prstGeom prst="rect">
+            <a:avLst/>
+          </a:prstGeom>
+        </p:spPr>
+        <p:style>
+          <a:lnRef idx="2">
+            <a:schemeClr val="accent1"/>
+          </a:lnRef>
+          <a:fillRef idx="1">
+            <a:schemeClr val="lt1"/>
+          </a:fillRef>
+          <a:effectRef idx="0">
+            <a:schemeClr val="accent1"/>
+          </a:effectRef>
+          <a:fontRef idx="minor">
+            <a:schemeClr val="dk1"/>
+          </a:fontRef>
+        </p:style>
+        <p:txBody>
+          <a:bodyPr rtlCol="0" anchor="ctr"/>
+          <a:lstStyle/>
+          <a:p>
+            <a:pPr algn="ctr"/>
+            <a:r>
+              <a:rPr lang="en-CH" sz="1400" dirty="0">
+                <a:sym typeface="Wingdings" pitchFamily="2" charset="2"/>
+              </a:rPr>
+              <a:t> theprotocolguild.eth 2024-11-12       –50 USDC</a:t>
+            </a:r>
+            <a:endParaRPr lang="en-CH" sz="1400" dirty="0"/>
+          </a:p>
+        </p:txBody>
+      </p:sp>
+      <p:sp>
+        <p:nvSpPr>
+          <p:cNvPr id="16" name="Rectangle 15">
+            <a:extLst>
+              <a:ext uri="{FF2B5EF4-FFF2-40B4-BE49-F238E27FC236}">
+                <a16:creationId xmlns:a16="http://schemas.microsoft.com/office/drawing/2014/main" id="{C51EC0B4-491A-5939-2910-00999E9B539B}"/>
+              </a:ext>
+            </a:extLst>
+          </p:cNvPr>
+          <p:cNvSpPr/>
+          <p:nvPr/>
+        </p:nvSpPr>
+        <p:spPr>
+          <a:xfrm>
+            <a:off x="955254" y="4832215"/>
+            <a:ext cx="2106592" cy="545690"/>
+          </a:xfrm>
+          <a:prstGeom prst="rect">
+            <a:avLst/>
+          </a:prstGeom>
+        </p:spPr>
+        <p:style>
+          <a:lnRef idx="2">
+            <a:schemeClr val="accent1"/>
+          </a:lnRef>
+          <a:fillRef idx="1">
+            <a:schemeClr val="lt1"/>
+          </a:fillRef>
+          <a:effectRef idx="0">
+            <a:schemeClr val="accent1"/>
+          </a:effectRef>
+          <a:fontRef idx="minor">
+            <a:schemeClr val="dk1"/>
+          </a:fontRef>
+        </p:style>
+        <p:txBody>
+          <a:bodyPr rtlCol="0" anchor="ctr"/>
+          <a:lstStyle/>
+          <a:p>
+            <a:pPr algn="ctr"/>
+            <a:r>
+              <a:rPr lang="en-CH" sz="1400" dirty="0">
+                <a:sym typeface="Wingdings" pitchFamily="2" charset="2"/>
+              </a:rPr>
+              <a:t> vitalik.eth</a:t>
+            </a:r>
+            <a:br>
+              <a:rPr lang="en-CH" sz="1400" dirty="0">
+                <a:sym typeface="Wingdings" pitchFamily="2" charset="2"/>
+              </a:rPr>
+            </a:br>
+            <a:r>
+              <a:rPr lang="en-CH" sz="1400" dirty="0">
+                <a:sym typeface="Wingdings" pitchFamily="2" charset="2"/>
+              </a:rPr>
+              <a:t>2024-11-11                1 ETH</a:t>
+            </a:r>
+            <a:endParaRPr lang="en-CH" sz="1400" dirty="0"/>
+          </a:p>
+        </p:txBody>
+      </p:sp>
+      <p:sp>
+        <p:nvSpPr>
+          <p:cNvPr id="17" name="Rectangle 16">
+            <a:extLst>
+              <a:ext uri="{FF2B5EF4-FFF2-40B4-BE49-F238E27FC236}">
+                <a16:creationId xmlns:a16="http://schemas.microsoft.com/office/drawing/2014/main" id="{638B57F9-DFA3-3E60-A039-F7B115C50634}"/>
+              </a:ext>
+            </a:extLst>
+          </p:cNvPr>
+          <p:cNvSpPr/>
+          <p:nvPr/>
+        </p:nvSpPr>
+        <p:spPr>
+          <a:xfrm>
+            <a:off x="955254" y="5452604"/>
+            <a:ext cx="2106592" cy="545690"/>
+          </a:xfrm>
+          <a:prstGeom prst="rect">
+            <a:avLst/>
+          </a:prstGeom>
+        </p:spPr>
+        <p:style>
+          <a:lnRef idx="2">
+            <a:schemeClr val="accent1"/>
+          </a:lnRef>
+          <a:fillRef idx="1">
+            <a:schemeClr val="lt1"/>
+          </a:fillRef>
+          <a:effectRef idx="0">
+            <a:schemeClr val="accent1"/>
+          </a:effectRef>
+          <a:fontRef idx="minor">
+            <a:schemeClr val="dk1"/>
+          </a:fontRef>
+        </p:style>
+        <p:txBody>
+          <a:bodyPr rtlCol="0" anchor="ctr"/>
+          <a:lstStyle/>
+          <a:p>
+            <a:pPr algn="ctr"/>
+            <a:r>
+              <a:rPr lang="en-CH" sz="1400" dirty="0">
+                <a:sym typeface="Wingdings" pitchFamily="2" charset="2"/>
+              </a:rPr>
+              <a:t>🎉 Block #123 produced</a:t>
+            </a:r>
+            <a:br>
+              <a:rPr lang="en-CH" sz="1400" dirty="0">
+                <a:sym typeface="Wingdings" pitchFamily="2" charset="2"/>
+              </a:rPr>
+            </a:br>
+            <a:r>
+              <a:rPr lang="en-CH" sz="1400" dirty="0">
+                <a:sym typeface="Wingdings" pitchFamily="2" charset="2"/>
+              </a:rPr>
+              <a:t>2024-11-09         0.08 ETH</a:t>
+            </a:r>
+            <a:endParaRPr lang="en-CH" sz="1400" dirty="0"/>
+          </a:p>
+        </p:txBody>
+      </p:sp>
+      <p:sp>
+        <p:nvSpPr>
+          <p:cNvPr id="13" name="Rectangle 12">
+            <a:extLst>
+              <a:ext uri="{FF2B5EF4-FFF2-40B4-BE49-F238E27FC236}">
+                <a16:creationId xmlns:a16="http://schemas.microsoft.com/office/drawing/2014/main" id="{8A6683B7-01CF-DE02-1701-EF986B91FEE0}"/>
+              </a:ext>
+            </a:extLst>
+          </p:cNvPr>
+          <p:cNvSpPr/>
+          <p:nvPr/>
+        </p:nvSpPr>
+        <p:spPr>
+          <a:xfrm>
+            <a:off x="3185652" y="1883415"/>
+            <a:ext cx="8686800" cy="4237166"/>
+          </a:xfrm>
+          <a:prstGeom prst="rect">
+            <a:avLst/>
+          </a:prstGeom>
+          <a:solidFill>
+            <a:schemeClr val="bg1"/>
+          </a:solidFill>
+          <a:ln>
+            <a:noFill/>
+          </a:ln>
+        </p:spPr>
+        <p:style>
+          <a:lnRef idx="2">
+            <a:schemeClr val="accent1">
+              <a:shade val="15000"/>
+            </a:schemeClr>
+          </a:lnRef>
+          <a:fillRef idx="1">
+            <a:schemeClr val="accent1"/>
+          </a:fillRef>
+          <a:effectRef idx="0">
+            <a:schemeClr val="accent1"/>
+          </a:effectRef>
+          <a:fontRef idx="minor">
+            <a:schemeClr val="lt1"/>
+          </a:fontRef>
+        </p:style>
+        <p:txBody>
+          <a:bodyPr rtlCol="0" anchor="ctr"/>
+          <a:lstStyle/>
+          <a:p>
+            <a:pPr algn="ctr"/>
+            <a:endParaRPr lang="en-CH" dirty="0"/>
+          </a:p>
+        </p:txBody>
+      </p:sp>
+      <p:sp>
+        <p:nvSpPr>
+          <p:cNvPr id="3" name="Rectangle 2">
+            <a:extLst>
+              <a:ext uri="{FF2B5EF4-FFF2-40B4-BE49-F238E27FC236}">
+                <a16:creationId xmlns:a16="http://schemas.microsoft.com/office/drawing/2014/main" id="{660E182D-55A8-ED74-E877-92C5500F75CA}"/>
+              </a:ext>
+            </a:extLst>
+          </p:cNvPr>
+          <p:cNvSpPr/>
+          <p:nvPr/>
+        </p:nvSpPr>
+        <p:spPr>
+          <a:xfrm>
+            <a:off x="838200" y="1883415"/>
+            <a:ext cx="2347452" cy="4237166"/>
+          </a:xfrm>
+          <a:prstGeom prst="rect">
+            <a:avLst/>
+          </a:prstGeom>
+          <a:noFill/>
+          <a:ln w="38100">
+            <a:solidFill>
+              <a:schemeClr val="accent1"/>
+            </a:solidFill>
+          </a:ln>
+        </p:spPr>
+        <p:style>
+          <a:lnRef idx="2">
+            <a:schemeClr val="accent1">
+              <a:shade val="15000"/>
+            </a:schemeClr>
+          </a:lnRef>
+          <a:fillRef idx="1">
+            <a:schemeClr val="accent1"/>
+          </a:fillRef>
+          <a:effectRef idx="0">
+            <a:schemeClr val="accent1"/>
+          </a:effectRef>
+          <a:fontRef idx="minor">
+            <a:schemeClr val="lt1"/>
+          </a:fontRef>
+        </p:style>
+        <p:txBody>
+          <a:bodyPr rtlCol="0" anchor="ctr"/>
+          <a:lstStyle/>
+          <a:p>
+            <a:pPr algn="ctr"/>
+            <a:endParaRPr lang="en-CH"/>
+          </a:p>
+        </p:txBody>
+      </p:sp>
+      <p:grpSp>
+        <p:nvGrpSpPr>
+          <p:cNvPr id="118" name="Group 117">
+            <a:extLst>
+              <a:ext uri="{FF2B5EF4-FFF2-40B4-BE49-F238E27FC236}">
+                <a16:creationId xmlns:a16="http://schemas.microsoft.com/office/drawing/2014/main" id="{FEB6BDF1-B312-FF56-994C-DA7D315ABD87}"/>
+              </a:ext>
+            </a:extLst>
+          </p:cNvPr>
+          <p:cNvGrpSpPr/>
+          <p:nvPr/>
+        </p:nvGrpSpPr>
+        <p:grpSpPr>
+          <a:xfrm>
+            <a:off x="3816431" y="5544415"/>
+            <a:ext cx="8056021" cy="454320"/>
+            <a:chOff x="3816431" y="6220323"/>
+            <a:chExt cx="8056021" cy="454320"/>
+          </a:xfrm>
+        </p:grpSpPr>
+        <p:sp>
+          <p:nvSpPr>
+            <p:cNvPr id="8" name="Rectangle 7">
+              <a:extLst>
+                <a:ext uri="{FF2B5EF4-FFF2-40B4-BE49-F238E27FC236}">
+                  <a16:creationId xmlns:a16="http://schemas.microsoft.com/office/drawing/2014/main" id="{BE6C7450-78EF-7512-20B0-35766B261C00}"/>
+                </a:ext>
+              </a:extLst>
+            </p:cNvPr>
+            <p:cNvSpPr/>
+            <p:nvPr/>
+          </p:nvSpPr>
+          <p:spPr>
+            <a:xfrm>
+              <a:off x="5038125" y="6220325"/>
+              <a:ext cx="706074" cy="454317"/>
+            </a:xfrm>
+            <a:prstGeom prst="rect">
+              <a:avLst/>
+            </a:prstGeom>
+            <a:solidFill>
+              <a:schemeClr val="tx2">
+                <a:lumMod val="25000"/>
+                <a:lumOff val="75000"/>
+              </a:schemeClr>
+            </a:solidFill>
+          </p:spPr>
+          <p:style>
+            <a:lnRef idx="2">
+              <a:schemeClr val="accent1"/>
+            </a:lnRef>
+            <a:fillRef idx="1">
+              <a:schemeClr val="lt1"/>
+            </a:fillRef>
+            <a:effectRef idx="0">
+              <a:schemeClr val="accent1"/>
+            </a:effectRef>
+            <a:fontRef idx="minor">
+              <a:schemeClr val="dk1"/>
+            </a:fontRef>
+          </p:style>
+          <p:txBody>
+            <a:bodyPr lIns="0" rIns="0" rtlCol="0" anchor="ctr"/>
+            <a:lstStyle/>
+            <a:p>
+              <a:pPr algn="ctr"/>
+              <a:r>
+                <a:rPr lang="en-CH" sz="1400" dirty="0"/>
+                <a:t>Nonce</a:t>
+              </a:r>
+            </a:p>
+          </p:txBody>
+        </p:sp>
+        <p:sp>
+          <p:nvSpPr>
+            <p:cNvPr id="11" name="Rectangle 10">
+              <a:extLst>
+                <a:ext uri="{FF2B5EF4-FFF2-40B4-BE49-F238E27FC236}">
+                  <a16:creationId xmlns:a16="http://schemas.microsoft.com/office/drawing/2014/main" id="{834BEE43-44F9-495E-2EF8-06B98C4E32A4}"/>
+                </a:ext>
+              </a:extLst>
+            </p:cNvPr>
+            <p:cNvSpPr/>
+            <p:nvPr/>
+          </p:nvSpPr>
+          <p:spPr>
+            <a:xfrm>
+              <a:off x="5744199" y="6220325"/>
+              <a:ext cx="542254" cy="454317"/>
+            </a:xfrm>
+            <a:prstGeom prst="rect">
+              <a:avLst/>
+            </a:prstGeom>
+            <a:solidFill>
+              <a:schemeClr val="tx2">
+                <a:lumMod val="25000"/>
+                <a:lumOff val="75000"/>
+              </a:schemeClr>
+            </a:solidFill>
+          </p:spPr>
+          <p:style>
+            <a:lnRef idx="2">
+              <a:schemeClr val="accent1"/>
+            </a:lnRef>
+            <a:fillRef idx="1">
+              <a:schemeClr val="lt1"/>
+            </a:fillRef>
+            <a:effectRef idx="0">
+              <a:schemeClr val="accent1"/>
+            </a:effectRef>
+            <a:fontRef idx="minor">
+              <a:schemeClr val="dk1"/>
+            </a:fontRef>
+          </p:style>
+          <p:txBody>
+            <a:bodyPr lIns="0" rIns="0" rtlCol="0" anchor="ctr"/>
+            <a:lstStyle/>
+            <a:p>
+              <a:pPr algn="ctr"/>
+              <a:r>
+                <a:rPr lang="en-CH" sz="1400" dirty="0"/>
+                <a:t>Gas limit</a:t>
+              </a:r>
+            </a:p>
+          </p:txBody>
+        </p:sp>
+        <p:sp>
+          <p:nvSpPr>
+            <p:cNvPr id="12" name="Rectangle 11">
+              <a:extLst>
+                <a:ext uri="{FF2B5EF4-FFF2-40B4-BE49-F238E27FC236}">
+                  <a16:creationId xmlns:a16="http://schemas.microsoft.com/office/drawing/2014/main" id="{CE7C60E1-BCCC-3433-6036-A46384F4640C}"/>
+                </a:ext>
+              </a:extLst>
+            </p:cNvPr>
+            <p:cNvSpPr/>
+            <p:nvPr/>
+          </p:nvSpPr>
+          <p:spPr>
+            <a:xfrm>
+              <a:off x="6286453" y="6220325"/>
+              <a:ext cx="360112" cy="454317"/>
+            </a:xfrm>
+            <a:prstGeom prst="rect">
+              <a:avLst/>
+            </a:prstGeom>
+            <a:solidFill>
+              <a:schemeClr val="tx2">
+                <a:lumMod val="25000"/>
+                <a:lumOff val="75000"/>
+              </a:schemeClr>
+            </a:solidFill>
+          </p:spPr>
+          <p:style>
+            <a:lnRef idx="2">
+              <a:schemeClr val="accent1"/>
+            </a:lnRef>
+            <a:fillRef idx="1">
+              <a:schemeClr val="lt1"/>
+            </a:fillRef>
+            <a:effectRef idx="0">
+              <a:schemeClr val="accent1"/>
+            </a:effectRef>
+            <a:fontRef idx="minor">
+              <a:schemeClr val="dk1"/>
+            </a:fontRef>
+          </p:style>
+          <p:txBody>
+            <a:bodyPr lIns="0" rIns="0" rtlCol="0" anchor="ctr"/>
+            <a:lstStyle/>
+            <a:p>
+              <a:pPr algn="ctr"/>
+              <a:r>
+                <a:rPr lang="en-CH" sz="1400" dirty="0"/>
+                <a:t>To</a:t>
+              </a:r>
+            </a:p>
+          </p:txBody>
+        </p:sp>
+        <p:sp>
+          <p:nvSpPr>
+            <p:cNvPr id="14" name="Rectangle 13">
+              <a:extLst>
+                <a:ext uri="{FF2B5EF4-FFF2-40B4-BE49-F238E27FC236}">
+                  <a16:creationId xmlns:a16="http://schemas.microsoft.com/office/drawing/2014/main" id="{A42D6A74-6AC6-D8FC-EF6F-DE2C749931EB}"/>
+                </a:ext>
+              </a:extLst>
+            </p:cNvPr>
+            <p:cNvSpPr/>
+            <p:nvPr/>
+          </p:nvSpPr>
+          <p:spPr>
+            <a:xfrm>
+              <a:off x="6646566" y="6220325"/>
+              <a:ext cx="649630" cy="454317"/>
+            </a:xfrm>
+            <a:prstGeom prst="rect">
+              <a:avLst/>
+            </a:prstGeom>
+            <a:solidFill>
+              <a:schemeClr val="tx2">
+                <a:lumMod val="25000"/>
+                <a:lumOff val="75000"/>
+              </a:schemeClr>
+            </a:solidFill>
+          </p:spPr>
+          <p:style>
+            <a:lnRef idx="2">
+              <a:schemeClr val="accent1"/>
+            </a:lnRef>
+            <a:fillRef idx="1">
+              <a:schemeClr val="lt1"/>
+            </a:fillRef>
+            <a:effectRef idx="0">
+              <a:schemeClr val="accent1"/>
+            </a:effectRef>
+            <a:fontRef idx="minor">
+              <a:schemeClr val="dk1"/>
+            </a:fontRef>
+          </p:style>
+          <p:txBody>
+            <a:bodyPr lIns="0" rIns="0" rtlCol="0" anchor="ctr"/>
+            <a:lstStyle/>
+            <a:p>
+              <a:pPr algn="ctr"/>
+              <a:r>
+                <a:rPr lang="en-CH" sz="1400" dirty="0"/>
+                <a:t>Value</a:t>
+              </a:r>
+            </a:p>
+          </p:txBody>
+        </p:sp>
+        <p:sp>
+          <p:nvSpPr>
+            <p:cNvPr id="18" name="Rectangle 17">
+              <a:extLst>
+                <a:ext uri="{FF2B5EF4-FFF2-40B4-BE49-F238E27FC236}">
+                  <a16:creationId xmlns:a16="http://schemas.microsoft.com/office/drawing/2014/main" id="{E58F89B9-1201-B9D0-5E5D-F55EB42BC818}"/>
+                </a:ext>
+              </a:extLst>
+            </p:cNvPr>
+            <p:cNvSpPr/>
+            <p:nvPr/>
+          </p:nvSpPr>
+          <p:spPr>
+            <a:xfrm>
+              <a:off x="7296196" y="6220325"/>
+              <a:ext cx="649630" cy="454317"/>
+            </a:xfrm>
+            <a:prstGeom prst="rect">
+              <a:avLst/>
+            </a:prstGeom>
+            <a:solidFill>
+              <a:schemeClr val="tx2">
+                <a:lumMod val="25000"/>
+                <a:lumOff val="75000"/>
+              </a:schemeClr>
+            </a:solidFill>
+          </p:spPr>
+          <p:style>
+            <a:lnRef idx="2">
+              <a:schemeClr val="accent1"/>
+            </a:lnRef>
+            <a:fillRef idx="1">
+              <a:schemeClr val="lt1"/>
+            </a:fillRef>
+            <a:effectRef idx="0">
+              <a:schemeClr val="accent1"/>
+            </a:effectRef>
+            <a:fontRef idx="minor">
+              <a:schemeClr val="dk1"/>
+            </a:fontRef>
+          </p:style>
+          <p:txBody>
+            <a:bodyPr lIns="0" rIns="0" rtlCol="0" anchor="ctr"/>
+            <a:lstStyle/>
+            <a:p>
+              <a:pPr algn="ctr"/>
+              <a:r>
+                <a:rPr lang="en-CH" sz="1400" dirty="0"/>
+                <a:t>Input</a:t>
+              </a:r>
+            </a:p>
+          </p:txBody>
+        </p:sp>
+        <p:sp>
+          <p:nvSpPr>
+            <p:cNvPr id="19" name="Rectangle 18">
+              <a:extLst>
+                <a:ext uri="{FF2B5EF4-FFF2-40B4-BE49-F238E27FC236}">
+                  <a16:creationId xmlns:a16="http://schemas.microsoft.com/office/drawing/2014/main" id="{9274DC2D-C61C-546C-ECE5-39A8D9FFDE99}"/>
+                </a:ext>
+              </a:extLst>
+            </p:cNvPr>
+            <p:cNvSpPr/>
+            <p:nvPr/>
+          </p:nvSpPr>
+          <p:spPr>
+            <a:xfrm>
+              <a:off x="3816431" y="6220325"/>
+              <a:ext cx="574334" cy="454317"/>
+            </a:xfrm>
+            <a:prstGeom prst="rect">
+              <a:avLst/>
+            </a:prstGeom>
+            <a:solidFill>
+              <a:schemeClr val="accent6">
+                <a:lumMod val="40000"/>
+                <a:lumOff val="60000"/>
+              </a:schemeClr>
+            </a:solidFill>
+          </p:spPr>
+          <p:style>
+            <a:lnRef idx="2">
+              <a:schemeClr val="accent1"/>
+            </a:lnRef>
+            <a:fillRef idx="1">
+              <a:schemeClr val="lt1"/>
+            </a:fillRef>
+            <a:effectRef idx="0">
+              <a:schemeClr val="accent1"/>
+            </a:effectRef>
+            <a:fontRef idx="minor">
+              <a:schemeClr val="dk1"/>
+            </a:fontRef>
+          </p:style>
+          <p:txBody>
+            <a:bodyPr lIns="0" rIns="0" rtlCol="0" anchor="ctr"/>
+            <a:lstStyle/>
+            <a:p>
+              <a:pPr algn="ctr"/>
+              <a:r>
+                <a:rPr lang="en-CH" sz="1400" dirty="0"/>
+                <a:t>RLP type</a:t>
+              </a:r>
+            </a:p>
+          </p:txBody>
+        </p:sp>
+        <p:sp>
+          <p:nvSpPr>
+            <p:cNvPr id="20" name="Rectangle 19">
+              <a:extLst>
+                <a:ext uri="{FF2B5EF4-FFF2-40B4-BE49-F238E27FC236}">
+                  <a16:creationId xmlns:a16="http://schemas.microsoft.com/office/drawing/2014/main" id="{C0FEE437-9A0C-2AEF-1DF6-D28FF822BC69}"/>
+                </a:ext>
+              </a:extLst>
+            </p:cNvPr>
+            <p:cNvSpPr/>
+            <p:nvPr/>
+          </p:nvSpPr>
+          <p:spPr>
+            <a:xfrm>
+              <a:off x="4385942" y="6220325"/>
+              <a:ext cx="652183" cy="454317"/>
+            </a:xfrm>
+            <a:prstGeom prst="rect">
+              <a:avLst/>
+            </a:prstGeom>
+            <a:solidFill>
+              <a:schemeClr val="accent6">
+                <a:lumMod val="40000"/>
+                <a:lumOff val="60000"/>
+              </a:schemeClr>
+            </a:solidFill>
+          </p:spPr>
+          <p:style>
+            <a:lnRef idx="2">
+              <a:schemeClr val="accent1"/>
+            </a:lnRef>
+            <a:fillRef idx="1">
+              <a:schemeClr val="lt1"/>
+            </a:fillRef>
+            <a:effectRef idx="0">
+              <a:schemeClr val="accent1"/>
+            </a:effectRef>
+            <a:fontRef idx="minor">
+              <a:schemeClr val="dk1"/>
+            </a:fontRef>
+          </p:style>
+          <p:txBody>
+            <a:bodyPr lIns="0" rIns="0" rtlCol="0" anchor="ctr"/>
+            <a:lstStyle/>
+            <a:p>
+              <a:pPr algn="ctr"/>
+              <a:r>
+                <a:rPr lang="en-CH" sz="1400" dirty="0"/>
+                <a:t>Chain ID</a:t>
+              </a:r>
+            </a:p>
+          </p:txBody>
+        </p:sp>
+        <p:sp>
+          <p:nvSpPr>
+            <p:cNvPr id="35" name="Rectangle 34">
+              <a:extLst>
+                <a:ext uri="{FF2B5EF4-FFF2-40B4-BE49-F238E27FC236}">
+                  <a16:creationId xmlns:a16="http://schemas.microsoft.com/office/drawing/2014/main" id="{33C42050-AECB-3A95-C4D3-8D65A5D541DB}"/>
+                </a:ext>
+              </a:extLst>
+            </p:cNvPr>
+            <p:cNvSpPr/>
+            <p:nvPr/>
+          </p:nvSpPr>
+          <p:spPr>
+            <a:xfrm>
+              <a:off x="7945826" y="6220325"/>
+              <a:ext cx="748529" cy="454317"/>
+            </a:xfrm>
+            <a:prstGeom prst="rect">
+              <a:avLst/>
+            </a:prstGeom>
+            <a:solidFill>
+              <a:schemeClr val="accent1">
+                <a:lumMod val="40000"/>
+                <a:lumOff val="60000"/>
+              </a:schemeClr>
+            </a:solidFill>
+          </p:spPr>
+          <p:style>
+            <a:lnRef idx="2">
+              <a:schemeClr val="accent1"/>
+            </a:lnRef>
+            <a:fillRef idx="1">
+              <a:schemeClr val="lt1"/>
+            </a:fillRef>
+            <a:effectRef idx="0">
+              <a:schemeClr val="accent1"/>
+            </a:effectRef>
+            <a:fontRef idx="minor">
+              <a:schemeClr val="dk1"/>
+            </a:fontRef>
+          </p:style>
+          <p:txBody>
+            <a:bodyPr lIns="0" rIns="0" rtlCol="0" anchor="ctr"/>
+            <a:lstStyle/>
+            <a:p>
+              <a:pPr algn="ctr"/>
+              <a:r>
+                <a:rPr lang="en-CH" sz="1400" dirty="0"/>
+                <a:t>Access list</a:t>
+              </a:r>
+            </a:p>
+          </p:txBody>
+        </p:sp>
+        <p:sp>
+          <p:nvSpPr>
+            <p:cNvPr id="81" name="Rectangle 80">
+              <a:extLst>
+                <a:ext uri="{FF2B5EF4-FFF2-40B4-BE49-F238E27FC236}">
+                  <a16:creationId xmlns:a16="http://schemas.microsoft.com/office/drawing/2014/main" id="{074F1115-4DF0-C43A-7925-9A6DB693C292}"/>
+                </a:ext>
+              </a:extLst>
+            </p:cNvPr>
+            <p:cNvSpPr/>
+            <p:nvPr/>
+          </p:nvSpPr>
+          <p:spPr>
+            <a:xfrm>
+              <a:off x="8694355" y="6220324"/>
+              <a:ext cx="679082" cy="454319"/>
+            </a:xfrm>
+            <a:prstGeom prst="rect">
+              <a:avLst/>
+            </a:prstGeom>
+            <a:solidFill>
+              <a:schemeClr val="accent5">
+                <a:lumMod val="40000"/>
+                <a:lumOff val="60000"/>
+              </a:schemeClr>
+            </a:solidFill>
+          </p:spPr>
+          <p:style>
+            <a:lnRef idx="2">
+              <a:schemeClr val="accent1"/>
+            </a:lnRef>
+            <a:fillRef idx="1">
+              <a:schemeClr val="lt1"/>
+            </a:fillRef>
+            <a:effectRef idx="0">
+              <a:schemeClr val="accent1"/>
+            </a:effectRef>
+            <a:fontRef idx="minor">
+              <a:schemeClr val="dk1"/>
+            </a:fontRef>
+          </p:style>
+          <p:txBody>
+            <a:bodyPr lIns="0" rIns="0" rtlCol="0" anchor="ctr"/>
+            <a:lstStyle/>
+            <a:p>
+              <a:pPr algn="ctr"/>
+              <a:r>
+                <a:rPr lang="en-CH" sz="1400" dirty="0"/>
+                <a:t>Blob hashes</a:t>
+              </a:r>
+            </a:p>
+          </p:txBody>
+        </p:sp>
+        <p:sp>
+          <p:nvSpPr>
+            <p:cNvPr id="82" name="Rectangle 81">
+              <a:extLst>
+                <a:ext uri="{FF2B5EF4-FFF2-40B4-BE49-F238E27FC236}">
+                  <a16:creationId xmlns:a16="http://schemas.microsoft.com/office/drawing/2014/main" id="{BBA351D6-D443-FCF7-2203-53218985DE83}"/>
+                </a:ext>
+              </a:extLst>
+            </p:cNvPr>
+            <p:cNvSpPr/>
+            <p:nvPr/>
+          </p:nvSpPr>
+          <p:spPr>
+            <a:xfrm>
+              <a:off x="9366633" y="6220325"/>
+              <a:ext cx="468181" cy="454317"/>
+            </a:xfrm>
+            <a:prstGeom prst="rect">
+              <a:avLst/>
+            </a:prstGeom>
+            <a:solidFill>
+              <a:schemeClr val="accent2">
+                <a:lumMod val="40000"/>
+                <a:lumOff val="60000"/>
+              </a:schemeClr>
+            </a:solidFill>
+          </p:spPr>
+          <p:style>
+            <a:lnRef idx="2">
+              <a:schemeClr val="accent1"/>
+            </a:lnRef>
+            <a:fillRef idx="1">
+              <a:schemeClr val="lt1"/>
+            </a:fillRef>
+            <a:effectRef idx="0">
+              <a:schemeClr val="accent1"/>
+            </a:effectRef>
+            <a:fontRef idx="minor">
+              <a:schemeClr val="dk1"/>
+            </a:fontRef>
+          </p:style>
+          <p:txBody>
+            <a:bodyPr lIns="0" rIns="0" rtlCol="0" anchor="ctr"/>
+            <a:lstStyle/>
+            <a:p>
+              <a:pPr algn="ctr"/>
+              <a:r>
+                <a:rPr lang="en-CH" sz="1400" dirty="0"/>
+                <a:t>Auth list</a:t>
+              </a:r>
+            </a:p>
+          </p:txBody>
+        </p:sp>
+        <p:sp>
+          <p:nvSpPr>
+            <p:cNvPr id="83" name="Rectangle 82">
+              <a:extLst>
+                <a:ext uri="{FF2B5EF4-FFF2-40B4-BE49-F238E27FC236}">
+                  <a16:creationId xmlns:a16="http://schemas.microsoft.com/office/drawing/2014/main" id="{924CCD11-D3F3-5D11-CF27-C212733DEFA9}"/>
+                </a:ext>
+              </a:extLst>
+            </p:cNvPr>
+            <p:cNvSpPr/>
+            <p:nvPr/>
+          </p:nvSpPr>
+          <p:spPr>
+            <a:xfrm>
+              <a:off x="9831158" y="6220325"/>
+              <a:ext cx="795454" cy="454317"/>
+            </a:xfrm>
+            <a:prstGeom prst="rect">
+              <a:avLst/>
+            </a:prstGeom>
+            <a:solidFill>
+              <a:schemeClr val="tx2">
+                <a:lumMod val="10000"/>
+                <a:lumOff val="90000"/>
+              </a:schemeClr>
+            </a:solidFill>
+          </p:spPr>
+          <p:style>
+            <a:lnRef idx="2">
+              <a:schemeClr val="accent1"/>
+            </a:lnRef>
+            <a:fillRef idx="1">
+              <a:schemeClr val="lt1"/>
+            </a:fillRef>
+            <a:effectRef idx="0">
+              <a:schemeClr val="accent1"/>
+            </a:effectRef>
+            <a:fontRef idx="minor">
+              <a:schemeClr val="dk1"/>
+            </a:fontRef>
+          </p:style>
+          <p:txBody>
+            <a:bodyPr lIns="0" rIns="0" rtlCol="0" anchor="ctr"/>
+            <a:lstStyle/>
+            <a:p>
+              <a:pPr algn="ctr"/>
+              <a:r>
+                <a:rPr lang="en-CH" sz="1400" dirty="0"/>
+                <a:t>Max fees per gas</a:t>
+              </a:r>
+            </a:p>
+          </p:txBody>
+        </p:sp>
+        <p:sp>
+          <p:nvSpPr>
+            <p:cNvPr id="95" name="Rectangle 94">
+              <a:extLst>
+                <a:ext uri="{FF2B5EF4-FFF2-40B4-BE49-F238E27FC236}">
+                  <a16:creationId xmlns:a16="http://schemas.microsoft.com/office/drawing/2014/main" id="{B50B10B4-6013-70FF-6A38-FC843EE2D14E}"/>
+                </a:ext>
+              </a:extLst>
+            </p:cNvPr>
+            <p:cNvSpPr/>
+            <p:nvPr/>
+          </p:nvSpPr>
+          <p:spPr>
+            <a:xfrm>
+              <a:off x="10619149" y="6220325"/>
+              <a:ext cx="795454" cy="454317"/>
+            </a:xfrm>
+            <a:prstGeom prst="rect">
+              <a:avLst/>
+            </a:prstGeom>
+            <a:solidFill>
+              <a:schemeClr val="tx2">
+                <a:lumMod val="10000"/>
+                <a:lumOff val="90000"/>
+              </a:schemeClr>
+            </a:solidFill>
+          </p:spPr>
+          <p:style>
+            <a:lnRef idx="2">
+              <a:schemeClr val="accent1"/>
+            </a:lnRef>
+            <a:fillRef idx="1">
+              <a:schemeClr val="lt1"/>
+            </a:fillRef>
+            <a:effectRef idx="0">
+              <a:schemeClr val="accent1"/>
+            </a:effectRef>
+            <a:fontRef idx="minor">
+              <a:schemeClr val="dk1"/>
+            </a:fontRef>
+          </p:style>
+          <p:txBody>
+            <a:bodyPr lIns="0" rIns="0" rtlCol="0" anchor="ctr"/>
+            <a:lstStyle/>
+            <a:p>
+              <a:pPr algn="ctr"/>
+              <a:r>
+                <a:rPr lang="en-CH" sz="1400" dirty="0"/>
+                <a:t>Prio fees per gas</a:t>
+              </a:r>
+            </a:p>
+          </p:txBody>
+        </p:sp>
+        <p:sp>
+          <p:nvSpPr>
+            <p:cNvPr id="117" name="Rectangle 116">
+              <a:extLst>
+                <a:ext uri="{FF2B5EF4-FFF2-40B4-BE49-F238E27FC236}">
+                  <a16:creationId xmlns:a16="http://schemas.microsoft.com/office/drawing/2014/main" id="{864D89B4-1D16-03BB-56D3-16A043C94E7B}"/>
+                </a:ext>
+              </a:extLst>
+            </p:cNvPr>
+            <p:cNvSpPr/>
+            <p:nvPr/>
+          </p:nvSpPr>
+          <p:spPr>
+            <a:xfrm>
+              <a:off x="11407263" y="6220323"/>
+              <a:ext cx="465189" cy="454320"/>
+            </a:xfrm>
+            <a:prstGeom prst="rect">
+              <a:avLst/>
+            </a:prstGeom>
+            <a:solidFill>
+              <a:schemeClr val="accent6">
+                <a:lumMod val="40000"/>
+                <a:lumOff val="60000"/>
+              </a:schemeClr>
+            </a:solidFill>
+          </p:spPr>
+          <p:style>
+            <a:lnRef idx="2">
+              <a:schemeClr val="accent1"/>
+            </a:lnRef>
+            <a:fillRef idx="1">
+              <a:schemeClr val="lt1"/>
+            </a:fillRef>
+            <a:effectRef idx="0">
+              <a:schemeClr val="accent1"/>
+            </a:effectRef>
+            <a:fontRef idx="minor">
+              <a:schemeClr val="dk1"/>
+            </a:fontRef>
+          </p:style>
+          <p:txBody>
+            <a:bodyPr lIns="0" rIns="0" rtlCol="0" anchor="ctr"/>
+            <a:lstStyle/>
+            <a:p>
+              <a:pPr algn="ctr"/>
+              <a:r>
+                <a:rPr lang="en-CH" sz="1400" dirty="0"/>
+                <a:t>Sig</a:t>
+              </a:r>
+            </a:p>
+          </p:txBody>
+        </p:sp>
+      </p:grpSp>
+      <p:sp>
+        <p:nvSpPr>
+          <p:cNvPr id="125" name="TextBox 124">
+            <a:extLst>
+              <a:ext uri="{FF2B5EF4-FFF2-40B4-BE49-F238E27FC236}">
+                <a16:creationId xmlns:a16="http://schemas.microsoft.com/office/drawing/2014/main" id="{F8C45FCA-3AC8-A0E9-7880-F479DE4A4BFD}"/>
+              </a:ext>
+            </a:extLst>
+          </p:cNvPr>
+          <p:cNvSpPr txBox="1"/>
+          <p:nvPr/>
+        </p:nvSpPr>
+        <p:spPr>
+          <a:xfrm>
+            <a:off x="3727937" y="6268065"/>
+            <a:ext cx="6531468" cy="369332"/>
+          </a:xfrm>
+          <a:prstGeom prst="rect">
+            <a:avLst/>
+          </a:prstGeom>
+          <a:noFill/>
+        </p:spPr>
+        <p:txBody>
+          <a:bodyPr wrap="none" rtlCol="0">
+            <a:spAutoFit/>
+          </a:bodyPr>
+          <a:lstStyle/>
+          <a:p>
+            <a:r>
+              <a:rPr lang="en-CH" b="1" dirty="0"/>
+              <a:t>Native SSZ (no conversion back to RLP for sig_hash / tx_hash)</a:t>
+            </a:r>
+          </a:p>
+        </p:txBody>
+      </p:sp>
+      <p:sp>
+        <p:nvSpPr>
+          <p:cNvPr id="126" name="TextBox 125">
+            <a:extLst>
+              <a:ext uri="{FF2B5EF4-FFF2-40B4-BE49-F238E27FC236}">
+                <a16:creationId xmlns:a16="http://schemas.microsoft.com/office/drawing/2014/main" id="{F826562D-BDC6-BA0C-9606-1FD2D893AC58}"/>
+              </a:ext>
+            </a:extLst>
+          </p:cNvPr>
+          <p:cNvSpPr txBox="1"/>
+          <p:nvPr/>
+        </p:nvSpPr>
+        <p:spPr>
+          <a:xfrm>
+            <a:off x="3251030" y="6274638"/>
+            <a:ext cx="412955" cy="523220"/>
+          </a:xfrm>
+          <a:prstGeom prst="rect">
+            <a:avLst/>
+          </a:prstGeom>
+          <a:noFill/>
+        </p:spPr>
+        <p:txBody>
+          <a:bodyPr wrap="square" rtlCol="0">
+            <a:spAutoFit/>
+          </a:bodyPr>
+          <a:lstStyle/>
+          <a:p>
+            <a:r>
+              <a:rPr lang="en-CH" sz="2800" dirty="0"/>
+              <a:t>✅</a:t>
+            </a:r>
+          </a:p>
+        </p:txBody>
+      </p:sp>
+      <p:grpSp>
+        <p:nvGrpSpPr>
+          <p:cNvPr id="209" name="Group 208">
+            <a:extLst>
+              <a:ext uri="{FF2B5EF4-FFF2-40B4-BE49-F238E27FC236}">
+                <a16:creationId xmlns:a16="http://schemas.microsoft.com/office/drawing/2014/main" id="{68517BBA-92A4-F6EC-05C0-B2F7FAD69FF7}"/>
+              </a:ext>
+            </a:extLst>
+          </p:cNvPr>
+          <p:cNvGrpSpPr/>
+          <p:nvPr/>
+        </p:nvGrpSpPr>
+        <p:grpSpPr>
+          <a:xfrm>
+            <a:off x="3816431" y="4475526"/>
+            <a:ext cx="8056021" cy="454320"/>
+            <a:chOff x="3816431" y="6220323"/>
+            <a:chExt cx="8056021" cy="454320"/>
+          </a:xfrm>
+        </p:grpSpPr>
+        <p:sp>
+          <p:nvSpPr>
+            <p:cNvPr id="210" name="Rectangle 209">
+              <a:extLst>
+                <a:ext uri="{FF2B5EF4-FFF2-40B4-BE49-F238E27FC236}">
+                  <a16:creationId xmlns:a16="http://schemas.microsoft.com/office/drawing/2014/main" id="{F5535490-8D05-F602-0E1F-23D7A3B271F2}"/>
+                </a:ext>
+              </a:extLst>
+            </p:cNvPr>
+            <p:cNvSpPr/>
+            <p:nvPr/>
+          </p:nvSpPr>
+          <p:spPr>
+            <a:xfrm>
+              <a:off x="5038125" y="6220325"/>
+              <a:ext cx="706074" cy="454317"/>
+            </a:xfrm>
+            <a:prstGeom prst="rect">
+              <a:avLst/>
+            </a:prstGeom>
+            <a:solidFill>
+              <a:schemeClr val="tx2">
+                <a:lumMod val="25000"/>
+                <a:lumOff val="75000"/>
+              </a:schemeClr>
+            </a:solidFill>
+          </p:spPr>
+          <p:style>
+            <a:lnRef idx="2">
+              <a:schemeClr val="accent1"/>
+            </a:lnRef>
+            <a:fillRef idx="1">
+              <a:schemeClr val="lt1"/>
+            </a:fillRef>
+            <a:effectRef idx="0">
+              <a:schemeClr val="accent1"/>
+            </a:effectRef>
+            <a:fontRef idx="minor">
+              <a:schemeClr val="dk1"/>
+            </a:fontRef>
+          </p:style>
+          <p:txBody>
+            <a:bodyPr lIns="0" rIns="0" rtlCol="0" anchor="ctr"/>
+            <a:lstStyle/>
+            <a:p>
+              <a:pPr algn="ctr"/>
+              <a:r>
+                <a:rPr lang="en-CH" sz="1400" dirty="0"/>
+                <a:t>Nonce</a:t>
+              </a:r>
+            </a:p>
+          </p:txBody>
+        </p:sp>
+        <p:sp>
+          <p:nvSpPr>
+            <p:cNvPr id="211" name="Rectangle 210">
+              <a:extLst>
+                <a:ext uri="{FF2B5EF4-FFF2-40B4-BE49-F238E27FC236}">
+                  <a16:creationId xmlns:a16="http://schemas.microsoft.com/office/drawing/2014/main" id="{00B91050-9DCE-0526-B685-88028D3A3254}"/>
+                </a:ext>
+              </a:extLst>
+            </p:cNvPr>
+            <p:cNvSpPr/>
+            <p:nvPr/>
+          </p:nvSpPr>
+          <p:spPr>
+            <a:xfrm>
+              <a:off x="5744199" y="6220325"/>
+              <a:ext cx="542254" cy="454317"/>
+            </a:xfrm>
+            <a:prstGeom prst="rect">
+              <a:avLst/>
+            </a:prstGeom>
+            <a:solidFill>
+              <a:schemeClr val="tx2">
+                <a:lumMod val="25000"/>
+                <a:lumOff val="75000"/>
+              </a:schemeClr>
+            </a:solidFill>
+          </p:spPr>
+          <p:style>
+            <a:lnRef idx="2">
+              <a:schemeClr val="accent1"/>
+            </a:lnRef>
+            <a:fillRef idx="1">
+              <a:schemeClr val="lt1"/>
+            </a:fillRef>
+            <a:effectRef idx="0">
+              <a:schemeClr val="accent1"/>
+            </a:effectRef>
+            <a:fontRef idx="minor">
+              <a:schemeClr val="dk1"/>
+            </a:fontRef>
+          </p:style>
+          <p:txBody>
+            <a:bodyPr lIns="0" rIns="0" rtlCol="0" anchor="ctr"/>
+            <a:lstStyle/>
+            <a:p>
+              <a:pPr algn="ctr"/>
+              <a:r>
+                <a:rPr lang="en-CH" sz="1400" dirty="0"/>
+                <a:t>Gas limit</a:t>
+              </a:r>
+            </a:p>
+          </p:txBody>
+        </p:sp>
+        <p:sp>
+          <p:nvSpPr>
+            <p:cNvPr id="212" name="Rectangle 211">
+              <a:extLst>
+                <a:ext uri="{FF2B5EF4-FFF2-40B4-BE49-F238E27FC236}">
+                  <a16:creationId xmlns:a16="http://schemas.microsoft.com/office/drawing/2014/main" id="{5BA6C480-82EE-A1C2-ED75-10CC8BBBEB1A}"/>
+                </a:ext>
+              </a:extLst>
+            </p:cNvPr>
+            <p:cNvSpPr/>
+            <p:nvPr/>
+          </p:nvSpPr>
+          <p:spPr>
+            <a:xfrm>
+              <a:off x="6286453" y="6220325"/>
+              <a:ext cx="360112" cy="454317"/>
+            </a:xfrm>
+            <a:prstGeom prst="rect">
+              <a:avLst/>
+            </a:prstGeom>
+            <a:solidFill>
+              <a:schemeClr val="tx2">
+                <a:lumMod val="25000"/>
+                <a:lumOff val="75000"/>
+              </a:schemeClr>
+            </a:solidFill>
+          </p:spPr>
+          <p:style>
+            <a:lnRef idx="2">
+              <a:schemeClr val="accent1"/>
+            </a:lnRef>
+            <a:fillRef idx="1">
+              <a:schemeClr val="lt1"/>
+            </a:fillRef>
+            <a:effectRef idx="0">
+              <a:schemeClr val="accent1"/>
+            </a:effectRef>
+            <a:fontRef idx="minor">
+              <a:schemeClr val="dk1"/>
+            </a:fontRef>
+          </p:style>
+          <p:txBody>
+            <a:bodyPr lIns="0" rIns="0" rtlCol="0" anchor="ctr"/>
+            <a:lstStyle/>
+            <a:p>
+              <a:pPr algn="ctr"/>
+              <a:r>
+                <a:rPr lang="en-CH" sz="1400" dirty="0"/>
+                <a:t>To</a:t>
+              </a:r>
+            </a:p>
+          </p:txBody>
+        </p:sp>
+        <p:sp>
+          <p:nvSpPr>
+            <p:cNvPr id="213" name="Rectangle 212">
+              <a:extLst>
+                <a:ext uri="{FF2B5EF4-FFF2-40B4-BE49-F238E27FC236}">
+                  <a16:creationId xmlns:a16="http://schemas.microsoft.com/office/drawing/2014/main" id="{88ED2A4C-262E-FE8C-37D4-806876050733}"/>
+                </a:ext>
+              </a:extLst>
+            </p:cNvPr>
+            <p:cNvSpPr/>
+            <p:nvPr/>
+          </p:nvSpPr>
+          <p:spPr>
+            <a:xfrm>
+              <a:off x="6646566" y="6220325"/>
+              <a:ext cx="649630" cy="454317"/>
+            </a:xfrm>
+            <a:prstGeom prst="rect">
+              <a:avLst/>
+            </a:prstGeom>
+            <a:solidFill>
+              <a:schemeClr val="tx2">
+                <a:lumMod val="25000"/>
+                <a:lumOff val="75000"/>
+              </a:schemeClr>
+            </a:solidFill>
+          </p:spPr>
+          <p:style>
+            <a:lnRef idx="2">
+              <a:schemeClr val="accent1"/>
+            </a:lnRef>
+            <a:fillRef idx="1">
+              <a:schemeClr val="lt1"/>
+            </a:fillRef>
+            <a:effectRef idx="0">
+              <a:schemeClr val="accent1"/>
+            </a:effectRef>
+            <a:fontRef idx="minor">
+              <a:schemeClr val="dk1"/>
+            </a:fontRef>
+          </p:style>
+          <p:txBody>
+            <a:bodyPr lIns="0" rIns="0" rtlCol="0" anchor="ctr"/>
+            <a:lstStyle/>
+            <a:p>
+              <a:pPr algn="ctr"/>
+              <a:r>
+                <a:rPr lang="en-CH" sz="1400" dirty="0"/>
+                <a:t>Value</a:t>
+              </a:r>
+            </a:p>
+          </p:txBody>
+        </p:sp>
+        <p:sp>
+          <p:nvSpPr>
+            <p:cNvPr id="214" name="Rectangle 213">
+              <a:extLst>
+                <a:ext uri="{FF2B5EF4-FFF2-40B4-BE49-F238E27FC236}">
+                  <a16:creationId xmlns:a16="http://schemas.microsoft.com/office/drawing/2014/main" id="{FC361DB9-B5D0-80E2-0D7D-6D81FF0F3B0D}"/>
+                </a:ext>
+              </a:extLst>
+            </p:cNvPr>
+            <p:cNvSpPr/>
+            <p:nvPr/>
+          </p:nvSpPr>
+          <p:spPr>
+            <a:xfrm>
+              <a:off x="7296196" y="6220325"/>
+              <a:ext cx="649630" cy="454317"/>
+            </a:xfrm>
+            <a:prstGeom prst="rect">
+              <a:avLst/>
+            </a:prstGeom>
+            <a:solidFill>
+              <a:schemeClr val="tx2">
+                <a:lumMod val="25000"/>
+                <a:lumOff val="75000"/>
+              </a:schemeClr>
+            </a:solidFill>
+          </p:spPr>
+          <p:style>
+            <a:lnRef idx="2">
+              <a:schemeClr val="accent1"/>
+            </a:lnRef>
+            <a:fillRef idx="1">
+              <a:schemeClr val="lt1"/>
+            </a:fillRef>
+            <a:effectRef idx="0">
+              <a:schemeClr val="accent1"/>
+            </a:effectRef>
+            <a:fontRef idx="minor">
+              <a:schemeClr val="dk1"/>
+            </a:fontRef>
+          </p:style>
+          <p:txBody>
+            <a:bodyPr lIns="0" rIns="0" rtlCol="0" anchor="ctr"/>
+            <a:lstStyle/>
+            <a:p>
+              <a:pPr algn="ctr"/>
+              <a:r>
+                <a:rPr lang="en-CH" sz="1400" dirty="0"/>
+                <a:t>Input</a:t>
+              </a:r>
+            </a:p>
+          </p:txBody>
+        </p:sp>
+        <p:sp>
+          <p:nvSpPr>
+            <p:cNvPr id="215" name="Rectangle 214">
+              <a:extLst>
+                <a:ext uri="{FF2B5EF4-FFF2-40B4-BE49-F238E27FC236}">
+                  <a16:creationId xmlns:a16="http://schemas.microsoft.com/office/drawing/2014/main" id="{4CCBAEB1-05AB-BE42-15D3-829DD2E8BB5E}"/>
+                </a:ext>
+              </a:extLst>
+            </p:cNvPr>
+            <p:cNvSpPr/>
+            <p:nvPr/>
+          </p:nvSpPr>
+          <p:spPr>
+            <a:xfrm>
+              <a:off x="3816431" y="6220325"/>
+              <a:ext cx="574334" cy="454317"/>
+            </a:xfrm>
+            <a:prstGeom prst="rect">
+              <a:avLst/>
+            </a:prstGeom>
+            <a:solidFill>
+              <a:schemeClr val="bg1">
+                <a:lumMod val="95000"/>
+              </a:schemeClr>
+            </a:solidFill>
+          </p:spPr>
+          <p:style>
+            <a:lnRef idx="2">
+              <a:schemeClr val="accent1"/>
+            </a:lnRef>
+            <a:fillRef idx="1">
+              <a:schemeClr val="lt1"/>
+            </a:fillRef>
+            <a:effectRef idx="0">
+              <a:schemeClr val="accent1"/>
+            </a:effectRef>
+            <a:fontRef idx="minor">
+              <a:schemeClr val="dk1"/>
+            </a:fontRef>
+          </p:style>
+          <p:txBody>
+            <a:bodyPr lIns="0" rIns="0" rtlCol="0" anchor="ctr"/>
+            <a:lstStyle/>
+            <a:p>
+              <a:pPr algn="ctr"/>
+              <a:r>
+                <a:rPr lang="en-CH" sz="1400" i="1" dirty="0"/>
+                <a:t>n/a</a:t>
+              </a:r>
+            </a:p>
+          </p:txBody>
+        </p:sp>
+        <p:sp>
+          <p:nvSpPr>
+            <p:cNvPr id="216" name="Rectangle 215">
+              <a:extLst>
+                <a:ext uri="{FF2B5EF4-FFF2-40B4-BE49-F238E27FC236}">
+                  <a16:creationId xmlns:a16="http://schemas.microsoft.com/office/drawing/2014/main" id="{57F6004A-6CDE-E420-71D5-E274433E395B}"/>
+                </a:ext>
+              </a:extLst>
+            </p:cNvPr>
+            <p:cNvSpPr/>
+            <p:nvPr/>
+          </p:nvSpPr>
+          <p:spPr>
+            <a:xfrm>
+              <a:off x="4385942" y="6220325"/>
+              <a:ext cx="652183" cy="454317"/>
+            </a:xfrm>
+            <a:prstGeom prst="rect">
+              <a:avLst/>
+            </a:prstGeom>
+            <a:solidFill>
+              <a:schemeClr val="accent6">
+                <a:lumMod val="40000"/>
+                <a:lumOff val="60000"/>
+              </a:schemeClr>
+            </a:solidFill>
+          </p:spPr>
+          <p:style>
+            <a:lnRef idx="2">
+              <a:schemeClr val="accent1"/>
+            </a:lnRef>
+            <a:fillRef idx="1">
+              <a:schemeClr val="lt1"/>
+            </a:fillRef>
+            <a:effectRef idx="0">
+              <a:schemeClr val="accent1"/>
+            </a:effectRef>
+            <a:fontRef idx="minor">
+              <a:schemeClr val="dk1"/>
+            </a:fontRef>
+          </p:style>
+          <p:txBody>
+            <a:bodyPr lIns="0" rIns="0" rtlCol="0" anchor="ctr"/>
+            <a:lstStyle/>
+            <a:p>
+              <a:pPr algn="ctr"/>
+              <a:r>
+                <a:rPr lang="en-CH" sz="1400" dirty="0"/>
+                <a:t>Chain ID</a:t>
+              </a:r>
+            </a:p>
+          </p:txBody>
+        </p:sp>
+        <p:sp>
+          <p:nvSpPr>
+            <p:cNvPr id="217" name="Rectangle 216">
+              <a:extLst>
+                <a:ext uri="{FF2B5EF4-FFF2-40B4-BE49-F238E27FC236}">
+                  <a16:creationId xmlns:a16="http://schemas.microsoft.com/office/drawing/2014/main" id="{7EE51985-D8EC-CDFD-29A1-768046AF455F}"/>
+                </a:ext>
+              </a:extLst>
+            </p:cNvPr>
+            <p:cNvSpPr/>
+            <p:nvPr/>
+          </p:nvSpPr>
+          <p:spPr>
+            <a:xfrm>
+              <a:off x="7945826" y="6220325"/>
+              <a:ext cx="748529" cy="454317"/>
+            </a:xfrm>
+            <a:prstGeom prst="rect">
+              <a:avLst/>
+            </a:prstGeom>
+            <a:solidFill>
+              <a:schemeClr val="accent1">
+                <a:lumMod val="40000"/>
+                <a:lumOff val="60000"/>
+              </a:schemeClr>
+            </a:solidFill>
+          </p:spPr>
+          <p:style>
+            <a:lnRef idx="2">
+              <a:schemeClr val="accent1"/>
+            </a:lnRef>
+            <a:fillRef idx="1">
+              <a:schemeClr val="lt1"/>
+            </a:fillRef>
+            <a:effectRef idx="0">
+              <a:schemeClr val="accent1"/>
+            </a:effectRef>
+            <a:fontRef idx="minor">
+              <a:schemeClr val="dk1"/>
+            </a:fontRef>
+          </p:style>
+          <p:txBody>
+            <a:bodyPr lIns="0" rIns="0" rtlCol="0" anchor="ctr"/>
+            <a:lstStyle/>
+            <a:p>
+              <a:pPr algn="ctr"/>
+              <a:r>
+                <a:rPr lang="en-CH" sz="1400" dirty="0"/>
+                <a:t>Access list</a:t>
+              </a:r>
+            </a:p>
+          </p:txBody>
+        </p:sp>
+        <p:sp>
+          <p:nvSpPr>
+            <p:cNvPr id="218" name="Rectangle 217">
+              <a:extLst>
+                <a:ext uri="{FF2B5EF4-FFF2-40B4-BE49-F238E27FC236}">
+                  <a16:creationId xmlns:a16="http://schemas.microsoft.com/office/drawing/2014/main" id="{E8232905-3328-C72C-09E9-9BE77B33D186}"/>
+                </a:ext>
+              </a:extLst>
+            </p:cNvPr>
+            <p:cNvSpPr/>
+            <p:nvPr/>
+          </p:nvSpPr>
+          <p:spPr>
+            <a:xfrm>
+              <a:off x="8694355" y="6220324"/>
+              <a:ext cx="679082" cy="454319"/>
+            </a:xfrm>
+            <a:prstGeom prst="rect">
+              <a:avLst/>
+            </a:prstGeom>
+            <a:solidFill>
+              <a:schemeClr val="bg1">
+                <a:lumMod val="95000"/>
+              </a:schemeClr>
+            </a:solidFill>
+          </p:spPr>
+          <p:style>
+            <a:lnRef idx="2">
+              <a:schemeClr val="accent1"/>
+            </a:lnRef>
+            <a:fillRef idx="1">
+              <a:schemeClr val="lt1"/>
+            </a:fillRef>
+            <a:effectRef idx="0">
+              <a:schemeClr val="accent1"/>
+            </a:effectRef>
+            <a:fontRef idx="minor">
+              <a:schemeClr val="dk1"/>
+            </a:fontRef>
+          </p:style>
+          <p:txBody>
+            <a:bodyPr lIns="0" rIns="0" rtlCol="0" anchor="ctr"/>
+            <a:lstStyle/>
+            <a:p>
+              <a:pPr algn="ctr"/>
+              <a:r>
+                <a:rPr lang="en-CH" sz="1400" i="1" dirty="0"/>
+                <a:t>n/a</a:t>
+              </a:r>
+            </a:p>
+          </p:txBody>
+        </p:sp>
+        <p:sp>
+          <p:nvSpPr>
+            <p:cNvPr id="219" name="Rectangle 218">
+              <a:extLst>
+                <a:ext uri="{FF2B5EF4-FFF2-40B4-BE49-F238E27FC236}">
+                  <a16:creationId xmlns:a16="http://schemas.microsoft.com/office/drawing/2014/main" id="{61BEB967-37F4-62B5-4129-C67AC373AEF6}"/>
+                </a:ext>
+              </a:extLst>
+            </p:cNvPr>
+            <p:cNvSpPr/>
+            <p:nvPr/>
+          </p:nvSpPr>
+          <p:spPr>
+            <a:xfrm>
+              <a:off x="9366633" y="6220325"/>
+              <a:ext cx="468181" cy="454317"/>
+            </a:xfrm>
+            <a:prstGeom prst="rect">
+              <a:avLst/>
+            </a:prstGeom>
+            <a:solidFill>
+              <a:schemeClr val="accent2">
+                <a:lumMod val="40000"/>
+                <a:lumOff val="60000"/>
+              </a:schemeClr>
+            </a:solidFill>
+          </p:spPr>
+          <p:style>
+            <a:lnRef idx="2">
+              <a:schemeClr val="accent1"/>
+            </a:lnRef>
+            <a:fillRef idx="1">
+              <a:schemeClr val="lt1"/>
+            </a:fillRef>
+            <a:effectRef idx="0">
+              <a:schemeClr val="accent1"/>
+            </a:effectRef>
+            <a:fontRef idx="minor">
+              <a:schemeClr val="dk1"/>
+            </a:fontRef>
+          </p:style>
+          <p:txBody>
+            <a:bodyPr lIns="0" rIns="0" rtlCol="0" anchor="ctr"/>
+            <a:lstStyle/>
+            <a:p>
+              <a:pPr algn="ctr"/>
+              <a:r>
+                <a:rPr lang="en-CH" sz="1400" dirty="0"/>
+                <a:t>Auth list</a:t>
+              </a:r>
+            </a:p>
+          </p:txBody>
+        </p:sp>
+        <p:sp>
+          <p:nvSpPr>
+            <p:cNvPr id="220" name="Rectangle 219">
+              <a:extLst>
+                <a:ext uri="{FF2B5EF4-FFF2-40B4-BE49-F238E27FC236}">
+                  <a16:creationId xmlns:a16="http://schemas.microsoft.com/office/drawing/2014/main" id="{CC69186C-142D-52F4-3C62-CC7037B5B6E4}"/>
+                </a:ext>
+              </a:extLst>
+            </p:cNvPr>
+            <p:cNvSpPr/>
+            <p:nvPr/>
+          </p:nvSpPr>
+          <p:spPr>
+            <a:xfrm>
+              <a:off x="9831158" y="6220325"/>
+              <a:ext cx="795454" cy="454317"/>
+            </a:xfrm>
+            <a:prstGeom prst="rect">
+              <a:avLst/>
+            </a:prstGeom>
+            <a:solidFill>
+              <a:schemeClr val="tx2">
+                <a:lumMod val="10000"/>
+                <a:lumOff val="90000"/>
+              </a:schemeClr>
+            </a:solidFill>
+          </p:spPr>
+          <p:style>
+            <a:lnRef idx="2">
+              <a:schemeClr val="accent1"/>
+            </a:lnRef>
+            <a:fillRef idx="1">
+              <a:schemeClr val="lt1"/>
+            </a:fillRef>
+            <a:effectRef idx="0">
+              <a:schemeClr val="accent1"/>
+            </a:effectRef>
+            <a:fontRef idx="minor">
+              <a:schemeClr val="dk1"/>
+            </a:fontRef>
+          </p:style>
+          <p:txBody>
+            <a:bodyPr lIns="0" rIns="0" rtlCol="0" anchor="ctr"/>
+            <a:lstStyle/>
+            <a:p>
+              <a:pPr algn="ctr"/>
+              <a:r>
+                <a:rPr lang="en-CH" sz="1400" dirty="0"/>
+                <a:t>Max fees per gas</a:t>
+              </a:r>
+            </a:p>
+          </p:txBody>
+        </p:sp>
+        <p:sp>
+          <p:nvSpPr>
+            <p:cNvPr id="221" name="Rectangle 220">
+              <a:extLst>
+                <a:ext uri="{FF2B5EF4-FFF2-40B4-BE49-F238E27FC236}">
+                  <a16:creationId xmlns:a16="http://schemas.microsoft.com/office/drawing/2014/main" id="{BF81DEB7-EF82-192A-29ED-3C5112679094}"/>
+                </a:ext>
+              </a:extLst>
+            </p:cNvPr>
+            <p:cNvSpPr/>
+            <p:nvPr/>
+          </p:nvSpPr>
+          <p:spPr>
+            <a:xfrm>
+              <a:off x="10619149" y="6220325"/>
+              <a:ext cx="795454" cy="454317"/>
+            </a:xfrm>
+            <a:prstGeom prst="rect">
+              <a:avLst/>
+            </a:prstGeom>
+            <a:solidFill>
+              <a:schemeClr val="tx2">
+                <a:lumMod val="10000"/>
+                <a:lumOff val="90000"/>
+              </a:schemeClr>
+            </a:solidFill>
+          </p:spPr>
+          <p:style>
+            <a:lnRef idx="2">
+              <a:schemeClr val="accent1"/>
+            </a:lnRef>
+            <a:fillRef idx="1">
+              <a:schemeClr val="lt1"/>
+            </a:fillRef>
+            <a:effectRef idx="0">
+              <a:schemeClr val="accent1"/>
+            </a:effectRef>
+            <a:fontRef idx="minor">
+              <a:schemeClr val="dk1"/>
+            </a:fontRef>
+          </p:style>
+          <p:txBody>
+            <a:bodyPr lIns="0" rIns="0" rtlCol="0" anchor="ctr"/>
+            <a:lstStyle/>
+            <a:p>
+              <a:pPr algn="ctr"/>
+              <a:r>
+                <a:rPr lang="en-CH" sz="1400" dirty="0"/>
+                <a:t>Prio fees per gas</a:t>
+              </a:r>
+            </a:p>
+          </p:txBody>
+        </p:sp>
+        <p:sp>
+          <p:nvSpPr>
+            <p:cNvPr id="222" name="Rectangle 221">
+              <a:extLst>
+                <a:ext uri="{FF2B5EF4-FFF2-40B4-BE49-F238E27FC236}">
+                  <a16:creationId xmlns:a16="http://schemas.microsoft.com/office/drawing/2014/main" id="{1B0997F9-564A-7FD7-8F62-442ACB868BC6}"/>
+                </a:ext>
+              </a:extLst>
+            </p:cNvPr>
+            <p:cNvSpPr/>
+            <p:nvPr/>
+          </p:nvSpPr>
+          <p:spPr>
+            <a:xfrm>
+              <a:off x="11407263" y="6220323"/>
+              <a:ext cx="465189" cy="454320"/>
+            </a:xfrm>
+            <a:prstGeom prst="rect">
+              <a:avLst/>
+            </a:prstGeom>
+            <a:solidFill>
+              <a:schemeClr val="accent6">
+                <a:lumMod val="40000"/>
+                <a:lumOff val="60000"/>
+              </a:schemeClr>
+            </a:solidFill>
+          </p:spPr>
+          <p:style>
+            <a:lnRef idx="2">
+              <a:schemeClr val="accent1"/>
+            </a:lnRef>
+            <a:fillRef idx="1">
+              <a:schemeClr val="lt1"/>
+            </a:fillRef>
+            <a:effectRef idx="0">
+              <a:schemeClr val="accent1"/>
+            </a:effectRef>
+            <a:fontRef idx="minor">
+              <a:schemeClr val="dk1"/>
+            </a:fontRef>
+          </p:style>
+          <p:txBody>
+            <a:bodyPr lIns="0" rIns="0" rtlCol="0" anchor="ctr"/>
+            <a:lstStyle/>
+            <a:p>
+              <a:pPr algn="ctr"/>
+              <a:r>
+                <a:rPr lang="en-CH" sz="1400" dirty="0"/>
+                <a:t>Sig</a:t>
+              </a:r>
+            </a:p>
+          </p:txBody>
+        </p:sp>
+      </p:grpSp>
+      <p:grpSp>
+        <p:nvGrpSpPr>
+          <p:cNvPr id="223" name="Group 222">
+            <a:extLst>
+              <a:ext uri="{FF2B5EF4-FFF2-40B4-BE49-F238E27FC236}">
+                <a16:creationId xmlns:a16="http://schemas.microsoft.com/office/drawing/2014/main" id="{4FB6F6B5-CC02-5214-2BFF-558DC4E89E13}"/>
+              </a:ext>
+            </a:extLst>
+          </p:cNvPr>
+          <p:cNvGrpSpPr/>
+          <p:nvPr/>
+        </p:nvGrpSpPr>
+        <p:grpSpPr>
+          <a:xfrm>
+            <a:off x="3816431" y="3977531"/>
+            <a:ext cx="8056021" cy="454320"/>
+            <a:chOff x="3816431" y="6220323"/>
+            <a:chExt cx="8056021" cy="454320"/>
+          </a:xfrm>
+        </p:grpSpPr>
+        <p:sp>
+          <p:nvSpPr>
+            <p:cNvPr id="224" name="Rectangle 223">
+              <a:extLst>
+                <a:ext uri="{FF2B5EF4-FFF2-40B4-BE49-F238E27FC236}">
+                  <a16:creationId xmlns:a16="http://schemas.microsoft.com/office/drawing/2014/main" id="{40797983-DC5B-76F8-D2C6-DB2C91ECEB4E}"/>
+                </a:ext>
+              </a:extLst>
+            </p:cNvPr>
+            <p:cNvSpPr/>
+            <p:nvPr/>
+          </p:nvSpPr>
+          <p:spPr>
+            <a:xfrm>
+              <a:off x="5038125" y="6220325"/>
+              <a:ext cx="706074" cy="454317"/>
+            </a:xfrm>
+            <a:prstGeom prst="rect">
+              <a:avLst/>
+            </a:prstGeom>
+            <a:solidFill>
+              <a:schemeClr val="tx2">
+                <a:lumMod val="25000"/>
+                <a:lumOff val="75000"/>
+              </a:schemeClr>
+            </a:solidFill>
+          </p:spPr>
+          <p:style>
+            <a:lnRef idx="2">
+              <a:schemeClr val="accent1"/>
+            </a:lnRef>
+            <a:fillRef idx="1">
+              <a:schemeClr val="lt1"/>
+            </a:fillRef>
+            <a:effectRef idx="0">
+              <a:schemeClr val="accent1"/>
+            </a:effectRef>
+            <a:fontRef idx="minor">
+              <a:schemeClr val="dk1"/>
+            </a:fontRef>
+          </p:style>
+          <p:txBody>
+            <a:bodyPr lIns="0" rIns="0" rtlCol="0" anchor="ctr"/>
+            <a:lstStyle/>
+            <a:p>
+              <a:pPr algn="ctr"/>
+              <a:r>
+                <a:rPr lang="en-CH" sz="1400" dirty="0"/>
+                <a:t>Nonce</a:t>
+              </a:r>
+            </a:p>
+          </p:txBody>
+        </p:sp>
+        <p:sp>
+          <p:nvSpPr>
+            <p:cNvPr id="225" name="Rectangle 224">
+              <a:extLst>
+                <a:ext uri="{FF2B5EF4-FFF2-40B4-BE49-F238E27FC236}">
+                  <a16:creationId xmlns:a16="http://schemas.microsoft.com/office/drawing/2014/main" id="{549F6DEB-10E3-A7AC-DD4A-96BB059F6930}"/>
+                </a:ext>
+              </a:extLst>
+            </p:cNvPr>
+            <p:cNvSpPr/>
+            <p:nvPr/>
+          </p:nvSpPr>
+          <p:spPr>
+            <a:xfrm>
+              <a:off x="5744199" y="6220325"/>
+              <a:ext cx="542254" cy="454317"/>
+            </a:xfrm>
+            <a:prstGeom prst="rect">
+              <a:avLst/>
+            </a:prstGeom>
+            <a:solidFill>
+              <a:schemeClr val="tx2">
+                <a:lumMod val="25000"/>
+                <a:lumOff val="75000"/>
+              </a:schemeClr>
+            </a:solidFill>
+          </p:spPr>
+          <p:style>
+            <a:lnRef idx="2">
+              <a:schemeClr val="accent1"/>
+            </a:lnRef>
+            <a:fillRef idx="1">
+              <a:schemeClr val="lt1"/>
+            </a:fillRef>
+            <a:effectRef idx="0">
+              <a:schemeClr val="accent1"/>
+            </a:effectRef>
+            <a:fontRef idx="minor">
+              <a:schemeClr val="dk1"/>
+            </a:fontRef>
+          </p:style>
+          <p:txBody>
+            <a:bodyPr lIns="0" rIns="0" rtlCol="0" anchor="ctr"/>
+            <a:lstStyle/>
+            <a:p>
+              <a:pPr algn="ctr"/>
+              <a:r>
+                <a:rPr lang="en-CH" sz="1400" dirty="0"/>
+                <a:t>Gas limit</a:t>
+              </a:r>
+            </a:p>
+          </p:txBody>
+        </p:sp>
+        <p:sp>
+          <p:nvSpPr>
+            <p:cNvPr id="226" name="Rectangle 225">
+              <a:extLst>
+                <a:ext uri="{FF2B5EF4-FFF2-40B4-BE49-F238E27FC236}">
+                  <a16:creationId xmlns:a16="http://schemas.microsoft.com/office/drawing/2014/main" id="{0A954CAA-DF3C-F6EF-B13A-BA8863CAE226}"/>
+                </a:ext>
+              </a:extLst>
+            </p:cNvPr>
+            <p:cNvSpPr/>
+            <p:nvPr/>
+          </p:nvSpPr>
+          <p:spPr>
+            <a:xfrm>
+              <a:off x="6286453" y="6220325"/>
+              <a:ext cx="360112" cy="454317"/>
+            </a:xfrm>
+            <a:prstGeom prst="rect">
+              <a:avLst/>
+            </a:prstGeom>
+            <a:solidFill>
+              <a:schemeClr val="tx2">
+                <a:lumMod val="25000"/>
+                <a:lumOff val="75000"/>
+              </a:schemeClr>
+            </a:solidFill>
+          </p:spPr>
+          <p:style>
+            <a:lnRef idx="2">
+              <a:schemeClr val="accent1"/>
+            </a:lnRef>
+            <a:fillRef idx="1">
+              <a:schemeClr val="lt1"/>
+            </a:fillRef>
+            <a:effectRef idx="0">
+              <a:schemeClr val="accent1"/>
+            </a:effectRef>
+            <a:fontRef idx="minor">
+              <a:schemeClr val="dk1"/>
+            </a:fontRef>
+          </p:style>
+          <p:txBody>
+            <a:bodyPr lIns="0" rIns="0" rtlCol="0" anchor="ctr"/>
+            <a:lstStyle/>
+            <a:p>
+              <a:pPr algn="ctr"/>
+              <a:r>
+                <a:rPr lang="en-CH" sz="1400" dirty="0"/>
+                <a:t>To</a:t>
+              </a:r>
+            </a:p>
+          </p:txBody>
+        </p:sp>
+        <p:sp>
+          <p:nvSpPr>
+            <p:cNvPr id="227" name="Rectangle 226">
+              <a:extLst>
+                <a:ext uri="{FF2B5EF4-FFF2-40B4-BE49-F238E27FC236}">
+                  <a16:creationId xmlns:a16="http://schemas.microsoft.com/office/drawing/2014/main" id="{5443FDD6-E17B-F5FB-73B1-6CBAF89ADA4A}"/>
+                </a:ext>
+              </a:extLst>
+            </p:cNvPr>
+            <p:cNvSpPr/>
+            <p:nvPr/>
+          </p:nvSpPr>
+          <p:spPr>
+            <a:xfrm>
+              <a:off x="6646566" y="6220325"/>
+              <a:ext cx="649630" cy="454317"/>
+            </a:xfrm>
+            <a:prstGeom prst="rect">
+              <a:avLst/>
+            </a:prstGeom>
+            <a:solidFill>
+              <a:schemeClr val="tx2">
+                <a:lumMod val="25000"/>
+                <a:lumOff val="75000"/>
+              </a:schemeClr>
+            </a:solidFill>
+          </p:spPr>
+          <p:style>
+            <a:lnRef idx="2">
+              <a:schemeClr val="accent1"/>
+            </a:lnRef>
+            <a:fillRef idx="1">
+              <a:schemeClr val="lt1"/>
+            </a:fillRef>
+            <a:effectRef idx="0">
+              <a:schemeClr val="accent1"/>
+            </a:effectRef>
+            <a:fontRef idx="minor">
+              <a:schemeClr val="dk1"/>
+            </a:fontRef>
+          </p:style>
+          <p:txBody>
+            <a:bodyPr lIns="0" rIns="0" rtlCol="0" anchor="ctr"/>
+            <a:lstStyle/>
+            <a:p>
+              <a:pPr algn="ctr"/>
+              <a:r>
+                <a:rPr lang="en-CH" sz="1400" dirty="0"/>
+                <a:t>Value</a:t>
+              </a:r>
+            </a:p>
+          </p:txBody>
+        </p:sp>
+        <p:sp>
+          <p:nvSpPr>
+            <p:cNvPr id="228" name="Rectangle 227">
+              <a:extLst>
+                <a:ext uri="{FF2B5EF4-FFF2-40B4-BE49-F238E27FC236}">
+                  <a16:creationId xmlns:a16="http://schemas.microsoft.com/office/drawing/2014/main" id="{55893FFE-8F5F-C800-539B-DE4CA889D2EB}"/>
+                </a:ext>
+              </a:extLst>
+            </p:cNvPr>
+            <p:cNvSpPr/>
+            <p:nvPr/>
+          </p:nvSpPr>
+          <p:spPr>
+            <a:xfrm>
+              <a:off x="7296196" y="6220325"/>
+              <a:ext cx="649630" cy="454317"/>
+            </a:xfrm>
+            <a:prstGeom prst="rect">
+              <a:avLst/>
+            </a:prstGeom>
+            <a:solidFill>
+              <a:schemeClr val="tx2">
+                <a:lumMod val="25000"/>
+                <a:lumOff val="75000"/>
+              </a:schemeClr>
+            </a:solidFill>
+          </p:spPr>
+          <p:style>
+            <a:lnRef idx="2">
+              <a:schemeClr val="accent1"/>
+            </a:lnRef>
+            <a:fillRef idx="1">
+              <a:schemeClr val="lt1"/>
+            </a:fillRef>
+            <a:effectRef idx="0">
+              <a:schemeClr val="accent1"/>
+            </a:effectRef>
+            <a:fontRef idx="minor">
+              <a:schemeClr val="dk1"/>
+            </a:fontRef>
+          </p:style>
+          <p:txBody>
+            <a:bodyPr lIns="0" rIns="0" rtlCol="0" anchor="ctr"/>
+            <a:lstStyle/>
+            <a:p>
+              <a:pPr algn="ctr"/>
+              <a:r>
+                <a:rPr lang="en-CH" sz="1400" dirty="0"/>
+                <a:t>Input</a:t>
+              </a:r>
+            </a:p>
+          </p:txBody>
+        </p:sp>
+        <p:sp>
+          <p:nvSpPr>
+            <p:cNvPr id="229" name="Rectangle 228">
+              <a:extLst>
+                <a:ext uri="{FF2B5EF4-FFF2-40B4-BE49-F238E27FC236}">
+                  <a16:creationId xmlns:a16="http://schemas.microsoft.com/office/drawing/2014/main" id="{58CD5D88-4556-F6EB-2F2B-CCFAF6BE422F}"/>
+                </a:ext>
+              </a:extLst>
+            </p:cNvPr>
+            <p:cNvSpPr/>
+            <p:nvPr/>
+          </p:nvSpPr>
+          <p:spPr>
+            <a:xfrm>
+              <a:off x="3816431" y="6220325"/>
+              <a:ext cx="574334" cy="454317"/>
+            </a:xfrm>
+            <a:prstGeom prst="rect">
+              <a:avLst/>
+            </a:prstGeom>
+            <a:solidFill>
+              <a:schemeClr val="bg1">
+                <a:lumMod val="95000"/>
+              </a:schemeClr>
+            </a:solidFill>
+          </p:spPr>
+          <p:style>
+            <a:lnRef idx="2">
+              <a:schemeClr val="accent1"/>
+            </a:lnRef>
+            <a:fillRef idx="1">
+              <a:schemeClr val="lt1"/>
+            </a:fillRef>
+            <a:effectRef idx="0">
+              <a:schemeClr val="accent1"/>
+            </a:effectRef>
+            <a:fontRef idx="minor">
+              <a:schemeClr val="dk1"/>
+            </a:fontRef>
+          </p:style>
+          <p:txBody>
+            <a:bodyPr lIns="0" rIns="0" rtlCol="0" anchor="ctr"/>
+            <a:lstStyle/>
+            <a:p>
+              <a:pPr algn="ctr"/>
+              <a:r>
+                <a:rPr lang="en-CH" sz="1400" i="1" dirty="0"/>
+                <a:t>n/a</a:t>
+              </a:r>
+            </a:p>
+          </p:txBody>
+        </p:sp>
+        <p:sp>
+          <p:nvSpPr>
+            <p:cNvPr id="230" name="Rectangle 229">
+              <a:extLst>
+                <a:ext uri="{FF2B5EF4-FFF2-40B4-BE49-F238E27FC236}">
+                  <a16:creationId xmlns:a16="http://schemas.microsoft.com/office/drawing/2014/main" id="{B466CBD3-0799-7CCE-DD6A-1185CEB848D0}"/>
+                </a:ext>
+              </a:extLst>
+            </p:cNvPr>
+            <p:cNvSpPr/>
+            <p:nvPr/>
+          </p:nvSpPr>
+          <p:spPr>
+            <a:xfrm>
+              <a:off x="4385942" y="6220325"/>
+              <a:ext cx="652183" cy="454317"/>
+            </a:xfrm>
+            <a:prstGeom prst="rect">
+              <a:avLst/>
+            </a:prstGeom>
+            <a:solidFill>
+              <a:schemeClr val="accent6">
+                <a:lumMod val="40000"/>
+                <a:lumOff val="60000"/>
+              </a:schemeClr>
+            </a:solidFill>
+          </p:spPr>
+          <p:style>
+            <a:lnRef idx="2">
+              <a:schemeClr val="accent1"/>
+            </a:lnRef>
+            <a:fillRef idx="1">
+              <a:schemeClr val="lt1"/>
+            </a:fillRef>
+            <a:effectRef idx="0">
+              <a:schemeClr val="accent1"/>
+            </a:effectRef>
+            <a:fontRef idx="minor">
+              <a:schemeClr val="dk1"/>
+            </a:fontRef>
+          </p:style>
+          <p:txBody>
+            <a:bodyPr lIns="0" rIns="0" rtlCol="0" anchor="ctr"/>
+            <a:lstStyle/>
+            <a:p>
+              <a:pPr algn="ctr"/>
+              <a:r>
+                <a:rPr lang="en-CH" sz="1400" dirty="0"/>
+                <a:t>Chain ID</a:t>
+              </a:r>
+            </a:p>
+          </p:txBody>
+        </p:sp>
+        <p:sp>
+          <p:nvSpPr>
+            <p:cNvPr id="231" name="Rectangle 230">
+              <a:extLst>
+                <a:ext uri="{FF2B5EF4-FFF2-40B4-BE49-F238E27FC236}">
+                  <a16:creationId xmlns:a16="http://schemas.microsoft.com/office/drawing/2014/main" id="{64C768CE-67B5-6A88-9176-5BB0166A6B5F}"/>
+                </a:ext>
+              </a:extLst>
+            </p:cNvPr>
+            <p:cNvSpPr/>
+            <p:nvPr/>
+          </p:nvSpPr>
+          <p:spPr>
+            <a:xfrm>
+              <a:off x="7945826" y="6220325"/>
+              <a:ext cx="748529" cy="454317"/>
+            </a:xfrm>
+            <a:prstGeom prst="rect">
+              <a:avLst/>
+            </a:prstGeom>
+            <a:solidFill>
+              <a:schemeClr val="accent1">
+                <a:lumMod val="40000"/>
+                <a:lumOff val="60000"/>
+              </a:schemeClr>
+            </a:solidFill>
+          </p:spPr>
+          <p:style>
+            <a:lnRef idx="2">
+              <a:schemeClr val="accent1"/>
+            </a:lnRef>
+            <a:fillRef idx="1">
+              <a:schemeClr val="lt1"/>
+            </a:fillRef>
+            <a:effectRef idx="0">
+              <a:schemeClr val="accent1"/>
+            </a:effectRef>
+            <a:fontRef idx="minor">
+              <a:schemeClr val="dk1"/>
+            </a:fontRef>
+          </p:style>
+          <p:txBody>
+            <a:bodyPr lIns="0" rIns="0" rtlCol="0" anchor="ctr"/>
+            <a:lstStyle/>
+            <a:p>
+              <a:pPr algn="ctr"/>
+              <a:r>
+                <a:rPr lang="en-CH" sz="1400" dirty="0"/>
+                <a:t>Access list</a:t>
+              </a:r>
+            </a:p>
+          </p:txBody>
+        </p:sp>
+        <p:sp>
+          <p:nvSpPr>
+            <p:cNvPr id="232" name="Rectangle 231">
+              <a:extLst>
+                <a:ext uri="{FF2B5EF4-FFF2-40B4-BE49-F238E27FC236}">
+                  <a16:creationId xmlns:a16="http://schemas.microsoft.com/office/drawing/2014/main" id="{4A935E22-0A48-5887-7419-D40A56805564}"/>
+                </a:ext>
+              </a:extLst>
+            </p:cNvPr>
+            <p:cNvSpPr/>
+            <p:nvPr/>
+          </p:nvSpPr>
+          <p:spPr>
+            <a:xfrm>
+              <a:off x="8694355" y="6220324"/>
+              <a:ext cx="679082" cy="454319"/>
+            </a:xfrm>
+            <a:prstGeom prst="rect">
+              <a:avLst/>
+            </a:prstGeom>
+            <a:solidFill>
+              <a:schemeClr val="accent5">
+                <a:lumMod val="40000"/>
+                <a:lumOff val="60000"/>
+              </a:schemeClr>
+            </a:solidFill>
+          </p:spPr>
+          <p:style>
+            <a:lnRef idx="2">
+              <a:schemeClr val="accent1"/>
+            </a:lnRef>
+            <a:fillRef idx="1">
+              <a:schemeClr val="lt1"/>
+            </a:fillRef>
+            <a:effectRef idx="0">
+              <a:schemeClr val="accent1"/>
+            </a:effectRef>
+            <a:fontRef idx="minor">
+              <a:schemeClr val="dk1"/>
+            </a:fontRef>
+          </p:style>
+          <p:txBody>
+            <a:bodyPr lIns="0" rIns="0" rtlCol="0" anchor="ctr"/>
+            <a:lstStyle/>
+            <a:p>
+              <a:pPr algn="ctr"/>
+              <a:r>
+                <a:rPr lang="en-CH" sz="1400" dirty="0"/>
+                <a:t>Blob hashes</a:t>
+              </a:r>
+            </a:p>
+          </p:txBody>
+        </p:sp>
+        <p:sp>
+          <p:nvSpPr>
+            <p:cNvPr id="233" name="Rectangle 232">
+              <a:extLst>
+                <a:ext uri="{FF2B5EF4-FFF2-40B4-BE49-F238E27FC236}">
+                  <a16:creationId xmlns:a16="http://schemas.microsoft.com/office/drawing/2014/main" id="{F66E6E91-E439-E6C0-086E-A35F877AF39C}"/>
+                </a:ext>
+              </a:extLst>
+            </p:cNvPr>
+            <p:cNvSpPr/>
+            <p:nvPr/>
+          </p:nvSpPr>
+          <p:spPr>
+            <a:xfrm>
+              <a:off x="9366633" y="6220325"/>
+              <a:ext cx="468181" cy="454317"/>
+            </a:xfrm>
+            <a:prstGeom prst="rect">
+              <a:avLst/>
+            </a:prstGeom>
+            <a:solidFill>
+              <a:schemeClr val="bg1">
+                <a:lumMod val="95000"/>
+              </a:schemeClr>
+            </a:solidFill>
+          </p:spPr>
+          <p:style>
+            <a:lnRef idx="2">
+              <a:schemeClr val="accent1"/>
+            </a:lnRef>
+            <a:fillRef idx="1">
+              <a:schemeClr val="lt1"/>
+            </a:fillRef>
+            <a:effectRef idx="0">
+              <a:schemeClr val="accent1"/>
+            </a:effectRef>
+            <a:fontRef idx="minor">
+              <a:schemeClr val="dk1"/>
+            </a:fontRef>
+          </p:style>
+          <p:txBody>
+            <a:bodyPr lIns="0" rIns="0" rtlCol="0" anchor="ctr"/>
+            <a:lstStyle/>
+            <a:p>
+              <a:pPr algn="ctr"/>
+              <a:r>
+                <a:rPr lang="en-CH" sz="1400" i="1" dirty="0"/>
+                <a:t>n/a</a:t>
+              </a:r>
+            </a:p>
+          </p:txBody>
+        </p:sp>
+        <p:sp>
+          <p:nvSpPr>
+            <p:cNvPr id="234" name="Rectangle 233">
+              <a:extLst>
+                <a:ext uri="{FF2B5EF4-FFF2-40B4-BE49-F238E27FC236}">
+                  <a16:creationId xmlns:a16="http://schemas.microsoft.com/office/drawing/2014/main" id="{EB11558F-9783-471E-447A-156D8689ECD9}"/>
+                </a:ext>
+              </a:extLst>
+            </p:cNvPr>
+            <p:cNvSpPr/>
+            <p:nvPr/>
+          </p:nvSpPr>
+          <p:spPr>
+            <a:xfrm>
+              <a:off x="9831158" y="6220325"/>
+              <a:ext cx="795454" cy="454317"/>
+            </a:xfrm>
+            <a:prstGeom prst="rect">
+              <a:avLst/>
+            </a:prstGeom>
+            <a:solidFill>
+              <a:schemeClr val="tx2">
+                <a:lumMod val="10000"/>
+                <a:lumOff val="90000"/>
+              </a:schemeClr>
+            </a:solidFill>
+          </p:spPr>
+          <p:style>
+            <a:lnRef idx="2">
+              <a:schemeClr val="accent1"/>
+            </a:lnRef>
+            <a:fillRef idx="1">
+              <a:schemeClr val="lt1"/>
+            </a:fillRef>
+            <a:effectRef idx="0">
+              <a:schemeClr val="accent1"/>
+            </a:effectRef>
+            <a:fontRef idx="minor">
+              <a:schemeClr val="dk1"/>
+            </a:fontRef>
+          </p:style>
+          <p:txBody>
+            <a:bodyPr lIns="0" rIns="0" rtlCol="0" anchor="ctr"/>
+            <a:lstStyle/>
+            <a:p>
+              <a:pPr algn="ctr"/>
+              <a:r>
+                <a:rPr lang="en-CH" sz="1400" dirty="0"/>
+                <a:t>Max fees per gas</a:t>
+              </a:r>
+            </a:p>
+          </p:txBody>
+        </p:sp>
+        <p:sp>
+          <p:nvSpPr>
+            <p:cNvPr id="235" name="Rectangle 234">
+              <a:extLst>
+                <a:ext uri="{FF2B5EF4-FFF2-40B4-BE49-F238E27FC236}">
+                  <a16:creationId xmlns:a16="http://schemas.microsoft.com/office/drawing/2014/main" id="{220B0B3F-2CDC-B1AE-F4AD-6AB671CD5B3D}"/>
+                </a:ext>
+              </a:extLst>
+            </p:cNvPr>
+            <p:cNvSpPr/>
+            <p:nvPr/>
+          </p:nvSpPr>
+          <p:spPr>
+            <a:xfrm>
+              <a:off x="10619149" y="6220325"/>
+              <a:ext cx="795454" cy="454317"/>
+            </a:xfrm>
+            <a:prstGeom prst="rect">
+              <a:avLst/>
+            </a:prstGeom>
+            <a:solidFill>
+              <a:schemeClr val="tx2">
+                <a:lumMod val="10000"/>
+                <a:lumOff val="90000"/>
+              </a:schemeClr>
+            </a:solidFill>
+          </p:spPr>
+          <p:style>
+            <a:lnRef idx="2">
+              <a:schemeClr val="accent1"/>
+            </a:lnRef>
+            <a:fillRef idx="1">
+              <a:schemeClr val="lt1"/>
+            </a:fillRef>
+            <a:effectRef idx="0">
+              <a:schemeClr val="accent1"/>
+            </a:effectRef>
+            <a:fontRef idx="minor">
+              <a:schemeClr val="dk1"/>
+            </a:fontRef>
+          </p:style>
+          <p:txBody>
+            <a:bodyPr lIns="0" rIns="0" rtlCol="0" anchor="ctr"/>
+            <a:lstStyle/>
+            <a:p>
+              <a:pPr algn="ctr"/>
+              <a:r>
+                <a:rPr lang="en-CH" sz="1400" dirty="0"/>
+                <a:t>Prio fees per gas</a:t>
+              </a:r>
+            </a:p>
+          </p:txBody>
+        </p:sp>
+        <p:sp>
+          <p:nvSpPr>
+            <p:cNvPr id="236" name="Rectangle 235">
+              <a:extLst>
+                <a:ext uri="{FF2B5EF4-FFF2-40B4-BE49-F238E27FC236}">
+                  <a16:creationId xmlns:a16="http://schemas.microsoft.com/office/drawing/2014/main" id="{E29DFD3C-D2C5-FAE3-7C4F-EE423E6EC9AA}"/>
+                </a:ext>
+              </a:extLst>
+            </p:cNvPr>
+            <p:cNvSpPr/>
+            <p:nvPr/>
+          </p:nvSpPr>
+          <p:spPr>
+            <a:xfrm>
+              <a:off x="11407263" y="6220323"/>
+              <a:ext cx="465189" cy="454320"/>
+            </a:xfrm>
+            <a:prstGeom prst="rect">
+              <a:avLst/>
+            </a:prstGeom>
+            <a:solidFill>
+              <a:schemeClr val="accent6">
+                <a:lumMod val="40000"/>
+                <a:lumOff val="60000"/>
+              </a:schemeClr>
+            </a:solidFill>
+          </p:spPr>
+          <p:style>
+            <a:lnRef idx="2">
+              <a:schemeClr val="accent1"/>
+            </a:lnRef>
+            <a:fillRef idx="1">
+              <a:schemeClr val="lt1"/>
+            </a:fillRef>
+            <a:effectRef idx="0">
+              <a:schemeClr val="accent1"/>
+            </a:effectRef>
+            <a:fontRef idx="minor">
+              <a:schemeClr val="dk1"/>
+            </a:fontRef>
+          </p:style>
+          <p:txBody>
+            <a:bodyPr lIns="0" rIns="0" rtlCol="0" anchor="ctr"/>
+            <a:lstStyle/>
+            <a:p>
+              <a:pPr algn="ctr"/>
+              <a:r>
+                <a:rPr lang="en-CH" sz="1400" dirty="0"/>
+                <a:t>Sig</a:t>
+              </a:r>
+            </a:p>
+          </p:txBody>
+        </p:sp>
+      </p:grpSp>
+      <p:grpSp>
+        <p:nvGrpSpPr>
+          <p:cNvPr id="237" name="Group 236">
+            <a:extLst>
+              <a:ext uri="{FF2B5EF4-FFF2-40B4-BE49-F238E27FC236}">
+                <a16:creationId xmlns:a16="http://schemas.microsoft.com/office/drawing/2014/main" id="{A3A01A79-008C-99F5-95F6-65F70F628B38}"/>
+              </a:ext>
+            </a:extLst>
+          </p:cNvPr>
+          <p:cNvGrpSpPr/>
+          <p:nvPr/>
+        </p:nvGrpSpPr>
+        <p:grpSpPr>
+          <a:xfrm>
+            <a:off x="3816431" y="3479535"/>
+            <a:ext cx="8056021" cy="454320"/>
+            <a:chOff x="3816431" y="6220323"/>
+            <a:chExt cx="8056021" cy="454320"/>
+          </a:xfrm>
+        </p:grpSpPr>
+        <p:sp>
+          <p:nvSpPr>
+            <p:cNvPr id="238" name="Rectangle 237">
+              <a:extLst>
+                <a:ext uri="{FF2B5EF4-FFF2-40B4-BE49-F238E27FC236}">
+                  <a16:creationId xmlns:a16="http://schemas.microsoft.com/office/drawing/2014/main" id="{92989C10-FC5C-1625-1989-43D7D7E73C66}"/>
+                </a:ext>
+              </a:extLst>
+            </p:cNvPr>
+            <p:cNvSpPr/>
+            <p:nvPr/>
+          </p:nvSpPr>
+          <p:spPr>
+            <a:xfrm>
+              <a:off x="5038125" y="6220325"/>
+              <a:ext cx="706074" cy="454317"/>
+            </a:xfrm>
+            <a:prstGeom prst="rect">
+              <a:avLst/>
+            </a:prstGeom>
+            <a:solidFill>
+              <a:schemeClr val="tx2">
+                <a:lumMod val="25000"/>
+                <a:lumOff val="75000"/>
+              </a:schemeClr>
+            </a:solidFill>
+          </p:spPr>
+          <p:style>
+            <a:lnRef idx="2">
+              <a:schemeClr val="accent1"/>
+            </a:lnRef>
+            <a:fillRef idx="1">
+              <a:schemeClr val="lt1"/>
+            </a:fillRef>
+            <a:effectRef idx="0">
+              <a:schemeClr val="accent1"/>
+            </a:effectRef>
+            <a:fontRef idx="minor">
+              <a:schemeClr val="dk1"/>
+            </a:fontRef>
+          </p:style>
+          <p:txBody>
+            <a:bodyPr lIns="0" rIns="0" rtlCol="0" anchor="ctr"/>
+            <a:lstStyle/>
+            <a:p>
+              <a:pPr algn="ctr"/>
+              <a:r>
+                <a:rPr lang="en-CH" sz="1400" dirty="0"/>
+                <a:t>Nonce</a:t>
+              </a:r>
+            </a:p>
+          </p:txBody>
+        </p:sp>
+        <p:sp>
+          <p:nvSpPr>
+            <p:cNvPr id="239" name="Rectangle 238">
+              <a:extLst>
+                <a:ext uri="{FF2B5EF4-FFF2-40B4-BE49-F238E27FC236}">
+                  <a16:creationId xmlns:a16="http://schemas.microsoft.com/office/drawing/2014/main" id="{0D4DE6E4-9656-6D73-0FBE-EBF0EA569A9A}"/>
+                </a:ext>
+              </a:extLst>
+            </p:cNvPr>
+            <p:cNvSpPr/>
+            <p:nvPr/>
+          </p:nvSpPr>
+          <p:spPr>
+            <a:xfrm>
+              <a:off x="5744199" y="6220325"/>
+              <a:ext cx="542254" cy="454317"/>
+            </a:xfrm>
+            <a:prstGeom prst="rect">
+              <a:avLst/>
+            </a:prstGeom>
+            <a:solidFill>
+              <a:schemeClr val="tx2">
+                <a:lumMod val="25000"/>
+                <a:lumOff val="75000"/>
+              </a:schemeClr>
+            </a:solidFill>
+          </p:spPr>
+          <p:style>
+            <a:lnRef idx="2">
+              <a:schemeClr val="accent1"/>
+            </a:lnRef>
+            <a:fillRef idx="1">
+              <a:schemeClr val="lt1"/>
+            </a:fillRef>
+            <a:effectRef idx="0">
+              <a:schemeClr val="accent1"/>
+            </a:effectRef>
+            <a:fontRef idx="minor">
+              <a:schemeClr val="dk1"/>
+            </a:fontRef>
+          </p:style>
+          <p:txBody>
+            <a:bodyPr lIns="0" rIns="0" rtlCol="0" anchor="ctr"/>
+            <a:lstStyle/>
+            <a:p>
+              <a:pPr algn="ctr"/>
+              <a:r>
+                <a:rPr lang="en-CH" sz="1400" dirty="0"/>
+                <a:t>Gas limit</a:t>
+              </a:r>
+            </a:p>
+          </p:txBody>
+        </p:sp>
+        <p:sp>
+          <p:nvSpPr>
+            <p:cNvPr id="240" name="Rectangle 239">
+              <a:extLst>
+                <a:ext uri="{FF2B5EF4-FFF2-40B4-BE49-F238E27FC236}">
+                  <a16:creationId xmlns:a16="http://schemas.microsoft.com/office/drawing/2014/main" id="{DB4F5648-FA62-3257-BD7F-8CD71846D733}"/>
+                </a:ext>
+              </a:extLst>
+            </p:cNvPr>
+            <p:cNvSpPr/>
+            <p:nvPr/>
+          </p:nvSpPr>
+          <p:spPr>
+            <a:xfrm>
+              <a:off x="6286453" y="6220325"/>
+              <a:ext cx="360112" cy="454317"/>
+            </a:xfrm>
+            <a:prstGeom prst="rect">
+              <a:avLst/>
+            </a:prstGeom>
+            <a:solidFill>
+              <a:schemeClr val="tx2">
+                <a:lumMod val="25000"/>
+                <a:lumOff val="75000"/>
+              </a:schemeClr>
+            </a:solidFill>
+          </p:spPr>
+          <p:style>
+            <a:lnRef idx="2">
+              <a:schemeClr val="accent1"/>
+            </a:lnRef>
+            <a:fillRef idx="1">
+              <a:schemeClr val="lt1"/>
+            </a:fillRef>
+            <a:effectRef idx="0">
+              <a:schemeClr val="accent1"/>
+            </a:effectRef>
+            <a:fontRef idx="minor">
+              <a:schemeClr val="dk1"/>
+            </a:fontRef>
+          </p:style>
+          <p:txBody>
+            <a:bodyPr lIns="0" rIns="0" rtlCol="0" anchor="ctr"/>
+            <a:lstStyle/>
+            <a:p>
+              <a:pPr algn="ctr"/>
+              <a:r>
+                <a:rPr lang="en-CH" sz="1400" dirty="0"/>
+                <a:t>To</a:t>
+              </a:r>
+            </a:p>
+          </p:txBody>
+        </p:sp>
+        <p:sp>
+          <p:nvSpPr>
+            <p:cNvPr id="241" name="Rectangle 240">
+              <a:extLst>
+                <a:ext uri="{FF2B5EF4-FFF2-40B4-BE49-F238E27FC236}">
+                  <a16:creationId xmlns:a16="http://schemas.microsoft.com/office/drawing/2014/main" id="{68E23B35-2710-6099-BCF7-43325E9DE2B7}"/>
+                </a:ext>
+              </a:extLst>
+            </p:cNvPr>
+            <p:cNvSpPr/>
+            <p:nvPr/>
+          </p:nvSpPr>
+          <p:spPr>
+            <a:xfrm>
+              <a:off x="6646566" y="6220325"/>
+              <a:ext cx="649630" cy="454317"/>
+            </a:xfrm>
+            <a:prstGeom prst="rect">
+              <a:avLst/>
+            </a:prstGeom>
+            <a:solidFill>
+              <a:schemeClr val="tx2">
+                <a:lumMod val="25000"/>
+                <a:lumOff val="75000"/>
+              </a:schemeClr>
+            </a:solidFill>
+          </p:spPr>
+          <p:style>
+            <a:lnRef idx="2">
+              <a:schemeClr val="accent1"/>
+            </a:lnRef>
+            <a:fillRef idx="1">
+              <a:schemeClr val="lt1"/>
+            </a:fillRef>
+            <a:effectRef idx="0">
+              <a:schemeClr val="accent1"/>
+            </a:effectRef>
+            <a:fontRef idx="minor">
+              <a:schemeClr val="dk1"/>
+            </a:fontRef>
+          </p:style>
+          <p:txBody>
+            <a:bodyPr lIns="0" rIns="0" rtlCol="0" anchor="ctr"/>
+            <a:lstStyle/>
+            <a:p>
+              <a:pPr algn="ctr"/>
+              <a:r>
+                <a:rPr lang="en-CH" sz="1400" dirty="0"/>
+                <a:t>Value</a:t>
+              </a:r>
+            </a:p>
+          </p:txBody>
+        </p:sp>
+        <p:sp>
+          <p:nvSpPr>
+            <p:cNvPr id="242" name="Rectangle 241">
+              <a:extLst>
+                <a:ext uri="{FF2B5EF4-FFF2-40B4-BE49-F238E27FC236}">
+                  <a16:creationId xmlns:a16="http://schemas.microsoft.com/office/drawing/2014/main" id="{D87C0E53-FEE7-44FF-F6CD-3C34D7F09FF1}"/>
+                </a:ext>
+              </a:extLst>
+            </p:cNvPr>
+            <p:cNvSpPr/>
+            <p:nvPr/>
+          </p:nvSpPr>
+          <p:spPr>
+            <a:xfrm>
+              <a:off x="7296196" y="6220325"/>
+              <a:ext cx="649630" cy="454317"/>
+            </a:xfrm>
+            <a:prstGeom prst="rect">
+              <a:avLst/>
+            </a:prstGeom>
+            <a:solidFill>
+              <a:schemeClr val="tx2">
+                <a:lumMod val="25000"/>
+                <a:lumOff val="75000"/>
+              </a:schemeClr>
+            </a:solidFill>
+          </p:spPr>
+          <p:style>
+            <a:lnRef idx="2">
+              <a:schemeClr val="accent1"/>
+            </a:lnRef>
+            <a:fillRef idx="1">
+              <a:schemeClr val="lt1"/>
+            </a:fillRef>
+            <a:effectRef idx="0">
+              <a:schemeClr val="accent1"/>
+            </a:effectRef>
+            <a:fontRef idx="minor">
+              <a:schemeClr val="dk1"/>
+            </a:fontRef>
+          </p:style>
+          <p:txBody>
+            <a:bodyPr lIns="0" rIns="0" rtlCol="0" anchor="ctr"/>
+            <a:lstStyle/>
+            <a:p>
+              <a:pPr algn="ctr"/>
+              <a:r>
+                <a:rPr lang="en-CH" sz="1400" dirty="0"/>
+                <a:t>Input</a:t>
+              </a:r>
+            </a:p>
+          </p:txBody>
+        </p:sp>
+        <p:sp>
+          <p:nvSpPr>
+            <p:cNvPr id="243" name="Rectangle 242">
+              <a:extLst>
+                <a:ext uri="{FF2B5EF4-FFF2-40B4-BE49-F238E27FC236}">
+                  <a16:creationId xmlns:a16="http://schemas.microsoft.com/office/drawing/2014/main" id="{4E721D2C-4745-86C4-01E4-8F4A6E2AB300}"/>
+                </a:ext>
+              </a:extLst>
+            </p:cNvPr>
+            <p:cNvSpPr/>
+            <p:nvPr/>
+          </p:nvSpPr>
+          <p:spPr>
+            <a:xfrm>
+              <a:off x="3816431" y="6220325"/>
+              <a:ext cx="574334" cy="454317"/>
+            </a:xfrm>
+            <a:prstGeom prst="rect">
+              <a:avLst/>
+            </a:prstGeom>
+            <a:solidFill>
+              <a:schemeClr val="bg1">
+                <a:lumMod val="95000"/>
+              </a:schemeClr>
+            </a:solidFill>
+          </p:spPr>
+          <p:style>
+            <a:lnRef idx="2">
+              <a:schemeClr val="accent1"/>
+            </a:lnRef>
+            <a:fillRef idx="1">
+              <a:schemeClr val="lt1"/>
+            </a:fillRef>
+            <a:effectRef idx="0">
+              <a:schemeClr val="accent1"/>
+            </a:effectRef>
+            <a:fontRef idx="minor">
+              <a:schemeClr val="dk1"/>
+            </a:fontRef>
+          </p:style>
+          <p:txBody>
+            <a:bodyPr lIns="0" rIns="0" rtlCol="0" anchor="ctr"/>
+            <a:lstStyle/>
+            <a:p>
+              <a:pPr algn="ctr"/>
+              <a:r>
+                <a:rPr lang="en-CH" sz="1400" i="1" dirty="0"/>
+                <a:t>n/a</a:t>
+              </a:r>
+            </a:p>
+          </p:txBody>
+        </p:sp>
+        <p:sp>
+          <p:nvSpPr>
+            <p:cNvPr id="244" name="Rectangle 243">
+              <a:extLst>
+                <a:ext uri="{FF2B5EF4-FFF2-40B4-BE49-F238E27FC236}">
+                  <a16:creationId xmlns:a16="http://schemas.microsoft.com/office/drawing/2014/main" id="{C4B9E676-92BB-053F-1A28-50D9368F55F3}"/>
+                </a:ext>
+              </a:extLst>
+            </p:cNvPr>
+            <p:cNvSpPr/>
+            <p:nvPr/>
+          </p:nvSpPr>
+          <p:spPr>
+            <a:xfrm>
+              <a:off x="4385942" y="6220325"/>
+              <a:ext cx="652183" cy="454317"/>
+            </a:xfrm>
+            <a:prstGeom prst="rect">
+              <a:avLst/>
+            </a:prstGeom>
+            <a:solidFill>
+              <a:schemeClr val="accent6">
+                <a:lumMod val="40000"/>
+                <a:lumOff val="60000"/>
+              </a:schemeClr>
+            </a:solidFill>
+          </p:spPr>
+          <p:style>
+            <a:lnRef idx="2">
+              <a:schemeClr val="accent1"/>
+            </a:lnRef>
+            <a:fillRef idx="1">
+              <a:schemeClr val="lt1"/>
+            </a:fillRef>
+            <a:effectRef idx="0">
+              <a:schemeClr val="accent1"/>
+            </a:effectRef>
+            <a:fontRef idx="minor">
+              <a:schemeClr val="dk1"/>
+            </a:fontRef>
+          </p:style>
+          <p:txBody>
+            <a:bodyPr lIns="0" rIns="0" rtlCol="0" anchor="ctr"/>
+            <a:lstStyle/>
+            <a:p>
+              <a:pPr algn="ctr"/>
+              <a:r>
+                <a:rPr lang="en-CH" sz="1400" dirty="0"/>
+                <a:t>Chain ID</a:t>
+              </a:r>
+            </a:p>
+          </p:txBody>
+        </p:sp>
+        <p:sp>
+          <p:nvSpPr>
+            <p:cNvPr id="245" name="Rectangle 244">
+              <a:extLst>
+                <a:ext uri="{FF2B5EF4-FFF2-40B4-BE49-F238E27FC236}">
+                  <a16:creationId xmlns:a16="http://schemas.microsoft.com/office/drawing/2014/main" id="{43C80877-5BBD-D30E-825B-F21C5A85B365}"/>
+                </a:ext>
+              </a:extLst>
+            </p:cNvPr>
+            <p:cNvSpPr/>
+            <p:nvPr/>
+          </p:nvSpPr>
+          <p:spPr>
+            <a:xfrm>
+              <a:off x="7945826" y="6220325"/>
+              <a:ext cx="748529" cy="454317"/>
+            </a:xfrm>
+            <a:prstGeom prst="rect">
+              <a:avLst/>
+            </a:prstGeom>
+            <a:solidFill>
+              <a:schemeClr val="accent1">
+                <a:lumMod val="40000"/>
+                <a:lumOff val="60000"/>
+              </a:schemeClr>
+            </a:solidFill>
+          </p:spPr>
+          <p:style>
+            <a:lnRef idx="2">
+              <a:schemeClr val="accent1"/>
+            </a:lnRef>
+            <a:fillRef idx="1">
+              <a:schemeClr val="lt1"/>
+            </a:fillRef>
+            <a:effectRef idx="0">
+              <a:schemeClr val="accent1"/>
+            </a:effectRef>
+            <a:fontRef idx="minor">
+              <a:schemeClr val="dk1"/>
+            </a:fontRef>
+          </p:style>
+          <p:txBody>
+            <a:bodyPr lIns="0" rIns="0" rtlCol="0" anchor="ctr"/>
+            <a:lstStyle/>
+            <a:p>
+              <a:pPr algn="ctr"/>
+              <a:r>
+                <a:rPr lang="en-CH" sz="1400" dirty="0"/>
+                <a:t>Access list</a:t>
+              </a:r>
+            </a:p>
+          </p:txBody>
+        </p:sp>
+        <p:sp>
+          <p:nvSpPr>
+            <p:cNvPr id="246" name="Rectangle 245">
+              <a:extLst>
+                <a:ext uri="{FF2B5EF4-FFF2-40B4-BE49-F238E27FC236}">
+                  <a16:creationId xmlns:a16="http://schemas.microsoft.com/office/drawing/2014/main" id="{E1DB04AB-8B08-CCDA-2B96-DFE3978B9DF7}"/>
+                </a:ext>
+              </a:extLst>
+            </p:cNvPr>
+            <p:cNvSpPr/>
+            <p:nvPr/>
+          </p:nvSpPr>
+          <p:spPr>
+            <a:xfrm>
+              <a:off x="8694355" y="6220324"/>
+              <a:ext cx="679082" cy="454319"/>
+            </a:xfrm>
+            <a:prstGeom prst="rect">
+              <a:avLst/>
+            </a:prstGeom>
+            <a:solidFill>
+              <a:schemeClr val="bg1">
+                <a:lumMod val="95000"/>
+              </a:schemeClr>
+            </a:solidFill>
+          </p:spPr>
+          <p:style>
+            <a:lnRef idx="2">
+              <a:schemeClr val="accent1"/>
+            </a:lnRef>
+            <a:fillRef idx="1">
+              <a:schemeClr val="lt1"/>
+            </a:fillRef>
+            <a:effectRef idx="0">
+              <a:schemeClr val="accent1"/>
+            </a:effectRef>
+            <a:fontRef idx="minor">
+              <a:schemeClr val="dk1"/>
+            </a:fontRef>
+          </p:style>
+          <p:txBody>
+            <a:bodyPr lIns="0" rIns="0" rtlCol="0" anchor="ctr"/>
+            <a:lstStyle/>
+            <a:p>
+              <a:pPr algn="ctr"/>
+              <a:r>
+                <a:rPr lang="en-CH" sz="1400" i="1" dirty="0"/>
+                <a:t>n/a</a:t>
+              </a:r>
+            </a:p>
+          </p:txBody>
+        </p:sp>
+        <p:sp>
+          <p:nvSpPr>
+            <p:cNvPr id="247" name="Rectangle 246">
+              <a:extLst>
+                <a:ext uri="{FF2B5EF4-FFF2-40B4-BE49-F238E27FC236}">
+                  <a16:creationId xmlns:a16="http://schemas.microsoft.com/office/drawing/2014/main" id="{6D2C653B-787D-EB4D-9561-DEBB44C14D49}"/>
+                </a:ext>
+              </a:extLst>
+            </p:cNvPr>
+            <p:cNvSpPr/>
+            <p:nvPr/>
+          </p:nvSpPr>
+          <p:spPr>
+            <a:xfrm>
+              <a:off x="9366633" y="6220325"/>
+              <a:ext cx="468181" cy="454317"/>
+            </a:xfrm>
+            <a:prstGeom prst="rect">
+              <a:avLst/>
+            </a:prstGeom>
+            <a:solidFill>
+              <a:schemeClr val="bg1">
+                <a:lumMod val="95000"/>
+              </a:schemeClr>
+            </a:solidFill>
+          </p:spPr>
+          <p:style>
+            <a:lnRef idx="2">
+              <a:schemeClr val="accent1"/>
+            </a:lnRef>
+            <a:fillRef idx="1">
+              <a:schemeClr val="lt1"/>
+            </a:fillRef>
+            <a:effectRef idx="0">
+              <a:schemeClr val="accent1"/>
+            </a:effectRef>
+            <a:fontRef idx="minor">
+              <a:schemeClr val="dk1"/>
+            </a:fontRef>
+          </p:style>
+          <p:txBody>
+            <a:bodyPr lIns="0" rIns="0" rtlCol="0" anchor="ctr"/>
+            <a:lstStyle/>
+            <a:p>
+              <a:pPr algn="ctr"/>
+              <a:r>
+                <a:rPr lang="en-CH" sz="1400" i="1" dirty="0"/>
+                <a:t>n/a</a:t>
+              </a:r>
+            </a:p>
+          </p:txBody>
+        </p:sp>
+        <p:sp>
+          <p:nvSpPr>
+            <p:cNvPr id="248" name="Rectangle 247">
+              <a:extLst>
+                <a:ext uri="{FF2B5EF4-FFF2-40B4-BE49-F238E27FC236}">
+                  <a16:creationId xmlns:a16="http://schemas.microsoft.com/office/drawing/2014/main" id="{9EFEA652-4984-B838-09D3-42AFF611A8FB}"/>
+                </a:ext>
+              </a:extLst>
+            </p:cNvPr>
+            <p:cNvSpPr/>
+            <p:nvPr/>
+          </p:nvSpPr>
+          <p:spPr>
+            <a:xfrm>
+              <a:off x="9831158" y="6220325"/>
+              <a:ext cx="795454" cy="454317"/>
+            </a:xfrm>
+            <a:prstGeom prst="rect">
+              <a:avLst/>
+            </a:prstGeom>
+            <a:solidFill>
+              <a:schemeClr val="tx2">
+                <a:lumMod val="10000"/>
+                <a:lumOff val="90000"/>
+              </a:schemeClr>
+            </a:solidFill>
+          </p:spPr>
+          <p:style>
+            <a:lnRef idx="2">
+              <a:schemeClr val="accent1"/>
+            </a:lnRef>
+            <a:fillRef idx="1">
+              <a:schemeClr val="lt1"/>
+            </a:fillRef>
+            <a:effectRef idx="0">
+              <a:schemeClr val="accent1"/>
+            </a:effectRef>
+            <a:fontRef idx="minor">
+              <a:schemeClr val="dk1"/>
+            </a:fontRef>
+          </p:style>
+          <p:txBody>
+            <a:bodyPr lIns="0" rIns="0" rtlCol="0" anchor="ctr"/>
+            <a:lstStyle/>
+            <a:p>
+              <a:pPr algn="ctr"/>
+              <a:r>
+                <a:rPr lang="en-CH" sz="1400" dirty="0"/>
+                <a:t>Max fees per gas</a:t>
+              </a:r>
+            </a:p>
+          </p:txBody>
+        </p:sp>
+        <p:sp>
+          <p:nvSpPr>
+            <p:cNvPr id="249" name="Rectangle 248">
+              <a:extLst>
+                <a:ext uri="{FF2B5EF4-FFF2-40B4-BE49-F238E27FC236}">
+                  <a16:creationId xmlns:a16="http://schemas.microsoft.com/office/drawing/2014/main" id="{9B6A4CE4-0FA2-4C4B-D3CA-77CBC0F58FA1}"/>
+                </a:ext>
+              </a:extLst>
+            </p:cNvPr>
+            <p:cNvSpPr/>
+            <p:nvPr/>
+          </p:nvSpPr>
+          <p:spPr>
+            <a:xfrm>
+              <a:off x="10619149" y="6220325"/>
+              <a:ext cx="795454" cy="454317"/>
+            </a:xfrm>
+            <a:prstGeom prst="rect">
+              <a:avLst/>
+            </a:prstGeom>
+            <a:solidFill>
+              <a:schemeClr val="tx2">
+                <a:lumMod val="10000"/>
+                <a:lumOff val="90000"/>
+              </a:schemeClr>
+            </a:solidFill>
+          </p:spPr>
+          <p:style>
+            <a:lnRef idx="2">
+              <a:schemeClr val="accent1"/>
+            </a:lnRef>
+            <a:fillRef idx="1">
+              <a:schemeClr val="lt1"/>
+            </a:fillRef>
+            <a:effectRef idx="0">
+              <a:schemeClr val="accent1"/>
+            </a:effectRef>
+            <a:fontRef idx="minor">
+              <a:schemeClr val="dk1"/>
+            </a:fontRef>
+          </p:style>
+          <p:txBody>
+            <a:bodyPr lIns="0" rIns="0" rtlCol="0" anchor="ctr"/>
+            <a:lstStyle/>
+            <a:p>
+              <a:pPr algn="ctr"/>
+              <a:r>
+                <a:rPr lang="en-CH" sz="1400" dirty="0"/>
+                <a:t>Prio fees per gas</a:t>
+              </a:r>
+            </a:p>
+          </p:txBody>
+        </p:sp>
+        <p:sp>
+          <p:nvSpPr>
+            <p:cNvPr id="250" name="Rectangle 249">
+              <a:extLst>
+                <a:ext uri="{FF2B5EF4-FFF2-40B4-BE49-F238E27FC236}">
+                  <a16:creationId xmlns:a16="http://schemas.microsoft.com/office/drawing/2014/main" id="{3F6321DE-DCC8-4091-95D1-285CD0D44140}"/>
+                </a:ext>
+              </a:extLst>
+            </p:cNvPr>
+            <p:cNvSpPr/>
+            <p:nvPr/>
+          </p:nvSpPr>
+          <p:spPr>
+            <a:xfrm>
+              <a:off x="11407263" y="6220323"/>
+              <a:ext cx="465189" cy="454320"/>
+            </a:xfrm>
+            <a:prstGeom prst="rect">
+              <a:avLst/>
+            </a:prstGeom>
+            <a:solidFill>
+              <a:schemeClr val="accent6">
+                <a:lumMod val="40000"/>
+                <a:lumOff val="60000"/>
+              </a:schemeClr>
+            </a:solidFill>
+          </p:spPr>
+          <p:style>
+            <a:lnRef idx="2">
+              <a:schemeClr val="accent1"/>
+            </a:lnRef>
+            <a:fillRef idx="1">
+              <a:schemeClr val="lt1"/>
+            </a:fillRef>
+            <a:effectRef idx="0">
+              <a:schemeClr val="accent1"/>
+            </a:effectRef>
+            <a:fontRef idx="minor">
+              <a:schemeClr val="dk1"/>
+            </a:fontRef>
+          </p:style>
+          <p:txBody>
+            <a:bodyPr lIns="0" rIns="0" rtlCol="0" anchor="ctr"/>
+            <a:lstStyle/>
+            <a:p>
+              <a:pPr algn="ctr"/>
+              <a:r>
+                <a:rPr lang="en-CH" sz="1400" dirty="0"/>
+                <a:t>Sig</a:t>
+              </a:r>
+            </a:p>
+          </p:txBody>
+        </p:sp>
+      </p:grpSp>
+      <p:sp>
+        <p:nvSpPr>
+          <p:cNvPr id="4" name="TextBox 3">
+            <a:extLst>
+              <a:ext uri="{FF2B5EF4-FFF2-40B4-BE49-F238E27FC236}">
+                <a16:creationId xmlns:a16="http://schemas.microsoft.com/office/drawing/2014/main" id="{75F27FF4-68C6-2A99-2B0C-991C37CC0558}"/>
+              </a:ext>
+            </a:extLst>
+          </p:cNvPr>
+          <p:cNvSpPr txBox="1"/>
+          <p:nvPr/>
+        </p:nvSpPr>
+        <p:spPr>
+          <a:xfrm>
+            <a:off x="3727937" y="2106342"/>
+            <a:ext cx="2475528" cy="646331"/>
+          </a:xfrm>
+          <a:prstGeom prst="rect">
+            <a:avLst/>
+          </a:prstGeom>
+          <a:noFill/>
+        </p:spPr>
+        <p:txBody>
+          <a:bodyPr wrap="square" rtlCol="0">
+            <a:spAutoFit/>
+          </a:bodyPr>
+          <a:lstStyle/>
+          <a:p>
+            <a:r>
+              <a:rPr lang="en-CH" b="1" dirty="0"/>
+              <a:t>BasicTransaction</a:t>
+            </a:r>
+          </a:p>
+          <a:p>
+            <a:r>
+              <a:rPr lang="en-CH" dirty="0"/>
+              <a:t>EIP-1559 functionality</a:t>
+            </a:r>
+          </a:p>
+        </p:txBody>
+      </p:sp>
+      <p:sp>
+        <p:nvSpPr>
+          <p:cNvPr id="9" name="TextBox 8">
+            <a:extLst>
+              <a:ext uri="{FF2B5EF4-FFF2-40B4-BE49-F238E27FC236}">
+                <a16:creationId xmlns:a16="http://schemas.microsoft.com/office/drawing/2014/main" id="{031E7AC6-1325-2A3C-C30C-CE6FCA8E2604}"/>
+              </a:ext>
+            </a:extLst>
+          </p:cNvPr>
+          <p:cNvSpPr txBox="1"/>
+          <p:nvPr/>
+        </p:nvSpPr>
+        <p:spPr>
+          <a:xfrm>
+            <a:off x="6466509" y="2106342"/>
+            <a:ext cx="2475528" cy="646331"/>
+          </a:xfrm>
+          <a:prstGeom prst="rect">
+            <a:avLst/>
+          </a:prstGeom>
+          <a:noFill/>
+        </p:spPr>
+        <p:txBody>
+          <a:bodyPr wrap="square" rtlCol="0">
+            <a:spAutoFit/>
+          </a:bodyPr>
+          <a:lstStyle/>
+          <a:p>
+            <a:r>
+              <a:rPr lang="en-CH" b="1" dirty="0"/>
+              <a:t>BlobTransaction</a:t>
+            </a:r>
+          </a:p>
+          <a:p>
+            <a:r>
+              <a:rPr lang="en-CH" dirty="0"/>
+              <a:t>EIP-4844 functionality</a:t>
+            </a:r>
+          </a:p>
+        </p:txBody>
+      </p:sp>
+      <p:sp>
+        <p:nvSpPr>
+          <p:cNvPr id="21" name="TextBox 20">
+            <a:extLst>
+              <a:ext uri="{FF2B5EF4-FFF2-40B4-BE49-F238E27FC236}">
+                <a16:creationId xmlns:a16="http://schemas.microsoft.com/office/drawing/2014/main" id="{716F3E69-EC2A-8A95-3F97-BCE68BE840D5}"/>
+              </a:ext>
+            </a:extLst>
+          </p:cNvPr>
+          <p:cNvSpPr txBox="1"/>
+          <p:nvPr/>
+        </p:nvSpPr>
+        <p:spPr>
+          <a:xfrm>
+            <a:off x="9396924" y="2106342"/>
+            <a:ext cx="2475528" cy="646331"/>
+          </a:xfrm>
+          <a:prstGeom prst="rect">
+            <a:avLst/>
+          </a:prstGeom>
+          <a:noFill/>
+        </p:spPr>
+        <p:txBody>
+          <a:bodyPr wrap="square" rtlCol="0">
+            <a:spAutoFit/>
+          </a:bodyPr>
+          <a:lstStyle/>
+          <a:p>
+            <a:r>
+              <a:rPr lang="en-CH" b="1" dirty="0"/>
+              <a:t>SetCodeTransaction</a:t>
+            </a:r>
+          </a:p>
+          <a:p>
+            <a:r>
+              <a:rPr lang="en-CH" dirty="0"/>
+              <a:t>EIP-7702 functionality</a:t>
+            </a:r>
+          </a:p>
+        </p:txBody>
+      </p:sp>
+    </p:spTree>
+    <p:extLst>
+      <p:ext uri="{BB962C8B-B14F-4D97-AF65-F5344CB8AC3E}">
+        <p14:creationId xmlns:p14="http://schemas.microsoft.com/office/powerpoint/2010/main" val="3387536509"/>
+      </p:ext>
+    </p:extLst>
+  </p:cSld>
+  <p:clrMapOvr>
+    <a:masterClrMapping/>
+  </p:clrMapOvr>
+</p:sld>
+</file>
+
+<file path=ppt/slides/slide27.xml><?xml version="1.0" encoding="utf-8"?>
+<p:sld xmlns:a="http://schemas.openxmlformats.org/drawingml/2006/main" xmlns:r="http://schemas.openxmlformats.org/officeDocument/2006/relationships" xmlns:p="http://schemas.openxmlformats.org/presentationml/2006/main">
+  <p:cSld>
+    <p:spTree>
+      <p:nvGrpSpPr>
+        <p:cNvPr id="1" name="">
+          <a:extLst>
+            <a:ext uri="{FF2B5EF4-FFF2-40B4-BE49-F238E27FC236}">
+              <a16:creationId xmlns:a16="http://schemas.microsoft.com/office/drawing/2014/main" id="{03680285-56D3-1835-DFFC-AB31F638EFEB}"/>
+            </a:ext>
+          </a:extLst>
+        </p:cNvPr>
+        <p:cNvGrpSpPr/>
+        <p:nvPr/>
+      </p:nvGrpSpPr>
+      <p:grpSpPr>
+        <a:xfrm>
+          <a:off x="0" y="0"/>
+          <a:ext cx="0" cy="0"/>
+          <a:chOff x="0" y="0"/>
+          <a:chExt cx="0" cy="0"/>
+        </a:xfrm>
+      </p:grpSpPr>
+      <p:sp>
+        <p:nvSpPr>
+          <p:cNvPr id="2" name="Title 1">
+            <a:extLst>
+              <a:ext uri="{FF2B5EF4-FFF2-40B4-BE49-F238E27FC236}">
+                <a16:creationId xmlns:a16="http://schemas.microsoft.com/office/drawing/2014/main" id="{43CFCB46-5A5D-AF6A-0988-D4174D6AC37A}"/>
+              </a:ext>
+            </a:extLst>
+          </p:cNvPr>
+          <p:cNvSpPr>
+            <a:spLocks noGrp="1"/>
+          </p:cNvSpPr>
+          <p:nvPr>
+            <p:ph type="title"/>
+          </p:nvPr>
+        </p:nvSpPr>
+        <p:spPr>
+          <a:xfrm>
+            <a:off x="838200" y="365125"/>
+            <a:ext cx="10515600" cy="1325563"/>
+          </a:xfrm>
+        </p:spPr>
+        <p:txBody>
+          <a:bodyPr/>
+          <a:lstStyle/>
+          <a:p>
+            <a:r>
+              <a:rPr lang="en-CH" dirty="0"/>
+              <a:t>EIP-7807: SSZ execution blocks</a:t>
+            </a:r>
+          </a:p>
+        </p:txBody>
+      </p:sp>
+      <p:sp>
+        <p:nvSpPr>
+          <p:cNvPr id="31" name="Rectangle 30">
+            <a:extLst>
+              <a:ext uri="{FF2B5EF4-FFF2-40B4-BE49-F238E27FC236}">
+                <a16:creationId xmlns:a16="http://schemas.microsoft.com/office/drawing/2014/main" id="{18F63E88-70E8-F07F-28A8-77AFDEF48DF1}"/>
+              </a:ext>
+            </a:extLst>
+          </p:cNvPr>
+          <p:cNvSpPr/>
+          <p:nvPr/>
+        </p:nvSpPr>
+        <p:spPr>
+          <a:xfrm>
+            <a:off x="838200" y="4100052"/>
+            <a:ext cx="9746226" cy="2020529"/>
+          </a:xfrm>
+          <a:prstGeom prst="rect">
+            <a:avLst/>
+          </a:prstGeom>
+          <a:gradFill flip="none" rotWithShape="1">
+            <a:gsLst>
+              <a:gs pos="20000">
+                <a:schemeClr val="accent5">
+                  <a:alpha val="50000"/>
+                </a:schemeClr>
+              </a:gs>
+              <a:gs pos="32000">
+                <a:schemeClr val="bg1"/>
+              </a:gs>
+            </a:gsLst>
+            <a:lin ang="0" scaled="1"/>
+            <a:tileRect/>
+          </a:gradFill>
+          <a:ln>
+            <a:noFill/>
+          </a:ln>
+        </p:spPr>
+        <p:style>
+          <a:lnRef idx="2">
+            <a:schemeClr val="accent1">
+              <a:shade val="15000"/>
+            </a:schemeClr>
+          </a:lnRef>
+          <a:fillRef idx="1">
+            <a:schemeClr val="accent1"/>
+          </a:fillRef>
+          <a:effectRef idx="0">
+            <a:schemeClr val="accent1"/>
+          </a:effectRef>
+          <a:fontRef idx="minor">
+            <a:schemeClr val="lt1"/>
+          </a:fontRef>
+        </p:style>
+        <p:txBody>
+          <a:bodyPr rtlCol="0" anchor="ctr"/>
+          <a:lstStyle/>
+          <a:p>
+            <a:pPr algn="ctr"/>
+            <a:endParaRPr lang="en-CH"/>
+          </a:p>
+        </p:txBody>
+      </p:sp>
+      <p:sp>
+        <p:nvSpPr>
+          <p:cNvPr id="5" name="Rectangle 4">
+            <a:extLst>
+              <a:ext uri="{FF2B5EF4-FFF2-40B4-BE49-F238E27FC236}">
                 <a16:creationId xmlns:a16="http://schemas.microsoft.com/office/drawing/2014/main" id="{D55D05C9-FDDD-6569-16B3-DA41551ADB62}"/>
               </a:ext>
             </a:extLst>
@@ -46019,7 +49774,7 @@
 </p:sld>
 </file>
 
-<file path=ppt/slides/slide27.xml><?xml version="1.0" encoding="utf-8"?>
+<file path=ppt/slides/slide28.xml><?xml version="1.0" encoding="utf-8"?>
 <p:sld xmlns:a="http://schemas.openxmlformats.org/drawingml/2006/main" xmlns:r="http://schemas.openxmlformats.org/officeDocument/2006/relationships" xmlns:p="http://schemas.openxmlformats.org/presentationml/2006/main">
   <p:cSld>
     <p:spTree>
@@ -46747,7 +50502,7 @@
 </p:sld>
 </file>
 
-<file path=ppt/slides/slide28.xml><?xml version="1.0" encoding="utf-8"?>
+<file path=ppt/slides/slide29.xml><?xml version="1.0" encoding="utf-8"?>
 <p:sld xmlns:a="http://schemas.openxmlformats.org/drawingml/2006/main" xmlns:r="http://schemas.openxmlformats.org/officeDocument/2006/relationships" xmlns:p="http://schemas.openxmlformats.org/presentationml/2006/main">
   <p:cSld>
     <p:spTree>
@@ -48072,873 +51827,6 @@
     <p:extLst>
       <p:ext uri="{BB962C8B-B14F-4D97-AF65-F5344CB8AC3E}">
         <p14:creationId xmlns:p14="http://schemas.microsoft.com/office/powerpoint/2010/main" val="2174005009"/>
-      </p:ext>
-    </p:extLst>
-  </p:cSld>
-  <p:clrMapOvr>
-    <a:masterClrMapping/>
-  </p:clrMapOvr>
-</p:sld>
-</file>
-
-<file path=ppt/slides/slide29.xml><?xml version="1.0" encoding="utf-8"?>
-<p:sld xmlns:a="http://schemas.openxmlformats.org/drawingml/2006/main" xmlns:r="http://schemas.openxmlformats.org/officeDocument/2006/relationships" xmlns:p="http://schemas.openxmlformats.org/presentationml/2006/main">
-  <p:cSld>
-    <p:spTree>
-      <p:nvGrpSpPr>
-        <p:cNvPr id="1" name="">
-          <a:extLst>
-            <a:ext uri="{FF2B5EF4-FFF2-40B4-BE49-F238E27FC236}">
-              <a16:creationId xmlns:a16="http://schemas.microsoft.com/office/drawing/2014/main" id="{1613BF90-2F4D-C3CE-DEE2-AB6C360D4CEA}"/>
-            </a:ext>
-          </a:extLst>
-        </p:cNvPr>
-        <p:cNvGrpSpPr/>
-        <p:nvPr/>
-      </p:nvGrpSpPr>
-      <p:grpSpPr>
-        <a:xfrm>
-          <a:off x="0" y="0"/>
-          <a:ext cx="0" cy="0"/>
-          <a:chOff x="0" y="0"/>
-          <a:chExt cx="0" cy="0"/>
-        </a:xfrm>
-      </p:grpSpPr>
-      <p:sp>
-        <p:nvSpPr>
-          <p:cNvPr id="2" name="Title 1">
-            <a:extLst>
-              <a:ext uri="{FF2B5EF4-FFF2-40B4-BE49-F238E27FC236}">
-                <a16:creationId xmlns:a16="http://schemas.microsoft.com/office/drawing/2014/main" id="{5F25460B-324D-D7FF-F740-29E444B76F39}"/>
-              </a:ext>
-            </a:extLst>
-          </p:cNvPr>
-          <p:cNvSpPr>
-            <a:spLocks noGrp="1"/>
-          </p:cNvSpPr>
-          <p:nvPr>
-            <p:ph type="title"/>
-          </p:nvPr>
-        </p:nvSpPr>
-        <p:spPr>
-          <a:xfrm>
-            <a:off x="838200" y="365125"/>
-            <a:ext cx="10515600" cy="1325563"/>
-          </a:xfrm>
-        </p:spPr>
-        <p:txBody>
-          <a:bodyPr/>
-          <a:lstStyle/>
-          <a:p>
-            <a:r>
-              <a:rPr lang="en-CH" dirty="0"/>
-              <a:t>Learn more</a:t>
-            </a:r>
-          </a:p>
-        </p:txBody>
-      </p:sp>
-      <p:sp>
-        <p:nvSpPr>
-          <p:cNvPr id="22" name="Rectangle 21">
-            <a:extLst>
-              <a:ext uri="{FF2B5EF4-FFF2-40B4-BE49-F238E27FC236}">
-                <a16:creationId xmlns:a16="http://schemas.microsoft.com/office/drawing/2014/main" id="{8351F1E9-8672-6463-30D4-340D88B4FCF7}"/>
-              </a:ext>
-            </a:extLst>
-          </p:cNvPr>
-          <p:cNvSpPr/>
-          <p:nvPr/>
-        </p:nvSpPr>
-        <p:spPr>
-          <a:xfrm>
-            <a:off x="838200" y="1883415"/>
-            <a:ext cx="9746226" cy="780993"/>
-          </a:xfrm>
-          <a:prstGeom prst="rect">
-            <a:avLst/>
-          </a:prstGeom>
-          <a:gradFill>
-            <a:gsLst>
-              <a:gs pos="20000">
-                <a:schemeClr val="accent1">
-                  <a:alpha val="50000"/>
-                </a:schemeClr>
-              </a:gs>
-              <a:gs pos="32000">
-                <a:schemeClr val="bg1"/>
-              </a:gs>
-            </a:gsLst>
-            <a:lin ang="0" scaled="1"/>
-          </a:gradFill>
-          <a:ln>
-            <a:noFill/>
-          </a:ln>
-        </p:spPr>
-        <p:style>
-          <a:lnRef idx="2">
-            <a:schemeClr val="accent1">
-              <a:shade val="15000"/>
-            </a:schemeClr>
-          </a:lnRef>
-          <a:fillRef idx="1">
-            <a:schemeClr val="accent1"/>
-          </a:fillRef>
-          <a:effectRef idx="0">
-            <a:schemeClr val="accent1"/>
-          </a:effectRef>
-          <a:fontRef idx="minor">
-            <a:schemeClr val="lt1"/>
-          </a:fontRef>
-        </p:style>
-        <p:txBody>
-          <a:bodyPr rtlCol="0" anchor="ctr"/>
-          <a:lstStyle/>
-          <a:p>
-            <a:pPr algn="ctr"/>
-            <a:endParaRPr lang="en-CH"/>
-          </a:p>
-        </p:txBody>
-      </p:sp>
-      <p:sp>
-        <p:nvSpPr>
-          <p:cNvPr id="24" name="Rectangle 23">
-            <a:extLst>
-              <a:ext uri="{FF2B5EF4-FFF2-40B4-BE49-F238E27FC236}">
-                <a16:creationId xmlns:a16="http://schemas.microsoft.com/office/drawing/2014/main" id="{A9A64119-993E-C160-7E44-0F937A7B9B24}"/>
-              </a:ext>
-            </a:extLst>
-          </p:cNvPr>
-          <p:cNvSpPr/>
-          <p:nvPr/>
-        </p:nvSpPr>
-        <p:spPr>
-          <a:xfrm>
-            <a:off x="838200" y="2655903"/>
-            <a:ext cx="9746226" cy="1444149"/>
-          </a:xfrm>
-          <a:prstGeom prst="rect">
-            <a:avLst/>
-          </a:prstGeom>
-          <a:gradFill>
-            <a:gsLst>
-              <a:gs pos="20000">
-                <a:schemeClr val="accent2">
-                  <a:alpha val="50000"/>
-                </a:schemeClr>
-              </a:gs>
-              <a:gs pos="32000">
-                <a:schemeClr val="bg1"/>
-              </a:gs>
-            </a:gsLst>
-            <a:lin ang="0" scaled="1"/>
-          </a:gradFill>
-          <a:ln>
-            <a:noFill/>
-          </a:ln>
-        </p:spPr>
-        <p:style>
-          <a:lnRef idx="2">
-            <a:schemeClr val="accent1">
-              <a:shade val="15000"/>
-            </a:schemeClr>
-          </a:lnRef>
-          <a:fillRef idx="1">
-            <a:schemeClr val="accent1"/>
-          </a:fillRef>
-          <a:effectRef idx="0">
-            <a:schemeClr val="accent1"/>
-          </a:effectRef>
-          <a:fontRef idx="minor">
-            <a:schemeClr val="lt1"/>
-          </a:fontRef>
-        </p:style>
-        <p:txBody>
-          <a:bodyPr rtlCol="0" anchor="ctr"/>
-          <a:lstStyle/>
-          <a:p>
-            <a:pPr algn="ctr"/>
-            <a:endParaRPr lang="en-CH"/>
-          </a:p>
-        </p:txBody>
-      </p:sp>
-      <p:sp>
-        <p:nvSpPr>
-          <p:cNvPr id="31" name="Rectangle 30">
-            <a:extLst>
-              <a:ext uri="{FF2B5EF4-FFF2-40B4-BE49-F238E27FC236}">
-                <a16:creationId xmlns:a16="http://schemas.microsoft.com/office/drawing/2014/main" id="{2156CB42-DA82-23F6-4F5C-496D6D15364B}"/>
-              </a:ext>
-            </a:extLst>
-          </p:cNvPr>
-          <p:cNvSpPr/>
-          <p:nvPr/>
-        </p:nvSpPr>
-        <p:spPr>
-          <a:xfrm>
-            <a:off x="838200" y="4100052"/>
-            <a:ext cx="9746226" cy="2020529"/>
-          </a:xfrm>
-          <a:prstGeom prst="rect">
-            <a:avLst/>
-          </a:prstGeom>
-          <a:gradFill flip="none" rotWithShape="1">
-            <a:gsLst>
-              <a:gs pos="20000">
-                <a:schemeClr val="accent5">
-                  <a:alpha val="50000"/>
-                </a:schemeClr>
-              </a:gs>
-              <a:gs pos="32000">
-                <a:schemeClr val="bg1"/>
-              </a:gs>
-            </a:gsLst>
-            <a:lin ang="0" scaled="1"/>
-            <a:tileRect/>
-          </a:gradFill>
-          <a:ln>
-            <a:noFill/>
-          </a:ln>
-        </p:spPr>
-        <p:style>
-          <a:lnRef idx="2">
-            <a:schemeClr val="accent1">
-              <a:shade val="15000"/>
-            </a:schemeClr>
-          </a:lnRef>
-          <a:fillRef idx="1">
-            <a:schemeClr val="accent1"/>
-          </a:fillRef>
-          <a:effectRef idx="0">
-            <a:schemeClr val="accent1"/>
-          </a:effectRef>
-          <a:fontRef idx="minor">
-            <a:schemeClr val="lt1"/>
-          </a:fontRef>
-        </p:style>
-        <p:txBody>
-          <a:bodyPr rtlCol="0" anchor="ctr"/>
-          <a:lstStyle/>
-          <a:p>
-            <a:pPr algn="ctr"/>
-            <a:endParaRPr lang="en-CH"/>
-          </a:p>
-        </p:txBody>
-      </p:sp>
-      <p:sp>
-        <p:nvSpPr>
-          <p:cNvPr id="5" name="Rectangle 4">
-            <a:extLst>
-              <a:ext uri="{FF2B5EF4-FFF2-40B4-BE49-F238E27FC236}">
-                <a16:creationId xmlns:a16="http://schemas.microsoft.com/office/drawing/2014/main" id="{BAEA87BF-3B37-237C-EE2C-3129CAB21F6A}"/>
-              </a:ext>
-            </a:extLst>
-          </p:cNvPr>
-          <p:cNvSpPr/>
-          <p:nvPr/>
-        </p:nvSpPr>
-        <p:spPr>
-          <a:xfrm>
-            <a:off x="955254" y="1985547"/>
-            <a:ext cx="2106592" cy="555585"/>
-          </a:xfrm>
-          <a:prstGeom prst="rect">
-            <a:avLst/>
-          </a:prstGeom>
-          <a:solidFill>
-            <a:srgbClr val="00B0F0"/>
-          </a:solidFill>
-        </p:spPr>
-        <p:style>
-          <a:lnRef idx="2">
-            <a:schemeClr val="accent1"/>
-          </a:lnRef>
-          <a:fillRef idx="1">
-            <a:schemeClr val="lt1"/>
-          </a:fillRef>
-          <a:effectRef idx="0">
-            <a:schemeClr val="accent1"/>
-          </a:effectRef>
-          <a:fontRef idx="minor">
-            <a:schemeClr val="dk1"/>
-          </a:fontRef>
-        </p:style>
-        <p:txBody>
-          <a:bodyPr rtlCol="0" anchor="ctr"/>
-          <a:lstStyle/>
-          <a:p>
-            <a:pPr algn="ctr"/>
-            <a:r>
-              <a:rPr lang="en-CH" b="1" dirty="0"/>
-              <a:t>4.75 ETH</a:t>
-            </a:r>
-          </a:p>
-        </p:txBody>
-      </p:sp>
-      <p:sp>
-        <p:nvSpPr>
-          <p:cNvPr id="6" name="Rectangle 5">
-            <a:extLst>
-              <a:ext uri="{FF2B5EF4-FFF2-40B4-BE49-F238E27FC236}">
-                <a16:creationId xmlns:a16="http://schemas.microsoft.com/office/drawing/2014/main" id="{25FA9510-E037-EF3E-0BE5-72C2CB5A2EC3}"/>
-              </a:ext>
-            </a:extLst>
-          </p:cNvPr>
-          <p:cNvSpPr/>
-          <p:nvPr/>
-        </p:nvSpPr>
-        <p:spPr>
-          <a:xfrm>
-            <a:off x="955254" y="2782708"/>
-            <a:ext cx="1018572" cy="555585"/>
-          </a:xfrm>
-          <a:prstGeom prst="rect">
-            <a:avLst/>
-          </a:prstGeom>
-          <a:solidFill>
-            <a:srgbClr val="FFC000"/>
-          </a:solidFill>
-        </p:spPr>
-        <p:style>
-          <a:lnRef idx="2">
-            <a:schemeClr val="accent1"/>
-          </a:lnRef>
-          <a:fillRef idx="1">
-            <a:schemeClr val="lt1"/>
-          </a:fillRef>
-          <a:effectRef idx="0">
-            <a:schemeClr val="accent1"/>
-          </a:effectRef>
-          <a:fontRef idx="minor">
-            <a:schemeClr val="dk1"/>
-          </a:fontRef>
-        </p:style>
-        <p:txBody>
-          <a:bodyPr rtlCol="0" anchor="ctr"/>
-          <a:lstStyle/>
-          <a:p>
-            <a:pPr algn="ctr"/>
-            <a:r>
-              <a:rPr lang="en-CH" sz="1400" b="1" dirty="0"/>
-              <a:t>0.1</a:t>
-            </a:r>
-            <a:br>
-              <a:rPr lang="en-CH" sz="1400" b="1" dirty="0"/>
-            </a:br>
-            <a:r>
-              <a:rPr lang="en-CH" sz="1400" b="1" dirty="0"/>
-              <a:t>BTC</a:t>
-            </a:r>
-          </a:p>
-        </p:txBody>
-      </p:sp>
-      <p:sp>
-        <p:nvSpPr>
-          <p:cNvPr id="7" name="Rectangle 6">
-            <a:extLst>
-              <a:ext uri="{FF2B5EF4-FFF2-40B4-BE49-F238E27FC236}">
-                <a16:creationId xmlns:a16="http://schemas.microsoft.com/office/drawing/2014/main" id="{FD93A1C4-0822-9966-DC61-BC23C62DF60C}"/>
-              </a:ext>
-            </a:extLst>
-          </p:cNvPr>
-          <p:cNvSpPr/>
-          <p:nvPr/>
-        </p:nvSpPr>
-        <p:spPr>
-          <a:xfrm>
-            <a:off x="955254" y="3417661"/>
-            <a:ext cx="1018572" cy="555585"/>
-          </a:xfrm>
-          <a:prstGeom prst="rect">
-            <a:avLst/>
-          </a:prstGeom>
-          <a:solidFill>
-            <a:srgbClr val="92D050"/>
-          </a:solidFill>
-        </p:spPr>
-        <p:style>
-          <a:lnRef idx="2">
-            <a:schemeClr val="accent1"/>
-          </a:lnRef>
-          <a:fillRef idx="1">
-            <a:schemeClr val="lt1"/>
-          </a:fillRef>
-          <a:effectRef idx="0">
-            <a:schemeClr val="accent1"/>
-          </a:effectRef>
-          <a:fontRef idx="minor">
-            <a:schemeClr val="dk1"/>
-          </a:fontRef>
-        </p:style>
-        <p:txBody>
-          <a:bodyPr rtlCol="0" anchor="ctr"/>
-          <a:lstStyle/>
-          <a:p>
-            <a:pPr algn="ctr"/>
-            <a:r>
-              <a:rPr lang="en-CH" sz="1400" b="1" dirty="0"/>
-              <a:t>500</a:t>
-            </a:r>
-            <a:br>
-              <a:rPr lang="en-CH" sz="1400" b="1" dirty="0"/>
-            </a:br>
-            <a:r>
-              <a:rPr lang="en-CH" sz="1400" b="1" dirty="0"/>
-              <a:t>USDC</a:t>
-            </a:r>
-          </a:p>
-        </p:txBody>
-      </p:sp>
-      <p:pic>
-        <p:nvPicPr>
-          <p:cNvPr id="10" name="Content Placeholder 9">
-            <a:extLst>
-              <a:ext uri="{FF2B5EF4-FFF2-40B4-BE49-F238E27FC236}">
-                <a16:creationId xmlns:a16="http://schemas.microsoft.com/office/drawing/2014/main" id="{8516CD10-2736-982B-91EF-CDB36138A028}"/>
-              </a:ext>
-            </a:extLst>
-          </p:cNvPr>
-          <p:cNvPicPr>
-            <a:picLocks noGrp="1" noChangeAspect="1"/>
-          </p:cNvPicPr>
-          <p:nvPr>
-            <p:ph idx="1"/>
-          </p:nvPr>
-        </p:nvPicPr>
-        <p:blipFill rotWithShape="1">
-          <a:blip r:embed="rId3" cstate="hqprint">
-            <a:alphaModFix/>
-            <a:extLst>
-              <a:ext uri="{28A0092B-C50C-407E-A947-70E740481C1C}">
-                <a14:useLocalDpi xmlns:a14="http://schemas.microsoft.com/office/drawing/2010/main"/>
-              </a:ext>
-            </a:extLst>
-          </a:blip>
-          <a:srcRect/>
-          <a:stretch/>
-        </p:blipFill>
-        <p:spPr>
-          <a:xfrm rot="5400000">
-            <a:off x="1959284" y="2870686"/>
-            <a:ext cx="1186552" cy="1018571"/>
-          </a:xfrm>
-          <a:ln w="19050">
-            <a:solidFill>
-              <a:schemeClr val="accent1"/>
-            </a:solidFill>
-          </a:ln>
-        </p:spPr>
-      </p:pic>
-      <p:sp>
-        <p:nvSpPr>
-          <p:cNvPr id="15" name="Rectangle 14">
-            <a:extLst>
-              <a:ext uri="{FF2B5EF4-FFF2-40B4-BE49-F238E27FC236}">
-                <a16:creationId xmlns:a16="http://schemas.microsoft.com/office/drawing/2014/main" id="{D6C36731-A9F9-4270-72B1-E8603F65FF97}"/>
-              </a:ext>
-            </a:extLst>
-          </p:cNvPr>
-          <p:cNvSpPr/>
-          <p:nvPr/>
-        </p:nvSpPr>
-        <p:spPr>
-          <a:xfrm>
-            <a:off x="955254" y="4214823"/>
-            <a:ext cx="2106592" cy="545690"/>
-          </a:xfrm>
-          <a:prstGeom prst="rect">
-            <a:avLst/>
-          </a:prstGeom>
-        </p:spPr>
-        <p:style>
-          <a:lnRef idx="2">
-            <a:schemeClr val="accent1"/>
-          </a:lnRef>
-          <a:fillRef idx="1">
-            <a:schemeClr val="lt1"/>
-          </a:fillRef>
-          <a:effectRef idx="0">
-            <a:schemeClr val="accent1"/>
-          </a:effectRef>
-          <a:fontRef idx="minor">
-            <a:schemeClr val="dk1"/>
-          </a:fontRef>
-        </p:style>
-        <p:txBody>
-          <a:bodyPr rtlCol="0" anchor="ctr"/>
-          <a:lstStyle/>
-          <a:p>
-            <a:pPr algn="ctr"/>
-            <a:r>
-              <a:rPr lang="en-CH" sz="1400" dirty="0">
-                <a:sym typeface="Wingdings" pitchFamily="2" charset="2"/>
-              </a:rPr>
-              <a:t> theprotocolguild.eth 2024-11-12       –50 USDC</a:t>
-            </a:r>
-            <a:endParaRPr lang="en-CH" sz="1400" dirty="0"/>
-          </a:p>
-        </p:txBody>
-      </p:sp>
-      <p:sp>
-        <p:nvSpPr>
-          <p:cNvPr id="16" name="Rectangle 15">
-            <a:extLst>
-              <a:ext uri="{FF2B5EF4-FFF2-40B4-BE49-F238E27FC236}">
-                <a16:creationId xmlns:a16="http://schemas.microsoft.com/office/drawing/2014/main" id="{47C404E0-CEBE-1589-D41A-15221803305A}"/>
-              </a:ext>
-            </a:extLst>
-          </p:cNvPr>
-          <p:cNvSpPr/>
-          <p:nvPr/>
-        </p:nvSpPr>
-        <p:spPr>
-          <a:xfrm>
-            <a:off x="955254" y="4832215"/>
-            <a:ext cx="2106592" cy="545690"/>
-          </a:xfrm>
-          <a:prstGeom prst="rect">
-            <a:avLst/>
-          </a:prstGeom>
-        </p:spPr>
-        <p:style>
-          <a:lnRef idx="2">
-            <a:schemeClr val="accent1"/>
-          </a:lnRef>
-          <a:fillRef idx="1">
-            <a:schemeClr val="lt1"/>
-          </a:fillRef>
-          <a:effectRef idx="0">
-            <a:schemeClr val="accent1"/>
-          </a:effectRef>
-          <a:fontRef idx="minor">
-            <a:schemeClr val="dk1"/>
-          </a:fontRef>
-        </p:style>
-        <p:txBody>
-          <a:bodyPr rtlCol="0" anchor="ctr"/>
-          <a:lstStyle/>
-          <a:p>
-            <a:pPr algn="ctr"/>
-            <a:r>
-              <a:rPr lang="en-CH" sz="1400" dirty="0">
-                <a:sym typeface="Wingdings" pitchFamily="2" charset="2"/>
-              </a:rPr>
-              <a:t> vitalik.eth</a:t>
-            </a:r>
-            <a:br>
-              <a:rPr lang="en-CH" sz="1400" dirty="0">
-                <a:sym typeface="Wingdings" pitchFamily="2" charset="2"/>
-              </a:rPr>
-            </a:br>
-            <a:r>
-              <a:rPr lang="en-CH" sz="1400" dirty="0">
-                <a:sym typeface="Wingdings" pitchFamily="2" charset="2"/>
-              </a:rPr>
-              <a:t>2024-11-11                1 ETH</a:t>
-            </a:r>
-            <a:endParaRPr lang="en-CH" sz="1400" dirty="0"/>
-          </a:p>
-        </p:txBody>
-      </p:sp>
-      <p:sp>
-        <p:nvSpPr>
-          <p:cNvPr id="17" name="Rectangle 16">
-            <a:extLst>
-              <a:ext uri="{FF2B5EF4-FFF2-40B4-BE49-F238E27FC236}">
-                <a16:creationId xmlns:a16="http://schemas.microsoft.com/office/drawing/2014/main" id="{55560814-2455-F4CC-5EB3-5C6F807E5A3F}"/>
-              </a:ext>
-            </a:extLst>
-          </p:cNvPr>
-          <p:cNvSpPr/>
-          <p:nvPr/>
-        </p:nvSpPr>
-        <p:spPr>
-          <a:xfrm>
-            <a:off x="955254" y="5452604"/>
-            <a:ext cx="2106592" cy="545690"/>
-          </a:xfrm>
-          <a:prstGeom prst="rect">
-            <a:avLst/>
-          </a:prstGeom>
-        </p:spPr>
-        <p:style>
-          <a:lnRef idx="2">
-            <a:schemeClr val="accent1"/>
-          </a:lnRef>
-          <a:fillRef idx="1">
-            <a:schemeClr val="lt1"/>
-          </a:fillRef>
-          <a:effectRef idx="0">
-            <a:schemeClr val="accent1"/>
-          </a:effectRef>
-          <a:fontRef idx="minor">
-            <a:schemeClr val="dk1"/>
-          </a:fontRef>
-        </p:style>
-        <p:txBody>
-          <a:bodyPr rtlCol="0" anchor="ctr"/>
-          <a:lstStyle/>
-          <a:p>
-            <a:pPr algn="ctr"/>
-            <a:r>
-              <a:rPr lang="en-CH" sz="1400" dirty="0">
-                <a:sym typeface="Wingdings" pitchFamily="2" charset="2"/>
-              </a:rPr>
-              <a:t>🎉 Block #123 produced</a:t>
-            </a:r>
-            <a:br>
-              <a:rPr lang="en-CH" sz="1400" dirty="0">
-                <a:sym typeface="Wingdings" pitchFamily="2" charset="2"/>
-              </a:rPr>
-            </a:br>
-            <a:r>
-              <a:rPr lang="en-CH" sz="1400" dirty="0">
-                <a:sym typeface="Wingdings" pitchFamily="2" charset="2"/>
-              </a:rPr>
-              <a:t>2024-11-09         0.08 ETH</a:t>
-            </a:r>
-            <a:endParaRPr lang="en-CH" sz="1400" dirty="0"/>
-          </a:p>
-        </p:txBody>
-      </p:sp>
-      <p:sp>
-        <p:nvSpPr>
-          <p:cNvPr id="36" name="TextBox 35">
-            <a:extLst>
-              <a:ext uri="{FF2B5EF4-FFF2-40B4-BE49-F238E27FC236}">
-                <a16:creationId xmlns:a16="http://schemas.microsoft.com/office/drawing/2014/main" id="{CE526EFD-7C14-EA46-5987-7305DE27F9FF}"/>
-              </a:ext>
-            </a:extLst>
-          </p:cNvPr>
-          <p:cNvSpPr txBox="1"/>
-          <p:nvPr/>
-        </p:nvSpPr>
-        <p:spPr>
-          <a:xfrm>
-            <a:off x="3935358" y="1985547"/>
-            <a:ext cx="6400800" cy="3970318"/>
-          </a:xfrm>
-          <a:prstGeom prst="rect">
-            <a:avLst/>
-          </a:prstGeom>
-          <a:noFill/>
-        </p:spPr>
-        <p:txBody>
-          <a:bodyPr wrap="square" rtlCol="0">
-            <a:spAutoFit/>
-          </a:bodyPr>
-          <a:lstStyle/>
-          <a:p>
-            <a:r>
-              <a:rPr lang="en-CH" sz="2800" dirty="0"/>
-              <a:t>Devnet</a:t>
-            </a:r>
-          </a:p>
-          <a:p>
-            <a:r>
-              <a:rPr lang="en-CH" sz="2000" dirty="0"/>
-              <a:t>Nimbus + EthereumJS + Helios</a:t>
-            </a:r>
-          </a:p>
-          <a:p>
-            <a:endParaRPr lang="en-CH" sz="2000" dirty="0"/>
-          </a:p>
-          <a:p>
-            <a:r>
-              <a:rPr lang="en-CH" sz="2800" dirty="0"/>
-              <a:t>Buidling guides</a:t>
-            </a:r>
-          </a:p>
-          <a:p>
-            <a:r>
-              <a:rPr lang="en-CH" sz="2000" dirty="0"/>
-              <a:t>Verifying wallets</a:t>
-            </a:r>
-          </a:p>
-          <a:p>
-            <a:r>
-              <a:rPr lang="en-CH" sz="2000" dirty="0"/>
-              <a:t>Web3 purifiers</a:t>
-            </a:r>
-          </a:p>
-          <a:p>
-            <a:endParaRPr lang="en-CH" sz="2800" dirty="0"/>
-          </a:p>
-          <a:p>
-            <a:r>
-              <a:rPr lang="en-CH" sz="2800" dirty="0"/>
-              <a:t>Developer tools</a:t>
-            </a:r>
-          </a:p>
-          <a:p>
-            <a:r>
-              <a:rPr lang="en-CH" sz="2000" dirty="0">
-                <a:sym typeface="Wingdings" pitchFamily="2" charset="2"/>
-              </a:rPr>
-              <a:t>Kurtosis network config</a:t>
-            </a:r>
-            <a:endParaRPr lang="en-CH" sz="2000" dirty="0"/>
-          </a:p>
-          <a:p>
-            <a:r>
-              <a:rPr lang="en-CH" sz="2000" dirty="0"/>
-              <a:t>RLP </a:t>
-            </a:r>
-            <a:r>
-              <a:rPr lang="en-CH" sz="2000" dirty="0">
-                <a:sym typeface="Wingdings" pitchFamily="2" charset="2"/>
-              </a:rPr>
-              <a:t> SSZ converting explorer</a:t>
-            </a:r>
-          </a:p>
-          <a:p>
-            <a:r>
-              <a:rPr lang="en-CH" sz="2000" dirty="0">
-                <a:sym typeface="Wingdings" pitchFamily="2" charset="2"/>
-              </a:rPr>
-              <a:t>SSZ StableContainer implementations</a:t>
-            </a:r>
-          </a:p>
-        </p:txBody>
-      </p:sp>
-      <p:sp>
-        <p:nvSpPr>
-          <p:cNvPr id="3" name="Rectangle 2">
-            <a:extLst>
-              <a:ext uri="{FF2B5EF4-FFF2-40B4-BE49-F238E27FC236}">
-                <a16:creationId xmlns:a16="http://schemas.microsoft.com/office/drawing/2014/main" id="{E7A89788-8B38-4D10-B6AA-65BA405B2243}"/>
-              </a:ext>
-            </a:extLst>
-          </p:cNvPr>
-          <p:cNvSpPr/>
-          <p:nvPr/>
-        </p:nvSpPr>
-        <p:spPr>
-          <a:xfrm>
-            <a:off x="838200" y="1883415"/>
-            <a:ext cx="2347452" cy="4237166"/>
-          </a:xfrm>
-          <a:prstGeom prst="rect">
-            <a:avLst/>
-          </a:prstGeom>
-          <a:noFill/>
-          <a:ln w="38100">
-            <a:solidFill>
-              <a:schemeClr val="accent1"/>
-            </a:solidFill>
-          </a:ln>
-        </p:spPr>
-        <p:style>
-          <a:lnRef idx="2">
-            <a:schemeClr val="accent1">
-              <a:shade val="15000"/>
-            </a:schemeClr>
-          </a:lnRef>
-          <a:fillRef idx="1">
-            <a:schemeClr val="accent1"/>
-          </a:fillRef>
-          <a:effectRef idx="0">
-            <a:schemeClr val="accent1"/>
-          </a:effectRef>
-          <a:fontRef idx="minor">
-            <a:schemeClr val="lt1"/>
-          </a:fontRef>
-        </p:style>
-        <p:txBody>
-          <a:bodyPr rtlCol="0" anchor="ctr"/>
-          <a:lstStyle/>
-          <a:p>
-            <a:pPr algn="ctr"/>
-            <a:endParaRPr lang="en-CH"/>
-          </a:p>
-        </p:txBody>
-      </p:sp>
-      <p:pic>
-        <p:nvPicPr>
-          <p:cNvPr id="8" name="Picture 2" descr="A QR Code">
-            <a:extLst>
-              <a:ext uri="{FF2B5EF4-FFF2-40B4-BE49-F238E27FC236}">
-                <a16:creationId xmlns:a16="http://schemas.microsoft.com/office/drawing/2014/main" id="{0AD5CDDF-DB5B-BDB5-0C23-2C8809591893}"/>
-              </a:ext>
-            </a:extLst>
-          </p:cNvPr>
-          <p:cNvPicPr>
-            <a:picLocks noChangeAspect="1" noChangeArrowheads="1"/>
-          </p:cNvPicPr>
-          <p:nvPr/>
-        </p:nvPicPr>
-        <p:blipFill>
-          <a:blip r:embed="rId4">
-            <a:extLst>
-              <a:ext uri="{28A0092B-C50C-407E-A947-70E740481C1C}">
-                <a14:useLocalDpi xmlns:a14="http://schemas.microsoft.com/office/drawing/2010/main" val="0"/>
-              </a:ext>
-            </a:extLst>
-          </a:blip>
-          <a:srcRect/>
-          <a:stretch>
-            <a:fillRect/>
-          </a:stretch>
-        </p:blipFill>
-        <p:spPr bwMode="auto">
-          <a:xfrm>
-            <a:off x="8517610" y="1883415"/>
-            <a:ext cx="2719136" cy="2719136"/>
-          </a:xfrm>
-          <a:prstGeom prst="rect">
-            <a:avLst/>
-          </a:prstGeom>
-          <a:noFill/>
-          <a:extLst>
-            <a:ext uri="{909E8E84-426E-40DD-AFC4-6F175D3DCCD1}">
-              <a14:hiddenFill xmlns:a14="http://schemas.microsoft.com/office/drawing/2010/main">
-                <a:solidFill>
-                  <a:srgbClr val="FFFFFF"/>
-                </a:solidFill>
-              </a14:hiddenFill>
-            </a:ext>
-          </a:extLst>
-        </p:spPr>
-      </p:pic>
-      <p:sp>
-        <p:nvSpPr>
-          <p:cNvPr id="11" name="TextBox 10">
-            <a:extLst>
-              <a:ext uri="{FF2B5EF4-FFF2-40B4-BE49-F238E27FC236}">
-                <a16:creationId xmlns:a16="http://schemas.microsoft.com/office/drawing/2014/main" id="{CF6CA57A-748B-EA6D-D523-38B86FBE010D}"/>
-              </a:ext>
-            </a:extLst>
-          </p:cNvPr>
-          <p:cNvSpPr txBox="1"/>
-          <p:nvPr/>
-        </p:nvSpPr>
-        <p:spPr>
-          <a:xfrm>
-            <a:off x="8041745" y="4493601"/>
-            <a:ext cx="3640918" cy="461665"/>
-          </a:xfrm>
-          <a:prstGeom prst="rect">
-            <a:avLst/>
-          </a:prstGeom>
-          <a:noFill/>
-        </p:spPr>
-        <p:txBody>
-          <a:bodyPr wrap="square" rtlCol="0">
-            <a:spAutoFit/>
-          </a:bodyPr>
-          <a:lstStyle/>
-          <a:p>
-            <a:pPr algn="ctr"/>
-            <a:r>
-              <a:rPr lang="en-CH" sz="2400" b="1" dirty="0"/>
-              <a:t>https://fusaka-light.box</a:t>
-            </a:r>
-          </a:p>
-        </p:txBody>
-      </p:sp>
-    </p:spTree>
-    <p:extLst>
-      <p:ext uri="{BB962C8B-B14F-4D97-AF65-F5344CB8AC3E}">
-        <p14:creationId xmlns:p14="http://schemas.microsoft.com/office/powerpoint/2010/main" val="745918056"/>
       </p:ext>
     </p:extLst>
   </p:cSld>
@@ -50154,6 +53042,873 @@
 </file>
 
 <file path=ppt/slides/slide30.xml><?xml version="1.0" encoding="utf-8"?>
+<p:sld xmlns:a="http://schemas.openxmlformats.org/drawingml/2006/main" xmlns:r="http://schemas.openxmlformats.org/officeDocument/2006/relationships" xmlns:p="http://schemas.openxmlformats.org/presentationml/2006/main">
+  <p:cSld>
+    <p:spTree>
+      <p:nvGrpSpPr>
+        <p:cNvPr id="1" name="">
+          <a:extLst>
+            <a:ext uri="{FF2B5EF4-FFF2-40B4-BE49-F238E27FC236}">
+              <a16:creationId xmlns:a16="http://schemas.microsoft.com/office/drawing/2014/main" id="{1613BF90-2F4D-C3CE-DEE2-AB6C360D4CEA}"/>
+            </a:ext>
+          </a:extLst>
+        </p:cNvPr>
+        <p:cNvGrpSpPr/>
+        <p:nvPr/>
+      </p:nvGrpSpPr>
+      <p:grpSpPr>
+        <a:xfrm>
+          <a:off x="0" y="0"/>
+          <a:ext cx="0" cy="0"/>
+          <a:chOff x="0" y="0"/>
+          <a:chExt cx="0" cy="0"/>
+        </a:xfrm>
+      </p:grpSpPr>
+      <p:sp>
+        <p:nvSpPr>
+          <p:cNvPr id="2" name="Title 1">
+            <a:extLst>
+              <a:ext uri="{FF2B5EF4-FFF2-40B4-BE49-F238E27FC236}">
+                <a16:creationId xmlns:a16="http://schemas.microsoft.com/office/drawing/2014/main" id="{5F25460B-324D-D7FF-F740-29E444B76F39}"/>
+              </a:ext>
+            </a:extLst>
+          </p:cNvPr>
+          <p:cNvSpPr>
+            <a:spLocks noGrp="1"/>
+          </p:cNvSpPr>
+          <p:nvPr>
+            <p:ph type="title"/>
+          </p:nvPr>
+        </p:nvSpPr>
+        <p:spPr>
+          <a:xfrm>
+            <a:off x="838200" y="365125"/>
+            <a:ext cx="10515600" cy="1325563"/>
+          </a:xfrm>
+        </p:spPr>
+        <p:txBody>
+          <a:bodyPr/>
+          <a:lstStyle/>
+          <a:p>
+            <a:r>
+              <a:rPr lang="en-CH" dirty="0"/>
+              <a:t>Learn more</a:t>
+            </a:r>
+          </a:p>
+        </p:txBody>
+      </p:sp>
+      <p:sp>
+        <p:nvSpPr>
+          <p:cNvPr id="22" name="Rectangle 21">
+            <a:extLst>
+              <a:ext uri="{FF2B5EF4-FFF2-40B4-BE49-F238E27FC236}">
+                <a16:creationId xmlns:a16="http://schemas.microsoft.com/office/drawing/2014/main" id="{8351F1E9-8672-6463-30D4-340D88B4FCF7}"/>
+              </a:ext>
+            </a:extLst>
+          </p:cNvPr>
+          <p:cNvSpPr/>
+          <p:nvPr/>
+        </p:nvSpPr>
+        <p:spPr>
+          <a:xfrm>
+            <a:off x="838200" y="1883415"/>
+            <a:ext cx="9746226" cy="780993"/>
+          </a:xfrm>
+          <a:prstGeom prst="rect">
+            <a:avLst/>
+          </a:prstGeom>
+          <a:gradFill>
+            <a:gsLst>
+              <a:gs pos="20000">
+                <a:schemeClr val="accent1">
+                  <a:alpha val="50000"/>
+                </a:schemeClr>
+              </a:gs>
+              <a:gs pos="32000">
+                <a:schemeClr val="bg1"/>
+              </a:gs>
+            </a:gsLst>
+            <a:lin ang="0" scaled="1"/>
+          </a:gradFill>
+          <a:ln>
+            <a:noFill/>
+          </a:ln>
+        </p:spPr>
+        <p:style>
+          <a:lnRef idx="2">
+            <a:schemeClr val="accent1">
+              <a:shade val="15000"/>
+            </a:schemeClr>
+          </a:lnRef>
+          <a:fillRef idx="1">
+            <a:schemeClr val="accent1"/>
+          </a:fillRef>
+          <a:effectRef idx="0">
+            <a:schemeClr val="accent1"/>
+          </a:effectRef>
+          <a:fontRef idx="minor">
+            <a:schemeClr val="lt1"/>
+          </a:fontRef>
+        </p:style>
+        <p:txBody>
+          <a:bodyPr rtlCol="0" anchor="ctr"/>
+          <a:lstStyle/>
+          <a:p>
+            <a:pPr algn="ctr"/>
+            <a:endParaRPr lang="en-CH"/>
+          </a:p>
+        </p:txBody>
+      </p:sp>
+      <p:sp>
+        <p:nvSpPr>
+          <p:cNvPr id="24" name="Rectangle 23">
+            <a:extLst>
+              <a:ext uri="{FF2B5EF4-FFF2-40B4-BE49-F238E27FC236}">
+                <a16:creationId xmlns:a16="http://schemas.microsoft.com/office/drawing/2014/main" id="{A9A64119-993E-C160-7E44-0F937A7B9B24}"/>
+              </a:ext>
+            </a:extLst>
+          </p:cNvPr>
+          <p:cNvSpPr/>
+          <p:nvPr/>
+        </p:nvSpPr>
+        <p:spPr>
+          <a:xfrm>
+            <a:off x="838200" y="2655903"/>
+            <a:ext cx="9746226" cy="1444149"/>
+          </a:xfrm>
+          <a:prstGeom prst="rect">
+            <a:avLst/>
+          </a:prstGeom>
+          <a:gradFill>
+            <a:gsLst>
+              <a:gs pos="20000">
+                <a:schemeClr val="accent2">
+                  <a:alpha val="50000"/>
+                </a:schemeClr>
+              </a:gs>
+              <a:gs pos="32000">
+                <a:schemeClr val="bg1"/>
+              </a:gs>
+            </a:gsLst>
+            <a:lin ang="0" scaled="1"/>
+          </a:gradFill>
+          <a:ln>
+            <a:noFill/>
+          </a:ln>
+        </p:spPr>
+        <p:style>
+          <a:lnRef idx="2">
+            <a:schemeClr val="accent1">
+              <a:shade val="15000"/>
+            </a:schemeClr>
+          </a:lnRef>
+          <a:fillRef idx="1">
+            <a:schemeClr val="accent1"/>
+          </a:fillRef>
+          <a:effectRef idx="0">
+            <a:schemeClr val="accent1"/>
+          </a:effectRef>
+          <a:fontRef idx="minor">
+            <a:schemeClr val="lt1"/>
+          </a:fontRef>
+        </p:style>
+        <p:txBody>
+          <a:bodyPr rtlCol="0" anchor="ctr"/>
+          <a:lstStyle/>
+          <a:p>
+            <a:pPr algn="ctr"/>
+            <a:endParaRPr lang="en-CH"/>
+          </a:p>
+        </p:txBody>
+      </p:sp>
+      <p:sp>
+        <p:nvSpPr>
+          <p:cNvPr id="31" name="Rectangle 30">
+            <a:extLst>
+              <a:ext uri="{FF2B5EF4-FFF2-40B4-BE49-F238E27FC236}">
+                <a16:creationId xmlns:a16="http://schemas.microsoft.com/office/drawing/2014/main" id="{2156CB42-DA82-23F6-4F5C-496D6D15364B}"/>
+              </a:ext>
+            </a:extLst>
+          </p:cNvPr>
+          <p:cNvSpPr/>
+          <p:nvPr/>
+        </p:nvSpPr>
+        <p:spPr>
+          <a:xfrm>
+            <a:off x="838200" y="4100052"/>
+            <a:ext cx="9746226" cy="2020529"/>
+          </a:xfrm>
+          <a:prstGeom prst="rect">
+            <a:avLst/>
+          </a:prstGeom>
+          <a:gradFill flip="none" rotWithShape="1">
+            <a:gsLst>
+              <a:gs pos="20000">
+                <a:schemeClr val="accent5">
+                  <a:alpha val="50000"/>
+                </a:schemeClr>
+              </a:gs>
+              <a:gs pos="32000">
+                <a:schemeClr val="bg1"/>
+              </a:gs>
+            </a:gsLst>
+            <a:lin ang="0" scaled="1"/>
+            <a:tileRect/>
+          </a:gradFill>
+          <a:ln>
+            <a:noFill/>
+          </a:ln>
+        </p:spPr>
+        <p:style>
+          <a:lnRef idx="2">
+            <a:schemeClr val="accent1">
+              <a:shade val="15000"/>
+            </a:schemeClr>
+          </a:lnRef>
+          <a:fillRef idx="1">
+            <a:schemeClr val="accent1"/>
+          </a:fillRef>
+          <a:effectRef idx="0">
+            <a:schemeClr val="accent1"/>
+          </a:effectRef>
+          <a:fontRef idx="minor">
+            <a:schemeClr val="lt1"/>
+          </a:fontRef>
+        </p:style>
+        <p:txBody>
+          <a:bodyPr rtlCol="0" anchor="ctr"/>
+          <a:lstStyle/>
+          <a:p>
+            <a:pPr algn="ctr"/>
+            <a:endParaRPr lang="en-CH"/>
+          </a:p>
+        </p:txBody>
+      </p:sp>
+      <p:sp>
+        <p:nvSpPr>
+          <p:cNvPr id="5" name="Rectangle 4">
+            <a:extLst>
+              <a:ext uri="{FF2B5EF4-FFF2-40B4-BE49-F238E27FC236}">
+                <a16:creationId xmlns:a16="http://schemas.microsoft.com/office/drawing/2014/main" id="{BAEA87BF-3B37-237C-EE2C-3129CAB21F6A}"/>
+              </a:ext>
+            </a:extLst>
+          </p:cNvPr>
+          <p:cNvSpPr/>
+          <p:nvPr/>
+        </p:nvSpPr>
+        <p:spPr>
+          <a:xfrm>
+            <a:off x="955254" y="1985547"/>
+            <a:ext cx="2106592" cy="555585"/>
+          </a:xfrm>
+          <a:prstGeom prst="rect">
+            <a:avLst/>
+          </a:prstGeom>
+          <a:solidFill>
+            <a:srgbClr val="00B0F0"/>
+          </a:solidFill>
+        </p:spPr>
+        <p:style>
+          <a:lnRef idx="2">
+            <a:schemeClr val="accent1"/>
+          </a:lnRef>
+          <a:fillRef idx="1">
+            <a:schemeClr val="lt1"/>
+          </a:fillRef>
+          <a:effectRef idx="0">
+            <a:schemeClr val="accent1"/>
+          </a:effectRef>
+          <a:fontRef idx="minor">
+            <a:schemeClr val="dk1"/>
+          </a:fontRef>
+        </p:style>
+        <p:txBody>
+          <a:bodyPr rtlCol="0" anchor="ctr"/>
+          <a:lstStyle/>
+          <a:p>
+            <a:pPr algn="ctr"/>
+            <a:r>
+              <a:rPr lang="en-CH" b="1" dirty="0"/>
+              <a:t>4.75 ETH</a:t>
+            </a:r>
+          </a:p>
+        </p:txBody>
+      </p:sp>
+      <p:sp>
+        <p:nvSpPr>
+          <p:cNvPr id="6" name="Rectangle 5">
+            <a:extLst>
+              <a:ext uri="{FF2B5EF4-FFF2-40B4-BE49-F238E27FC236}">
+                <a16:creationId xmlns:a16="http://schemas.microsoft.com/office/drawing/2014/main" id="{25FA9510-E037-EF3E-0BE5-72C2CB5A2EC3}"/>
+              </a:ext>
+            </a:extLst>
+          </p:cNvPr>
+          <p:cNvSpPr/>
+          <p:nvPr/>
+        </p:nvSpPr>
+        <p:spPr>
+          <a:xfrm>
+            <a:off x="955254" y="2782708"/>
+            <a:ext cx="1018572" cy="555585"/>
+          </a:xfrm>
+          <a:prstGeom prst="rect">
+            <a:avLst/>
+          </a:prstGeom>
+          <a:solidFill>
+            <a:srgbClr val="FFC000"/>
+          </a:solidFill>
+        </p:spPr>
+        <p:style>
+          <a:lnRef idx="2">
+            <a:schemeClr val="accent1"/>
+          </a:lnRef>
+          <a:fillRef idx="1">
+            <a:schemeClr val="lt1"/>
+          </a:fillRef>
+          <a:effectRef idx="0">
+            <a:schemeClr val="accent1"/>
+          </a:effectRef>
+          <a:fontRef idx="minor">
+            <a:schemeClr val="dk1"/>
+          </a:fontRef>
+        </p:style>
+        <p:txBody>
+          <a:bodyPr rtlCol="0" anchor="ctr"/>
+          <a:lstStyle/>
+          <a:p>
+            <a:pPr algn="ctr"/>
+            <a:r>
+              <a:rPr lang="en-CH" sz="1400" b="1" dirty="0"/>
+              <a:t>0.1</a:t>
+            </a:r>
+            <a:br>
+              <a:rPr lang="en-CH" sz="1400" b="1" dirty="0"/>
+            </a:br>
+            <a:r>
+              <a:rPr lang="en-CH" sz="1400" b="1" dirty="0"/>
+              <a:t>BTC</a:t>
+            </a:r>
+          </a:p>
+        </p:txBody>
+      </p:sp>
+      <p:sp>
+        <p:nvSpPr>
+          <p:cNvPr id="7" name="Rectangle 6">
+            <a:extLst>
+              <a:ext uri="{FF2B5EF4-FFF2-40B4-BE49-F238E27FC236}">
+                <a16:creationId xmlns:a16="http://schemas.microsoft.com/office/drawing/2014/main" id="{FD93A1C4-0822-9966-DC61-BC23C62DF60C}"/>
+              </a:ext>
+            </a:extLst>
+          </p:cNvPr>
+          <p:cNvSpPr/>
+          <p:nvPr/>
+        </p:nvSpPr>
+        <p:spPr>
+          <a:xfrm>
+            <a:off x="955254" y="3417661"/>
+            <a:ext cx="1018572" cy="555585"/>
+          </a:xfrm>
+          <a:prstGeom prst="rect">
+            <a:avLst/>
+          </a:prstGeom>
+          <a:solidFill>
+            <a:srgbClr val="92D050"/>
+          </a:solidFill>
+        </p:spPr>
+        <p:style>
+          <a:lnRef idx="2">
+            <a:schemeClr val="accent1"/>
+          </a:lnRef>
+          <a:fillRef idx="1">
+            <a:schemeClr val="lt1"/>
+          </a:fillRef>
+          <a:effectRef idx="0">
+            <a:schemeClr val="accent1"/>
+          </a:effectRef>
+          <a:fontRef idx="minor">
+            <a:schemeClr val="dk1"/>
+          </a:fontRef>
+        </p:style>
+        <p:txBody>
+          <a:bodyPr rtlCol="0" anchor="ctr"/>
+          <a:lstStyle/>
+          <a:p>
+            <a:pPr algn="ctr"/>
+            <a:r>
+              <a:rPr lang="en-CH" sz="1400" b="1" dirty="0"/>
+              <a:t>500</a:t>
+            </a:r>
+            <a:br>
+              <a:rPr lang="en-CH" sz="1400" b="1" dirty="0"/>
+            </a:br>
+            <a:r>
+              <a:rPr lang="en-CH" sz="1400" b="1" dirty="0"/>
+              <a:t>USDC</a:t>
+            </a:r>
+          </a:p>
+        </p:txBody>
+      </p:sp>
+      <p:pic>
+        <p:nvPicPr>
+          <p:cNvPr id="10" name="Content Placeholder 9">
+            <a:extLst>
+              <a:ext uri="{FF2B5EF4-FFF2-40B4-BE49-F238E27FC236}">
+                <a16:creationId xmlns:a16="http://schemas.microsoft.com/office/drawing/2014/main" id="{8516CD10-2736-982B-91EF-CDB36138A028}"/>
+              </a:ext>
+            </a:extLst>
+          </p:cNvPr>
+          <p:cNvPicPr>
+            <a:picLocks noGrp="1" noChangeAspect="1"/>
+          </p:cNvPicPr>
+          <p:nvPr>
+            <p:ph idx="1"/>
+          </p:nvPr>
+        </p:nvPicPr>
+        <p:blipFill rotWithShape="1">
+          <a:blip r:embed="rId3" cstate="hqprint">
+            <a:alphaModFix/>
+            <a:extLst>
+              <a:ext uri="{28A0092B-C50C-407E-A947-70E740481C1C}">
+                <a14:useLocalDpi xmlns:a14="http://schemas.microsoft.com/office/drawing/2010/main"/>
+              </a:ext>
+            </a:extLst>
+          </a:blip>
+          <a:srcRect/>
+          <a:stretch/>
+        </p:blipFill>
+        <p:spPr>
+          <a:xfrm rot="5400000">
+            <a:off x="1959284" y="2870686"/>
+            <a:ext cx="1186552" cy="1018571"/>
+          </a:xfrm>
+          <a:ln w="19050">
+            <a:solidFill>
+              <a:schemeClr val="accent1"/>
+            </a:solidFill>
+          </a:ln>
+        </p:spPr>
+      </p:pic>
+      <p:sp>
+        <p:nvSpPr>
+          <p:cNvPr id="15" name="Rectangle 14">
+            <a:extLst>
+              <a:ext uri="{FF2B5EF4-FFF2-40B4-BE49-F238E27FC236}">
+                <a16:creationId xmlns:a16="http://schemas.microsoft.com/office/drawing/2014/main" id="{D6C36731-A9F9-4270-72B1-E8603F65FF97}"/>
+              </a:ext>
+            </a:extLst>
+          </p:cNvPr>
+          <p:cNvSpPr/>
+          <p:nvPr/>
+        </p:nvSpPr>
+        <p:spPr>
+          <a:xfrm>
+            <a:off x="955254" y="4214823"/>
+            <a:ext cx="2106592" cy="545690"/>
+          </a:xfrm>
+          <a:prstGeom prst="rect">
+            <a:avLst/>
+          </a:prstGeom>
+        </p:spPr>
+        <p:style>
+          <a:lnRef idx="2">
+            <a:schemeClr val="accent1"/>
+          </a:lnRef>
+          <a:fillRef idx="1">
+            <a:schemeClr val="lt1"/>
+          </a:fillRef>
+          <a:effectRef idx="0">
+            <a:schemeClr val="accent1"/>
+          </a:effectRef>
+          <a:fontRef idx="minor">
+            <a:schemeClr val="dk1"/>
+          </a:fontRef>
+        </p:style>
+        <p:txBody>
+          <a:bodyPr rtlCol="0" anchor="ctr"/>
+          <a:lstStyle/>
+          <a:p>
+            <a:pPr algn="ctr"/>
+            <a:r>
+              <a:rPr lang="en-CH" sz="1400" dirty="0">
+                <a:sym typeface="Wingdings" pitchFamily="2" charset="2"/>
+              </a:rPr>
+              <a:t> theprotocolguild.eth 2024-11-12       –50 USDC</a:t>
+            </a:r>
+            <a:endParaRPr lang="en-CH" sz="1400" dirty="0"/>
+          </a:p>
+        </p:txBody>
+      </p:sp>
+      <p:sp>
+        <p:nvSpPr>
+          <p:cNvPr id="16" name="Rectangle 15">
+            <a:extLst>
+              <a:ext uri="{FF2B5EF4-FFF2-40B4-BE49-F238E27FC236}">
+                <a16:creationId xmlns:a16="http://schemas.microsoft.com/office/drawing/2014/main" id="{47C404E0-CEBE-1589-D41A-15221803305A}"/>
+              </a:ext>
+            </a:extLst>
+          </p:cNvPr>
+          <p:cNvSpPr/>
+          <p:nvPr/>
+        </p:nvSpPr>
+        <p:spPr>
+          <a:xfrm>
+            <a:off x="955254" y="4832215"/>
+            <a:ext cx="2106592" cy="545690"/>
+          </a:xfrm>
+          <a:prstGeom prst="rect">
+            <a:avLst/>
+          </a:prstGeom>
+        </p:spPr>
+        <p:style>
+          <a:lnRef idx="2">
+            <a:schemeClr val="accent1"/>
+          </a:lnRef>
+          <a:fillRef idx="1">
+            <a:schemeClr val="lt1"/>
+          </a:fillRef>
+          <a:effectRef idx="0">
+            <a:schemeClr val="accent1"/>
+          </a:effectRef>
+          <a:fontRef idx="minor">
+            <a:schemeClr val="dk1"/>
+          </a:fontRef>
+        </p:style>
+        <p:txBody>
+          <a:bodyPr rtlCol="0" anchor="ctr"/>
+          <a:lstStyle/>
+          <a:p>
+            <a:pPr algn="ctr"/>
+            <a:r>
+              <a:rPr lang="en-CH" sz="1400" dirty="0">
+                <a:sym typeface="Wingdings" pitchFamily="2" charset="2"/>
+              </a:rPr>
+              <a:t> vitalik.eth</a:t>
+            </a:r>
+            <a:br>
+              <a:rPr lang="en-CH" sz="1400" dirty="0">
+                <a:sym typeface="Wingdings" pitchFamily="2" charset="2"/>
+              </a:rPr>
+            </a:br>
+            <a:r>
+              <a:rPr lang="en-CH" sz="1400" dirty="0">
+                <a:sym typeface="Wingdings" pitchFamily="2" charset="2"/>
+              </a:rPr>
+              <a:t>2024-11-11                1 ETH</a:t>
+            </a:r>
+            <a:endParaRPr lang="en-CH" sz="1400" dirty="0"/>
+          </a:p>
+        </p:txBody>
+      </p:sp>
+      <p:sp>
+        <p:nvSpPr>
+          <p:cNvPr id="17" name="Rectangle 16">
+            <a:extLst>
+              <a:ext uri="{FF2B5EF4-FFF2-40B4-BE49-F238E27FC236}">
+                <a16:creationId xmlns:a16="http://schemas.microsoft.com/office/drawing/2014/main" id="{55560814-2455-F4CC-5EB3-5C6F807E5A3F}"/>
+              </a:ext>
+            </a:extLst>
+          </p:cNvPr>
+          <p:cNvSpPr/>
+          <p:nvPr/>
+        </p:nvSpPr>
+        <p:spPr>
+          <a:xfrm>
+            <a:off x="955254" y="5452604"/>
+            <a:ext cx="2106592" cy="545690"/>
+          </a:xfrm>
+          <a:prstGeom prst="rect">
+            <a:avLst/>
+          </a:prstGeom>
+        </p:spPr>
+        <p:style>
+          <a:lnRef idx="2">
+            <a:schemeClr val="accent1"/>
+          </a:lnRef>
+          <a:fillRef idx="1">
+            <a:schemeClr val="lt1"/>
+          </a:fillRef>
+          <a:effectRef idx="0">
+            <a:schemeClr val="accent1"/>
+          </a:effectRef>
+          <a:fontRef idx="minor">
+            <a:schemeClr val="dk1"/>
+          </a:fontRef>
+        </p:style>
+        <p:txBody>
+          <a:bodyPr rtlCol="0" anchor="ctr"/>
+          <a:lstStyle/>
+          <a:p>
+            <a:pPr algn="ctr"/>
+            <a:r>
+              <a:rPr lang="en-CH" sz="1400" dirty="0">
+                <a:sym typeface="Wingdings" pitchFamily="2" charset="2"/>
+              </a:rPr>
+              <a:t>🎉 Block #123 produced</a:t>
+            </a:r>
+            <a:br>
+              <a:rPr lang="en-CH" sz="1400" dirty="0">
+                <a:sym typeface="Wingdings" pitchFamily="2" charset="2"/>
+              </a:rPr>
+            </a:br>
+            <a:r>
+              <a:rPr lang="en-CH" sz="1400" dirty="0">
+                <a:sym typeface="Wingdings" pitchFamily="2" charset="2"/>
+              </a:rPr>
+              <a:t>2024-11-09         0.08 ETH</a:t>
+            </a:r>
+            <a:endParaRPr lang="en-CH" sz="1400" dirty="0"/>
+          </a:p>
+        </p:txBody>
+      </p:sp>
+      <p:sp>
+        <p:nvSpPr>
+          <p:cNvPr id="36" name="TextBox 35">
+            <a:extLst>
+              <a:ext uri="{FF2B5EF4-FFF2-40B4-BE49-F238E27FC236}">
+                <a16:creationId xmlns:a16="http://schemas.microsoft.com/office/drawing/2014/main" id="{CE526EFD-7C14-EA46-5987-7305DE27F9FF}"/>
+              </a:ext>
+            </a:extLst>
+          </p:cNvPr>
+          <p:cNvSpPr txBox="1"/>
+          <p:nvPr/>
+        </p:nvSpPr>
+        <p:spPr>
+          <a:xfrm>
+            <a:off x="3935358" y="1985547"/>
+            <a:ext cx="6400800" cy="3970318"/>
+          </a:xfrm>
+          <a:prstGeom prst="rect">
+            <a:avLst/>
+          </a:prstGeom>
+          <a:noFill/>
+        </p:spPr>
+        <p:txBody>
+          <a:bodyPr wrap="square" rtlCol="0">
+            <a:spAutoFit/>
+          </a:bodyPr>
+          <a:lstStyle/>
+          <a:p>
+            <a:r>
+              <a:rPr lang="en-CH" sz="2800" dirty="0"/>
+              <a:t>Devnet</a:t>
+            </a:r>
+          </a:p>
+          <a:p>
+            <a:r>
+              <a:rPr lang="en-CH" sz="2000" dirty="0"/>
+              <a:t>Nimbus + EthereumJS + Helios</a:t>
+            </a:r>
+          </a:p>
+          <a:p>
+            <a:endParaRPr lang="en-CH" sz="2000" dirty="0"/>
+          </a:p>
+          <a:p>
+            <a:r>
+              <a:rPr lang="en-CH" sz="2800" dirty="0"/>
+              <a:t>Buidling guides</a:t>
+            </a:r>
+          </a:p>
+          <a:p>
+            <a:r>
+              <a:rPr lang="en-CH" sz="2000" dirty="0"/>
+              <a:t>Verifying wallets</a:t>
+            </a:r>
+          </a:p>
+          <a:p>
+            <a:r>
+              <a:rPr lang="en-CH" sz="2000" dirty="0"/>
+              <a:t>Web3 purifiers</a:t>
+            </a:r>
+          </a:p>
+          <a:p>
+            <a:endParaRPr lang="en-CH" sz="2800" dirty="0"/>
+          </a:p>
+          <a:p>
+            <a:r>
+              <a:rPr lang="en-CH" sz="2800" dirty="0"/>
+              <a:t>Developer tools</a:t>
+            </a:r>
+          </a:p>
+          <a:p>
+            <a:r>
+              <a:rPr lang="en-CH" sz="2000" dirty="0">
+                <a:sym typeface="Wingdings" pitchFamily="2" charset="2"/>
+              </a:rPr>
+              <a:t>Kurtosis network config</a:t>
+            </a:r>
+            <a:endParaRPr lang="en-CH" sz="2000" dirty="0"/>
+          </a:p>
+          <a:p>
+            <a:r>
+              <a:rPr lang="en-CH" sz="2000" dirty="0"/>
+              <a:t>RLP </a:t>
+            </a:r>
+            <a:r>
+              <a:rPr lang="en-CH" sz="2000" dirty="0">
+                <a:sym typeface="Wingdings" pitchFamily="2" charset="2"/>
+              </a:rPr>
+              <a:t> SSZ converting explorer</a:t>
+            </a:r>
+          </a:p>
+          <a:p>
+            <a:r>
+              <a:rPr lang="en-CH" sz="2000" dirty="0">
+                <a:sym typeface="Wingdings" pitchFamily="2" charset="2"/>
+              </a:rPr>
+              <a:t>SSZ StableContainer implementations</a:t>
+            </a:r>
+          </a:p>
+        </p:txBody>
+      </p:sp>
+      <p:sp>
+        <p:nvSpPr>
+          <p:cNvPr id="3" name="Rectangle 2">
+            <a:extLst>
+              <a:ext uri="{FF2B5EF4-FFF2-40B4-BE49-F238E27FC236}">
+                <a16:creationId xmlns:a16="http://schemas.microsoft.com/office/drawing/2014/main" id="{E7A89788-8B38-4D10-B6AA-65BA405B2243}"/>
+              </a:ext>
+            </a:extLst>
+          </p:cNvPr>
+          <p:cNvSpPr/>
+          <p:nvPr/>
+        </p:nvSpPr>
+        <p:spPr>
+          <a:xfrm>
+            <a:off x="838200" y="1883415"/>
+            <a:ext cx="2347452" cy="4237166"/>
+          </a:xfrm>
+          <a:prstGeom prst="rect">
+            <a:avLst/>
+          </a:prstGeom>
+          <a:noFill/>
+          <a:ln w="38100">
+            <a:solidFill>
+              <a:schemeClr val="accent1"/>
+            </a:solidFill>
+          </a:ln>
+        </p:spPr>
+        <p:style>
+          <a:lnRef idx="2">
+            <a:schemeClr val="accent1">
+              <a:shade val="15000"/>
+            </a:schemeClr>
+          </a:lnRef>
+          <a:fillRef idx="1">
+            <a:schemeClr val="accent1"/>
+          </a:fillRef>
+          <a:effectRef idx="0">
+            <a:schemeClr val="accent1"/>
+          </a:effectRef>
+          <a:fontRef idx="minor">
+            <a:schemeClr val="lt1"/>
+          </a:fontRef>
+        </p:style>
+        <p:txBody>
+          <a:bodyPr rtlCol="0" anchor="ctr"/>
+          <a:lstStyle/>
+          <a:p>
+            <a:pPr algn="ctr"/>
+            <a:endParaRPr lang="en-CH"/>
+          </a:p>
+        </p:txBody>
+      </p:sp>
+      <p:pic>
+        <p:nvPicPr>
+          <p:cNvPr id="8" name="Picture 2" descr="A QR Code">
+            <a:extLst>
+              <a:ext uri="{FF2B5EF4-FFF2-40B4-BE49-F238E27FC236}">
+                <a16:creationId xmlns:a16="http://schemas.microsoft.com/office/drawing/2014/main" id="{0AD5CDDF-DB5B-BDB5-0C23-2C8809591893}"/>
+              </a:ext>
+            </a:extLst>
+          </p:cNvPr>
+          <p:cNvPicPr>
+            <a:picLocks noChangeAspect="1" noChangeArrowheads="1"/>
+          </p:cNvPicPr>
+          <p:nvPr/>
+        </p:nvPicPr>
+        <p:blipFill>
+          <a:blip r:embed="rId4">
+            <a:extLst>
+              <a:ext uri="{28A0092B-C50C-407E-A947-70E740481C1C}">
+                <a14:useLocalDpi xmlns:a14="http://schemas.microsoft.com/office/drawing/2010/main" val="0"/>
+              </a:ext>
+            </a:extLst>
+          </a:blip>
+          <a:srcRect/>
+          <a:stretch>
+            <a:fillRect/>
+          </a:stretch>
+        </p:blipFill>
+        <p:spPr bwMode="auto">
+          <a:xfrm>
+            <a:off x="8517610" y="1883415"/>
+            <a:ext cx="2719136" cy="2719136"/>
+          </a:xfrm>
+          <a:prstGeom prst="rect">
+            <a:avLst/>
+          </a:prstGeom>
+          <a:noFill/>
+          <a:extLst>
+            <a:ext uri="{909E8E84-426E-40DD-AFC4-6F175D3DCCD1}">
+              <a14:hiddenFill xmlns:a14="http://schemas.microsoft.com/office/drawing/2010/main">
+                <a:solidFill>
+                  <a:srgbClr val="FFFFFF"/>
+                </a:solidFill>
+              </a14:hiddenFill>
+            </a:ext>
+          </a:extLst>
+        </p:spPr>
+      </p:pic>
+      <p:sp>
+        <p:nvSpPr>
+          <p:cNvPr id="11" name="TextBox 10">
+            <a:extLst>
+              <a:ext uri="{FF2B5EF4-FFF2-40B4-BE49-F238E27FC236}">
+                <a16:creationId xmlns:a16="http://schemas.microsoft.com/office/drawing/2014/main" id="{CF6CA57A-748B-EA6D-D523-38B86FBE010D}"/>
+              </a:ext>
+            </a:extLst>
+          </p:cNvPr>
+          <p:cNvSpPr txBox="1"/>
+          <p:nvPr/>
+        </p:nvSpPr>
+        <p:spPr>
+          <a:xfrm>
+            <a:off x="8041745" y="4493601"/>
+            <a:ext cx="3640918" cy="461665"/>
+          </a:xfrm>
+          <a:prstGeom prst="rect">
+            <a:avLst/>
+          </a:prstGeom>
+          <a:noFill/>
+        </p:spPr>
+        <p:txBody>
+          <a:bodyPr wrap="square" rtlCol="0">
+            <a:spAutoFit/>
+          </a:bodyPr>
+          <a:lstStyle/>
+          <a:p>
+            <a:pPr algn="ctr"/>
+            <a:r>
+              <a:rPr lang="en-CH" sz="2400" b="1" dirty="0"/>
+              <a:t>https://fusaka-light.box</a:t>
+            </a:r>
+          </a:p>
+        </p:txBody>
+      </p:sp>
+    </p:spTree>
+    <p:extLst>
+      <p:ext uri="{BB962C8B-B14F-4D97-AF65-F5344CB8AC3E}">
+        <p14:creationId xmlns:p14="http://schemas.microsoft.com/office/powerpoint/2010/main" val="745918056"/>
+      </p:ext>
+    </p:extLst>
+  </p:cSld>
+  <p:clrMapOvr>
+    <a:masterClrMapping/>
+  </p:clrMapOvr>
+</p:sld>
+</file>
+
+<file path=ppt/slides/slide31.xml><?xml version="1.0" encoding="utf-8"?>
 <p:sld xmlns:a="http://schemas.openxmlformats.org/drawingml/2006/main" xmlns:r="http://schemas.openxmlformats.org/officeDocument/2006/relationships" xmlns:p="http://schemas.openxmlformats.org/presentationml/2006/main">
   <p:cSld>
     <p:spTree>

--- a/slides.pptx
+++ b/slides.pptx
@@ -22304,7 +22304,7 @@
             <a:pPr algn="ctr"/>
             <a:r>
               <a:rPr lang="en-CH" dirty="0"/>
-              <a:t>Block root</a:t>
+              <a:t>Block number</a:t>
             </a:r>
           </a:p>
         </p:txBody>
@@ -22491,7 +22491,7 @@
             <a:pPr algn="ctr"/>
             <a:r>
               <a:rPr lang="en-CH" dirty="0"/>
-              <a:t>Tx root</a:t>
+              <a:t>Tx index</a:t>
             </a:r>
           </a:p>
         </p:txBody>
@@ -23453,6 +23453,58 @@
               <a:rPr lang="en-CH" sz="2000" dirty="0"/>
               <a:t>Fetchable with eth_getProof</a:t>
             </a:r>
+          </a:p>
+        </p:txBody>
+      </p:sp>
+      <p:sp>
+        <p:nvSpPr>
+          <p:cNvPr id="4" name="Cloud 3">
+            <a:extLst>
+              <a:ext uri="{FF2B5EF4-FFF2-40B4-BE49-F238E27FC236}">
+                <a16:creationId xmlns:a16="http://schemas.microsoft.com/office/drawing/2014/main" id="{D5A3CC9F-725F-2460-B840-49A7A6780CCF}"/>
+              </a:ext>
+            </a:extLst>
+          </p:cNvPr>
+          <p:cNvSpPr/>
+          <p:nvPr/>
+        </p:nvSpPr>
+        <p:spPr>
+          <a:xfrm>
+            <a:off x="7574220" y="618016"/>
+            <a:ext cx="4335403" cy="1006998"/>
+          </a:xfrm>
+          <a:prstGeom prst="cloud">
+            <a:avLst/>
+          </a:prstGeom>
+        </p:spPr>
+        <p:style>
+          <a:lnRef idx="2">
+            <a:schemeClr val="accent1"/>
+          </a:lnRef>
+          <a:fillRef idx="1">
+            <a:schemeClr val="lt1"/>
+          </a:fillRef>
+          <a:effectRef idx="0">
+            <a:schemeClr val="accent1"/>
+          </a:effectRef>
+          <a:fontRef idx="minor">
+            <a:schemeClr val="dk1"/>
+          </a:fontRef>
+        </p:style>
+        <p:txBody>
+          <a:bodyPr rtlCol="0" anchor="ctr"/>
+          <a:lstStyle/>
+          <a:p>
+            <a:pPr algn="ctr"/>
+            <a:r>
+              <a:rPr lang="en-CH" dirty="0"/>
+              <a:t>EIP-7745: </a:t>
+            </a:r>
+            <a:r>
+              <a:rPr lang="en-GB" dirty="0"/>
+              <a:t>Two dimensional log filter data structure</a:t>
+            </a:r>
+            <a:endParaRPr lang="en-CH" dirty="0"/>
           </a:p>
         </p:txBody>
       </p:sp>

--- a/slides.pptx
+++ b/slides.pptx
@@ -7560,9 +7560,9 @@
           <a:gradFill>
             <a:gsLst>
               <a:gs pos="20000">
-                <a:schemeClr val="accent6">
-                  <a:lumMod val="40000"/>
-                  <a:lumOff val="60000"/>
+                <a:schemeClr val="tx2">
+                  <a:lumMod val="25000"/>
+                  <a:lumOff val="75000"/>
                 </a:schemeClr>
               </a:gs>
               <a:gs pos="100000">
@@ -7596,7 +7596,7 @@
           <a:lstStyle/>
           <a:p>
             <a:pPr algn="ctr"/>
-            <a:endParaRPr lang="en-CH"/>
+            <a:endParaRPr lang="en-CH" dirty="0"/>
           </a:p>
         </p:txBody>
       </p:sp>
@@ -8298,6 +8298,41 @@
           </a:fontRef>
         </p:style>
       </p:cxnSp>
+      <p:sp>
+        <p:nvSpPr>
+          <p:cNvPr id="4" name="TextBox 3">
+            <a:extLst>
+              <a:ext uri="{FF2B5EF4-FFF2-40B4-BE49-F238E27FC236}">
+                <a16:creationId xmlns:a16="http://schemas.microsoft.com/office/drawing/2014/main" id="{6C159658-F56D-D42A-123C-9CA75026CFC9}"/>
+              </a:ext>
+            </a:extLst>
+          </p:cNvPr>
+          <p:cNvSpPr txBox="1"/>
+          <p:nvPr/>
+        </p:nvSpPr>
+        <p:spPr>
+          <a:xfrm>
+            <a:off x="8684914" y="5105060"/>
+            <a:ext cx="1172116" cy="369332"/>
+          </a:xfrm>
+          <a:prstGeom prst="rect">
+            <a:avLst/>
+          </a:prstGeom>
+          <a:noFill/>
+        </p:spPr>
+        <p:txBody>
+          <a:bodyPr wrap="none" rtlCol="0">
+            <a:spAutoFit/>
+          </a:bodyPr>
+          <a:lstStyle/>
+          <a:p>
+            <a:r>
+              <a:rPr lang="en-CH" dirty="0"/>
+              <a:t>ecrecover</a:t>
+            </a:r>
+          </a:p>
+        </p:txBody>
+      </p:sp>
     </p:spTree>
     <p:extLst>
       <p:ext uri="{BB962C8B-B14F-4D97-AF65-F5344CB8AC3E}">
@@ -23470,8 +23505,8 @@
         </p:nvSpPr>
         <p:spPr>
           <a:xfrm>
-            <a:off x="7574220" y="618016"/>
-            <a:ext cx="4335403" cy="1006998"/>
+            <a:off x="7268902" y="618016"/>
+            <a:ext cx="4640722" cy="1006998"/>
           </a:xfrm>
           <a:prstGeom prst="cloud">
             <a:avLst/>

--- a/slides.pptx
+++ b/slides.pptx
@@ -6406,6 +6406,13 @@
             <a:r>
               <a:rPr lang="en-CH" dirty="0"/>
               <a:t>Verifying wallets</a:t>
+            </a:r>
+            <a:br>
+              <a:rPr lang="en-CH" dirty="0"/>
+            </a:br>
+            <a:r>
+              <a:rPr lang="en-CH" dirty="0"/>
+              <a:t>Light clients and SSZ</a:t>
             </a:r>
           </a:p>
         </p:txBody>

--- a/slides.pptx
+++ b/slides.pptx
@@ -227,7 +227,7 @@
           <a:p>
             <a:fld id="{E245C6CD-5F06-0246-BE5E-2C304CA8388D}" type="datetimeFigureOut">
               <a:rPr lang="en-CH" smtClean="0"/>
-              <a:t>11.11.2024</a:t>
+              <a:t>17.11.2024</a:t>
             </a:fld>
             <a:endParaRPr lang="en-CH"/>
           </a:p>
@@ -3296,7 +3296,7 @@
           <a:p>
             <a:fld id="{0AEC86C6-164F-B14A-83ED-F3C15812FCD0}" type="datetimeFigureOut">
               <a:rPr lang="en-CH" smtClean="0"/>
-              <a:t>11.11.2024</a:t>
+              <a:t>17.11.2024</a:t>
             </a:fld>
             <a:endParaRPr lang="en-CH"/>
           </a:p>
@@ -3496,7 +3496,7 @@
           <a:p>
             <a:fld id="{0AEC86C6-164F-B14A-83ED-F3C15812FCD0}" type="datetimeFigureOut">
               <a:rPr lang="en-CH" smtClean="0"/>
-              <a:t>11.11.2024</a:t>
+              <a:t>17.11.2024</a:t>
             </a:fld>
             <a:endParaRPr lang="en-CH"/>
           </a:p>
@@ -3706,7 +3706,7 @@
           <a:p>
             <a:fld id="{0AEC86C6-164F-B14A-83ED-F3C15812FCD0}" type="datetimeFigureOut">
               <a:rPr lang="en-CH" smtClean="0"/>
-              <a:t>11.11.2024</a:t>
+              <a:t>17.11.2024</a:t>
             </a:fld>
             <a:endParaRPr lang="en-CH"/>
           </a:p>
@@ -3906,7 +3906,7 @@
           <a:p>
             <a:fld id="{0AEC86C6-164F-B14A-83ED-F3C15812FCD0}" type="datetimeFigureOut">
               <a:rPr lang="en-CH" smtClean="0"/>
-              <a:t>11.11.2024</a:t>
+              <a:t>17.11.2024</a:t>
             </a:fld>
             <a:endParaRPr lang="en-CH"/>
           </a:p>
@@ -4182,7 +4182,7 @@
           <a:p>
             <a:fld id="{0AEC86C6-164F-B14A-83ED-F3C15812FCD0}" type="datetimeFigureOut">
               <a:rPr lang="en-CH" smtClean="0"/>
-              <a:t>11.11.2024</a:t>
+              <a:t>17.11.2024</a:t>
             </a:fld>
             <a:endParaRPr lang="en-CH"/>
           </a:p>
@@ -4450,7 +4450,7 @@
           <a:p>
             <a:fld id="{0AEC86C6-164F-B14A-83ED-F3C15812FCD0}" type="datetimeFigureOut">
               <a:rPr lang="en-CH" smtClean="0"/>
-              <a:t>11.11.2024</a:t>
+              <a:t>17.11.2024</a:t>
             </a:fld>
             <a:endParaRPr lang="en-CH"/>
           </a:p>
@@ -4865,7 +4865,7 @@
           <a:p>
             <a:fld id="{0AEC86C6-164F-B14A-83ED-F3C15812FCD0}" type="datetimeFigureOut">
               <a:rPr lang="en-CH" smtClean="0"/>
-              <a:t>11.11.2024</a:t>
+              <a:t>17.11.2024</a:t>
             </a:fld>
             <a:endParaRPr lang="en-CH"/>
           </a:p>
@@ -5007,7 +5007,7 @@
           <a:p>
             <a:fld id="{0AEC86C6-164F-B14A-83ED-F3C15812FCD0}" type="datetimeFigureOut">
               <a:rPr lang="en-CH" smtClean="0"/>
-              <a:t>11.11.2024</a:t>
+              <a:t>17.11.2024</a:t>
             </a:fld>
             <a:endParaRPr lang="en-CH"/>
           </a:p>
@@ -5120,7 +5120,7 @@
           <a:p>
             <a:fld id="{0AEC86C6-164F-B14A-83ED-F3C15812FCD0}" type="datetimeFigureOut">
               <a:rPr lang="en-CH" smtClean="0"/>
-              <a:t>11.11.2024</a:t>
+              <a:t>17.11.2024</a:t>
             </a:fld>
             <a:endParaRPr lang="en-CH"/>
           </a:p>
@@ -5433,7 +5433,7 @@
           <a:p>
             <a:fld id="{0AEC86C6-164F-B14A-83ED-F3C15812FCD0}" type="datetimeFigureOut">
               <a:rPr lang="en-CH" smtClean="0"/>
-              <a:t>11.11.2024</a:t>
+              <a:t>17.11.2024</a:t>
             </a:fld>
             <a:endParaRPr lang="en-CH"/>
           </a:p>
@@ -5722,7 +5722,7 @@
           <a:p>
             <a:fld id="{0AEC86C6-164F-B14A-83ED-F3C15812FCD0}" type="datetimeFigureOut">
               <a:rPr lang="en-CH" smtClean="0"/>
-              <a:t>11.11.2024</a:t>
+              <a:t>17.11.2024</a:t>
             </a:fld>
             <a:endParaRPr lang="en-CH"/>
           </a:p>
@@ -5965,7 +5965,7 @@
           <a:p>
             <a:fld id="{0AEC86C6-164F-B14A-83ED-F3C15812FCD0}" type="datetimeFigureOut">
               <a:rPr lang="en-CH" smtClean="0"/>
-              <a:t>11.11.2024</a:t>
+              <a:t>17.11.2024</a:t>
             </a:fld>
             <a:endParaRPr lang="en-CH"/>
           </a:p>
@@ -53906,89 +53906,72 @@
           </a:p>
         </p:txBody>
       </p:sp>
+      <p:sp>
+        <p:nvSpPr>
+          <p:cNvPr id="11" name="TextBox 10">
+            <a:extLst>
+              <a:ext uri="{FF2B5EF4-FFF2-40B4-BE49-F238E27FC236}">
+                <a16:creationId xmlns:a16="http://schemas.microsoft.com/office/drawing/2014/main" id="{CF6CA57A-748B-EA6D-D523-38B86FBE010D}"/>
+              </a:ext>
+            </a:extLst>
+          </p:cNvPr>
+          <p:cNvSpPr txBox="1"/>
+          <p:nvPr/>
+        </p:nvSpPr>
+        <p:spPr>
+          <a:xfrm>
+            <a:off x="7743423" y="4493601"/>
+            <a:ext cx="4237562" cy="461665"/>
+          </a:xfrm>
+          <a:prstGeom prst="rect">
+            <a:avLst/>
+          </a:prstGeom>
+          <a:noFill/>
+        </p:spPr>
+        <p:txBody>
+          <a:bodyPr wrap="square" rtlCol="0">
+            <a:spAutoFit/>
+          </a:bodyPr>
+          <a:lstStyle/>
+          <a:p>
+            <a:pPr algn="ctr"/>
+            <a:r>
+              <a:rPr lang="en-CH" sz="2400" b="1" dirty="0"/>
+              <a:t>https://purified-web3.box</a:t>
+            </a:r>
+          </a:p>
+        </p:txBody>
+      </p:sp>
       <p:pic>
         <p:nvPicPr>
-          <p:cNvPr id="8" name="Picture 2" descr="A QR Code">
-            <a:extLst>
-              <a:ext uri="{FF2B5EF4-FFF2-40B4-BE49-F238E27FC236}">
-                <a16:creationId xmlns:a16="http://schemas.microsoft.com/office/drawing/2014/main" id="{0AD5CDDF-DB5B-BDB5-0C23-2C8809591893}"/>
+          <p:cNvPr id="9" name="Picture 8">
+            <a:extLst>
+              <a:ext uri="{FF2B5EF4-FFF2-40B4-BE49-F238E27FC236}">
+                <a16:creationId xmlns:a16="http://schemas.microsoft.com/office/drawing/2014/main" id="{F69456DD-ABCD-AD1D-817B-F65BFB4E1C18}"/>
               </a:ext>
             </a:extLst>
           </p:cNvPr>
           <p:cNvPicPr>
-            <a:picLocks noChangeAspect="1" noChangeArrowheads="1"/>
+            <a:picLocks noChangeAspect="1"/>
           </p:cNvPicPr>
           <p:nvPr/>
         </p:nvPicPr>
         <p:blipFill>
-          <a:blip r:embed="rId4">
-            <a:extLst>
-              <a:ext uri="{28A0092B-C50C-407E-A947-70E740481C1C}">
-                <a14:useLocalDpi xmlns:a14="http://schemas.microsoft.com/office/drawing/2010/main" val="0"/>
-              </a:ext>
-            </a:extLst>
-          </a:blip>
-          <a:srcRect/>
+          <a:blip r:embed="rId4"/>
           <a:stretch>
             <a:fillRect/>
           </a:stretch>
         </p:blipFill>
-        <p:spPr bwMode="auto">
-          <a:xfrm>
-            <a:off x="8517610" y="1883415"/>
-            <a:ext cx="2719136" cy="2719136"/>
+        <p:spPr>
+          <a:xfrm>
+            <a:off x="8487662" y="1872524"/>
+            <a:ext cx="2749084" cy="2749084"/>
           </a:xfrm>
           <a:prstGeom prst="rect">
             <a:avLst/>
           </a:prstGeom>
-          <a:noFill/>
-          <a:extLst>
-            <a:ext uri="{909E8E84-426E-40DD-AFC4-6F175D3DCCD1}">
-              <a14:hiddenFill xmlns:a14="http://schemas.microsoft.com/office/drawing/2010/main">
-                <a:solidFill>
-                  <a:srgbClr val="FFFFFF"/>
-                </a:solidFill>
-              </a14:hiddenFill>
-            </a:ext>
-          </a:extLst>
         </p:spPr>
       </p:pic>
-      <p:sp>
-        <p:nvSpPr>
-          <p:cNvPr id="11" name="TextBox 10">
-            <a:extLst>
-              <a:ext uri="{FF2B5EF4-FFF2-40B4-BE49-F238E27FC236}">
-                <a16:creationId xmlns:a16="http://schemas.microsoft.com/office/drawing/2014/main" id="{CF6CA57A-748B-EA6D-D523-38B86FBE010D}"/>
-              </a:ext>
-            </a:extLst>
-          </p:cNvPr>
-          <p:cNvSpPr txBox="1"/>
-          <p:nvPr/>
-        </p:nvSpPr>
-        <p:spPr>
-          <a:xfrm>
-            <a:off x="8041745" y="4493601"/>
-            <a:ext cx="3640918" cy="461665"/>
-          </a:xfrm>
-          <a:prstGeom prst="rect">
-            <a:avLst/>
-          </a:prstGeom>
-          <a:noFill/>
-        </p:spPr>
-        <p:txBody>
-          <a:bodyPr wrap="square" rtlCol="0">
-            <a:spAutoFit/>
-          </a:bodyPr>
-          <a:lstStyle/>
-          <a:p>
-            <a:pPr algn="ctr"/>
-            <a:r>
-              <a:rPr lang="en-CH" sz="2400" b="1" dirty="0"/>
-              <a:t>https://fusaka-light.box</a:t>
-            </a:r>
-          </a:p>
-        </p:txBody>
-      </p:sp>
     </p:spTree>
     <p:extLst>
       <p:ext uri="{BB962C8B-B14F-4D97-AF65-F5344CB8AC3E}">
